--- a/Slides/ChatGPT_Prompting.pptx
+++ b/Slides/ChatGPT_Prompting.pptx
@@ -14,8 +14,15 @@
     <p:sldId id="264" r:id="rId8"/>
     <p:sldId id="268" r:id="rId9"/>
     <p:sldId id="269" r:id="rId10"/>
-    <p:sldId id="257" r:id="rId11"/>
-    <p:sldId id="258" r:id="rId12"/>
+    <p:sldId id="270" r:id="rId11"/>
+    <p:sldId id="271" r:id="rId12"/>
+    <p:sldId id="273" r:id="rId13"/>
+    <p:sldId id="272" r:id="rId14"/>
+    <p:sldId id="274" r:id="rId15"/>
+    <p:sldId id="275" r:id="rId16"/>
+    <p:sldId id="276" r:id="rId17"/>
+    <p:sldId id="277" r:id="rId18"/>
+    <p:sldId id="258" r:id="rId19"/>
   </p:sldIdLst>
   <p:sldSz cx="12192000" cy="6858000"/>
   <p:notesSz cx="6858000" cy="9144000"/>
@@ -3423,7 +3430,84 @@
       </p:grpSpPr>
       <p:sp>
         <p:nvSpPr>
-          <p:cNvPr id="3" name="TextBox 2">
+          <p:cNvPr id="4" name="Title 3">
+            <a:extLst>
+              <a:ext uri="{FF2B5EF4-FFF2-40B4-BE49-F238E27FC236}">
+                <a16:creationId xmlns:a16="http://schemas.microsoft.com/office/drawing/2014/main" id="{0A973A72-66AC-6237-A32A-BB937BF13A3D}"/>
+              </a:ext>
+            </a:extLst>
+          </p:cNvPr>
+          <p:cNvSpPr>
+            <a:spLocks noGrp="1"/>
+          </p:cNvSpPr>
+          <p:nvPr>
+            <p:ph type="title"/>
+          </p:nvPr>
+        </p:nvSpPr>
+        <p:spPr>
+          <a:xfrm>
+            <a:off x="751703" y="2428704"/>
+            <a:ext cx="10515600" cy="1325563"/>
+          </a:xfrm>
+        </p:spPr>
+        <p:txBody>
+          <a:bodyPr/>
+          <a:lstStyle/>
+          <a:p>
+            <a:r>
+              <a:rPr lang="en-US" b="1" dirty="0"/>
+              <a:t>Markdown </a:t>
+            </a:r>
+            <a:br>
+              <a:rPr lang="en-US" b="1" dirty="0"/>
+            </a:br>
+            <a:r>
+              <a:rPr lang="en-US" b="1" dirty="0">
+                <a:solidFill>
+                  <a:schemeClr val="tx1">
+                    <a:lumMod val="50000"/>
+                    <a:lumOff val="50000"/>
+                  </a:schemeClr>
+                </a:solidFill>
+              </a:rPr>
+              <a:t>Basic formatting</a:t>
+            </a:r>
+          </a:p>
+        </p:txBody>
+      </p:sp>
+    </p:spTree>
+    <p:extLst>
+      <p:ext uri="{BB962C8B-B14F-4D97-AF65-F5344CB8AC3E}">
+        <p14:creationId xmlns:p14="http://schemas.microsoft.com/office/powerpoint/2010/main" val="2038946522"/>
+      </p:ext>
+    </p:extLst>
+  </p:cSld>
+  <p:clrMapOvr>
+    <a:masterClrMapping/>
+  </p:clrMapOvr>
+</p:sld>
+</file>
+
+<file path=ppt/slides/slide11.xml><?xml version="1.0" encoding="utf-8"?>
+<p:sld xmlns:a="http://schemas.openxmlformats.org/drawingml/2006/main" xmlns:r="http://schemas.openxmlformats.org/officeDocument/2006/relationships" xmlns:p="http://schemas.openxmlformats.org/presentationml/2006/main">
+  <p:cSld>
+    <p:spTree>
+      <p:nvGrpSpPr>
+        <p:cNvPr id="1" name=""/>
+        <p:cNvGrpSpPr/>
+        <p:nvPr/>
+      </p:nvGrpSpPr>
+      <p:grpSpPr>
+        <a:xfrm>
+          <a:off x="0" y="0"/>
+          <a:ext cx="0" cy="0"/>
+          <a:chOff x="0" y="0"/>
+          <a:chExt cx="0" cy="0"/>
+        </a:xfrm>
+      </p:grpSpPr>
+      <p:sp>
+        <p:nvSpPr>
+          <p:cNvPr id="3" name="!!Headers">
             <a:extLst>
               <a:ext uri="{FF2B5EF4-FFF2-40B4-BE49-F238E27FC236}">
                 <a16:creationId xmlns:a16="http://schemas.microsoft.com/office/drawing/2014/main" id="{A115EFB8-946C-EB48-E7FA-52246FF2BC4A}"/>
@@ -3435,8 +3519,8 @@
         </p:nvSpPr>
         <p:spPr>
           <a:xfrm>
-            <a:off x="330542" y="0"/>
-            <a:ext cx="7886701" cy="7171194"/>
+            <a:off x="2295267" y="1989438"/>
+            <a:ext cx="7886701" cy="2677656"/>
           </a:xfrm>
           <a:prstGeom prst="rect">
             <a:avLst/>
@@ -3451,7 +3535,7 @@
           <a:p>
             <a:pPr algn="l"/>
             <a:r>
-              <a:rPr lang="en-US" b="1" i="0" dirty="0">
+              <a:rPr lang="en-US" sz="2800" b="1" i="0" dirty="0">
                 <a:solidFill>
                   <a:srgbClr val="0D0D0D"/>
                 </a:solidFill>
@@ -3459,7 +3543,8 @@
                 <a:highlight>
                   <a:srgbClr val="FFFFFF"/>
                 </a:highlight>
-                <a:latin typeface="Söhne"/>
+                <a:latin typeface="Fira Code" panose="020B0809050000020004" pitchFamily="49" charset="0"/>
+                <a:ea typeface="Fira Code" panose="020B0809050000020004" pitchFamily="49" charset="0"/>
               </a:rPr>
               <a:t>Headers</a:t>
             </a:r>
@@ -3467,7 +3552,7 @@
           <a:p>
             <a:pPr algn="l"/>
             <a:r>
-              <a:rPr lang="en-US" b="0" i="0" dirty="0">
+              <a:rPr lang="en-US" sz="2800" b="0" i="0" dirty="0">
                 <a:solidFill>
                   <a:srgbClr val="0D0D0D"/>
                 </a:solidFill>
@@ -3475,15 +3560,29 @@
                 <a:highlight>
                   <a:srgbClr val="FFFFFF"/>
                 </a:highlight>
-                <a:latin typeface="Söhne"/>
+                <a:latin typeface="Fira Code" panose="020B0809050000020004" pitchFamily="49" charset="0"/>
+                <a:ea typeface="Fira Code" panose="020B0809050000020004" pitchFamily="49" charset="0"/>
               </a:rPr>
-              <a:t>Use # for headers. More #s mean smaller headers.</a:t>
+              <a:t>Use # for headers</a:t>
             </a:r>
           </a:p>
           <a:p>
             <a:pPr algn="l"/>
-            <a:r>
-              <a:rPr lang="en-US" b="0" i="0" dirty="0">
+            <a:endParaRPr lang="en-US" sz="2800" dirty="0">
+              <a:solidFill>
+                <a:srgbClr val="0D0D0D"/>
+              </a:solidFill>
+              <a:highlight>
+                <a:srgbClr val="FFFFFF"/>
+              </a:highlight>
+              <a:latin typeface="Fira Code" panose="020B0809050000020004" pitchFamily="49" charset="0"/>
+              <a:ea typeface="Fira Code" panose="020B0809050000020004" pitchFamily="49" charset="0"/>
+            </a:endParaRPr>
+          </a:p>
+          <a:p>
+            <a:pPr algn="l"/>
+            <a:r>
+              <a:rPr lang="en-US" sz="3600" b="1" i="0" dirty="0">
                 <a:solidFill>
                   <a:srgbClr val="0D0D0D"/>
                 </a:solidFill>
@@ -3491,15 +3590,105 @@
                 <a:highlight>
                   <a:srgbClr val="FFFFFF"/>
                 </a:highlight>
-                <a:latin typeface="Söhne"/>
+                <a:latin typeface="Fira Code" panose="020B0809050000020004" pitchFamily="49" charset="0"/>
+                <a:ea typeface="Fira Code" panose="020B0809050000020004" pitchFamily="49" charset="0"/>
               </a:rPr>
               <a:t># Header 1</a:t>
             </a:r>
           </a:p>
           <a:p>
+            <a:r>
+              <a:rPr lang="en-US" sz="2800" b="1" dirty="0">
+                <a:solidFill>
+                  <a:srgbClr val="0D0D0D"/>
+                </a:solidFill>
+                <a:highlight>
+                  <a:srgbClr val="FFFFFF"/>
+                </a:highlight>
+                <a:latin typeface="Fira Code" panose="020B0809050000020004" pitchFamily="49" charset="0"/>
+                <a:ea typeface="Fira Code" panose="020B0809050000020004" pitchFamily="49" charset="0"/>
+              </a:rPr>
+              <a:t>## Header 2</a:t>
+            </a:r>
+          </a:p>
+          <a:p>
+            <a:r>
+              <a:rPr lang="en-US" sz="2000" b="1" dirty="0">
+                <a:solidFill>
+                  <a:srgbClr val="0D0D0D"/>
+                </a:solidFill>
+                <a:highlight>
+                  <a:srgbClr val="FFFFFF"/>
+                </a:highlight>
+                <a:latin typeface="Fira Code" panose="020B0809050000020004" pitchFamily="49" charset="0"/>
+                <a:ea typeface="Fira Code" panose="020B0809050000020004" pitchFamily="49" charset="0"/>
+              </a:rPr>
+              <a:t>### Header 3</a:t>
+            </a:r>
+          </a:p>
+        </p:txBody>
+      </p:sp>
+    </p:spTree>
+    <p:extLst>
+      <p:ext uri="{BB962C8B-B14F-4D97-AF65-F5344CB8AC3E}">
+        <p14:creationId xmlns:p14="http://schemas.microsoft.com/office/powerpoint/2010/main" val="2323544172"/>
+      </p:ext>
+    </p:extLst>
+  </p:cSld>
+  <p:clrMapOvr>
+    <a:masterClrMapping/>
+  </p:clrMapOvr>
+</p:sld>
+</file>
+
+<file path=ppt/slides/slide12.xml><?xml version="1.0" encoding="utf-8"?>
+<p:sld xmlns:a="http://schemas.openxmlformats.org/drawingml/2006/main" xmlns:r="http://schemas.openxmlformats.org/officeDocument/2006/relationships" xmlns:p="http://schemas.openxmlformats.org/presentationml/2006/main">
+  <p:cSld>
+    <p:spTree>
+      <p:nvGrpSpPr>
+        <p:cNvPr id="1" name=""/>
+        <p:cNvGrpSpPr/>
+        <p:nvPr/>
+      </p:nvGrpSpPr>
+      <p:grpSpPr>
+        <a:xfrm>
+          <a:off x="0" y="0"/>
+          <a:ext cx="0" cy="0"/>
+          <a:chOff x="0" y="0"/>
+          <a:chExt cx="0" cy="0"/>
+        </a:xfrm>
+      </p:grpSpPr>
+      <p:sp>
+        <p:nvSpPr>
+          <p:cNvPr id="3" name="!!Headers">
+            <a:extLst>
+              <a:ext uri="{FF2B5EF4-FFF2-40B4-BE49-F238E27FC236}">
+                <a16:creationId xmlns:a16="http://schemas.microsoft.com/office/drawing/2014/main" id="{A115EFB8-946C-EB48-E7FA-52246FF2BC4A}"/>
+              </a:ext>
+            </a:extLst>
+          </p:cNvPr>
+          <p:cNvSpPr txBox="1"/>
+          <p:nvPr/>
+        </p:nvSpPr>
+        <p:spPr>
+          <a:xfrm>
+            <a:off x="293472" y="444843"/>
+            <a:ext cx="2437371" cy="523220"/>
+          </a:xfrm>
+          <a:prstGeom prst="rect">
+            <a:avLst/>
+          </a:prstGeom>
+          <a:noFill/>
+        </p:spPr>
+        <p:txBody>
+          <a:bodyPr wrap="square">
+            <a:spAutoFit/>
+          </a:bodyPr>
+          <a:lstStyle/>
+          <a:p>
             <a:pPr algn="l"/>
             <a:r>
-              <a:rPr lang="en-US" b="0" i="0" dirty="0">
+              <a:rPr lang="en-US" sz="2800" b="1" i="0" dirty="0">
                 <a:solidFill>
                   <a:srgbClr val="0D0D0D"/>
                 </a:solidFill>
@@ -3507,158 +3696,56 @@
                 <a:highlight>
                   <a:srgbClr val="FFFFFF"/>
                 </a:highlight>
-                <a:latin typeface="Söhne"/>
+                <a:latin typeface="Fira Code" panose="020B0809050000020004" pitchFamily="49" charset="0"/>
+                <a:ea typeface="Fira Code" panose="020B0809050000020004" pitchFamily="49" charset="0"/>
               </a:rPr>
-              <a:t>## Header 2</a:t>
-            </a:r>
-          </a:p>
+              <a:t># Headers</a:t>
+            </a:r>
+          </a:p>
+        </p:txBody>
+      </p:sp>
+      <p:sp>
+        <p:nvSpPr>
+          <p:cNvPr id="4" name="!!Emphasis">
+            <a:extLst>
+              <a:ext uri="{FF2B5EF4-FFF2-40B4-BE49-F238E27FC236}">
+                <a16:creationId xmlns:a16="http://schemas.microsoft.com/office/drawing/2014/main" id="{1BB6A054-E644-C6E0-9B1A-D1B103302CC7}"/>
+              </a:ext>
+            </a:extLst>
+          </p:cNvPr>
+          <p:cNvSpPr txBox="1"/>
+          <p:nvPr/>
+        </p:nvSpPr>
+        <p:spPr>
+          <a:xfrm>
+            <a:off x="3036673" y="2828836"/>
+            <a:ext cx="6098058" cy="2462213"/>
+          </a:xfrm>
+          <a:prstGeom prst="rect">
+            <a:avLst/>
+          </a:prstGeom>
+          <a:noFill/>
+        </p:spPr>
+        <p:txBody>
+          <a:bodyPr wrap="square">
+            <a:spAutoFit/>
+          </a:bodyPr>
+          <a:lstStyle/>
           <a:p>
             <a:pPr algn="l"/>
             <a:r>
-              <a:rPr lang="en-US" b="0" i="0" dirty="0">
-                <a:solidFill>
-                  <a:srgbClr val="0D0D0D"/>
-                </a:solidFill>
-                <a:effectLst/>
-                <a:highlight>
-                  <a:srgbClr val="FFFFFF"/>
-                </a:highlight>
-                <a:latin typeface="Söhne"/>
-              </a:rPr>
-              <a:t>### Header 3</a:t>
-            </a:r>
-          </a:p>
-          <a:p>
-            <a:pPr algn="l">
-              <a:buFont typeface="Arial" panose="020B0604020202020204" pitchFamily="34" charset="0"/>
-              <a:buChar char="•"/>
-            </a:pPr>
-            <a:endParaRPr lang="en-US" dirty="0">
-              <a:solidFill>
-                <a:srgbClr val="0D0D0D"/>
-              </a:solidFill>
-              <a:highlight>
-                <a:srgbClr val="FFFFFF"/>
-              </a:highlight>
-              <a:latin typeface="Söhne"/>
-            </a:endParaRPr>
-          </a:p>
-          <a:p>
-            <a:pPr algn="l"/>
-            <a:r>
-              <a:rPr lang="en-US" b="1" i="0" dirty="0">
-                <a:solidFill>
-                  <a:srgbClr val="0D0D0D"/>
-                </a:solidFill>
-                <a:effectLst/>
-                <a:highlight>
-                  <a:srgbClr val="FFFFFF"/>
-                </a:highlight>
-                <a:latin typeface="Söhne"/>
-              </a:rPr>
-              <a:t>Emphasis</a:t>
-            </a:r>
-          </a:p>
-          <a:p>
-            <a:pPr algn="l">
-              <a:buFont typeface="Arial" panose="020B0604020202020204" pitchFamily="34" charset="0"/>
-              <a:buChar char="•"/>
-            </a:pPr>
-            <a:r>
-              <a:rPr lang="en-US" b="1" i="0" dirty="0">
-                <a:solidFill>
-                  <a:srgbClr val="0D0D0D"/>
-                </a:solidFill>
-                <a:effectLst/>
-                <a:highlight>
-                  <a:srgbClr val="FFFFFF"/>
-                </a:highlight>
-                <a:latin typeface="Söhne"/>
-              </a:rPr>
-              <a:t>Bold</a:t>
-            </a:r>
-            <a:r>
-              <a:rPr lang="en-US" b="0" i="0" dirty="0">
-                <a:solidFill>
-                  <a:srgbClr val="0D0D0D"/>
-                </a:solidFill>
-                <a:effectLst/>
-                <a:highlight>
-                  <a:srgbClr val="FFFFFF"/>
-                </a:highlight>
-                <a:latin typeface="Söhne"/>
-              </a:rPr>
-              <a:t>: **bold text**</a:t>
-            </a:r>
-          </a:p>
-          <a:p>
-            <a:pPr algn="l">
-              <a:buFont typeface="Arial" panose="020B0604020202020204" pitchFamily="34" charset="0"/>
-              <a:buChar char="•"/>
-            </a:pPr>
-            <a:r>
-              <a:rPr lang="en-US" dirty="0">
+              <a:rPr lang="en-US" sz="2800" b="1" dirty="0">
                 <a:solidFill>
                   <a:srgbClr val="0D0D0D"/>
                 </a:solidFill>
                 <a:highlight>
                   <a:srgbClr val="FFFFFF"/>
                 </a:highlight>
-                <a:latin typeface="Söhne"/>
+                <a:latin typeface="Fira Code" panose="020B0809050000020004" pitchFamily="49" charset="0"/>
+                <a:ea typeface="Fira Code" panose="020B0809050000020004" pitchFamily="49" charset="0"/>
               </a:rPr>
-              <a:t>UPPERCASE</a:t>
-            </a:r>
-            <a:endParaRPr lang="en-US" b="0" i="0" dirty="0">
-              <a:solidFill>
-                <a:srgbClr val="0D0D0D"/>
-              </a:solidFill>
-              <a:effectLst/>
-              <a:highlight>
-                <a:srgbClr val="FFFFFF"/>
-              </a:highlight>
-              <a:latin typeface="Söhne"/>
-            </a:endParaRPr>
-          </a:p>
-          <a:p>
-            <a:pPr algn="l">
-              <a:buFont typeface="Arial" panose="020B0604020202020204" pitchFamily="34" charset="0"/>
-              <a:buChar char="•"/>
-            </a:pPr>
-            <a:r>
-              <a:rPr lang="en-US" b="0" i="1" dirty="0">
-                <a:solidFill>
-                  <a:srgbClr val="0D0D0D"/>
-                </a:solidFill>
-                <a:effectLst/>
-                <a:highlight>
-                  <a:srgbClr val="FFFFFF"/>
-                </a:highlight>
-                <a:latin typeface="Söhne"/>
-              </a:rPr>
-              <a:t>Italic</a:t>
-            </a:r>
-            <a:r>
-              <a:rPr lang="en-US" b="0" i="0" dirty="0">
-                <a:solidFill>
-                  <a:srgbClr val="0D0D0D"/>
-                </a:solidFill>
-                <a:effectLst/>
-                <a:highlight>
-                  <a:srgbClr val="FFFFFF"/>
-                </a:highlight>
-                <a:latin typeface="Söhne"/>
-              </a:rPr>
-              <a:t>: *italic text</a:t>
-            </a:r>
-            <a:endParaRPr lang="en-US" dirty="0">
-              <a:solidFill>
-                <a:srgbClr val="0D0D0D"/>
-              </a:solidFill>
-              <a:highlight>
-                <a:srgbClr val="FFFFFF"/>
-              </a:highlight>
-              <a:latin typeface="Söhne"/>
-            </a:endParaRPr>
+              <a:t>Emphasis</a:t>
+            </a:r>
           </a:p>
           <a:p>
             <a:pPr algn="l"/>
@@ -3684,296 +3771,13 @@
                 <a:highlight>
                   <a:srgbClr val="FFFFFF"/>
                 </a:highlight>
-                <a:latin typeface="Söhne"/>
+                <a:latin typeface="Fira Code" panose="020B0809050000020004" pitchFamily="49" charset="0"/>
+                <a:ea typeface="Fira Code" panose="020B0809050000020004" pitchFamily="49" charset="0"/>
               </a:rPr>
-              <a:t>Lists</a:t>
-            </a:r>
-          </a:p>
-          <a:p>
-            <a:pPr marL="342900" indent="-342900" algn="l">
-              <a:buAutoNum type="arabicPeriod"/>
-            </a:pPr>
+              <a:t>Bold</a:t>
+            </a:r>
             <a:r>
               <a:rPr lang="en-US" b="0" i="0" dirty="0">
-                <a:solidFill>
-                  <a:srgbClr val="0D0D0D"/>
-                </a:solidFill>
-                <a:effectLst/>
-                <a:highlight>
-                  <a:srgbClr val="FFFFFF"/>
-                </a:highlight>
-                <a:latin typeface="Söhne"/>
-              </a:rPr>
-              <a:t>Item 1 </a:t>
-            </a:r>
-          </a:p>
-          <a:p>
-            <a:pPr marL="342900" indent="-342900" algn="l">
-              <a:buAutoNum type="arabicPeriod"/>
-            </a:pPr>
-            <a:r>
-              <a:rPr lang="en-US" b="0" i="0" dirty="0">
-                <a:solidFill>
-                  <a:srgbClr val="0D0D0D"/>
-                </a:solidFill>
-                <a:effectLst/>
-                <a:highlight>
-                  <a:srgbClr val="FFFFFF"/>
-                </a:highlight>
-                <a:latin typeface="Söhne"/>
-              </a:rPr>
-              <a:t>Item 2</a:t>
-            </a:r>
-          </a:p>
-          <a:p>
-            <a:pPr marL="800100" lvl="1" indent="-342900">
-              <a:buAutoNum type="arabicPeriod"/>
-            </a:pPr>
-            <a:r>
-              <a:rPr lang="en-US" b="0" i="0" dirty="0">
-                <a:solidFill>
-                  <a:srgbClr val="0D0D0D"/>
-                </a:solidFill>
-                <a:effectLst/>
-                <a:highlight>
-                  <a:srgbClr val="FFFFFF"/>
-                </a:highlight>
-                <a:latin typeface="Söhne"/>
-              </a:rPr>
-              <a:t>Subitem 2.1</a:t>
-            </a:r>
-          </a:p>
-          <a:p>
-            <a:pPr marL="800100" lvl="1" indent="-342900">
-              <a:buAutoNum type="arabicPeriod"/>
-            </a:pPr>
-            <a:endParaRPr lang="en-US" b="0" i="0" dirty="0">
-              <a:solidFill>
-                <a:srgbClr val="0D0D0D"/>
-              </a:solidFill>
-              <a:effectLst/>
-              <a:highlight>
-                <a:srgbClr val="FFFFFF"/>
-              </a:highlight>
-              <a:latin typeface="Söhne"/>
-            </a:endParaRPr>
-          </a:p>
-          <a:p>
-            <a:pPr algn="l"/>
-            <a:r>
-              <a:rPr lang="en-US" b="1" i="0" dirty="0">
-                <a:solidFill>
-                  <a:srgbClr val="0D0D0D"/>
-                </a:solidFill>
-                <a:effectLst/>
-                <a:highlight>
-                  <a:srgbClr val="FFFFFF"/>
-                </a:highlight>
-                <a:latin typeface="Söhne"/>
-              </a:rPr>
-              <a:t>Links</a:t>
-            </a:r>
-          </a:p>
-          <a:p>
-            <a:pPr algn="l">
-              <a:buFont typeface="Arial" panose="020B0604020202020204" pitchFamily="34" charset="0"/>
-              <a:buChar char="•"/>
-            </a:pPr>
-            <a:r>
-              <a:rPr lang="en-US" b="0" i="0" dirty="0">
-                <a:solidFill>
-                  <a:srgbClr val="0D0D0D"/>
-                </a:solidFill>
-                <a:effectLst/>
-                <a:highlight>
-                  <a:srgbClr val="FFFFFF"/>
-                </a:highlight>
-                <a:latin typeface="Söhne"/>
-              </a:rPr>
-              <a:t> Inline link: [</a:t>
-            </a:r>
-            <a:r>
-              <a:rPr lang="en-US" b="0" i="0" dirty="0">
-                <a:solidFill>
-                  <a:schemeClr val="bg1">
-                    <a:lumMod val="65000"/>
-                  </a:schemeClr>
-                </a:solidFill>
-                <a:effectLst/>
-                <a:highlight>
-                  <a:srgbClr val="FFFFFF"/>
-                </a:highlight>
-                <a:latin typeface="Söhne"/>
-              </a:rPr>
-              <a:t>description</a:t>
-            </a:r>
-            <a:r>
-              <a:rPr lang="en-US" b="0" i="0" dirty="0">
-                <a:solidFill>
-                  <a:srgbClr val="0D0D0D"/>
-                </a:solidFill>
-                <a:effectLst/>
-                <a:highlight>
-                  <a:srgbClr val="FFFFFF"/>
-                </a:highlight>
-                <a:latin typeface="Söhne"/>
-              </a:rPr>
-              <a:t>](</a:t>
-            </a:r>
-            <a:r>
-              <a:rPr lang="en-US" b="0" i="0" dirty="0" err="1">
-                <a:solidFill>
-                  <a:schemeClr val="bg1">
-                    <a:lumMod val="65000"/>
-                  </a:schemeClr>
-                </a:solidFill>
-                <a:effectLst/>
-                <a:highlight>
-                  <a:srgbClr val="FFFFFF"/>
-                </a:highlight>
-                <a:latin typeface="Söhne"/>
-              </a:rPr>
-              <a:t>url</a:t>
-            </a:r>
-            <a:r>
-              <a:rPr lang="en-US" b="0" i="0" dirty="0">
-                <a:solidFill>
-                  <a:srgbClr val="0D0D0D"/>
-                </a:solidFill>
-                <a:effectLst/>
-                <a:highlight>
-                  <a:srgbClr val="FFFFFF"/>
-                </a:highlight>
-                <a:latin typeface="Söhne"/>
-              </a:rPr>
-              <a:t>)    </a:t>
-            </a:r>
-            <a:br>
-              <a:rPr lang="en-US" b="0" i="0" dirty="0">
-                <a:solidFill>
-                  <a:srgbClr val="0D0D0D"/>
-                </a:solidFill>
-                <a:effectLst/>
-                <a:highlight>
-                  <a:srgbClr val="FFFFFF"/>
-                </a:highlight>
-                <a:latin typeface="Söhne"/>
-              </a:rPr>
-            </a:br>
-            <a:r>
-              <a:rPr lang="en-US" b="0" i="0" dirty="0">
-                <a:solidFill>
-                  <a:srgbClr val="0D0D0D"/>
-                </a:solidFill>
-                <a:effectLst/>
-                <a:highlight>
-                  <a:srgbClr val="FFFFFF"/>
-                </a:highlight>
-                <a:latin typeface="Söhne"/>
-              </a:rPr>
-              <a:t>[</a:t>
-            </a:r>
-            <a:r>
-              <a:rPr lang="en-US" b="0" i="0" dirty="0" err="1">
-                <a:solidFill>
-                  <a:srgbClr val="0D0D0D"/>
-                </a:solidFill>
-                <a:effectLst/>
-                <a:highlight>
-                  <a:srgbClr val="FFFFFF"/>
-                </a:highlight>
-                <a:latin typeface="Söhne"/>
-              </a:rPr>
-              <a:t>OpenAI</a:t>
-            </a:r>
-            <a:r>
-              <a:rPr lang="en-US" b="0" i="0" dirty="0">
-                <a:solidFill>
-                  <a:srgbClr val="0D0D0D"/>
-                </a:solidFill>
-                <a:effectLst/>
-                <a:highlight>
-                  <a:srgbClr val="FFFFFF"/>
-                </a:highlight>
-                <a:latin typeface="Söhne"/>
-              </a:rPr>
-              <a:t>](</a:t>
-            </a:r>
-            <a:r>
-              <a:rPr lang="en-US" b="0" i="0" dirty="0">
-                <a:solidFill>
-                  <a:srgbClr val="0D0D0D"/>
-                </a:solidFill>
-                <a:effectLst/>
-                <a:highlight>
-                  <a:srgbClr val="FFFFFF"/>
-                </a:highlight>
-                <a:latin typeface="Söhne"/>
-                <a:hlinkClick r:id="rId2"/>
-              </a:rPr>
-              <a:t>https://www.openai.com</a:t>
-            </a:r>
-            <a:r>
-              <a:rPr lang="en-US" b="0" i="0" dirty="0">
-                <a:solidFill>
-                  <a:srgbClr val="0D0D0D"/>
-                </a:solidFill>
-                <a:effectLst/>
-                <a:highlight>
-                  <a:srgbClr val="FFFFFF"/>
-                </a:highlight>
-                <a:latin typeface="Söhne"/>
-              </a:rPr>
-              <a:t>)</a:t>
-            </a:r>
-          </a:p>
-          <a:p>
-            <a:pPr algn="l">
-              <a:buFont typeface="Arial" panose="020B0604020202020204" pitchFamily="34" charset="0"/>
-              <a:buChar char="•"/>
-            </a:pPr>
-            <a:endParaRPr lang="en-US" dirty="0">
-              <a:solidFill>
-                <a:srgbClr val="0D0D0D"/>
-              </a:solidFill>
-              <a:highlight>
-                <a:srgbClr val="FFFFFF"/>
-              </a:highlight>
-              <a:latin typeface="Söhne"/>
-            </a:endParaRPr>
-          </a:p>
-          <a:p>
-            <a:pPr algn="l"/>
-            <a:r>
-              <a:rPr lang="en-US" b="1" dirty="0">
-                <a:solidFill>
-                  <a:srgbClr val="0D0D0D"/>
-                </a:solidFill>
-                <a:highlight>
-                  <a:srgbClr val="FFFFFF"/>
-                </a:highlight>
-                <a:latin typeface="Söhne"/>
-              </a:rPr>
-              <a:t>Code</a:t>
-            </a:r>
-          </a:p>
-          <a:p>
-            <a:pPr algn="l"/>
-            <a:r>
-              <a:rPr lang="en-US" b="0" i="0" dirty="0">
-                <a:solidFill>
-                  <a:srgbClr val="0D0D0D"/>
-                </a:solidFill>
-                <a:effectLst/>
-                <a:highlight>
-                  <a:srgbClr val="FFFFFF"/>
-                </a:highlight>
-                <a:latin typeface="Söhne"/>
-              </a:rPr>
-              <a:t>Inline </a:t>
-            </a:r>
-            <a:r>
-              <a:rPr lang="en-US" sz="1600" b="0" i="0" dirty="0">
                 <a:solidFill>
                   <a:srgbClr val="0D0D0D"/>
                 </a:solidFill>
@@ -3984,48 +3788,27 @@
                 <a:latin typeface="Fira Code" panose="020B0809050000020004" pitchFamily="49" charset="0"/>
                 <a:ea typeface="Fira Code" panose="020B0809050000020004" pitchFamily="49" charset="0"/>
               </a:rPr>
-              <a:t>`code`</a:t>
-            </a:r>
-            <a:r>
-              <a:rPr lang="en-US" sz="1600" b="0" i="0" dirty="0">
-                <a:solidFill>
-                  <a:srgbClr val="0D0D0D"/>
-                </a:solidFill>
-                <a:effectLst/>
-                <a:highlight>
-                  <a:srgbClr val="FFFFFF"/>
-                </a:highlight>
-                <a:latin typeface="Söhne"/>
-              </a:rPr>
-              <a:t> </a:t>
-            </a:r>
-            <a:r>
-              <a:rPr lang="en-US" b="0" i="0" dirty="0">
-                <a:solidFill>
-                  <a:srgbClr val="0D0D0D"/>
-                </a:solidFill>
-                <a:effectLst/>
-                <a:highlight>
-                  <a:srgbClr val="FFFFFF"/>
-                </a:highlight>
-                <a:latin typeface="Söhne"/>
-              </a:rPr>
-              <a:t>example</a:t>
-            </a:r>
-            <a:br>
-              <a:rPr lang="en-US" b="0" i="0" dirty="0">
-                <a:solidFill>
-                  <a:srgbClr val="0D0D0D"/>
-                </a:solidFill>
-                <a:effectLst/>
-                <a:highlight>
-                  <a:srgbClr val="FFFFFF"/>
-                </a:highlight>
-                <a:latin typeface="Söhne"/>
-              </a:rPr>
-            </a:br>
-            <a:r>
-              <a:rPr lang="en-US" sz="1600" b="0" i="0" dirty="0">
+              <a:t>: **bold text**</a:t>
+            </a:r>
+          </a:p>
+          <a:p>
+            <a:pPr algn="l"/>
+            <a:endParaRPr lang="en-US" b="0" i="1" dirty="0">
+              <a:solidFill>
+                <a:srgbClr val="0D0D0D"/>
+              </a:solidFill>
+              <a:effectLst/>
+              <a:highlight>
+                <a:srgbClr val="FFFFFF"/>
+              </a:highlight>
+              <a:latin typeface="Fira Code" panose="020B0809050000020004" pitchFamily="49" charset="0"/>
+              <a:ea typeface="Fira Code" panose="020B0809050000020004" pitchFamily="49" charset="0"/>
+            </a:endParaRPr>
+          </a:p>
+          <a:p>
+            <a:pPr algn="l"/>
+            <a:r>
+              <a:rPr lang="en-US" b="0" i="1" dirty="0">
                 <a:solidFill>
                   <a:srgbClr val="0D0D0D"/>
                 </a:solidFill>
@@ -4036,41 +3819,26 @@
                 <a:latin typeface="Fira Code" panose="020B0809050000020004" pitchFamily="49" charset="0"/>
                 <a:ea typeface="Fira Code" panose="020B0809050000020004" pitchFamily="49" charset="0"/>
               </a:rPr>
-              <a:t>```</a:t>
-            </a:r>
-          </a:p>
-          <a:p>
-            <a:pPr algn="l"/>
-            <a:r>
-              <a:rPr lang="en-US" sz="1600" dirty="0">
+              <a:t>Italic</a:t>
+            </a:r>
+            <a:r>
+              <a:rPr lang="en-US" b="0" i="0" dirty="0">
                 <a:solidFill>
                   <a:srgbClr val="0D0D0D"/>
                 </a:solidFill>
+                <a:effectLst/>
                 <a:highlight>
                   <a:srgbClr val="FFFFFF"/>
                 </a:highlight>
                 <a:latin typeface="Fira Code" panose="020B0809050000020004" pitchFamily="49" charset="0"/>
                 <a:ea typeface="Fira Code" panose="020B0809050000020004" pitchFamily="49" charset="0"/>
               </a:rPr>
-              <a:t>Multiline)</a:t>
+              <a:t>: *italic text*</a:t>
             </a:r>
           </a:p>
           <a:p>
             <a:pPr algn="l"/>
-            <a:r>
-              <a:rPr lang="en-US" sz="1600" dirty="0">
-                <a:solidFill>
-                  <a:srgbClr val="0D0D0D"/>
-                </a:solidFill>
-                <a:highlight>
-                  <a:srgbClr val="FFFFFF"/>
-                </a:highlight>
-                <a:latin typeface="Fira Code" panose="020B0809050000020004" pitchFamily="49" charset="0"/>
-                <a:ea typeface="Fira Code" panose="020B0809050000020004" pitchFamily="49" charset="0"/>
-              </a:rPr>
-              <a:t>Code block</a:t>
-            </a:r>
-            <a:endParaRPr lang="en-US" sz="1600" b="0" i="0" dirty="0">
+            <a:endParaRPr lang="en-US" b="0" i="0" dirty="0">
               <a:solidFill>
                 <a:srgbClr val="0D0D0D"/>
               </a:solidFill>
@@ -4085,7 +3853,7 @@
           <a:p>
             <a:pPr algn="l"/>
             <a:r>
-              <a:rPr lang="en-US" sz="1600" dirty="0">
+              <a:rPr lang="en-US" dirty="0">
                 <a:solidFill>
                   <a:srgbClr val="0D0D0D"/>
                 </a:solidFill>
@@ -4095,9 +3863,702 @@
                 <a:latin typeface="Fira Code" panose="020B0809050000020004" pitchFamily="49" charset="0"/>
                 <a:ea typeface="Fira Code" panose="020B0809050000020004" pitchFamily="49" charset="0"/>
               </a:rPr>
-              <a:t>```</a:t>
-            </a:r>
-            <a:endParaRPr lang="en-US" sz="1600" b="1" dirty="0">
+              <a:t>UPPERCASE</a:t>
+            </a:r>
+            <a:endParaRPr lang="en-US" b="0" i="0" dirty="0">
+              <a:solidFill>
+                <a:srgbClr val="0D0D0D"/>
+              </a:solidFill>
+              <a:effectLst/>
+              <a:highlight>
+                <a:srgbClr val="FFFFFF"/>
+              </a:highlight>
+              <a:latin typeface="Fira Code" panose="020B0809050000020004" pitchFamily="49" charset="0"/>
+              <a:ea typeface="Fira Code" panose="020B0809050000020004" pitchFamily="49" charset="0"/>
+            </a:endParaRPr>
+          </a:p>
+          <a:p>
+            <a:pPr algn="l"/>
+            <a:endParaRPr lang="en-US" dirty="0">
+              <a:solidFill>
+                <a:srgbClr val="0D0D0D"/>
+              </a:solidFill>
+              <a:highlight>
+                <a:srgbClr val="FFFFFF"/>
+              </a:highlight>
+              <a:latin typeface="Söhne"/>
+            </a:endParaRPr>
+          </a:p>
+        </p:txBody>
+      </p:sp>
+    </p:spTree>
+    <p:extLst>
+      <p:ext uri="{BB962C8B-B14F-4D97-AF65-F5344CB8AC3E}">
+        <p14:creationId xmlns:p14="http://schemas.microsoft.com/office/powerpoint/2010/main" val="1559902057"/>
+      </p:ext>
+    </p:extLst>
+  </p:cSld>
+  <p:clrMapOvr>
+    <a:masterClrMapping/>
+  </p:clrMapOvr>
+  <mc:AlternateContent xmlns:mc="http://schemas.openxmlformats.org/markup-compatibility/2006">
+    <mc:Choice xmlns:p159="http://schemas.microsoft.com/office/powerpoint/2015/09/main" Requires="p159">
+      <p:transition xmlns:p14="http://schemas.microsoft.com/office/powerpoint/2010/main" spd="slow" p14:dur="2000">
+        <p159:morph option="byObject"/>
+      </p:transition>
+    </mc:Choice>
+    <mc:Fallback>
+      <p:transition spd="slow">
+        <p:fade/>
+      </p:transition>
+    </mc:Fallback>
+  </mc:AlternateContent>
+</p:sld>
+</file>
+
+<file path=ppt/slides/slide13.xml><?xml version="1.0" encoding="utf-8"?>
+<p:sld xmlns:a="http://schemas.openxmlformats.org/drawingml/2006/main" xmlns:r="http://schemas.openxmlformats.org/officeDocument/2006/relationships" xmlns:p="http://schemas.openxmlformats.org/presentationml/2006/main">
+  <p:cSld>
+    <p:spTree>
+      <p:nvGrpSpPr>
+        <p:cNvPr id="1" name=""/>
+        <p:cNvGrpSpPr/>
+        <p:nvPr/>
+      </p:nvGrpSpPr>
+      <p:grpSpPr>
+        <a:xfrm>
+          <a:off x="0" y="0"/>
+          <a:ext cx="0" cy="0"/>
+          <a:chOff x="0" y="0"/>
+          <a:chExt cx="0" cy="0"/>
+        </a:xfrm>
+      </p:grpSpPr>
+      <p:sp>
+        <p:nvSpPr>
+          <p:cNvPr id="3" name="!!Headers">
+            <a:extLst>
+              <a:ext uri="{FF2B5EF4-FFF2-40B4-BE49-F238E27FC236}">
+                <a16:creationId xmlns:a16="http://schemas.microsoft.com/office/drawing/2014/main" id="{A115EFB8-946C-EB48-E7FA-52246FF2BC4A}"/>
+              </a:ext>
+            </a:extLst>
+          </p:cNvPr>
+          <p:cNvSpPr txBox="1"/>
+          <p:nvPr/>
+        </p:nvSpPr>
+        <p:spPr>
+          <a:xfrm>
+            <a:off x="293472" y="444843"/>
+            <a:ext cx="2437371" cy="523220"/>
+          </a:xfrm>
+          <a:prstGeom prst="rect">
+            <a:avLst/>
+          </a:prstGeom>
+          <a:noFill/>
+        </p:spPr>
+        <p:txBody>
+          <a:bodyPr wrap="square">
+            <a:spAutoFit/>
+          </a:bodyPr>
+          <a:lstStyle/>
+          <a:p>
+            <a:pPr algn="l"/>
+            <a:r>
+              <a:rPr lang="en-US" sz="2800" b="1" i="0" dirty="0">
+                <a:solidFill>
+                  <a:srgbClr val="0D0D0D"/>
+                </a:solidFill>
+                <a:effectLst/>
+                <a:highlight>
+                  <a:srgbClr val="FFFFFF"/>
+                </a:highlight>
+                <a:latin typeface="Fira Code" panose="020B0809050000020004" pitchFamily="49" charset="0"/>
+                <a:ea typeface="Fira Code" panose="020B0809050000020004" pitchFamily="49" charset="0"/>
+              </a:rPr>
+              <a:t># Headers</a:t>
+            </a:r>
+          </a:p>
+        </p:txBody>
+      </p:sp>
+      <p:sp>
+        <p:nvSpPr>
+          <p:cNvPr id="4" name="!!Lists">
+            <a:extLst>
+              <a:ext uri="{FF2B5EF4-FFF2-40B4-BE49-F238E27FC236}">
+                <a16:creationId xmlns:a16="http://schemas.microsoft.com/office/drawing/2014/main" id="{1BB6A054-E644-C6E0-9B1A-D1B103302CC7}"/>
+              </a:ext>
+            </a:extLst>
+          </p:cNvPr>
+          <p:cNvSpPr txBox="1"/>
+          <p:nvPr/>
+        </p:nvSpPr>
+        <p:spPr>
+          <a:xfrm>
+            <a:off x="3036673" y="2828836"/>
+            <a:ext cx="6098058" cy="2462213"/>
+          </a:xfrm>
+          <a:prstGeom prst="rect">
+            <a:avLst/>
+          </a:prstGeom>
+          <a:noFill/>
+        </p:spPr>
+        <p:txBody>
+          <a:bodyPr wrap="square">
+            <a:spAutoFit/>
+          </a:bodyPr>
+          <a:lstStyle/>
+          <a:p>
+            <a:pPr algn="l"/>
+            <a:r>
+              <a:rPr lang="en-US" sz="2800" b="1" dirty="0">
+                <a:solidFill>
+                  <a:srgbClr val="0D0D0D"/>
+                </a:solidFill>
+                <a:highlight>
+                  <a:srgbClr val="FFFFFF"/>
+                </a:highlight>
+                <a:latin typeface="Fira Code" panose="020B0809050000020004" pitchFamily="49" charset="0"/>
+                <a:ea typeface="Fira Code" panose="020B0809050000020004" pitchFamily="49" charset="0"/>
+              </a:rPr>
+              <a:t>Lists</a:t>
+            </a:r>
+          </a:p>
+          <a:p>
+            <a:pPr algn="l"/>
+            <a:endParaRPr lang="en-US" b="1" i="0" dirty="0">
+              <a:solidFill>
+                <a:srgbClr val="0D0D0D"/>
+              </a:solidFill>
+              <a:effectLst/>
+              <a:highlight>
+                <a:srgbClr val="FFFFFF"/>
+              </a:highlight>
+              <a:latin typeface="Söhne"/>
+            </a:endParaRPr>
+          </a:p>
+          <a:p>
+            <a:pPr algn="l"/>
+            <a:endParaRPr lang="en-US" b="0" i="0" dirty="0">
+              <a:solidFill>
+                <a:srgbClr val="0D0D0D"/>
+              </a:solidFill>
+              <a:effectLst/>
+              <a:highlight>
+                <a:srgbClr val="FFFFFF"/>
+              </a:highlight>
+              <a:latin typeface="Fira Code" panose="020B0809050000020004" pitchFamily="49" charset="0"/>
+              <a:ea typeface="Fira Code" panose="020B0809050000020004" pitchFamily="49" charset="0"/>
+            </a:endParaRPr>
+          </a:p>
+          <a:p>
+            <a:pPr marL="342900" indent="-342900" algn="l">
+              <a:buAutoNum type="arabicPeriod"/>
+            </a:pPr>
+            <a:r>
+              <a:rPr lang="en-US" dirty="0">
+                <a:solidFill>
+                  <a:srgbClr val="0D0D0D"/>
+                </a:solidFill>
+                <a:highlight>
+                  <a:srgbClr val="FFFFFF"/>
+                </a:highlight>
+                <a:latin typeface="Fira Code" panose="020B0809050000020004" pitchFamily="49" charset="0"/>
+                <a:ea typeface="Fira Code" panose="020B0809050000020004" pitchFamily="49" charset="0"/>
+              </a:rPr>
+              <a:t>Item 1</a:t>
+            </a:r>
+          </a:p>
+          <a:p>
+            <a:pPr marL="342900" indent="-342900" algn="l">
+              <a:buAutoNum type="arabicPeriod"/>
+            </a:pPr>
+            <a:r>
+              <a:rPr lang="en-US" b="0" i="0" dirty="0">
+                <a:solidFill>
+                  <a:srgbClr val="0D0D0D"/>
+                </a:solidFill>
+                <a:effectLst/>
+                <a:highlight>
+                  <a:srgbClr val="FFFFFF"/>
+                </a:highlight>
+                <a:latin typeface="Fira Code" panose="020B0809050000020004" pitchFamily="49" charset="0"/>
+                <a:ea typeface="Fira Code" panose="020B0809050000020004" pitchFamily="49" charset="0"/>
+              </a:rPr>
+              <a:t>Item 2</a:t>
+            </a:r>
+          </a:p>
+          <a:p>
+            <a:pPr marL="800100" lvl="1" indent="-342900">
+              <a:buAutoNum type="arabicPeriod"/>
+            </a:pPr>
+            <a:r>
+              <a:rPr lang="en-US" dirty="0">
+                <a:solidFill>
+                  <a:srgbClr val="0D0D0D"/>
+                </a:solidFill>
+                <a:highlight>
+                  <a:srgbClr val="FFFFFF"/>
+                </a:highlight>
+                <a:latin typeface="Fira Code" panose="020B0809050000020004" pitchFamily="49" charset="0"/>
+                <a:ea typeface="Fira Code" panose="020B0809050000020004" pitchFamily="49" charset="0"/>
+              </a:rPr>
+              <a:t>Item 2.1</a:t>
+            </a:r>
+          </a:p>
+          <a:p>
+            <a:pPr marL="800100" lvl="1" indent="-342900">
+              <a:buAutoNum type="arabicPeriod"/>
+            </a:pPr>
+            <a:r>
+              <a:rPr lang="en-US" b="0" i="0" dirty="0">
+                <a:solidFill>
+                  <a:srgbClr val="0D0D0D"/>
+                </a:solidFill>
+                <a:effectLst/>
+                <a:highlight>
+                  <a:srgbClr val="FFFFFF"/>
+                </a:highlight>
+                <a:latin typeface="Fira Code" panose="020B0809050000020004" pitchFamily="49" charset="0"/>
+                <a:ea typeface="Fira Code" panose="020B0809050000020004" pitchFamily="49" charset="0"/>
+              </a:rPr>
+              <a:t>Item 2.2</a:t>
+            </a:r>
+          </a:p>
+          <a:p>
+            <a:pPr algn="l"/>
+            <a:endParaRPr lang="en-US" dirty="0">
+              <a:solidFill>
+                <a:srgbClr val="0D0D0D"/>
+              </a:solidFill>
+              <a:highlight>
+                <a:srgbClr val="FFFFFF"/>
+              </a:highlight>
+              <a:latin typeface="Söhne"/>
+            </a:endParaRPr>
+          </a:p>
+        </p:txBody>
+      </p:sp>
+      <p:sp>
+        <p:nvSpPr>
+          <p:cNvPr id="5" name="!!Emphasis">
+            <a:extLst>
+              <a:ext uri="{FF2B5EF4-FFF2-40B4-BE49-F238E27FC236}">
+                <a16:creationId xmlns:a16="http://schemas.microsoft.com/office/drawing/2014/main" id="{B6670200-7771-3F0C-579D-87E9358C0F7D}"/>
+              </a:ext>
+            </a:extLst>
+          </p:cNvPr>
+          <p:cNvSpPr txBox="1"/>
+          <p:nvPr/>
+        </p:nvSpPr>
+        <p:spPr>
+          <a:xfrm>
+            <a:off x="293472" y="1078295"/>
+            <a:ext cx="6098058" cy="523220"/>
+          </a:xfrm>
+          <a:prstGeom prst="rect">
+            <a:avLst/>
+          </a:prstGeom>
+          <a:noFill/>
+        </p:spPr>
+        <p:txBody>
+          <a:bodyPr wrap="square">
+            <a:spAutoFit/>
+          </a:bodyPr>
+          <a:lstStyle/>
+          <a:p>
+            <a:pPr algn="l"/>
+            <a:r>
+              <a:rPr lang="en-US" sz="2800" b="1" dirty="0">
+                <a:solidFill>
+                  <a:srgbClr val="0D0D0D"/>
+                </a:solidFill>
+                <a:highlight>
+                  <a:srgbClr val="FFFFFF"/>
+                </a:highlight>
+                <a:latin typeface="Fira Code" panose="020B0809050000020004" pitchFamily="49" charset="0"/>
+                <a:ea typeface="Fira Code" panose="020B0809050000020004" pitchFamily="49" charset="0"/>
+              </a:rPr>
+              <a:t>**Emphasis**</a:t>
+            </a:r>
+            <a:endParaRPr lang="en-US" dirty="0">
+              <a:solidFill>
+                <a:srgbClr val="0D0D0D"/>
+              </a:solidFill>
+              <a:highlight>
+                <a:srgbClr val="FFFFFF"/>
+              </a:highlight>
+              <a:latin typeface="Söhne"/>
+            </a:endParaRPr>
+          </a:p>
+        </p:txBody>
+      </p:sp>
+    </p:spTree>
+    <p:extLst>
+      <p:ext uri="{BB962C8B-B14F-4D97-AF65-F5344CB8AC3E}">
+        <p14:creationId xmlns:p14="http://schemas.microsoft.com/office/powerpoint/2010/main" val="2389104498"/>
+      </p:ext>
+    </p:extLst>
+  </p:cSld>
+  <p:clrMapOvr>
+    <a:masterClrMapping/>
+  </p:clrMapOvr>
+  <mc:AlternateContent xmlns:mc="http://schemas.openxmlformats.org/markup-compatibility/2006">
+    <mc:Choice xmlns:p159="http://schemas.microsoft.com/office/powerpoint/2015/09/main" Requires="p159">
+      <p:transition xmlns:p14="http://schemas.microsoft.com/office/powerpoint/2010/main" spd="slow" p14:dur="2000">
+        <p159:morph option="byObject"/>
+      </p:transition>
+    </mc:Choice>
+    <mc:Fallback>
+      <p:transition spd="slow">
+        <p:fade/>
+      </p:transition>
+    </mc:Fallback>
+  </mc:AlternateContent>
+</p:sld>
+</file>
+
+<file path=ppt/slides/slide14.xml><?xml version="1.0" encoding="utf-8"?>
+<p:sld xmlns:a="http://schemas.openxmlformats.org/drawingml/2006/main" xmlns:r="http://schemas.openxmlformats.org/officeDocument/2006/relationships" xmlns:p="http://schemas.openxmlformats.org/presentationml/2006/main">
+  <p:cSld>
+    <p:spTree>
+      <p:nvGrpSpPr>
+        <p:cNvPr id="1" name=""/>
+        <p:cNvGrpSpPr/>
+        <p:nvPr/>
+      </p:nvGrpSpPr>
+      <p:grpSpPr>
+        <a:xfrm>
+          <a:off x="0" y="0"/>
+          <a:ext cx="0" cy="0"/>
+          <a:chOff x="0" y="0"/>
+          <a:chExt cx="0" cy="0"/>
+        </a:xfrm>
+      </p:grpSpPr>
+      <p:sp>
+        <p:nvSpPr>
+          <p:cNvPr id="3" name="!!Headers">
+            <a:extLst>
+              <a:ext uri="{FF2B5EF4-FFF2-40B4-BE49-F238E27FC236}">
+                <a16:creationId xmlns:a16="http://schemas.microsoft.com/office/drawing/2014/main" id="{A115EFB8-946C-EB48-E7FA-52246FF2BC4A}"/>
+              </a:ext>
+            </a:extLst>
+          </p:cNvPr>
+          <p:cNvSpPr txBox="1"/>
+          <p:nvPr/>
+        </p:nvSpPr>
+        <p:spPr>
+          <a:xfrm>
+            <a:off x="293472" y="444843"/>
+            <a:ext cx="2437371" cy="523220"/>
+          </a:xfrm>
+          <a:prstGeom prst="rect">
+            <a:avLst/>
+          </a:prstGeom>
+          <a:noFill/>
+        </p:spPr>
+        <p:txBody>
+          <a:bodyPr wrap="square">
+            <a:spAutoFit/>
+          </a:bodyPr>
+          <a:lstStyle/>
+          <a:p>
+            <a:pPr algn="l"/>
+            <a:r>
+              <a:rPr lang="en-US" sz="2800" b="1" i="0" dirty="0">
+                <a:solidFill>
+                  <a:srgbClr val="0D0D0D"/>
+                </a:solidFill>
+                <a:effectLst/>
+                <a:highlight>
+                  <a:srgbClr val="FFFFFF"/>
+                </a:highlight>
+                <a:latin typeface="Fira Code" panose="020B0809050000020004" pitchFamily="49" charset="0"/>
+                <a:ea typeface="Fira Code" panose="020B0809050000020004" pitchFamily="49" charset="0"/>
+              </a:rPr>
+              <a:t># Headers</a:t>
+            </a:r>
+          </a:p>
+        </p:txBody>
+      </p:sp>
+      <p:sp>
+        <p:nvSpPr>
+          <p:cNvPr id="4" name="!!Links">
+            <a:extLst>
+              <a:ext uri="{FF2B5EF4-FFF2-40B4-BE49-F238E27FC236}">
+                <a16:creationId xmlns:a16="http://schemas.microsoft.com/office/drawing/2014/main" id="{1BB6A054-E644-C6E0-9B1A-D1B103302CC7}"/>
+              </a:ext>
+            </a:extLst>
+          </p:cNvPr>
+          <p:cNvSpPr txBox="1"/>
+          <p:nvPr/>
+        </p:nvSpPr>
+        <p:spPr>
+          <a:xfrm>
+            <a:off x="3036673" y="2828836"/>
+            <a:ext cx="7231792" cy="2462213"/>
+          </a:xfrm>
+          <a:prstGeom prst="rect">
+            <a:avLst/>
+          </a:prstGeom>
+          <a:noFill/>
+        </p:spPr>
+        <p:txBody>
+          <a:bodyPr wrap="square">
+            <a:spAutoFit/>
+          </a:bodyPr>
+          <a:lstStyle/>
+          <a:p>
+            <a:pPr algn="l"/>
+            <a:r>
+              <a:rPr lang="en-US" sz="2800" b="1" dirty="0">
+                <a:solidFill>
+                  <a:srgbClr val="0D0D0D"/>
+                </a:solidFill>
+                <a:highlight>
+                  <a:srgbClr val="FFFFFF"/>
+                </a:highlight>
+                <a:latin typeface="Fira Code" panose="020B0809050000020004" pitchFamily="49" charset="0"/>
+                <a:ea typeface="Fira Code" panose="020B0809050000020004" pitchFamily="49" charset="0"/>
+              </a:rPr>
+              <a:t>Links</a:t>
+            </a:r>
+          </a:p>
+          <a:p>
+            <a:pPr algn="l"/>
+            <a:endParaRPr lang="en-US" b="1" i="0" dirty="0">
+              <a:solidFill>
+                <a:srgbClr val="0D0D0D"/>
+              </a:solidFill>
+              <a:effectLst/>
+              <a:highlight>
+                <a:srgbClr val="FFFFFF"/>
+              </a:highlight>
+              <a:latin typeface="Söhne"/>
+            </a:endParaRPr>
+          </a:p>
+          <a:p>
+            <a:pPr algn="l"/>
+            <a:endParaRPr lang="en-US" dirty="0">
+              <a:solidFill>
+                <a:srgbClr val="0D0D0D"/>
+              </a:solidFill>
+              <a:highlight>
+                <a:srgbClr val="FFFFFF"/>
+              </a:highlight>
+              <a:latin typeface="Söhne"/>
+            </a:endParaRPr>
+          </a:p>
+          <a:p>
+            <a:pPr algn="l"/>
+            <a:r>
+              <a:rPr lang="en-US" dirty="0">
+                <a:solidFill>
+                  <a:srgbClr val="0D0D0D"/>
+                </a:solidFill>
+                <a:highlight>
+                  <a:srgbClr val="FFFFFF"/>
+                </a:highlight>
+                <a:latin typeface="Fira Code" panose="020B0809050000020004" pitchFamily="49" charset="0"/>
+                <a:ea typeface="Fira Code" panose="020B0809050000020004" pitchFamily="49" charset="0"/>
+              </a:rPr>
+              <a:t>Inline link: </a:t>
+            </a:r>
+          </a:p>
+          <a:p>
+            <a:pPr algn="l"/>
+            <a:r>
+              <a:rPr lang="en-US" b="1" dirty="0">
+                <a:solidFill>
+                  <a:srgbClr val="0D0D0D"/>
+                </a:solidFill>
+                <a:highlight>
+                  <a:srgbClr val="FFFFFF"/>
+                </a:highlight>
+                <a:latin typeface="Fira Code" panose="020B0809050000020004" pitchFamily="49" charset="0"/>
+                <a:ea typeface="Fira Code" panose="020B0809050000020004" pitchFamily="49" charset="0"/>
+              </a:rPr>
+              <a:t>[</a:t>
+            </a:r>
+            <a:r>
+              <a:rPr lang="en-US" dirty="0">
+                <a:solidFill>
+                  <a:schemeClr val="tx1">
+                    <a:lumMod val="50000"/>
+                    <a:lumOff val="50000"/>
+                  </a:schemeClr>
+                </a:solidFill>
+                <a:highlight>
+                  <a:srgbClr val="FFFFFF"/>
+                </a:highlight>
+                <a:latin typeface="Fira Code" panose="020B0809050000020004" pitchFamily="49" charset="0"/>
+                <a:ea typeface="Fira Code" panose="020B0809050000020004" pitchFamily="49" charset="0"/>
+              </a:rPr>
+              <a:t>description</a:t>
+            </a:r>
+            <a:r>
+              <a:rPr lang="en-US" b="1" dirty="0">
+                <a:solidFill>
+                  <a:srgbClr val="0D0D0D"/>
+                </a:solidFill>
+                <a:highlight>
+                  <a:srgbClr val="FFFFFF"/>
+                </a:highlight>
+                <a:latin typeface="Fira Code" panose="020B0809050000020004" pitchFamily="49" charset="0"/>
+                <a:ea typeface="Fira Code" panose="020B0809050000020004" pitchFamily="49" charset="0"/>
+              </a:rPr>
+              <a:t>](</a:t>
+            </a:r>
+            <a:r>
+              <a:rPr lang="en-US" dirty="0" err="1">
+                <a:solidFill>
+                  <a:schemeClr val="tx1">
+                    <a:lumMod val="50000"/>
+                    <a:lumOff val="50000"/>
+                  </a:schemeClr>
+                </a:solidFill>
+                <a:highlight>
+                  <a:srgbClr val="FFFFFF"/>
+                </a:highlight>
+                <a:latin typeface="Fira Code" panose="020B0809050000020004" pitchFamily="49" charset="0"/>
+                <a:ea typeface="Fira Code" panose="020B0809050000020004" pitchFamily="49" charset="0"/>
+              </a:rPr>
+              <a:t>url</a:t>
+            </a:r>
+            <a:r>
+              <a:rPr lang="en-US" b="1" dirty="0">
+                <a:solidFill>
+                  <a:srgbClr val="0D0D0D"/>
+                </a:solidFill>
+                <a:highlight>
+                  <a:srgbClr val="FFFFFF"/>
+                </a:highlight>
+                <a:latin typeface="Fira Code" panose="020B0809050000020004" pitchFamily="49" charset="0"/>
+                <a:ea typeface="Fira Code" panose="020B0809050000020004" pitchFamily="49" charset="0"/>
+              </a:rPr>
+              <a:t>)</a:t>
+            </a:r>
+            <a:r>
+              <a:rPr lang="en-US" dirty="0">
+                <a:solidFill>
+                  <a:srgbClr val="0D0D0D"/>
+                </a:solidFill>
+                <a:highlight>
+                  <a:srgbClr val="FFFFFF"/>
+                </a:highlight>
+                <a:latin typeface="Fira Code" panose="020B0809050000020004" pitchFamily="49" charset="0"/>
+                <a:ea typeface="Fira Code" panose="020B0809050000020004" pitchFamily="49" charset="0"/>
+              </a:rPr>
+              <a:t>    </a:t>
+            </a:r>
+            <a:br>
+              <a:rPr lang="en-US" dirty="0">
+                <a:solidFill>
+                  <a:srgbClr val="0D0D0D"/>
+                </a:solidFill>
+                <a:highlight>
+                  <a:srgbClr val="FFFFFF"/>
+                </a:highlight>
+                <a:latin typeface="Fira Code" panose="020B0809050000020004" pitchFamily="49" charset="0"/>
+                <a:ea typeface="Fira Code" panose="020B0809050000020004" pitchFamily="49" charset="0"/>
+              </a:rPr>
+            </a:br>
+            <a:r>
+              <a:rPr lang="en-US" dirty="0">
+                <a:solidFill>
+                  <a:srgbClr val="0D0D0D"/>
+                </a:solidFill>
+                <a:highlight>
+                  <a:srgbClr val="FFFFFF"/>
+                </a:highlight>
+                <a:latin typeface="Fira Code" panose="020B0809050000020004" pitchFamily="49" charset="0"/>
+                <a:ea typeface="Fira Code" panose="020B0809050000020004" pitchFamily="49" charset="0"/>
+              </a:rPr>
+              <a:t>[</a:t>
+            </a:r>
+            <a:r>
+              <a:rPr lang="en-US" dirty="0" err="1">
+                <a:solidFill>
+                  <a:srgbClr val="0D0D0D"/>
+                </a:solidFill>
+                <a:highlight>
+                  <a:srgbClr val="FFFFFF"/>
+                </a:highlight>
+                <a:latin typeface="Fira Code" panose="020B0809050000020004" pitchFamily="49" charset="0"/>
+                <a:ea typeface="Fira Code" panose="020B0809050000020004" pitchFamily="49" charset="0"/>
+              </a:rPr>
+              <a:t>OpenAI</a:t>
+            </a:r>
+            <a:r>
+              <a:rPr lang="en-US" dirty="0">
+                <a:solidFill>
+                  <a:srgbClr val="0D0D0D"/>
+                </a:solidFill>
+                <a:highlight>
+                  <a:srgbClr val="FFFFFF"/>
+                </a:highlight>
+                <a:latin typeface="Fira Code" panose="020B0809050000020004" pitchFamily="49" charset="0"/>
+                <a:ea typeface="Fira Code" panose="020B0809050000020004" pitchFamily="49" charset="0"/>
+              </a:rPr>
+              <a:t>](https://</a:t>
+            </a:r>
+            <a:r>
+              <a:rPr lang="en-US" dirty="0" err="1">
+                <a:solidFill>
+                  <a:srgbClr val="0D0D0D"/>
+                </a:solidFill>
+                <a:highlight>
+                  <a:srgbClr val="FFFFFF"/>
+                </a:highlight>
+                <a:latin typeface="Fira Code" panose="020B0809050000020004" pitchFamily="49" charset="0"/>
+                <a:ea typeface="Fira Code" panose="020B0809050000020004" pitchFamily="49" charset="0"/>
+              </a:rPr>
+              <a:t>www.openai.com</a:t>
+            </a:r>
+            <a:r>
+              <a:rPr lang="en-US" dirty="0">
+                <a:solidFill>
+                  <a:srgbClr val="0D0D0D"/>
+                </a:solidFill>
+                <a:highlight>
+                  <a:srgbClr val="FFFFFF"/>
+                </a:highlight>
+                <a:latin typeface="Fira Code" panose="020B0809050000020004" pitchFamily="49" charset="0"/>
+                <a:ea typeface="Fira Code" panose="020B0809050000020004" pitchFamily="49" charset="0"/>
+              </a:rPr>
+              <a:t>) =&gt; </a:t>
+            </a:r>
+            <a:r>
+              <a:rPr lang="en-US" u="sng" dirty="0" err="1">
+                <a:solidFill>
+                  <a:schemeClr val="tx2">
+                    <a:lumMod val="50000"/>
+                    <a:lumOff val="50000"/>
+                  </a:schemeClr>
+                </a:solidFill>
+                <a:highlight>
+                  <a:srgbClr val="FFFFFF"/>
+                </a:highlight>
+                <a:latin typeface="Fira Code" panose="020B0809050000020004" pitchFamily="49" charset="0"/>
+                <a:ea typeface="Fira Code" panose="020B0809050000020004" pitchFamily="49" charset="0"/>
+              </a:rPr>
+              <a:t>OpenAI</a:t>
+            </a:r>
+            <a:endParaRPr lang="en-US" u="sng" dirty="0">
+              <a:solidFill>
+                <a:schemeClr val="tx2">
+                  <a:lumMod val="50000"/>
+                  <a:lumOff val="50000"/>
+                </a:schemeClr>
+              </a:solidFill>
+              <a:highlight>
+                <a:srgbClr val="FFFFFF"/>
+              </a:highlight>
+              <a:latin typeface="Fira Code" panose="020B0809050000020004" pitchFamily="49" charset="0"/>
+              <a:ea typeface="Fira Code" panose="020B0809050000020004" pitchFamily="49" charset="0"/>
+            </a:endParaRPr>
+          </a:p>
+          <a:p>
+            <a:pPr algn="l"/>
+            <a:endParaRPr lang="en-US" dirty="0">
               <a:solidFill>
                 <a:srgbClr val="0D0D0D"/>
               </a:solidFill>
@@ -4108,12 +4569,2244 @@
               <a:ea typeface="Fira Code" panose="020B0809050000020004" pitchFamily="49" charset="0"/>
             </a:endParaRPr>
           </a:p>
-        </p:txBody>
-      </p:sp>
+          <a:p>
+            <a:pPr algn="l"/>
+            <a:endParaRPr lang="en-US" dirty="0">
+              <a:solidFill>
+                <a:srgbClr val="0D0D0D"/>
+              </a:solidFill>
+              <a:highlight>
+                <a:srgbClr val="FFFFFF"/>
+              </a:highlight>
+              <a:latin typeface="Söhne"/>
+            </a:endParaRPr>
+          </a:p>
+        </p:txBody>
+      </p:sp>
+      <p:sp>
+        <p:nvSpPr>
+          <p:cNvPr id="5" name="!!Empahasis">
+            <a:extLst>
+              <a:ext uri="{FF2B5EF4-FFF2-40B4-BE49-F238E27FC236}">
+                <a16:creationId xmlns:a16="http://schemas.microsoft.com/office/drawing/2014/main" id="{B6670200-7771-3F0C-579D-87E9358C0F7D}"/>
+              </a:ext>
+            </a:extLst>
+          </p:cNvPr>
+          <p:cNvSpPr txBox="1"/>
+          <p:nvPr/>
+        </p:nvSpPr>
+        <p:spPr>
+          <a:xfrm>
+            <a:off x="293472" y="1078295"/>
+            <a:ext cx="6098058" cy="523220"/>
+          </a:xfrm>
+          <a:prstGeom prst="rect">
+            <a:avLst/>
+          </a:prstGeom>
+          <a:noFill/>
+        </p:spPr>
+        <p:txBody>
+          <a:bodyPr wrap="square">
+            <a:spAutoFit/>
+          </a:bodyPr>
+          <a:lstStyle/>
+          <a:p>
+            <a:pPr algn="l"/>
+            <a:r>
+              <a:rPr lang="en-US" sz="2800" b="1" dirty="0">
+                <a:solidFill>
+                  <a:srgbClr val="0D0D0D"/>
+                </a:solidFill>
+                <a:highlight>
+                  <a:srgbClr val="FFFFFF"/>
+                </a:highlight>
+                <a:latin typeface="Fira Code" panose="020B0809050000020004" pitchFamily="49" charset="0"/>
+                <a:ea typeface="Fira Code" panose="020B0809050000020004" pitchFamily="49" charset="0"/>
+              </a:rPr>
+              <a:t>**Emphasis**</a:t>
+            </a:r>
+            <a:endParaRPr lang="en-US" dirty="0">
+              <a:solidFill>
+                <a:srgbClr val="0D0D0D"/>
+              </a:solidFill>
+              <a:highlight>
+                <a:srgbClr val="FFFFFF"/>
+              </a:highlight>
+              <a:latin typeface="Söhne"/>
+            </a:endParaRPr>
+          </a:p>
+        </p:txBody>
+      </p:sp>
+      <p:sp>
+        <p:nvSpPr>
+          <p:cNvPr id="2" name="!!Lists">
+            <a:extLst>
+              <a:ext uri="{FF2B5EF4-FFF2-40B4-BE49-F238E27FC236}">
+                <a16:creationId xmlns:a16="http://schemas.microsoft.com/office/drawing/2014/main" id="{7CDA1B21-062D-E58A-F17F-010DD0AC346B}"/>
+              </a:ext>
+            </a:extLst>
+          </p:cNvPr>
+          <p:cNvSpPr txBox="1"/>
+          <p:nvPr/>
+        </p:nvSpPr>
+        <p:spPr>
+          <a:xfrm>
+            <a:off x="293472" y="1672164"/>
+            <a:ext cx="6098058" cy="523220"/>
+          </a:xfrm>
+          <a:prstGeom prst="rect">
+            <a:avLst/>
+          </a:prstGeom>
+          <a:noFill/>
+        </p:spPr>
+        <p:txBody>
+          <a:bodyPr wrap="square">
+            <a:spAutoFit/>
+          </a:bodyPr>
+          <a:lstStyle/>
+          <a:p>
+            <a:pPr algn="l"/>
+            <a:r>
+              <a:rPr lang="en-US" sz="2800" b="1" dirty="0">
+                <a:solidFill>
+                  <a:srgbClr val="0D0D0D"/>
+                </a:solidFill>
+                <a:highlight>
+                  <a:srgbClr val="FFFFFF"/>
+                </a:highlight>
+                <a:latin typeface="Fira Code" panose="020B0809050000020004" pitchFamily="49" charset="0"/>
+                <a:ea typeface="Fira Code" panose="020B0809050000020004" pitchFamily="49" charset="0"/>
+              </a:rPr>
+              <a:t>1. Lists</a:t>
+            </a:r>
+            <a:endParaRPr lang="en-US" dirty="0">
+              <a:solidFill>
+                <a:srgbClr val="0D0D0D"/>
+              </a:solidFill>
+              <a:highlight>
+                <a:srgbClr val="FFFFFF"/>
+              </a:highlight>
+              <a:latin typeface="Söhne"/>
+            </a:endParaRPr>
+          </a:p>
+        </p:txBody>
+      </p:sp>
+      <p:cxnSp>
+        <p:nvCxnSpPr>
+          <p:cNvPr id="7" name="Straight Arrow Connector 6">
+            <a:extLst>
+              <a:ext uri="{FF2B5EF4-FFF2-40B4-BE49-F238E27FC236}">
+                <a16:creationId xmlns:a16="http://schemas.microsoft.com/office/drawing/2014/main" id="{347B92B5-63C6-478D-3C94-1472199610CD}"/>
+              </a:ext>
+            </a:extLst>
+          </p:cNvPr>
+          <p:cNvCxnSpPr/>
+          <p:nvPr/>
+        </p:nvCxnSpPr>
+        <p:spPr>
+          <a:xfrm>
+            <a:off x="2434282" y="4250725"/>
+            <a:ext cx="627105" cy="0"/>
+          </a:xfrm>
+          <a:prstGeom prst="straightConnector1">
+            <a:avLst/>
+          </a:prstGeom>
+          <a:ln w="38100">
+            <a:solidFill>
+              <a:srgbClr val="FF0000"/>
+            </a:solidFill>
+            <a:tailEnd type="triangle"/>
+          </a:ln>
+        </p:spPr>
+        <p:style>
+          <a:lnRef idx="2">
+            <a:schemeClr val="accent1"/>
+          </a:lnRef>
+          <a:fillRef idx="0">
+            <a:schemeClr val="accent1"/>
+          </a:fillRef>
+          <a:effectRef idx="1">
+            <a:schemeClr val="accent1"/>
+          </a:effectRef>
+          <a:fontRef idx="minor">
+            <a:schemeClr val="tx1"/>
+          </a:fontRef>
+        </p:style>
+      </p:cxnSp>
+      <p:cxnSp>
+        <p:nvCxnSpPr>
+          <p:cNvPr id="8" name="Straight Arrow Connector 7">
+            <a:extLst>
+              <a:ext uri="{FF2B5EF4-FFF2-40B4-BE49-F238E27FC236}">
+                <a16:creationId xmlns:a16="http://schemas.microsoft.com/office/drawing/2014/main" id="{7D26A5E9-FB78-49C6-CE17-F36DA74D6444}"/>
+              </a:ext>
+            </a:extLst>
+          </p:cNvPr>
+          <p:cNvCxnSpPr>
+            <a:cxnSpLocks/>
+          </p:cNvCxnSpPr>
+          <p:nvPr/>
+        </p:nvCxnSpPr>
+        <p:spPr>
+          <a:xfrm flipH="1">
+            <a:off x="5725295" y="4254845"/>
+            <a:ext cx="666235" cy="0"/>
+          </a:xfrm>
+          <a:prstGeom prst="straightConnector1">
+            <a:avLst/>
+          </a:prstGeom>
+          <a:ln w="38100">
+            <a:solidFill>
+              <a:srgbClr val="FF0000"/>
+            </a:solidFill>
+            <a:tailEnd type="triangle"/>
+          </a:ln>
+        </p:spPr>
+        <p:style>
+          <a:lnRef idx="2">
+            <a:schemeClr val="accent1"/>
+          </a:lnRef>
+          <a:fillRef idx="0">
+            <a:schemeClr val="accent1"/>
+          </a:fillRef>
+          <a:effectRef idx="1">
+            <a:schemeClr val="accent1"/>
+          </a:effectRef>
+          <a:fontRef idx="minor">
+            <a:schemeClr val="tx1"/>
+          </a:fontRef>
+        </p:style>
+      </p:cxnSp>
     </p:spTree>
     <p:extLst>
       <p:ext uri="{BB962C8B-B14F-4D97-AF65-F5344CB8AC3E}">
-        <p14:creationId xmlns:p14="http://schemas.microsoft.com/office/powerpoint/2010/main" val="2262281846"/>
+        <p14:creationId xmlns:p14="http://schemas.microsoft.com/office/powerpoint/2010/main" val="408780681"/>
+      </p:ext>
+    </p:extLst>
+  </p:cSld>
+  <p:clrMapOvr>
+    <a:masterClrMapping/>
+  </p:clrMapOvr>
+  <mc:AlternateContent xmlns:mc="http://schemas.openxmlformats.org/markup-compatibility/2006">
+    <mc:Choice xmlns:p159="http://schemas.microsoft.com/office/powerpoint/2015/09/main" Requires="p159">
+      <p:transition xmlns:p14="http://schemas.microsoft.com/office/powerpoint/2010/main" spd="slow" p14:dur="2000">
+        <p159:morph option="byObject"/>
+      </p:transition>
+    </mc:Choice>
+    <mc:Fallback>
+      <p:transition spd="slow">
+        <p:fade/>
+      </p:transition>
+    </mc:Fallback>
+  </mc:AlternateContent>
+  <p:timing>
+    <p:tnLst>
+      <p:par>
+        <p:cTn id="1" dur="indefinite" restart="never" nodeType="tmRoot">
+          <p:childTnLst>
+            <p:seq concurrent="1" nextAc="seek">
+              <p:cTn id="2" dur="indefinite" nodeType="mainSeq">
+                <p:childTnLst>
+                  <p:par>
+                    <p:cTn id="3" fill="hold">
+                      <p:stCondLst>
+                        <p:cond delay="indefinite"/>
+                      </p:stCondLst>
+                      <p:childTnLst>
+                        <p:par>
+                          <p:cTn id="4" fill="hold">
+                            <p:stCondLst>
+                              <p:cond delay="0"/>
+                            </p:stCondLst>
+                            <p:childTnLst>
+                              <p:par>
+                                <p:cTn id="5" presetID="1" presetClass="entr" presetSubtype="0" fill="hold" nodeType="clickEffect">
+                                  <p:stCondLst>
+                                    <p:cond delay="0"/>
+                                  </p:stCondLst>
+                                  <p:childTnLst>
+                                    <p:set>
+                                      <p:cBhvr>
+                                        <p:cTn id="6" dur="1" fill="hold">
+                                          <p:stCondLst>
+                                            <p:cond delay="0"/>
+                                          </p:stCondLst>
+                                        </p:cTn>
+                                        <p:tgtEl>
+                                          <p:spTgt spid="8"/>
+                                        </p:tgtEl>
+                                        <p:attrNameLst>
+                                          <p:attrName>style.visibility</p:attrName>
+                                        </p:attrNameLst>
+                                      </p:cBhvr>
+                                      <p:to>
+                                        <p:strVal val="visible"/>
+                                      </p:to>
+                                    </p:set>
+                                  </p:childTnLst>
+                                </p:cTn>
+                              </p:par>
+                              <p:par>
+                                <p:cTn id="7" presetID="1" presetClass="entr" presetSubtype="0" fill="hold" nodeType="withEffect">
+                                  <p:stCondLst>
+                                    <p:cond delay="0"/>
+                                  </p:stCondLst>
+                                  <p:childTnLst>
+                                    <p:set>
+                                      <p:cBhvr>
+                                        <p:cTn id="8" dur="1" fill="hold">
+                                          <p:stCondLst>
+                                            <p:cond delay="0"/>
+                                          </p:stCondLst>
+                                        </p:cTn>
+                                        <p:tgtEl>
+                                          <p:spTgt spid="7"/>
+                                        </p:tgtEl>
+                                        <p:attrNameLst>
+                                          <p:attrName>style.visibility</p:attrName>
+                                        </p:attrNameLst>
+                                      </p:cBhvr>
+                                      <p:to>
+                                        <p:strVal val="visible"/>
+                                      </p:to>
+                                    </p:set>
+                                  </p:childTnLst>
+                                </p:cTn>
+                              </p:par>
+                            </p:childTnLst>
+                          </p:cTn>
+                        </p:par>
+                      </p:childTnLst>
+                    </p:cTn>
+                  </p:par>
+                </p:childTnLst>
+              </p:cTn>
+              <p:prevCondLst>
+                <p:cond evt="onPrev" delay="0">
+                  <p:tgtEl>
+                    <p:sldTgt/>
+                  </p:tgtEl>
+                </p:cond>
+              </p:prevCondLst>
+              <p:nextCondLst>
+                <p:cond evt="onNext" delay="0">
+                  <p:tgtEl>
+                    <p:sldTgt/>
+                  </p:tgtEl>
+                </p:cond>
+              </p:nextCondLst>
+            </p:seq>
+          </p:childTnLst>
+        </p:cTn>
+      </p:par>
+    </p:tnLst>
+  </p:timing>
+</p:sld>
+</file>
+
+<file path=ppt/slides/slide15.xml><?xml version="1.0" encoding="utf-8"?>
+<p:sld xmlns:a="http://schemas.openxmlformats.org/drawingml/2006/main" xmlns:r="http://schemas.openxmlformats.org/officeDocument/2006/relationships" xmlns:p="http://schemas.openxmlformats.org/presentationml/2006/main">
+  <p:cSld>
+    <p:spTree>
+      <p:nvGrpSpPr>
+        <p:cNvPr id="1" name=""/>
+        <p:cNvGrpSpPr/>
+        <p:nvPr/>
+      </p:nvGrpSpPr>
+      <p:grpSpPr>
+        <a:xfrm>
+          <a:off x="0" y="0"/>
+          <a:ext cx="0" cy="0"/>
+          <a:chOff x="0" y="0"/>
+          <a:chExt cx="0" cy="0"/>
+        </a:xfrm>
+      </p:grpSpPr>
+      <p:sp>
+        <p:nvSpPr>
+          <p:cNvPr id="3" name="!!Headers">
+            <a:extLst>
+              <a:ext uri="{FF2B5EF4-FFF2-40B4-BE49-F238E27FC236}">
+                <a16:creationId xmlns:a16="http://schemas.microsoft.com/office/drawing/2014/main" id="{A115EFB8-946C-EB48-E7FA-52246FF2BC4A}"/>
+              </a:ext>
+            </a:extLst>
+          </p:cNvPr>
+          <p:cNvSpPr txBox="1"/>
+          <p:nvPr/>
+        </p:nvSpPr>
+        <p:spPr>
+          <a:xfrm>
+            <a:off x="293472" y="444843"/>
+            <a:ext cx="2437371" cy="523220"/>
+          </a:xfrm>
+          <a:prstGeom prst="rect">
+            <a:avLst/>
+          </a:prstGeom>
+          <a:noFill/>
+        </p:spPr>
+        <p:txBody>
+          <a:bodyPr wrap="square">
+            <a:spAutoFit/>
+          </a:bodyPr>
+          <a:lstStyle/>
+          <a:p>
+            <a:pPr algn="l"/>
+            <a:r>
+              <a:rPr lang="en-US" sz="2800" b="1" i="0" dirty="0">
+                <a:solidFill>
+                  <a:srgbClr val="0D0D0D"/>
+                </a:solidFill>
+                <a:effectLst/>
+                <a:highlight>
+                  <a:srgbClr val="FFFFFF"/>
+                </a:highlight>
+                <a:latin typeface="Fira Code" panose="020B0809050000020004" pitchFamily="49" charset="0"/>
+                <a:ea typeface="Fira Code" panose="020B0809050000020004" pitchFamily="49" charset="0"/>
+              </a:rPr>
+              <a:t># Headers</a:t>
+            </a:r>
+          </a:p>
+        </p:txBody>
+      </p:sp>
+      <p:sp>
+        <p:nvSpPr>
+          <p:cNvPr id="4" name="!!Code">
+            <a:extLst>
+              <a:ext uri="{FF2B5EF4-FFF2-40B4-BE49-F238E27FC236}">
+                <a16:creationId xmlns:a16="http://schemas.microsoft.com/office/drawing/2014/main" id="{1BB6A054-E644-C6E0-9B1A-D1B103302CC7}"/>
+              </a:ext>
+            </a:extLst>
+          </p:cNvPr>
+          <p:cNvSpPr txBox="1"/>
+          <p:nvPr/>
+        </p:nvSpPr>
+        <p:spPr>
+          <a:xfrm>
+            <a:off x="3036673" y="2828836"/>
+            <a:ext cx="7231792" cy="2739211"/>
+          </a:xfrm>
+          <a:prstGeom prst="rect">
+            <a:avLst/>
+          </a:prstGeom>
+          <a:noFill/>
+        </p:spPr>
+        <p:txBody>
+          <a:bodyPr wrap="square">
+            <a:spAutoFit/>
+          </a:bodyPr>
+          <a:lstStyle/>
+          <a:p>
+            <a:pPr algn="l"/>
+            <a:r>
+              <a:rPr lang="en-US" sz="2800" b="1" dirty="0">
+                <a:solidFill>
+                  <a:srgbClr val="0D0D0D"/>
+                </a:solidFill>
+                <a:highlight>
+                  <a:srgbClr val="FFFFFF"/>
+                </a:highlight>
+                <a:latin typeface="Fira Code" panose="020B0809050000020004" pitchFamily="49" charset="0"/>
+                <a:ea typeface="Fira Code" panose="020B0809050000020004" pitchFamily="49" charset="0"/>
+              </a:rPr>
+              <a:t>Code</a:t>
+            </a:r>
+          </a:p>
+          <a:p>
+            <a:pPr algn="l"/>
+            <a:endParaRPr lang="en-US" dirty="0">
+              <a:solidFill>
+                <a:srgbClr val="0D0D0D"/>
+              </a:solidFill>
+              <a:highlight>
+                <a:srgbClr val="FFFFFF"/>
+              </a:highlight>
+              <a:latin typeface="Arial" panose="020B0604020202020204" pitchFamily="34" charset="0"/>
+              <a:cs typeface="Arial" panose="020B0604020202020204" pitchFamily="34" charset="0"/>
+            </a:endParaRPr>
+          </a:p>
+          <a:p>
+            <a:pPr algn="l"/>
+            <a:r>
+              <a:rPr lang="en-US" dirty="0">
+                <a:solidFill>
+                  <a:srgbClr val="0D0D0D"/>
+                </a:solidFill>
+                <a:highlight>
+                  <a:srgbClr val="FFFFFF"/>
+                </a:highlight>
+                <a:latin typeface="Arial" panose="020B0604020202020204" pitchFamily="34" charset="0"/>
+                <a:ea typeface="Fira Code" panose="020B0809050000020004" pitchFamily="49" charset="0"/>
+                <a:cs typeface="Arial" panose="020B0604020202020204" pitchFamily="34" charset="0"/>
+              </a:rPr>
+              <a:t>Inline</a:t>
+            </a:r>
+            <a:r>
+              <a:rPr lang="en-US" dirty="0">
+                <a:solidFill>
+                  <a:srgbClr val="0D0D0D"/>
+                </a:solidFill>
+                <a:highlight>
+                  <a:srgbClr val="FFFFFF"/>
+                </a:highlight>
+                <a:latin typeface="Fira Code" panose="020B0809050000020004" pitchFamily="49" charset="0"/>
+                <a:ea typeface="Fira Code" panose="020B0809050000020004" pitchFamily="49" charset="0"/>
+              </a:rPr>
+              <a:t> </a:t>
+            </a:r>
+            <a:r>
+              <a:rPr lang="en-US" dirty="0">
+                <a:solidFill>
+                  <a:srgbClr val="0D0D0D"/>
+                </a:solidFill>
+                <a:highlight>
+                  <a:srgbClr val="C0C0C0"/>
+                </a:highlight>
+                <a:latin typeface="Fira Code" panose="020B0809050000020004" pitchFamily="49" charset="0"/>
+                <a:ea typeface="Fira Code" panose="020B0809050000020004" pitchFamily="49" charset="0"/>
+              </a:rPr>
+              <a:t>`code`</a:t>
+            </a:r>
+            <a:r>
+              <a:rPr lang="en-US" dirty="0">
+                <a:solidFill>
+                  <a:srgbClr val="0D0D0D"/>
+                </a:solidFill>
+                <a:latin typeface="Fira Code" panose="020B0809050000020004" pitchFamily="49" charset="0"/>
+                <a:ea typeface="Fira Code" panose="020B0809050000020004" pitchFamily="49" charset="0"/>
+              </a:rPr>
+              <a:t> </a:t>
+            </a:r>
+            <a:r>
+              <a:rPr lang="en-US" dirty="0">
+                <a:solidFill>
+                  <a:srgbClr val="0D0D0D"/>
+                </a:solidFill>
+                <a:highlight>
+                  <a:srgbClr val="FFFFFF"/>
+                </a:highlight>
+                <a:latin typeface="Arial" panose="020B0604020202020204" pitchFamily="34" charset="0"/>
+                <a:ea typeface="Fira Code" panose="020B0809050000020004" pitchFamily="49" charset="0"/>
+                <a:cs typeface="Arial" panose="020B0604020202020204" pitchFamily="34" charset="0"/>
+              </a:rPr>
+              <a:t>example</a:t>
+            </a:r>
+            <a:br>
+              <a:rPr lang="en-US" dirty="0">
+                <a:solidFill>
+                  <a:srgbClr val="0D0D0D"/>
+                </a:solidFill>
+                <a:highlight>
+                  <a:srgbClr val="FFFFFF"/>
+                </a:highlight>
+                <a:latin typeface="Fira Code" panose="020B0809050000020004" pitchFamily="49" charset="0"/>
+                <a:ea typeface="Fira Code" panose="020B0809050000020004" pitchFamily="49" charset="0"/>
+              </a:rPr>
+            </a:br>
+            <a:endParaRPr lang="en-US" dirty="0">
+              <a:solidFill>
+                <a:srgbClr val="0D0D0D"/>
+              </a:solidFill>
+              <a:highlight>
+                <a:srgbClr val="FFFFFF"/>
+              </a:highlight>
+              <a:latin typeface="Fira Code" panose="020B0809050000020004" pitchFamily="49" charset="0"/>
+              <a:ea typeface="Fira Code" panose="020B0809050000020004" pitchFamily="49" charset="0"/>
+            </a:endParaRPr>
+          </a:p>
+          <a:p>
+            <a:pPr algn="l"/>
+            <a:r>
+              <a:rPr lang="en-US" dirty="0">
+                <a:solidFill>
+                  <a:srgbClr val="0D0D0D"/>
+                </a:solidFill>
+                <a:highlight>
+                  <a:srgbClr val="C0C0C0"/>
+                </a:highlight>
+                <a:latin typeface="Fira Code" panose="020B0809050000020004" pitchFamily="49" charset="0"/>
+                <a:ea typeface="Fira Code" panose="020B0809050000020004" pitchFamily="49" charset="0"/>
+              </a:rPr>
+              <a:t>```java</a:t>
+            </a:r>
+          </a:p>
+          <a:p>
+            <a:pPr algn="l"/>
+            <a:r>
+              <a:rPr lang="en-US" dirty="0">
+                <a:solidFill>
+                  <a:srgbClr val="0D0D0D"/>
+                </a:solidFill>
+                <a:highlight>
+                  <a:srgbClr val="C0C0C0"/>
+                </a:highlight>
+                <a:latin typeface="Fira Code" panose="020B0809050000020004" pitchFamily="49" charset="0"/>
+                <a:ea typeface="Fira Code" panose="020B0809050000020004" pitchFamily="49" charset="0"/>
+              </a:rPr>
+              <a:t>Multiline</a:t>
+            </a:r>
+          </a:p>
+          <a:p>
+            <a:pPr algn="l"/>
+            <a:r>
+              <a:rPr lang="en-US" dirty="0" err="1">
+                <a:solidFill>
+                  <a:srgbClr val="0D0D0D"/>
+                </a:solidFill>
+                <a:highlight>
+                  <a:srgbClr val="C0C0C0"/>
+                </a:highlight>
+                <a:latin typeface="Fira Code" panose="020B0809050000020004" pitchFamily="49" charset="0"/>
+                <a:ea typeface="Fira Code" panose="020B0809050000020004" pitchFamily="49" charset="0"/>
+              </a:rPr>
+              <a:t>Codeblock</a:t>
+            </a:r>
+            <a:endParaRPr lang="en-US" dirty="0">
+              <a:solidFill>
+                <a:srgbClr val="0D0D0D"/>
+              </a:solidFill>
+              <a:highlight>
+                <a:srgbClr val="C0C0C0"/>
+              </a:highlight>
+              <a:latin typeface="Fira Code" panose="020B0809050000020004" pitchFamily="49" charset="0"/>
+              <a:ea typeface="Fira Code" panose="020B0809050000020004" pitchFamily="49" charset="0"/>
+            </a:endParaRPr>
+          </a:p>
+          <a:p>
+            <a:pPr algn="l"/>
+            <a:r>
+              <a:rPr lang="en-US" dirty="0">
+                <a:solidFill>
+                  <a:srgbClr val="0D0D0D"/>
+                </a:solidFill>
+                <a:highlight>
+                  <a:srgbClr val="C0C0C0"/>
+                </a:highlight>
+                <a:latin typeface="Fira Code" panose="020B0809050000020004" pitchFamily="49" charset="0"/>
+                <a:ea typeface="Fira Code" panose="020B0809050000020004" pitchFamily="49" charset="0"/>
+              </a:rPr>
+              <a:t>```</a:t>
+            </a:r>
+          </a:p>
+          <a:p>
+            <a:pPr algn="l"/>
+            <a:endParaRPr lang="en-US" dirty="0">
+              <a:solidFill>
+                <a:srgbClr val="0D0D0D"/>
+              </a:solidFill>
+              <a:highlight>
+                <a:srgbClr val="FFFFFF"/>
+              </a:highlight>
+              <a:latin typeface="Söhne"/>
+            </a:endParaRPr>
+          </a:p>
+        </p:txBody>
+      </p:sp>
+      <p:sp>
+        <p:nvSpPr>
+          <p:cNvPr id="5" name="!!Empahasis">
+            <a:extLst>
+              <a:ext uri="{FF2B5EF4-FFF2-40B4-BE49-F238E27FC236}">
+                <a16:creationId xmlns:a16="http://schemas.microsoft.com/office/drawing/2014/main" id="{B6670200-7771-3F0C-579D-87E9358C0F7D}"/>
+              </a:ext>
+            </a:extLst>
+          </p:cNvPr>
+          <p:cNvSpPr txBox="1"/>
+          <p:nvPr/>
+        </p:nvSpPr>
+        <p:spPr>
+          <a:xfrm>
+            <a:off x="293472" y="1078295"/>
+            <a:ext cx="6098058" cy="523220"/>
+          </a:xfrm>
+          <a:prstGeom prst="rect">
+            <a:avLst/>
+          </a:prstGeom>
+          <a:noFill/>
+        </p:spPr>
+        <p:txBody>
+          <a:bodyPr wrap="square">
+            <a:spAutoFit/>
+          </a:bodyPr>
+          <a:lstStyle/>
+          <a:p>
+            <a:pPr algn="l"/>
+            <a:r>
+              <a:rPr lang="en-US" sz="2800" b="1" dirty="0">
+                <a:solidFill>
+                  <a:srgbClr val="0D0D0D"/>
+                </a:solidFill>
+                <a:highlight>
+                  <a:srgbClr val="FFFFFF"/>
+                </a:highlight>
+                <a:latin typeface="Fira Code" panose="020B0809050000020004" pitchFamily="49" charset="0"/>
+                <a:ea typeface="Fira Code" panose="020B0809050000020004" pitchFamily="49" charset="0"/>
+              </a:rPr>
+              <a:t>**Emphasis**</a:t>
+            </a:r>
+            <a:endParaRPr lang="en-US" dirty="0">
+              <a:solidFill>
+                <a:srgbClr val="0D0D0D"/>
+              </a:solidFill>
+              <a:highlight>
+                <a:srgbClr val="FFFFFF"/>
+              </a:highlight>
+              <a:latin typeface="Söhne"/>
+            </a:endParaRPr>
+          </a:p>
+        </p:txBody>
+      </p:sp>
+      <p:sp>
+        <p:nvSpPr>
+          <p:cNvPr id="2" name="!!Lists">
+            <a:extLst>
+              <a:ext uri="{FF2B5EF4-FFF2-40B4-BE49-F238E27FC236}">
+                <a16:creationId xmlns:a16="http://schemas.microsoft.com/office/drawing/2014/main" id="{7CDA1B21-062D-E58A-F17F-010DD0AC346B}"/>
+              </a:ext>
+            </a:extLst>
+          </p:cNvPr>
+          <p:cNvSpPr txBox="1"/>
+          <p:nvPr/>
+        </p:nvSpPr>
+        <p:spPr>
+          <a:xfrm>
+            <a:off x="293472" y="1672164"/>
+            <a:ext cx="6098058" cy="523220"/>
+          </a:xfrm>
+          <a:prstGeom prst="rect">
+            <a:avLst/>
+          </a:prstGeom>
+          <a:noFill/>
+        </p:spPr>
+        <p:txBody>
+          <a:bodyPr wrap="square">
+            <a:spAutoFit/>
+          </a:bodyPr>
+          <a:lstStyle/>
+          <a:p>
+            <a:pPr algn="l"/>
+            <a:r>
+              <a:rPr lang="en-US" sz="2800" b="1" dirty="0">
+                <a:solidFill>
+                  <a:srgbClr val="0D0D0D"/>
+                </a:solidFill>
+                <a:highlight>
+                  <a:srgbClr val="FFFFFF"/>
+                </a:highlight>
+                <a:latin typeface="Fira Code" panose="020B0809050000020004" pitchFamily="49" charset="0"/>
+                <a:ea typeface="Fira Code" panose="020B0809050000020004" pitchFamily="49" charset="0"/>
+              </a:rPr>
+              <a:t>1. Lists</a:t>
+            </a:r>
+            <a:endParaRPr lang="en-US" dirty="0">
+              <a:solidFill>
+                <a:srgbClr val="0D0D0D"/>
+              </a:solidFill>
+              <a:highlight>
+                <a:srgbClr val="FFFFFF"/>
+              </a:highlight>
+              <a:latin typeface="Söhne"/>
+            </a:endParaRPr>
+          </a:p>
+        </p:txBody>
+      </p:sp>
+      <p:sp>
+        <p:nvSpPr>
+          <p:cNvPr id="6" name="!!Links">
+            <a:extLst>
+              <a:ext uri="{FF2B5EF4-FFF2-40B4-BE49-F238E27FC236}">
+                <a16:creationId xmlns:a16="http://schemas.microsoft.com/office/drawing/2014/main" id="{7A0BF79B-AD77-79F1-4676-CEC7FC6F7498}"/>
+              </a:ext>
+            </a:extLst>
+          </p:cNvPr>
+          <p:cNvSpPr txBox="1"/>
+          <p:nvPr/>
+        </p:nvSpPr>
+        <p:spPr>
+          <a:xfrm>
+            <a:off x="293472" y="2234967"/>
+            <a:ext cx="6098058" cy="523220"/>
+          </a:xfrm>
+          <a:prstGeom prst="rect">
+            <a:avLst/>
+          </a:prstGeom>
+          <a:noFill/>
+        </p:spPr>
+        <p:txBody>
+          <a:bodyPr wrap="square">
+            <a:spAutoFit/>
+          </a:bodyPr>
+          <a:lstStyle/>
+          <a:p>
+            <a:pPr algn="l"/>
+            <a:r>
+              <a:rPr lang="en-US" sz="2800" b="1" dirty="0">
+                <a:solidFill>
+                  <a:srgbClr val="0D0D0D"/>
+                </a:solidFill>
+                <a:highlight>
+                  <a:srgbClr val="FFFFFF"/>
+                </a:highlight>
+                <a:latin typeface="Fira Code" panose="020B0809050000020004" pitchFamily="49" charset="0"/>
+                <a:ea typeface="Fira Code" panose="020B0809050000020004" pitchFamily="49" charset="0"/>
+              </a:rPr>
+              <a:t>[Links]()</a:t>
+            </a:r>
+            <a:endParaRPr lang="en-US" dirty="0">
+              <a:solidFill>
+                <a:srgbClr val="0D0D0D"/>
+              </a:solidFill>
+              <a:highlight>
+                <a:srgbClr val="FFFFFF"/>
+              </a:highlight>
+              <a:latin typeface="Söhne"/>
+            </a:endParaRPr>
+          </a:p>
+        </p:txBody>
+      </p:sp>
+      <p:cxnSp>
+        <p:nvCxnSpPr>
+          <p:cNvPr id="7" name="Straight Arrow Connector 6">
+            <a:extLst>
+              <a:ext uri="{FF2B5EF4-FFF2-40B4-BE49-F238E27FC236}">
+                <a16:creationId xmlns:a16="http://schemas.microsoft.com/office/drawing/2014/main" id="{F1EF017A-491B-36E4-434C-18E680BA84E4}"/>
+              </a:ext>
+            </a:extLst>
+          </p:cNvPr>
+          <p:cNvCxnSpPr/>
+          <p:nvPr/>
+        </p:nvCxnSpPr>
+        <p:spPr>
+          <a:xfrm>
+            <a:off x="2471352" y="4242488"/>
+            <a:ext cx="627105" cy="0"/>
+          </a:xfrm>
+          <a:prstGeom prst="straightConnector1">
+            <a:avLst/>
+          </a:prstGeom>
+          <a:ln w="38100">
+            <a:solidFill>
+              <a:srgbClr val="FF0000"/>
+            </a:solidFill>
+            <a:tailEnd type="triangle"/>
+          </a:ln>
+        </p:spPr>
+        <p:style>
+          <a:lnRef idx="2">
+            <a:schemeClr val="accent1"/>
+          </a:lnRef>
+          <a:fillRef idx="0">
+            <a:schemeClr val="accent1"/>
+          </a:fillRef>
+          <a:effectRef idx="1">
+            <a:schemeClr val="accent1"/>
+          </a:effectRef>
+          <a:fontRef idx="minor">
+            <a:schemeClr val="tx1"/>
+          </a:fontRef>
+        </p:style>
+      </p:cxnSp>
+      <p:cxnSp>
+        <p:nvCxnSpPr>
+          <p:cNvPr id="8" name="Straight Arrow Connector 7">
+            <a:extLst>
+              <a:ext uri="{FF2B5EF4-FFF2-40B4-BE49-F238E27FC236}">
+                <a16:creationId xmlns:a16="http://schemas.microsoft.com/office/drawing/2014/main" id="{48137F79-72F0-48C7-12B7-48C142DEF8E6}"/>
+              </a:ext>
+            </a:extLst>
+          </p:cNvPr>
+          <p:cNvCxnSpPr>
+            <a:cxnSpLocks/>
+          </p:cNvCxnSpPr>
+          <p:nvPr/>
+        </p:nvCxnSpPr>
+        <p:spPr>
+          <a:xfrm flipH="1">
+            <a:off x="4193057" y="4242488"/>
+            <a:ext cx="666235" cy="0"/>
+          </a:xfrm>
+          <a:prstGeom prst="straightConnector1">
+            <a:avLst/>
+          </a:prstGeom>
+          <a:ln w="38100">
+            <a:solidFill>
+              <a:srgbClr val="FF0000"/>
+            </a:solidFill>
+            <a:tailEnd type="triangle"/>
+          </a:ln>
+        </p:spPr>
+        <p:style>
+          <a:lnRef idx="2">
+            <a:schemeClr val="accent1"/>
+          </a:lnRef>
+          <a:fillRef idx="0">
+            <a:schemeClr val="accent1"/>
+          </a:fillRef>
+          <a:effectRef idx="1">
+            <a:schemeClr val="accent1"/>
+          </a:effectRef>
+          <a:fontRef idx="minor">
+            <a:schemeClr val="tx1"/>
+          </a:fontRef>
+        </p:style>
+      </p:cxnSp>
+    </p:spTree>
+    <p:extLst>
+      <p:ext uri="{BB962C8B-B14F-4D97-AF65-F5344CB8AC3E}">
+        <p14:creationId xmlns:p14="http://schemas.microsoft.com/office/powerpoint/2010/main" val="2983946877"/>
+      </p:ext>
+    </p:extLst>
+  </p:cSld>
+  <p:clrMapOvr>
+    <a:masterClrMapping/>
+  </p:clrMapOvr>
+  <mc:AlternateContent xmlns:mc="http://schemas.openxmlformats.org/markup-compatibility/2006">
+    <mc:Choice xmlns:p159="http://schemas.microsoft.com/office/powerpoint/2015/09/main" Requires="p159">
+      <p:transition xmlns:p14="http://schemas.microsoft.com/office/powerpoint/2010/main" spd="slow" p14:dur="2000">
+        <p159:morph option="byObject"/>
+      </p:transition>
+    </mc:Choice>
+    <mc:Fallback>
+      <p:transition spd="slow">
+        <p:fade/>
+      </p:transition>
+    </mc:Fallback>
+  </mc:AlternateContent>
+  <p:timing>
+    <p:tnLst>
+      <p:par>
+        <p:cTn id="1" dur="indefinite" restart="never" nodeType="tmRoot">
+          <p:childTnLst>
+            <p:seq concurrent="1" nextAc="seek">
+              <p:cTn id="2" dur="indefinite" nodeType="mainSeq">
+                <p:childTnLst>
+                  <p:par>
+                    <p:cTn id="3" fill="hold">
+                      <p:stCondLst>
+                        <p:cond delay="indefinite"/>
+                      </p:stCondLst>
+                      <p:childTnLst>
+                        <p:par>
+                          <p:cTn id="4" fill="hold">
+                            <p:stCondLst>
+                              <p:cond delay="0"/>
+                            </p:stCondLst>
+                            <p:childTnLst>
+                              <p:par>
+                                <p:cTn id="5" presetID="1" presetClass="entr" presetSubtype="0" fill="hold" nodeType="clickEffect">
+                                  <p:stCondLst>
+                                    <p:cond delay="0"/>
+                                  </p:stCondLst>
+                                  <p:childTnLst>
+                                    <p:set>
+                                      <p:cBhvr>
+                                        <p:cTn id="6" dur="1" fill="hold">
+                                          <p:stCondLst>
+                                            <p:cond delay="0"/>
+                                          </p:stCondLst>
+                                        </p:cTn>
+                                        <p:tgtEl>
+                                          <p:spTgt spid="8"/>
+                                        </p:tgtEl>
+                                        <p:attrNameLst>
+                                          <p:attrName>style.visibility</p:attrName>
+                                        </p:attrNameLst>
+                                      </p:cBhvr>
+                                      <p:to>
+                                        <p:strVal val="visible"/>
+                                      </p:to>
+                                    </p:set>
+                                  </p:childTnLst>
+                                </p:cTn>
+                              </p:par>
+                              <p:par>
+                                <p:cTn id="7" presetID="1" presetClass="entr" presetSubtype="0" fill="hold" nodeType="withEffect">
+                                  <p:stCondLst>
+                                    <p:cond delay="0"/>
+                                  </p:stCondLst>
+                                  <p:childTnLst>
+                                    <p:set>
+                                      <p:cBhvr>
+                                        <p:cTn id="8" dur="1" fill="hold">
+                                          <p:stCondLst>
+                                            <p:cond delay="0"/>
+                                          </p:stCondLst>
+                                        </p:cTn>
+                                        <p:tgtEl>
+                                          <p:spTgt spid="7"/>
+                                        </p:tgtEl>
+                                        <p:attrNameLst>
+                                          <p:attrName>style.visibility</p:attrName>
+                                        </p:attrNameLst>
+                                      </p:cBhvr>
+                                      <p:to>
+                                        <p:strVal val="visible"/>
+                                      </p:to>
+                                    </p:set>
+                                  </p:childTnLst>
+                                </p:cTn>
+                              </p:par>
+                            </p:childTnLst>
+                          </p:cTn>
+                        </p:par>
+                      </p:childTnLst>
+                    </p:cTn>
+                  </p:par>
+                </p:childTnLst>
+              </p:cTn>
+              <p:prevCondLst>
+                <p:cond evt="onPrev" delay="0">
+                  <p:tgtEl>
+                    <p:sldTgt/>
+                  </p:tgtEl>
+                </p:cond>
+              </p:prevCondLst>
+              <p:nextCondLst>
+                <p:cond evt="onNext" delay="0">
+                  <p:tgtEl>
+                    <p:sldTgt/>
+                  </p:tgtEl>
+                </p:cond>
+              </p:nextCondLst>
+            </p:seq>
+          </p:childTnLst>
+        </p:cTn>
+      </p:par>
+    </p:tnLst>
+  </p:timing>
+</p:sld>
+</file>
+
+<file path=ppt/slides/slide16.xml><?xml version="1.0" encoding="utf-8"?>
+<p:sld xmlns:a="http://schemas.openxmlformats.org/drawingml/2006/main" xmlns:r="http://schemas.openxmlformats.org/officeDocument/2006/relationships" xmlns:p="http://schemas.openxmlformats.org/presentationml/2006/main">
+  <p:cSld>
+    <p:spTree>
+      <p:nvGrpSpPr>
+        <p:cNvPr id="1" name=""/>
+        <p:cNvGrpSpPr/>
+        <p:nvPr/>
+      </p:nvGrpSpPr>
+      <p:grpSpPr>
+        <a:xfrm>
+          <a:off x="0" y="0"/>
+          <a:ext cx="0" cy="0"/>
+          <a:chOff x="0" y="0"/>
+          <a:chExt cx="0" cy="0"/>
+        </a:xfrm>
+      </p:grpSpPr>
+      <p:sp>
+        <p:nvSpPr>
+          <p:cNvPr id="12" name="Rectangle 11">
+            <a:extLst>
+              <a:ext uri="{FF2B5EF4-FFF2-40B4-BE49-F238E27FC236}">
+                <a16:creationId xmlns:a16="http://schemas.microsoft.com/office/drawing/2014/main" id="{B4261B6A-33EF-A539-8BBF-5F004F46620B}"/>
+              </a:ext>
+            </a:extLst>
+          </p:cNvPr>
+          <p:cNvSpPr/>
+          <p:nvPr/>
+        </p:nvSpPr>
+        <p:spPr>
+          <a:xfrm>
+            <a:off x="4485503" y="0"/>
+            <a:ext cx="3040277" cy="1527080"/>
+          </a:xfrm>
+          <a:prstGeom prst="rect">
+            <a:avLst/>
+          </a:prstGeom>
+          <a:solidFill>
+            <a:schemeClr val="bg1">
+              <a:lumMod val="85000"/>
+            </a:schemeClr>
+          </a:solidFill>
+        </p:spPr>
+        <p:style>
+          <a:lnRef idx="2">
+            <a:schemeClr val="accent1">
+              <a:shade val="15000"/>
+            </a:schemeClr>
+          </a:lnRef>
+          <a:fillRef idx="1">
+            <a:schemeClr val="accent1"/>
+          </a:fillRef>
+          <a:effectRef idx="0">
+            <a:schemeClr val="accent1"/>
+          </a:effectRef>
+          <a:fontRef idx="minor">
+            <a:schemeClr val="lt1"/>
+          </a:fontRef>
+        </p:style>
+        <p:txBody>
+          <a:bodyPr rtlCol="0" anchor="ctr"/>
+          <a:lstStyle/>
+          <a:p>
+            <a:pPr algn="ctr"/>
+            <a:endParaRPr lang="en-US"/>
+          </a:p>
+        </p:txBody>
+      </p:sp>
+      <p:sp>
+        <p:nvSpPr>
+          <p:cNvPr id="4" name="!!Code">
+            <a:extLst>
+              <a:ext uri="{FF2B5EF4-FFF2-40B4-BE49-F238E27FC236}">
+                <a16:creationId xmlns:a16="http://schemas.microsoft.com/office/drawing/2014/main" id="{1BB6A054-E644-C6E0-9B1A-D1B103302CC7}"/>
+              </a:ext>
+            </a:extLst>
+          </p:cNvPr>
+          <p:cNvSpPr txBox="1"/>
+          <p:nvPr/>
+        </p:nvSpPr>
+        <p:spPr>
+          <a:xfrm>
+            <a:off x="4500435" y="2198642"/>
+            <a:ext cx="3289986" cy="2739211"/>
+          </a:xfrm>
+          <a:prstGeom prst="rect">
+            <a:avLst/>
+          </a:prstGeom>
+          <a:noFill/>
+        </p:spPr>
+        <p:txBody>
+          <a:bodyPr wrap="square">
+            <a:spAutoFit/>
+          </a:bodyPr>
+          <a:lstStyle/>
+          <a:p>
+            <a:pPr algn="l"/>
+            <a:r>
+              <a:rPr lang="en-US" sz="2800" b="1" dirty="0">
+                <a:solidFill>
+                  <a:srgbClr val="0D0D0D"/>
+                </a:solidFill>
+                <a:highlight>
+                  <a:srgbClr val="FFFFFF"/>
+                </a:highlight>
+                <a:latin typeface="Fira Code" panose="020B0809050000020004" pitchFamily="49" charset="0"/>
+                <a:ea typeface="Fira Code" panose="020B0809050000020004" pitchFamily="49" charset="0"/>
+              </a:rPr>
+              <a:t>Code</a:t>
+            </a:r>
+          </a:p>
+          <a:p>
+            <a:pPr algn="l"/>
+            <a:endParaRPr lang="en-US" dirty="0">
+              <a:solidFill>
+                <a:srgbClr val="0D0D0D"/>
+              </a:solidFill>
+              <a:highlight>
+                <a:srgbClr val="FFFFFF"/>
+              </a:highlight>
+              <a:latin typeface="Arial" panose="020B0604020202020204" pitchFamily="34" charset="0"/>
+              <a:cs typeface="Arial" panose="020B0604020202020204" pitchFamily="34" charset="0"/>
+            </a:endParaRPr>
+          </a:p>
+          <a:p>
+            <a:pPr algn="l"/>
+            <a:r>
+              <a:rPr lang="en-US" dirty="0">
+                <a:solidFill>
+                  <a:srgbClr val="0D0D0D"/>
+                </a:solidFill>
+                <a:highlight>
+                  <a:srgbClr val="FFFFFF"/>
+                </a:highlight>
+                <a:latin typeface="Arial" panose="020B0604020202020204" pitchFamily="34" charset="0"/>
+                <a:ea typeface="Fira Code" panose="020B0809050000020004" pitchFamily="49" charset="0"/>
+                <a:cs typeface="Arial" panose="020B0604020202020204" pitchFamily="34" charset="0"/>
+              </a:rPr>
+              <a:t>Inline</a:t>
+            </a:r>
+            <a:r>
+              <a:rPr lang="en-US" dirty="0">
+                <a:solidFill>
+                  <a:srgbClr val="0D0D0D"/>
+                </a:solidFill>
+                <a:highlight>
+                  <a:srgbClr val="FFFFFF"/>
+                </a:highlight>
+                <a:latin typeface="Fira Code" panose="020B0809050000020004" pitchFamily="49" charset="0"/>
+                <a:ea typeface="Fira Code" panose="020B0809050000020004" pitchFamily="49" charset="0"/>
+              </a:rPr>
+              <a:t> </a:t>
+            </a:r>
+            <a:r>
+              <a:rPr lang="en-US" dirty="0">
+                <a:solidFill>
+                  <a:srgbClr val="0D0D0D"/>
+                </a:solidFill>
+                <a:highlight>
+                  <a:srgbClr val="C0C0C0"/>
+                </a:highlight>
+                <a:latin typeface="Fira Code" panose="020B0809050000020004" pitchFamily="49" charset="0"/>
+                <a:ea typeface="Fira Code" panose="020B0809050000020004" pitchFamily="49" charset="0"/>
+              </a:rPr>
+              <a:t>`code`</a:t>
+            </a:r>
+            <a:r>
+              <a:rPr lang="en-US" dirty="0">
+                <a:solidFill>
+                  <a:srgbClr val="0D0D0D"/>
+                </a:solidFill>
+                <a:latin typeface="Fira Code" panose="020B0809050000020004" pitchFamily="49" charset="0"/>
+                <a:ea typeface="Fira Code" panose="020B0809050000020004" pitchFamily="49" charset="0"/>
+              </a:rPr>
+              <a:t> </a:t>
+            </a:r>
+            <a:r>
+              <a:rPr lang="en-US" dirty="0">
+                <a:solidFill>
+                  <a:srgbClr val="0D0D0D"/>
+                </a:solidFill>
+                <a:highlight>
+                  <a:srgbClr val="FFFFFF"/>
+                </a:highlight>
+                <a:latin typeface="Arial" panose="020B0604020202020204" pitchFamily="34" charset="0"/>
+                <a:ea typeface="Fira Code" panose="020B0809050000020004" pitchFamily="49" charset="0"/>
+                <a:cs typeface="Arial" panose="020B0604020202020204" pitchFamily="34" charset="0"/>
+              </a:rPr>
+              <a:t>example</a:t>
+            </a:r>
+            <a:br>
+              <a:rPr lang="en-US" dirty="0">
+                <a:solidFill>
+                  <a:srgbClr val="0D0D0D"/>
+                </a:solidFill>
+                <a:highlight>
+                  <a:srgbClr val="FFFFFF"/>
+                </a:highlight>
+                <a:latin typeface="Fira Code" panose="020B0809050000020004" pitchFamily="49" charset="0"/>
+                <a:ea typeface="Fira Code" panose="020B0809050000020004" pitchFamily="49" charset="0"/>
+              </a:rPr>
+            </a:br>
+            <a:endParaRPr lang="en-US" dirty="0">
+              <a:solidFill>
+                <a:srgbClr val="0D0D0D"/>
+              </a:solidFill>
+              <a:highlight>
+                <a:srgbClr val="FFFFFF"/>
+              </a:highlight>
+              <a:latin typeface="Fira Code" panose="020B0809050000020004" pitchFamily="49" charset="0"/>
+              <a:ea typeface="Fira Code" panose="020B0809050000020004" pitchFamily="49" charset="0"/>
+            </a:endParaRPr>
+          </a:p>
+          <a:p>
+            <a:pPr algn="l"/>
+            <a:r>
+              <a:rPr lang="en-US" dirty="0">
+                <a:solidFill>
+                  <a:srgbClr val="0D0D0D"/>
+                </a:solidFill>
+                <a:highlight>
+                  <a:srgbClr val="C0C0C0"/>
+                </a:highlight>
+                <a:latin typeface="Fira Code" panose="020B0809050000020004" pitchFamily="49" charset="0"/>
+                <a:ea typeface="Fira Code" panose="020B0809050000020004" pitchFamily="49" charset="0"/>
+              </a:rPr>
+              <a:t>```java</a:t>
+            </a:r>
+          </a:p>
+          <a:p>
+            <a:pPr algn="l"/>
+            <a:r>
+              <a:rPr lang="en-US" dirty="0">
+                <a:solidFill>
+                  <a:srgbClr val="0D0D0D"/>
+                </a:solidFill>
+                <a:highlight>
+                  <a:srgbClr val="C0C0C0"/>
+                </a:highlight>
+                <a:latin typeface="Fira Code" panose="020B0809050000020004" pitchFamily="49" charset="0"/>
+                <a:ea typeface="Fira Code" panose="020B0809050000020004" pitchFamily="49" charset="0"/>
+              </a:rPr>
+              <a:t>Multiline</a:t>
+            </a:r>
+          </a:p>
+          <a:p>
+            <a:pPr algn="l"/>
+            <a:r>
+              <a:rPr lang="en-US" dirty="0" err="1">
+                <a:solidFill>
+                  <a:srgbClr val="0D0D0D"/>
+                </a:solidFill>
+                <a:highlight>
+                  <a:srgbClr val="C0C0C0"/>
+                </a:highlight>
+                <a:latin typeface="Fira Code" panose="020B0809050000020004" pitchFamily="49" charset="0"/>
+                <a:ea typeface="Fira Code" panose="020B0809050000020004" pitchFamily="49" charset="0"/>
+              </a:rPr>
+              <a:t>Codeblock</a:t>
+            </a:r>
+            <a:endParaRPr lang="en-US" dirty="0">
+              <a:solidFill>
+                <a:srgbClr val="0D0D0D"/>
+              </a:solidFill>
+              <a:highlight>
+                <a:srgbClr val="C0C0C0"/>
+              </a:highlight>
+              <a:latin typeface="Fira Code" panose="020B0809050000020004" pitchFamily="49" charset="0"/>
+              <a:ea typeface="Fira Code" panose="020B0809050000020004" pitchFamily="49" charset="0"/>
+            </a:endParaRPr>
+          </a:p>
+          <a:p>
+            <a:pPr algn="l"/>
+            <a:r>
+              <a:rPr lang="en-US" dirty="0">
+                <a:solidFill>
+                  <a:srgbClr val="0D0D0D"/>
+                </a:solidFill>
+                <a:highlight>
+                  <a:srgbClr val="C0C0C0"/>
+                </a:highlight>
+                <a:latin typeface="Fira Code" panose="020B0809050000020004" pitchFamily="49" charset="0"/>
+                <a:ea typeface="Fira Code" panose="020B0809050000020004" pitchFamily="49" charset="0"/>
+              </a:rPr>
+              <a:t>```</a:t>
+            </a:r>
+          </a:p>
+          <a:p>
+            <a:pPr algn="l"/>
+            <a:endParaRPr lang="en-US" dirty="0">
+              <a:solidFill>
+                <a:srgbClr val="0D0D0D"/>
+              </a:solidFill>
+              <a:highlight>
+                <a:srgbClr val="FFFFFF"/>
+              </a:highlight>
+              <a:latin typeface="Söhne"/>
+            </a:endParaRPr>
+          </a:p>
+        </p:txBody>
+      </p:sp>
+      <p:sp>
+        <p:nvSpPr>
+          <p:cNvPr id="7" name="!!Emphasis">
+            <a:extLst>
+              <a:ext uri="{FF2B5EF4-FFF2-40B4-BE49-F238E27FC236}">
+                <a16:creationId xmlns:a16="http://schemas.microsoft.com/office/drawing/2014/main" id="{739B6138-DD5F-7C28-0AB6-072487C85448}"/>
+              </a:ext>
+            </a:extLst>
+          </p:cNvPr>
+          <p:cNvSpPr txBox="1"/>
+          <p:nvPr/>
+        </p:nvSpPr>
+        <p:spPr>
+          <a:xfrm>
+            <a:off x="7954662" y="295974"/>
+            <a:ext cx="6098058" cy="2462213"/>
+          </a:xfrm>
+          <a:prstGeom prst="rect">
+            <a:avLst/>
+          </a:prstGeom>
+          <a:noFill/>
+        </p:spPr>
+        <p:txBody>
+          <a:bodyPr wrap="square">
+            <a:spAutoFit/>
+          </a:bodyPr>
+          <a:lstStyle/>
+          <a:p>
+            <a:pPr algn="l"/>
+            <a:r>
+              <a:rPr lang="en-US" sz="2800" b="1" dirty="0">
+                <a:solidFill>
+                  <a:srgbClr val="0D0D0D"/>
+                </a:solidFill>
+                <a:highlight>
+                  <a:srgbClr val="FFFFFF"/>
+                </a:highlight>
+                <a:latin typeface="Fira Code" panose="020B0809050000020004" pitchFamily="49" charset="0"/>
+                <a:ea typeface="Fira Code" panose="020B0809050000020004" pitchFamily="49" charset="0"/>
+              </a:rPr>
+              <a:t>Emphasis</a:t>
+            </a:r>
+          </a:p>
+          <a:p>
+            <a:pPr algn="l"/>
+            <a:endParaRPr lang="en-US" b="1" i="0" dirty="0">
+              <a:solidFill>
+                <a:srgbClr val="0D0D0D"/>
+              </a:solidFill>
+              <a:effectLst/>
+              <a:highlight>
+                <a:srgbClr val="FFFFFF"/>
+              </a:highlight>
+              <a:latin typeface="Söhne"/>
+            </a:endParaRPr>
+          </a:p>
+          <a:p>
+            <a:pPr algn="l"/>
+            <a:r>
+              <a:rPr lang="en-US" b="1" i="0" dirty="0">
+                <a:solidFill>
+                  <a:srgbClr val="0D0D0D"/>
+                </a:solidFill>
+                <a:effectLst/>
+                <a:highlight>
+                  <a:srgbClr val="FFFFFF"/>
+                </a:highlight>
+                <a:latin typeface="Fira Code" panose="020B0809050000020004" pitchFamily="49" charset="0"/>
+                <a:ea typeface="Fira Code" panose="020B0809050000020004" pitchFamily="49" charset="0"/>
+              </a:rPr>
+              <a:t>Bold</a:t>
+            </a:r>
+            <a:r>
+              <a:rPr lang="en-US" b="0" i="0" dirty="0">
+                <a:solidFill>
+                  <a:srgbClr val="0D0D0D"/>
+                </a:solidFill>
+                <a:effectLst/>
+                <a:highlight>
+                  <a:srgbClr val="FFFFFF"/>
+                </a:highlight>
+                <a:latin typeface="Fira Code" panose="020B0809050000020004" pitchFamily="49" charset="0"/>
+                <a:ea typeface="Fira Code" panose="020B0809050000020004" pitchFamily="49" charset="0"/>
+              </a:rPr>
+              <a:t>: **bold text**</a:t>
+            </a:r>
+          </a:p>
+          <a:p>
+            <a:pPr algn="l"/>
+            <a:endParaRPr lang="en-US" b="0" i="1" dirty="0">
+              <a:solidFill>
+                <a:srgbClr val="0D0D0D"/>
+              </a:solidFill>
+              <a:effectLst/>
+              <a:highlight>
+                <a:srgbClr val="FFFFFF"/>
+              </a:highlight>
+              <a:latin typeface="Fira Code" panose="020B0809050000020004" pitchFamily="49" charset="0"/>
+              <a:ea typeface="Fira Code" panose="020B0809050000020004" pitchFamily="49" charset="0"/>
+            </a:endParaRPr>
+          </a:p>
+          <a:p>
+            <a:pPr algn="l"/>
+            <a:r>
+              <a:rPr lang="en-US" b="0" i="1" dirty="0">
+                <a:solidFill>
+                  <a:srgbClr val="0D0D0D"/>
+                </a:solidFill>
+                <a:effectLst/>
+                <a:highlight>
+                  <a:srgbClr val="FFFFFF"/>
+                </a:highlight>
+                <a:latin typeface="Fira Code" panose="020B0809050000020004" pitchFamily="49" charset="0"/>
+                <a:ea typeface="Fira Code" panose="020B0809050000020004" pitchFamily="49" charset="0"/>
+              </a:rPr>
+              <a:t>Italic</a:t>
+            </a:r>
+            <a:r>
+              <a:rPr lang="en-US" b="0" i="0" dirty="0">
+                <a:solidFill>
+                  <a:srgbClr val="0D0D0D"/>
+                </a:solidFill>
+                <a:effectLst/>
+                <a:highlight>
+                  <a:srgbClr val="FFFFFF"/>
+                </a:highlight>
+                <a:latin typeface="Fira Code" panose="020B0809050000020004" pitchFamily="49" charset="0"/>
+                <a:ea typeface="Fira Code" panose="020B0809050000020004" pitchFamily="49" charset="0"/>
+              </a:rPr>
+              <a:t>: *italic text*</a:t>
+            </a:r>
+          </a:p>
+          <a:p>
+            <a:pPr algn="l"/>
+            <a:endParaRPr lang="en-US" b="0" i="0" dirty="0">
+              <a:solidFill>
+                <a:srgbClr val="0D0D0D"/>
+              </a:solidFill>
+              <a:effectLst/>
+              <a:highlight>
+                <a:srgbClr val="FFFFFF"/>
+              </a:highlight>
+              <a:latin typeface="Fira Code" panose="020B0809050000020004" pitchFamily="49" charset="0"/>
+              <a:ea typeface="Fira Code" panose="020B0809050000020004" pitchFamily="49" charset="0"/>
+            </a:endParaRPr>
+          </a:p>
+          <a:p>
+            <a:pPr algn="l"/>
+            <a:r>
+              <a:rPr lang="en-US" dirty="0">
+                <a:solidFill>
+                  <a:srgbClr val="0D0D0D"/>
+                </a:solidFill>
+                <a:highlight>
+                  <a:srgbClr val="FFFFFF"/>
+                </a:highlight>
+                <a:latin typeface="Fira Code" panose="020B0809050000020004" pitchFamily="49" charset="0"/>
+                <a:ea typeface="Fira Code" panose="020B0809050000020004" pitchFamily="49" charset="0"/>
+              </a:rPr>
+              <a:t>UPPERCASE</a:t>
+            </a:r>
+            <a:endParaRPr lang="en-US" b="0" i="0" dirty="0">
+              <a:solidFill>
+                <a:srgbClr val="0D0D0D"/>
+              </a:solidFill>
+              <a:effectLst/>
+              <a:highlight>
+                <a:srgbClr val="FFFFFF"/>
+              </a:highlight>
+              <a:latin typeface="Fira Code" panose="020B0809050000020004" pitchFamily="49" charset="0"/>
+              <a:ea typeface="Fira Code" panose="020B0809050000020004" pitchFamily="49" charset="0"/>
+            </a:endParaRPr>
+          </a:p>
+          <a:p>
+            <a:pPr algn="l"/>
+            <a:endParaRPr lang="en-US" dirty="0">
+              <a:solidFill>
+                <a:srgbClr val="0D0D0D"/>
+              </a:solidFill>
+              <a:highlight>
+                <a:srgbClr val="FFFFFF"/>
+              </a:highlight>
+              <a:latin typeface="Söhne"/>
+            </a:endParaRPr>
+          </a:p>
+        </p:txBody>
+      </p:sp>
+      <p:sp>
+        <p:nvSpPr>
+          <p:cNvPr id="8" name="!!Headers">
+            <a:extLst>
+              <a:ext uri="{FF2B5EF4-FFF2-40B4-BE49-F238E27FC236}">
+                <a16:creationId xmlns:a16="http://schemas.microsoft.com/office/drawing/2014/main" id="{B0AD6DF2-F733-FA66-730F-51D5FA1136D9}"/>
+              </a:ext>
+            </a:extLst>
+          </p:cNvPr>
+          <p:cNvSpPr txBox="1"/>
+          <p:nvPr/>
+        </p:nvSpPr>
+        <p:spPr>
+          <a:xfrm>
+            <a:off x="293988" y="295974"/>
+            <a:ext cx="4191515" cy="2739210"/>
+          </a:xfrm>
+          <a:prstGeom prst="rect">
+            <a:avLst/>
+          </a:prstGeom>
+          <a:noFill/>
+        </p:spPr>
+        <p:txBody>
+          <a:bodyPr wrap="square">
+            <a:spAutoFit/>
+          </a:bodyPr>
+          <a:lstStyle/>
+          <a:p>
+            <a:pPr algn="l"/>
+            <a:r>
+              <a:rPr lang="en-US" sz="2800" b="1" i="0" dirty="0">
+                <a:solidFill>
+                  <a:srgbClr val="0D0D0D"/>
+                </a:solidFill>
+                <a:effectLst/>
+                <a:highlight>
+                  <a:srgbClr val="FFFFFF"/>
+                </a:highlight>
+                <a:latin typeface="Fira Code" panose="020B0809050000020004" pitchFamily="49" charset="0"/>
+                <a:ea typeface="Fira Code" panose="020B0809050000020004" pitchFamily="49" charset="0"/>
+              </a:rPr>
+              <a:t>Headers</a:t>
+            </a:r>
+          </a:p>
+          <a:p>
+            <a:pPr algn="l"/>
+            <a:r>
+              <a:rPr lang="en-US" sz="2800" b="0" i="0" dirty="0">
+                <a:solidFill>
+                  <a:srgbClr val="0D0D0D"/>
+                </a:solidFill>
+                <a:effectLst/>
+                <a:highlight>
+                  <a:srgbClr val="FFFFFF"/>
+                </a:highlight>
+                <a:latin typeface="Fira Code" panose="020B0809050000020004" pitchFamily="49" charset="0"/>
+                <a:ea typeface="Fira Code" panose="020B0809050000020004" pitchFamily="49" charset="0"/>
+              </a:rPr>
+              <a:t>Use # for headers</a:t>
+            </a:r>
+          </a:p>
+          <a:p>
+            <a:pPr algn="l"/>
+            <a:endParaRPr lang="en-US" sz="2800" dirty="0">
+              <a:solidFill>
+                <a:srgbClr val="0D0D0D"/>
+              </a:solidFill>
+              <a:highlight>
+                <a:srgbClr val="FFFFFF"/>
+              </a:highlight>
+              <a:latin typeface="Fira Code" panose="020B0809050000020004" pitchFamily="49" charset="0"/>
+              <a:ea typeface="Fira Code" panose="020B0809050000020004" pitchFamily="49" charset="0"/>
+            </a:endParaRPr>
+          </a:p>
+          <a:p>
+            <a:pPr algn="l"/>
+            <a:r>
+              <a:rPr lang="en-US" sz="3600" b="1" i="0" dirty="0">
+                <a:solidFill>
+                  <a:srgbClr val="0D0D0D"/>
+                </a:solidFill>
+                <a:effectLst/>
+                <a:highlight>
+                  <a:srgbClr val="FFFFFF"/>
+                </a:highlight>
+                <a:latin typeface="Fira Code" panose="020B0809050000020004" pitchFamily="49" charset="0"/>
+                <a:ea typeface="Fira Code" panose="020B0809050000020004" pitchFamily="49" charset="0"/>
+              </a:rPr>
+              <a:t># Header 1</a:t>
+            </a:r>
+          </a:p>
+          <a:p>
+            <a:r>
+              <a:rPr lang="en-US" sz="2800" b="1" dirty="0">
+                <a:solidFill>
+                  <a:srgbClr val="0D0D0D"/>
+                </a:solidFill>
+                <a:highlight>
+                  <a:srgbClr val="FFFFFF"/>
+                </a:highlight>
+                <a:latin typeface="Fira Code" panose="020B0809050000020004" pitchFamily="49" charset="0"/>
+                <a:ea typeface="Fira Code" panose="020B0809050000020004" pitchFamily="49" charset="0"/>
+              </a:rPr>
+              <a:t>## Header 2</a:t>
+            </a:r>
+          </a:p>
+          <a:p>
+            <a:r>
+              <a:rPr lang="en-US" sz="2000" b="1" dirty="0">
+                <a:solidFill>
+                  <a:srgbClr val="0D0D0D"/>
+                </a:solidFill>
+                <a:highlight>
+                  <a:srgbClr val="FFFFFF"/>
+                </a:highlight>
+                <a:latin typeface="Fira Code" panose="020B0809050000020004" pitchFamily="49" charset="0"/>
+                <a:ea typeface="Fira Code" panose="020B0809050000020004" pitchFamily="49" charset="0"/>
+              </a:rPr>
+              <a:t>### Header 3</a:t>
+            </a:r>
+          </a:p>
+        </p:txBody>
+      </p:sp>
+      <p:sp>
+        <p:nvSpPr>
+          <p:cNvPr id="9" name="!!Links">
+            <a:extLst>
+              <a:ext uri="{FF2B5EF4-FFF2-40B4-BE49-F238E27FC236}">
+                <a16:creationId xmlns:a16="http://schemas.microsoft.com/office/drawing/2014/main" id="{88574E1E-302A-5041-D40C-0D93BD01F55B}"/>
+              </a:ext>
+            </a:extLst>
+          </p:cNvPr>
+          <p:cNvSpPr txBox="1"/>
+          <p:nvPr/>
+        </p:nvSpPr>
+        <p:spPr>
+          <a:xfrm>
+            <a:off x="293988" y="4395787"/>
+            <a:ext cx="7231792" cy="2462213"/>
+          </a:xfrm>
+          <a:prstGeom prst="rect">
+            <a:avLst/>
+          </a:prstGeom>
+          <a:noFill/>
+        </p:spPr>
+        <p:txBody>
+          <a:bodyPr wrap="square">
+            <a:spAutoFit/>
+          </a:bodyPr>
+          <a:lstStyle/>
+          <a:p>
+            <a:pPr algn="l"/>
+            <a:r>
+              <a:rPr lang="en-US" sz="2800" b="1" dirty="0">
+                <a:solidFill>
+                  <a:srgbClr val="0D0D0D"/>
+                </a:solidFill>
+                <a:highlight>
+                  <a:srgbClr val="FFFFFF"/>
+                </a:highlight>
+                <a:latin typeface="Fira Code" panose="020B0809050000020004" pitchFamily="49" charset="0"/>
+                <a:ea typeface="Fira Code" panose="020B0809050000020004" pitchFamily="49" charset="0"/>
+              </a:rPr>
+              <a:t>Links</a:t>
+            </a:r>
+          </a:p>
+          <a:p>
+            <a:pPr algn="l"/>
+            <a:endParaRPr lang="en-US" b="1" i="0" dirty="0">
+              <a:solidFill>
+                <a:srgbClr val="0D0D0D"/>
+              </a:solidFill>
+              <a:effectLst/>
+              <a:highlight>
+                <a:srgbClr val="FFFFFF"/>
+              </a:highlight>
+              <a:latin typeface="Söhne"/>
+            </a:endParaRPr>
+          </a:p>
+          <a:p>
+            <a:pPr algn="l"/>
+            <a:endParaRPr lang="en-US" dirty="0">
+              <a:solidFill>
+                <a:srgbClr val="0D0D0D"/>
+              </a:solidFill>
+              <a:highlight>
+                <a:srgbClr val="FFFFFF"/>
+              </a:highlight>
+              <a:latin typeface="Söhne"/>
+            </a:endParaRPr>
+          </a:p>
+          <a:p>
+            <a:pPr algn="l"/>
+            <a:r>
+              <a:rPr lang="en-US" dirty="0">
+                <a:solidFill>
+                  <a:srgbClr val="0D0D0D"/>
+                </a:solidFill>
+                <a:highlight>
+                  <a:srgbClr val="FFFFFF"/>
+                </a:highlight>
+                <a:latin typeface="Fira Code" panose="020B0809050000020004" pitchFamily="49" charset="0"/>
+                <a:ea typeface="Fira Code" panose="020B0809050000020004" pitchFamily="49" charset="0"/>
+              </a:rPr>
+              <a:t>Inline link: </a:t>
+            </a:r>
+          </a:p>
+          <a:p>
+            <a:pPr algn="l"/>
+            <a:r>
+              <a:rPr lang="en-US" b="1" dirty="0">
+                <a:solidFill>
+                  <a:srgbClr val="0D0D0D"/>
+                </a:solidFill>
+                <a:highlight>
+                  <a:srgbClr val="FFFFFF"/>
+                </a:highlight>
+                <a:latin typeface="Fira Code" panose="020B0809050000020004" pitchFamily="49" charset="0"/>
+                <a:ea typeface="Fira Code" panose="020B0809050000020004" pitchFamily="49" charset="0"/>
+              </a:rPr>
+              <a:t>[</a:t>
+            </a:r>
+            <a:r>
+              <a:rPr lang="en-US" dirty="0">
+                <a:solidFill>
+                  <a:schemeClr val="tx1">
+                    <a:lumMod val="50000"/>
+                    <a:lumOff val="50000"/>
+                  </a:schemeClr>
+                </a:solidFill>
+                <a:highlight>
+                  <a:srgbClr val="FFFFFF"/>
+                </a:highlight>
+                <a:latin typeface="Fira Code" panose="020B0809050000020004" pitchFamily="49" charset="0"/>
+                <a:ea typeface="Fira Code" panose="020B0809050000020004" pitchFamily="49" charset="0"/>
+              </a:rPr>
+              <a:t>description</a:t>
+            </a:r>
+            <a:r>
+              <a:rPr lang="en-US" b="1" dirty="0">
+                <a:solidFill>
+                  <a:srgbClr val="0D0D0D"/>
+                </a:solidFill>
+                <a:highlight>
+                  <a:srgbClr val="FFFFFF"/>
+                </a:highlight>
+                <a:latin typeface="Fira Code" panose="020B0809050000020004" pitchFamily="49" charset="0"/>
+                <a:ea typeface="Fira Code" panose="020B0809050000020004" pitchFamily="49" charset="0"/>
+              </a:rPr>
+              <a:t>](</a:t>
+            </a:r>
+            <a:r>
+              <a:rPr lang="en-US" dirty="0" err="1">
+                <a:solidFill>
+                  <a:schemeClr val="tx1">
+                    <a:lumMod val="50000"/>
+                    <a:lumOff val="50000"/>
+                  </a:schemeClr>
+                </a:solidFill>
+                <a:highlight>
+                  <a:srgbClr val="FFFFFF"/>
+                </a:highlight>
+                <a:latin typeface="Fira Code" panose="020B0809050000020004" pitchFamily="49" charset="0"/>
+                <a:ea typeface="Fira Code" panose="020B0809050000020004" pitchFamily="49" charset="0"/>
+              </a:rPr>
+              <a:t>url</a:t>
+            </a:r>
+            <a:r>
+              <a:rPr lang="en-US" b="1" dirty="0">
+                <a:solidFill>
+                  <a:srgbClr val="0D0D0D"/>
+                </a:solidFill>
+                <a:highlight>
+                  <a:srgbClr val="FFFFFF"/>
+                </a:highlight>
+                <a:latin typeface="Fira Code" panose="020B0809050000020004" pitchFamily="49" charset="0"/>
+                <a:ea typeface="Fira Code" panose="020B0809050000020004" pitchFamily="49" charset="0"/>
+              </a:rPr>
+              <a:t>)</a:t>
+            </a:r>
+            <a:r>
+              <a:rPr lang="en-US" dirty="0">
+                <a:solidFill>
+                  <a:srgbClr val="0D0D0D"/>
+                </a:solidFill>
+                <a:highlight>
+                  <a:srgbClr val="FFFFFF"/>
+                </a:highlight>
+                <a:latin typeface="Fira Code" panose="020B0809050000020004" pitchFamily="49" charset="0"/>
+                <a:ea typeface="Fira Code" panose="020B0809050000020004" pitchFamily="49" charset="0"/>
+              </a:rPr>
+              <a:t>    </a:t>
+            </a:r>
+            <a:br>
+              <a:rPr lang="en-US" dirty="0">
+                <a:solidFill>
+                  <a:srgbClr val="0D0D0D"/>
+                </a:solidFill>
+                <a:highlight>
+                  <a:srgbClr val="FFFFFF"/>
+                </a:highlight>
+                <a:latin typeface="Fira Code" panose="020B0809050000020004" pitchFamily="49" charset="0"/>
+                <a:ea typeface="Fira Code" panose="020B0809050000020004" pitchFamily="49" charset="0"/>
+              </a:rPr>
+            </a:br>
+            <a:r>
+              <a:rPr lang="en-US" dirty="0">
+                <a:solidFill>
+                  <a:srgbClr val="0D0D0D"/>
+                </a:solidFill>
+                <a:highlight>
+                  <a:srgbClr val="FFFFFF"/>
+                </a:highlight>
+                <a:latin typeface="Fira Code" panose="020B0809050000020004" pitchFamily="49" charset="0"/>
+                <a:ea typeface="Fira Code" panose="020B0809050000020004" pitchFamily="49" charset="0"/>
+              </a:rPr>
+              <a:t>[</a:t>
+            </a:r>
+            <a:r>
+              <a:rPr lang="en-US" dirty="0" err="1">
+                <a:solidFill>
+                  <a:srgbClr val="0D0D0D"/>
+                </a:solidFill>
+                <a:highlight>
+                  <a:srgbClr val="FFFFFF"/>
+                </a:highlight>
+                <a:latin typeface="Fira Code" panose="020B0809050000020004" pitchFamily="49" charset="0"/>
+                <a:ea typeface="Fira Code" panose="020B0809050000020004" pitchFamily="49" charset="0"/>
+              </a:rPr>
+              <a:t>OpenAI</a:t>
+            </a:r>
+            <a:r>
+              <a:rPr lang="en-US" dirty="0">
+                <a:solidFill>
+                  <a:srgbClr val="0D0D0D"/>
+                </a:solidFill>
+                <a:highlight>
+                  <a:srgbClr val="FFFFFF"/>
+                </a:highlight>
+                <a:latin typeface="Fira Code" panose="020B0809050000020004" pitchFamily="49" charset="0"/>
+                <a:ea typeface="Fira Code" panose="020B0809050000020004" pitchFamily="49" charset="0"/>
+              </a:rPr>
+              <a:t>](https://</a:t>
+            </a:r>
+            <a:r>
+              <a:rPr lang="en-US" dirty="0" err="1">
+                <a:solidFill>
+                  <a:srgbClr val="0D0D0D"/>
+                </a:solidFill>
+                <a:highlight>
+                  <a:srgbClr val="FFFFFF"/>
+                </a:highlight>
+                <a:latin typeface="Fira Code" panose="020B0809050000020004" pitchFamily="49" charset="0"/>
+                <a:ea typeface="Fira Code" panose="020B0809050000020004" pitchFamily="49" charset="0"/>
+              </a:rPr>
+              <a:t>www.openai.com</a:t>
+            </a:r>
+            <a:r>
+              <a:rPr lang="en-US" dirty="0">
+                <a:solidFill>
+                  <a:srgbClr val="0D0D0D"/>
+                </a:solidFill>
+                <a:highlight>
+                  <a:srgbClr val="FFFFFF"/>
+                </a:highlight>
+                <a:latin typeface="Fira Code" panose="020B0809050000020004" pitchFamily="49" charset="0"/>
+                <a:ea typeface="Fira Code" panose="020B0809050000020004" pitchFamily="49" charset="0"/>
+              </a:rPr>
+              <a:t>) =&gt; </a:t>
+            </a:r>
+            <a:r>
+              <a:rPr lang="en-US" u="sng" dirty="0" err="1">
+                <a:solidFill>
+                  <a:schemeClr val="tx2">
+                    <a:lumMod val="50000"/>
+                    <a:lumOff val="50000"/>
+                  </a:schemeClr>
+                </a:solidFill>
+                <a:highlight>
+                  <a:srgbClr val="FFFFFF"/>
+                </a:highlight>
+                <a:latin typeface="Fira Code" panose="020B0809050000020004" pitchFamily="49" charset="0"/>
+                <a:ea typeface="Fira Code" panose="020B0809050000020004" pitchFamily="49" charset="0"/>
+              </a:rPr>
+              <a:t>OpenAI</a:t>
+            </a:r>
+            <a:endParaRPr lang="en-US" u="sng" dirty="0">
+              <a:solidFill>
+                <a:schemeClr val="tx2">
+                  <a:lumMod val="50000"/>
+                  <a:lumOff val="50000"/>
+                </a:schemeClr>
+              </a:solidFill>
+              <a:highlight>
+                <a:srgbClr val="FFFFFF"/>
+              </a:highlight>
+              <a:latin typeface="Fira Code" panose="020B0809050000020004" pitchFamily="49" charset="0"/>
+              <a:ea typeface="Fira Code" panose="020B0809050000020004" pitchFamily="49" charset="0"/>
+            </a:endParaRPr>
+          </a:p>
+          <a:p>
+            <a:pPr algn="l"/>
+            <a:endParaRPr lang="en-US" dirty="0">
+              <a:solidFill>
+                <a:srgbClr val="0D0D0D"/>
+              </a:solidFill>
+              <a:highlight>
+                <a:srgbClr val="FFFFFF"/>
+              </a:highlight>
+              <a:latin typeface="Fira Code" panose="020B0809050000020004" pitchFamily="49" charset="0"/>
+              <a:ea typeface="Fira Code" panose="020B0809050000020004" pitchFamily="49" charset="0"/>
+            </a:endParaRPr>
+          </a:p>
+          <a:p>
+            <a:pPr algn="l"/>
+            <a:endParaRPr lang="en-US" dirty="0">
+              <a:solidFill>
+                <a:srgbClr val="0D0D0D"/>
+              </a:solidFill>
+              <a:highlight>
+                <a:srgbClr val="FFFFFF"/>
+              </a:highlight>
+              <a:latin typeface="Söhne"/>
+            </a:endParaRPr>
+          </a:p>
+        </p:txBody>
+      </p:sp>
+      <p:sp>
+        <p:nvSpPr>
+          <p:cNvPr id="10" name="!!Lists">
+            <a:extLst>
+              <a:ext uri="{FF2B5EF4-FFF2-40B4-BE49-F238E27FC236}">
+                <a16:creationId xmlns:a16="http://schemas.microsoft.com/office/drawing/2014/main" id="{F9B4E611-2E95-06CA-92F5-7C5C2804868B}"/>
+              </a:ext>
+            </a:extLst>
+          </p:cNvPr>
+          <p:cNvSpPr txBox="1"/>
+          <p:nvPr/>
+        </p:nvSpPr>
+        <p:spPr>
+          <a:xfrm>
+            <a:off x="8106029" y="4123666"/>
+            <a:ext cx="3289987" cy="2462213"/>
+          </a:xfrm>
+          <a:prstGeom prst="rect">
+            <a:avLst/>
+          </a:prstGeom>
+          <a:noFill/>
+        </p:spPr>
+        <p:txBody>
+          <a:bodyPr wrap="square">
+            <a:spAutoFit/>
+          </a:bodyPr>
+          <a:lstStyle/>
+          <a:p>
+            <a:pPr algn="l"/>
+            <a:r>
+              <a:rPr lang="en-US" sz="2800" b="1" dirty="0">
+                <a:solidFill>
+                  <a:srgbClr val="0D0D0D"/>
+                </a:solidFill>
+                <a:highlight>
+                  <a:srgbClr val="FFFFFF"/>
+                </a:highlight>
+                <a:latin typeface="Fira Code" panose="020B0809050000020004" pitchFamily="49" charset="0"/>
+                <a:ea typeface="Fira Code" panose="020B0809050000020004" pitchFamily="49" charset="0"/>
+              </a:rPr>
+              <a:t>Lists</a:t>
+            </a:r>
+          </a:p>
+          <a:p>
+            <a:pPr algn="l"/>
+            <a:endParaRPr lang="en-US" b="1" i="0" dirty="0">
+              <a:solidFill>
+                <a:srgbClr val="0D0D0D"/>
+              </a:solidFill>
+              <a:effectLst/>
+              <a:highlight>
+                <a:srgbClr val="FFFFFF"/>
+              </a:highlight>
+              <a:latin typeface="Söhne"/>
+            </a:endParaRPr>
+          </a:p>
+          <a:p>
+            <a:pPr algn="l"/>
+            <a:endParaRPr lang="en-US" b="0" i="0" dirty="0">
+              <a:solidFill>
+                <a:srgbClr val="0D0D0D"/>
+              </a:solidFill>
+              <a:effectLst/>
+              <a:highlight>
+                <a:srgbClr val="FFFFFF"/>
+              </a:highlight>
+              <a:latin typeface="Fira Code" panose="020B0809050000020004" pitchFamily="49" charset="0"/>
+              <a:ea typeface="Fira Code" panose="020B0809050000020004" pitchFamily="49" charset="0"/>
+            </a:endParaRPr>
+          </a:p>
+          <a:p>
+            <a:pPr marL="342900" indent="-342900" algn="l">
+              <a:buAutoNum type="arabicPeriod"/>
+            </a:pPr>
+            <a:r>
+              <a:rPr lang="en-US" dirty="0">
+                <a:solidFill>
+                  <a:srgbClr val="0D0D0D"/>
+                </a:solidFill>
+                <a:highlight>
+                  <a:srgbClr val="FFFFFF"/>
+                </a:highlight>
+                <a:latin typeface="Fira Code" panose="020B0809050000020004" pitchFamily="49" charset="0"/>
+                <a:ea typeface="Fira Code" panose="020B0809050000020004" pitchFamily="49" charset="0"/>
+              </a:rPr>
+              <a:t>Item 1</a:t>
+            </a:r>
+          </a:p>
+          <a:p>
+            <a:pPr marL="342900" indent="-342900" algn="l">
+              <a:buAutoNum type="arabicPeriod"/>
+            </a:pPr>
+            <a:r>
+              <a:rPr lang="en-US" b="0" i="0" dirty="0">
+                <a:solidFill>
+                  <a:srgbClr val="0D0D0D"/>
+                </a:solidFill>
+                <a:effectLst/>
+                <a:highlight>
+                  <a:srgbClr val="FFFFFF"/>
+                </a:highlight>
+                <a:latin typeface="Fira Code" panose="020B0809050000020004" pitchFamily="49" charset="0"/>
+                <a:ea typeface="Fira Code" panose="020B0809050000020004" pitchFamily="49" charset="0"/>
+              </a:rPr>
+              <a:t>Item 2</a:t>
+            </a:r>
+          </a:p>
+          <a:p>
+            <a:pPr marL="800100" lvl="1" indent="-342900">
+              <a:buAutoNum type="arabicPeriod"/>
+            </a:pPr>
+            <a:r>
+              <a:rPr lang="en-US" dirty="0">
+                <a:solidFill>
+                  <a:srgbClr val="0D0D0D"/>
+                </a:solidFill>
+                <a:highlight>
+                  <a:srgbClr val="FFFFFF"/>
+                </a:highlight>
+                <a:latin typeface="Fira Code" panose="020B0809050000020004" pitchFamily="49" charset="0"/>
+                <a:ea typeface="Fira Code" panose="020B0809050000020004" pitchFamily="49" charset="0"/>
+              </a:rPr>
+              <a:t>Item 2.1</a:t>
+            </a:r>
+          </a:p>
+          <a:p>
+            <a:pPr marL="800100" lvl="1" indent="-342900">
+              <a:buAutoNum type="arabicPeriod"/>
+            </a:pPr>
+            <a:r>
+              <a:rPr lang="en-US" b="0" i="0" dirty="0">
+                <a:solidFill>
+                  <a:srgbClr val="0D0D0D"/>
+                </a:solidFill>
+                <a:effectLst/>
+                <a:highlight>
+                  <a:srgbClr val="FFFFFF"/>
+                </a:highlight>
+                <a:latin typeface="Fira Code" panose="020B0809050000020004" pitchFamily="49" charset="0"/>
+                <a:ea typeface="Fira Code" panose="020B0809050000020004" pitchFamily="49" charset="0"/>
+              </a:rPr>
+              <a:t>Item 2.2</a:t>
+            </a:r>
+          </a:p>
+          <a:p>
+            <a:pPr algn="l"/>
+            <a:endParaRPr lang="en-US" dirty="0">
+              <a:solidFill>
+                <a:srgbClr val="0D0D0D"/>
+              </a:solidFill>
+              <a:highlight>
+                <a:srgbClr val="FFFFFF"/>
+              </a:highlight>
+              <a:latin typeface="Söhne"/>
+            </a:endParaRPr>
+          </a:p>
+        </p:txBody>
+      </p:sp>
+      <p:sp>
+        <p:nvSpPr>
+          <p:cNvPr id="11" name="Title 3">
+            <a:extLst>
+              <a:ext uri="{FF2B5EF4-FFF2-40B4-BE49-F238E27FC236}">
+                <a16:creationId xmlns:a16="http://schemas.microsoft.com/office/drawing/2014/main" id="{D749B15B-F780-2BF8-1784-8BA51FD0AAEE}"/>
+              </a:ext>
+            </a:extLst>
+          </p:cNvPr>
+          <p:cNvSpPr txBox="1">
+            <a:spLocks/>
+          </p:cNvSpPr>
+          <p:nvPr/>
+        </p:nvSpPr>
+        <p:spPr>
+          <a:xfrm>
+            <a:off x="4649744" y="152090"/>
+            <a:ext cx="2742685" cy="1325563"/>
+          </a:xfrm>
+          <a:prstGeom prst="rect">
+            <a:avLst/>
+          </a:prstGeom>
+        </p:spPr>
+        <p:txBody>
+          <a:bodyPr/>
+          <a:lstStyle>
+            <a:lvl1pPr algn="l" defTabSz="914400" rtl="0" eaLnBrk="1" latinLnBrk="0" hangingPunct="1">
+              <a:lnSpc>
+                <a:spcPct val="90000"/>
+              </a:lnSpc>
+              <a:spcBef>
+                <a:spcPct val="0"/>
+              </a:spcBef>
+              <a:buNone/>
+              <a:defRPr sz="4400" kern="1200">
+                <a:solidFill>
+                  <a:schemeClr val="tx1"/>
+                </a:solidFill>
+                <a:latin typeface="+mj-lt"/>
+                <a:ea typeface="+mj-ea"/>
+                <a:cs typeface="+mj-cs"/>
+              </a:defRPr>
+            </a:lvl1pPr>
+          </a:lstStyle>
+          <a:p>
+            <a:r>
+              <a:rPr lang="en-US" b="1" dirty="0"/>
+              <a:t>Markdown </a:t>
+            </a:r>
+            <a:br>
+              <a:rPr lang="en-US" b="1" dirty="0"/>
+            </a:br>
+            <a:r>
+              <a:rPr lang="en-US" b="1" dirty="0">
+                <a:solidFill>
+                  <a:schemeClr val="tx1">
+                    <a:lumMod val="50000"/>
+                    <a:lumOff val="50000"/>
+                  </a:schemeClr>
+                </a:solidFill>
+              </a:rPr>
+              <a:t>formatting</a:t>
+            </a:r>
+          </a:p>
+        </p:txBody>
+      </p:sp>
+    </p:spTree>
+    <p:extLst>
+      <p:ext uri="{BB962C8B-B14F-4D97-AF65-F5344CB8AC3E}">
+        <p14:creationId xmlns:p14="http://schemas.microsoft.com/office/powerpoint/2010/main" val="1746748136"/>
+      </p:ext>
+    </p:extLst>
+  </p:cSld>
+  <p:clrMapOvr>
+    <a:masterClrMapping/>
+  </p:clrMapOvr>
+  <mc:AlternateContent xmlns:mc="http://schemas.openxmlformats.org/markup-compatibility/2006">
+    <mc:Choice xmlns:p159="http://schemas.microsoft.com/office/powerpoint/2015/09/main" Requires="p159">
+      <p:transition xmlns:p14="http://schemas.microsoft.com/office/powerpoint/2010/main" spd="slow" p14:dur="2000">
+        <p159:morph option="byObject"/>
+      </p:transition>
+    </mc:Choice>
+    <mc:Fallback>
+      <p:transition spd="slow">
+        <p:fade/>
+      </p:transition>
+    </mc:Fallback>
+  </mc:AlternateContent>
+</p:sld>
+</file>
+
+<file path=ppt/slides/slide17.xml><?xml version="1.0" encoding="utf-8"?>
+<p:sld xmlns:a="http://schemas.openxmlformats.org/drawingml/2006/main" xmlns:r="http://schemas.openxmlformats.org/officeDocument/2006/relationships" xmlns:p="http://schemas.openxmlformats.org/presentationml/2006/main">
+  <p:cSld>
+    <p:spTree>
+      <p:nvGrpSpPr>
+        <p:cNvPr id="1" name=""/>
+        <p:cNvGrpSpPr/>
+        <p:nvPr/>
+      </p:nvGrpSpPr>
+      <p:grpSpPr>
+        <a:xfrm>
+          <a:off x="0" y="0"/>
+          <a:ext cx="0" cy="0"/>
+          <a:chOff x="0" y="0"/>
+          <a:chExt cx="0" cy="0"/>
+        </a:xfrm>
+      </p:grpSpPr>
+      <p:sp>
+        <p:nvSpPr>
+          <p:cNvPr id="4" name="Title 3">
+            <a:extLst>
+              <a:ext uri="{FF2B5EF4-FFF2-40B4-BE49-F238E27FC236}">
+                <a16:creationId xmlns:a16="http://schemas.microsoft.com/office/drawing/2014/main" id="{0A973A72-66AC-6237-A32A-BB937BF13A3D}"/>
+              </a:ext>
+            </a:extLst>
+          </p:cNvPr>
+          <p:cNvSpPr>
+            <a:spLocks noGrp="1"/>
+          </p:cNvSpPr>
+          <p:nvPr>
+            <p:ph type="title"/>
+          </p:nvPr>
+        </p:nvSpPr>
+        <p:spPr>
+          <a:xfrm>
+            <a:off x="751703" y="2428704"/>
+            <a:ext cx="10515600" cy="1325563"/>
+          </a:xfrm>
+        </p:spPr>
+        <p:txBody>
+          <a:bodyPr/>
+          <a:lstStyle/>
+          <a:p>
+            <a:r>
+              <a:rPr lang="en-US" b="1" dirty="0"/>
+              <a:t>Markdown </a:t>
+            </a:r>
+            <a:br>
+              <a:rPr lang="en-US" b="1" dirty="0"/>
+            </a:br>
+            <a:r>
+              <a:rPr lang="en-US" b="1" dirty="0">
+                <a:solidFill>
+                  <a:schemeClr val="tx1">
+                    <a:lumMod val="50000"/>
+                    <a:lumOff val="50000"/>
+                  </a:schemeClr>
+                </a:solidFill>
+              </a:rPr>
+              <a:t>Basic formatting</a:t>
+            </a:r>
+          </a:p>
+        </p:txBody>
+      </p:sp>
+    </p:spTree>
+    <p:extLst>
+      <p:ext uri="{BB962C8B-B14F-4D97-AF65-F5344CB8AC3E}">
+        <p14:creationId xmlns:p14="http://schemas.microsoft.com/office/powerpoint/2010/main" val="742704278"/>
       </p:ext>
     </p:extLst>
   </p:cSld>
@@ -4123,7 +6816,7 @@
 </p:sld>
 </file>
 
-<file path=ppt/slides/slide11.xml><?xml version="1.0" encoding="utf-8"?>
+<file path=ppt/slides/slide18.xml><?xml version="1.0" encoding="utf-8"?>
 <p:sld xmlns:a="http://schemas.openxmlformats.org/drawingml/2006/main" xmlns:r="http://schemas.openxmlformats.org/officeDocument/2006/relationships" xmlns:p="http://schemas.openxmlformats.org/presentationml/2006/main">
   <p:cSld>
     <p:spTree>
@@ -9077,77 +11770,6 @@
       </p:sp>
       <p:sp>
         <p:nvSpPr>
-          <p:cNvPr id="39" name="Pentagon 38">
-            <a:extLst>
-              <a:ext uri="{FF2B5EF4-FFF2-40B4-BE49-F238E27FC236}">
-                <a16:creationId xmlns:a16="http://schemas.microsoft.com/office/drawing/2014/main" id="{714CAEDE-9AA3-873C-547D-F204C0460A99}"/>
-              </a:ext>
-            </a:extLst>
-          </p:cNvPr>
-          <p:cNvSpPr/>
-          <p:nvPr/>
-        </p:nvSpPr>
-        <p:spPr>
-          <a:xfrm>
-            <a:off x="898131" y="1449034"/>
-            <a:ext cx="2125009" cy="568270"/>
-          </a:xfrm>
-          <a:prstGeom prst="homePlate">
-            <a:avLst/>
-          </a:prstGeom>
-        </p:spPr>
-        <p:style>
-          <a:lnRef idx="2">
-            <a:schemeClr val="accent1">
-              <a:shade val="15000"/>
-            </a:schemeClr>
-          </a:lnRef>
-          <a:fillRef idx="1">
-            <a:schemeClr val="accent1"/>
-          </a:fillRef>
-          <a:effectRef idx="0">
-            <a:schemeClr val="accent1"/>
-          </a:effectRef>
-          <a:fontRef idx="minor">
-            <a:schemeClr val="lt1"/>
-          </a:fontRef>
-        </p:style>
-        <p:txBody>
-          <a:bodyPr rtlCol="0" anchor="ctr"/>
-          <a:lstStyle/>
-          <a:p>
-            <a:pPr algn="ctr"/>
-            <a:r>
-              <a:rPr lang="en-US" dirty="0">
-                <a:solidFill>
-                  <a:schemeClr val="accent1">
-                    <a:lumMod val="20000"/>
-                    <a:lumOff val="80000"/>
-                  </a:schemeClr>
-                </a:solidFill>
-              </a:rPr>
-              <a:t>(Zero shot</a:t>
-            </a:r>
-            <a:r>
-              <a:rPr lang="en-US" dirty="0">
-                <a:solidFill>
-                  <a:schemeClr val="tx1">
-                    <a:lumMod val="50000"/>
-                    <a:lumOff val="50000"/>
-                  </a:schemeClr>
-                </a:solidFill>
-              </a:rPr>
-              <a:t>)</a:t>
-            </a:r>
-            <a:r>
-              <a:rPr lang="en-US" dirty="0"/>
-              <a:t> Question</a:t>
-            </a:r>
-          </a:p>
-        </p:txBody>
-      </p:sp>
-      <p:sp>
-        <p:nvSpPr>
           <p:cNvPr id="40" name="Hexagon 39">
             <a:extLst>
               <a:ext uri="{FF2B5EF4-FFF2-40B4-BE49-F238E27FC236}">
@@ -9583,6 +12205,416 @@
             <a:r>
               <a:rPr lang="en-US" dirty="0"/>
               <a:t>Review</a:t>
+            </a:r>
+          </a:p>
+        </p:txBody>
+      </p:sp>
+      <p:sp>
+        <p:nvSpPr>
+          <p:cNvPr id="2" name="Pentagon 1">
+            <a:extLst>
+              <a:ext uri="{FF2B5EF4-FFF2-40B4-BE49-F238E27FC236}">
+                <a16:creationId xmlns:a16="http://schemas.microsoft.com/office/drawing/2014/main" id="{DF04CABD-C1CD-0226-E090-155ED5055C88}"/>
+              </a:ext>
+            </a:extLst>
+          </p:cNvPr>
+          <p:cNvSpPr/>
+          <p:nvPr/>
+        </p:nvSpPr>
+        <p:spPr>
+          <a:xfrm>
+            <a:off x="898131" y="1449034"/>
+            <a:ext cx="2125009" cy="568270"/>
+          </a:xfrm>
+          <a:prstGeom prst="homePlate">
+            <a:avLst/>
+          </a:prstGeom>
+          <a:solidFill>
+            <a:srgbClr val="156082"/>
+          </a:solidFill>
+          <a:ln>
+            <a:noFill/>
+          </a:ln>
+        </p:spPr>
+        <p:style>
+          <a:lnRef idx="2">
+            <a:schemeClr val="accent1">
+              <a:shade val="15000"/>
+            </a:schemeClr>
+          </a:lnRef>
+          <a:fillRef idx="1">
+            <a:schemeClr val="accent1"/>
+          </a:fillRef>
+          <a:effectRef idx="0">
+            <a:schemeClr val="accent1"/>
+          </a:effectRef>
+          <a:fontRef idx="minor">
+            <a:schemeClr val="lt1"/>
+          </a:fontRef>
+        </p:style>
+        <p:txBody>
+          <a:bodyPr rtlCol="0" anchor="ctr"/>
+          <a:lstStyle/>
+          <a:p>
+            <a:pPr algn="ctr"/>
+            <a:r>
+              <a:rPr lang="en-US" dirty="0">
+                <a:solidFill>
+                  <a:schemeClr val="accent1">
+                    <a:lumMod val="20000"/>
+                    <a:lumOff val="80000"/>
+                  </a:schemeClr>
+                </a:solidFill>
+              </a:rPr>
+              <a:t>(Zero shot</a:t>
+            </a:r>
+            <a:r>
+              <a:rPr lang="en-US" dirty="0">
+                <a:solidFill>
+                  <a:schemeClr val="tx1">
+                    <a:lumMod val="50000"/>
+                    <a:lumOff val="50000"/>
+                  </a:schemeClr>
+                </a:solidFill>
+              </a:rPr>
+              <a:t>)</a:t>
+            </a:r>
+            <a:r>
+              <a:rPr lang="en-US" dirty="0"/>
+              <a:t> Question</a:t>
+            </a:r>
+          </a:p>
+        </p:txBody>
+      </p:sp>
+      <p:sp>
+        <p:nvSpPr>
+          <p:cNvPr id="4" name="Pentagon 3">
+            <a:extLst>
+              <a:ext uri="{FF2B5EF4-FFF2-40B4-BE49-F238E27FC236}">
+                <a16:creationId xmlns:a16="http://schemas.microsoft.com/office/drawing/2014/main" id="{FE4A9275-61F2-FA5C-5581-2A0ADF101E07}"/>
+              </a:ext>
+            </a:extLst>
+          </p:cNvPr>
+          <p:cNvSpPr/>
+          <p:nvPr/>
+        </p:nvSpPr>
+        <p:spPr>
+          <a:xfrm>
+            <a:off x="3183317" y="1801599"/>
+            <a:ext cx="2125009" cy="568270"/>
+          </a:xfrm>
+          <a:prstGeom prst="homePlate">
+            <a:avLst/>
+          </a:prstGeom>
+          <a:solidFill>
+            <a:srgbClr val="FF0000"/>
+          </a:solidFill>
+          <a:ln>
+            <a:noFill/>
+          </a:ln>
+        </p:spPr>
+        <p:style>
+          <a:lnRef idx="2">
+            <a:schemeClr val="accent1">
+              <a:shade val="15000"/>
+            </a:schemeClr>
+          </a:lnRef>
+          <a:fillRef idx="1">
+            <a:schemeClr val="accent1"/>
+          </a:fillRef>
+          <a:effectRef idx="0">
+            <a:schemeClr val="accent1"/>
+          </a:effectRef>
+          <a:fontRef idx="minor">
+            <a:schemeClr val="lt1"/>
+          </a:fontRef>
+        </p:style>
+        <p:txBody>
+          <a:bodyPr rtlCol="0" anchor="ctr"/>
+          <a:lstStyle/>
+          <a:p>
+            <a:pPr algn="ctr"/>
+            <a:r>
+              <a:rPr lang="en-US" dirty="0">
+                <a:solidFill>
+                  <a:schemeClr val="accent1">
+                    <a:lumMod val="20000"/>
+                    <a:lumOff val="80000"/>
+                  </a:schemeClr>
+                </a:solidFill>
+              </a:rPr>
+              <a:t>Output Formatting</a:t>
+            </a:r>
+          </a:p>
+        </p:txBody>
+      </p:sp>
+      <p:sp>
+        <p:nvSpPr>
+          <p:cNvPr id="5" name="Rounded Rectangle 4">
+            <a:extLst>
+              <a:ext uri="{FF2B5EF4-FFF2-40B4-BE49-F238E27FC236}">
+                <a16:creationId xmlns:a16="http://schemas.microsoft.com/office/drawing/2014/main" id="{400333A8-687B-F68F-C83D-9000B0753E2C}"/>
+              </a:ext>
+            </a:extLst>
+          </p:cNvPr>
+          <p:cNvSpPr/>
+          <p:nvPr/>
+        </p:nvSpPr>
+        <p:spPr>
+          <a:xfrm>
+            <a:off x="6072346" y="998057"/>
+            <a:ext cx="1418897" cy="1250732"/>
+          </a:xfrm>
+          <a:prstGeom prst="roundRect">
+            <a:avLst/>
+          </a:prstGeom>
+          <a:solidFill>
+            <a:srgbClr val="FF0000"/>
+          </a:solidFill>
+          <a:ln>
+            <a:noFill/>
+          </a:ln>
+        </p:spPr>
+        <p:style>
+          <a:lnRef idx="2">
+            <a:schemeClr val="accent1">
+              <a:shade val="15000"/>
+            </a:schemeClr>
+          </a:lnRef>
+          <a:fillRef idx="1">
+            <a:schemeClr val="accent1"/>
+          </a:fillRef>
+          <a:effectRef idx="0">
+            <a:schemeClr val="accent1"/>
+          </a:effectRef>
+          <a:fontRef idx="minor">
+            <a:schemeClr val="lt1"/>
+          </a:fontRef>
+        </p:style>
+        <p:txBody>
+          <a:bodyPr rtlCol="0" anchor="ctr"/>
+          <a:lstStyle/>
+          <a:p>
+            <a:pPr algn="ctr"/>
+            <a:r>
+              <a:rPr lang="en-US">
+                <a:solidFill>
+                  <a:schemeClr val="accent1">
+                    <a:lumMod val="20000"/>
+                    <a:lumOff val="80000"/>
+                  </a:schemeClr>
+                </a:solidFill>
+              </a:rPr>
+              <a:t>LLM</a:t>
+            </a:r>
+            <a:endParaRPr lang="en-US" dirty="0">
+              <a:solidFill>
+                <a:schemeClr val="accent1">
+                  <a:lumMod val="20000"/>
+                  <a:lumOff val="80000"/>
+                </a:schemeClr>
+              </a:solidFill>
+            </a:endParaRPr>
+          </a:p>
+        </p:txBody>
+      </p:sp>
+      <p:sp>
+        <p:nvSpPr>
+          <p:cNvPr id="6" name="Hexagon 5">
+            <a:extLst>
+              <a:ext uri="{FF2B5EF4-FFF2-40B4-BE49-F238E27FC236}">
+                <a16:creationId xmlns:a16="http://schemas.microsoft.com/office/drawing/2014/main" id="{6BD037AF-EE9C-C472-01FD-73D0CDCD1A48}"/>
+              </a:ext>
+            </a:extLst>
+          </p:cNvPr>
+          <p:cNvSpPr/>
+          <p:nvPr/>
+        </p:nvSpPr>
+        <p:spPr>
+          <a:xfrm>
+            <a:off x="8227651" y="1789242"/>
+            <a:ext cx="1818289" cy="441435"/>
+          </a:xfrm>
+          <a:prstGeom prst="hexagon">
+            <a:avLst/>
+          </a:prstGeom>
+          <a:solidFill>
+            <a:srgbClr val="FF0000"/>
+          </a:solidFill>
+          <a:ln>
+            <a:noFill/>
+          </a:ln>
+        </p:spPr>
+        <p:style>
+          <a:lnRef idx="2">
+            <a:schemeClr val="accent1">
+              <a:shade val="15000"/>
+            </a:schemeClr>
+          </a:lnRef>
+          <a:fillRef idx="1">
+            <a:schemeClr val="accent1"/>
+          </a:fillRef>
+          <a:effectRef idx="0">
+            <a:schemeClr val="accent1"/>
+          </a:effectRef>
+          <a:fontRef idx="minor">
+            <a:schemeClr val="lt1"/>
+          </a:fontRef>
+        </p:style>
+        <p:txBody>
+          <a:bodyPr rtlCol="0" anchor="ctr"/>
+          <a:lstStyle/>
+          <a:p>
+            <a:pPr algn="ctr"/>
+            <a:r>
+              <a:rPr lang="en-US" dirty="0">
+                <a:solidFill>
+                  <a:schemeClr val="accent1">
+                    <a:lumMod val="20000"/>
+                    <a:lumOff val="80000"/>
+                  </a:schemeClr>
+                </a:solidFill>
+              </a:rPr>
+              <a:t>Code</a:t>
+            </a:r>
+          </a:p>
+        </p:txBody>
+      </p:sp>
+      <p:sp>
+        <p:nvSpPr>
+          <p:cNvPr id="39" name="Pentagon 38">
+            <a:extLst>
+              <a:ext uri="{FF2B5EF4-FFF2-40B4-BE49-F238E27FC236}">
+                <a16:creationId xmlns:a16="http://schemas.microsoft.com/office/drawing/2014/main" id="{714CAEDE-9AA3-873C-547D-F204C0460A99}"/>
+              </a:ext>
+            </a:extLst>
+          </p:cNvPr>
+          <p:cNvSpPr/>
+          <p:nvPr/>
+        </p:nvSpPr>
+        <p:spPr>
+          <a:xfrm>
+            <a:off x="898131" y="1449034"/>
+            <a:ext cx="2125009" cy="568270"/>
+          </a:xfrm>
+          <a:prstGeom prst="homePlate">
+            <a:avLst/>
+          </a:prstGeom>
+          <a:solidFill>
+            <a:srgbClr val="FF0000"/>
+          </a:solidFill>
+          <a:ln>
+            <a:noFill/>
+          </a:ln>
+        </p:spPr>
+        <p:style>
+          <a:lnRef idx="2">
+            <a:schemeClr val="accent1">
+              <a:shade val="15000"/>
+            </a:schemeClr>
+          </a:lnRef>
+          <a:fillRef idx="1">
+            <a:schemeClr val="accent1"/>
+          </a:fillRef>
+          <a:effectRef idx="0">
+            <a:schemeClr val="accent1"/>
+          </a:effectRef>
+          <a:fontRef idx="minor">
+            <a:schemeClr val="lt1"/>
+          </a:fontRef>
+        </p:style>
+        <p:txBody>
+          <a:bodyPr rtlCol="0" anchor="ctr"/>
+          <a:lstStyle/>
+          <a:p>
+            <a:pPr algn="ctr"/>
+            <a:r>
+              <a:rPr lang="en-US" dirty="0">
+                <a:solidFill>
+                  <a:schemeClr val="accent1">
+                    <a:lumMod val="20000"/>
+                    <a:lumOff val="80000"/>
+                  </a:schemeClr>
+                </a:solidFill>
+              </a:rPr>
+              <a:t>(Zero shot</a:t>
+            </a:r>
+            <a:r>
+              <a:rPr lang="en-US" dirty="0">
+                <a:solidFill>
+                  <a:schemeClr val="tx1">
+                    <a:lumMod val="50000"/>
+                    <a:lumOff val="50000"/>
+                  </a:schemeClr>
+                </a:solidFill>
+              </a:rPr>
+              <a:t>)</a:t>
+            </a:r>
+            <a:r>
+              <a:rPr lang="en-US" dirty="0"/>
+              <a:t> Question</a:t>
+            </a:r>
+          </a:p>
+        </p:txBody>
+      </p:sp>
+      <p:sp>
+        <p:nvSpPr>
+          <p:cNvPr id="15" name="Hexagon 14">
+            <a:extLst>
+              <a:ext uri="{FF2B5EF4-FFF2-40B4-BE49-F238E27FC236}">
+                <a16:creationId xmlns:a16="http://schemas.microsoft.com/office/drawing/2014/main" id="{4976DBAB-E71F-2020-9A9B-CE975B52DFB1}"/>
+              </a:ext>
+            </a:extLst>
+          </p:cNvPr>
+          <p:cNvSpPr/>
+          <p:nvPr/>
+        </p:nvSpPr>
+        <p:spPr>
+          <a:xfrm>
+            <a:off x="10013943" y="1575869"/>
+            <a:ext cx="1818289" cy="441435"/>
+          </a:xfrm>
+          <a:prstGeom prst="hexagon">
+            <a:avLst/>
+          </a:prstGeom>
+          <a:solidFill>
+            <a:srgbClr val="FF0000"/>
+          </a:solidFill>
+          <a:ln>
+            <a:noFill/>
+          </a:ln>
+        </p:spPr>
+        <p:style>
+          <a:lnRef idx="2">
+            <a:schemeClr val="accent1">
+              <a:shade val="15000"/>
+            </a:schemeClr>
+          </a:lnRef>
+          <a:fillRef idx="1">
+            <a:schemeClr val="accent1"/>
+          </a:fillRef>
+          <a:effectRef idx="0">
+            <a:schemeClr val="accent1"/>
+          </a:effectRef>
+          <a:fontRef idx="minor">
+            <a:schemeClr val="lt1"/>
+          </a:fontRef>
+        </p:style>
+        <p:txBody>
+          <a:bodyPr rtlCol="0" anchor="ctr"/>
+          <a:lstStyle/>
+          <a:p>
+            <a:pPr algn="ctr"/>
+            <a:r>
+              <a:rPr lang="en-US" dirty="0">
+                <a:solidFill>
+                  <a:schemeClr val="accent1">
+                    <a:lumMod val="20000"/>
+                    <a:lumOff val="80000"/>
+                  </a:schemeClr>
+                </a:solidFill>
+              </a:rPr>
+              <a:t>Mermaid</a:t>
             </a:r>
           </a:p>
         </p:txBody>
@@ -9647,36 +12679,27 @@
                             </p:childTnLst>
                           </p:cTn>
                         </p:par>
-                      </p:childTnLst>
-                    </p:cTn>
-                  </p:par>
-                  <p:par>
-                    <p:cTn id="7" fill="hold">
-                      <p:stCondLst>
-                        <p:cond delay="indefinite"/>
-                      </p:stCondLst>
-                      <p:childTnLst>
                         <p:par>
-                          <p:cTn id="8" fill="hold">
+                          <p:cTn id="7" fill="hold">
                             <p:stCondLst>
                               <p:cond delay="0"/>
                             </p:stCondLst>
                             <p:childTnLst>
                               <p:par>
-                                <p:cTn id="9" presetID="1" presetClass="entr" presetSubtype="0" fill="hold" grpId="0" nodeType="clickEffect">
+                                <p:cTn id="8" presetID="1" presetClass="entr" presetSubtype="0" fill="hold" grpId="0" nodeType="afterEffect">
                                   <p:stCondLst>
                                     <p:cond delay="0"/>
                                   </p:stCondLst>
                                   <p:childTnLst>
                                     <p:set>
                                       <p:cBhvr>
-                                        <p:cTn id="10" dur="1" fill="hold">
+                                        <p:cTn id="9" dur="1" fill="hold">
                                           <p:stCondLst>
                                             <p:cond delay="0"/>
                                           </p:stCondLst>
                                         </p:cTn>
                                         <p:tgtEl>
-                                          <p:spTgt spid="17"/>
+                                          <p:spTgt spid="4"/>
                                         </p:tgtEl>
                                         <p:attrNameLst>
                                           <p:attrName>style.visibility</p:attrName>
@@ -9692,36 +12715,27 @@
                             </p:childTnLst>
                           </p:cTn>
                         </p:par>
-                      </p:childTnLst>
-                    </p:cTn>
-                  </p:par>
-                  <p:par>
-                    <p:cTn id="11" fill="hold">
-                      <p:stCondLst>
-                        <p:cond delay="indefinite"/>
-                      </p:stCondLst>
-                      <p:childTnLst>
                         <p:par>
-                          <p:cTn id="12" fill="hold">
+                          <p:cTn id="10" fill="hold">
                             <p:stCondLst>
                               <p:cond delay="0"/>
                             </p:stCondLst>
                             <p:childTnLst>
                               <p:par>
-                                <p:cTn id="13" presetID="1" presetClass="entr" presetSubtype="0" fill="hold" grpId="0" nodeType="clickEffect">
+                                <p:cTn id="11" presetID="1" presetClass="entr" presetSubtype="0" fill="hold" grpId="0" nodeType="afterEffect">
                                   <p:stCondLst>
                                     <p:cond delay="0"/>
                                   </p:stCondLst>
                                   <p:childTnLst>
                                     <p:set>
                                       <p:cBhvr>
-                                        <p:cTn id="14" dur="1" fill="hold">
+                                        <p:cTn id="12" dur="1" fill="hold">
                                           <p:stCondLst>
                                             <p:cond delay="0"/>
                                           </p:stCondLst>
                                         </p:cTn>
                                         <p:tgtEl>
-                                          <p:spTgt spid="9"/>
+                                          <p:spTgt spid="5"/>
                                         </p:tgtEl>
                                         <p:attrNameLst>
                                           <p:attrName>style.visibility</p:attrName>
@@ -9737,15 +12751,42 @@
                             </p:childTnLst>
                           </p:cTn>
                         </p:par>
-                      </p:childTnLst>
-                    </p:cTn>
-                  </p:par>
-                  <p:par>
-                    <p:cTn id="15" fill="hold">
-                      <p:stCondLst>
-                        <p:cond delay="indefinite"/>
-                      </p:stCondLst>
-                      <p:childTnLst>
+                        <p:par>
+                          <p:cTn id="13" fill="hold">
+                            <p:stCondLst>
+                              <p:cond delay="0"/>
+                            </p:stCondLst>
+                            <p:childTnLst>
+                              <p:par>
+                                <p:cTn id="14" presetID="1" presetClass="entr" presetSubtype="0" fill="hold" grpId="0" nodeType="afterEffect">
+                                  <p:stCondLst>
+                                    <p:cond delay="0"/>
+                                  </p:stCondLst>
+                                  <p:childTnLst>
+                                    <p:set>
+                                      <p:cBhvr>
+                                        <p:cTn id="15" dur="1" fill="hold">
+                                          <p:stCondLst>
+                                            <p:cond delay="0"/>
+                                          </p:stCondLst>
+                                        </p:cTn>
+                                        <p:tgtEl>
+                                          <p:spTgt spid="6"/>
+                                        </p:tgtEl>
+                                        <p:attrNameLst>
+                                          <p:attrName>style.visibility</p:attrName>
+                                        </p:attrNameLst>
+                                      </p:cBhvr>
+                                      <p:to>
+                                        <p:strVal val="visible"/>
+                                      </p:to>
+                                    </p:set>
+                                  </p:childTnLst>
+                                </p:cTn>
+                              </p:par>
+                            </p:childTnLst>
+                          </p:cTn>
+                        </p:par>
                         <p:par>
                           <p:cTn id="16" fill="hold">
                             <p:stCondLst>
@@ -9753,7 +12794,7 @@
                             </p:stCondLst>
                             <p:childTnLst>
                               <p:par>
-                                <p:cTn id="17" presetID="1" presetClass="entr" presetSubtype="0" fill="hold" grpId="0" nodeType="clickEffect">
+                                <p:cTn id="17" presetID="1" presetClass="entr" presetSubtype="0" fill="hold" grpId="0" nodeType="afterEffect">
                                   <p:stCondLst>
                                     <p:cond delay="0"/>
                                   </p:stCondLst>
@@ -9766,7 +12807,7 @@
                                           </p:stCondLst>
                                         </p:cTn>
                                         <p:tgtEl>
-                                          <p:spTgt spid="21"/>
+                                          <p:spTgt spid="15"/>
                                         </p:tgtEl>
                                         <p:attrNameLst>
                                           <p:attrName>style.visibility</p:attrName>
@@ -9798,7 +12839,7 @@
                             </p:stCondLst>
                             <p:childTnLst>
                               <p:par>
-                                <p:cTn id="21" presetID="1" presetClass="entr" presetSubtype="0" fill="hold" grpId="0" nodeType="clickEffect">
+                                <p:cTn id="21" presetID="1" presetClass="exit" presetSubtype="0" fill="hold" grpId="1" nodeType="clickEffect">
                                   <p:stCondLst>
                                     <p:cond delay="0"/>
                                   </p:stCondLst>
@@ -9811,39 +12852,48 @@
                                           </p:stCondLst>
                                         </p:cTn>
                                         <p:tgtEl>
-                                          <p:spTgt spid="10"/>
+                                          <p:spTgt spid="39"/>
                                         </p:tgtEl>
                                         <p:attrNameLst>
                                           <p:attrName>style.visibility</p:attrName>
                                         </p:attrNameLst>
                                       </p:cBhvr>
                                       <p:to>
-                                        <p:strVal val="visible"/>
+                                        <p:strVal val="hidden"/>
                                       </p:to>
                                     </p:set>
                                   </p:childTnLst>
                                 </p:cTn>
                               </p:par>
-                            </p:childTnLst>
-                          </p:cTn>
-                        </p:par>
-                      </p:childTnLst>
-                    </p:cTn>
-                  </p:par>
-                  <p:par>
-                    <p:cTn id="23" fill="hold">
-                      <p:stCondLst>
-                        <p:cond delay="indefinite"/>
-                      </p:stCondLst>
-                      <p:childTnLst>
-                        <p:par>
-                          <p:cTn id="24" fill="hold">
-                            <p:stCondLst>
-                              <p:cond delay="0"/>
-                            </p:stCondLst>
-                            <p:childTnLst>
                               <p:par>
-                                <p:cTn id="25" presetID="1" presetClass="entr" presetSubtype="0" fill="hold" grpId="0" nodeType="clickEffect">
+                                <p:cTn id="23" presetID="1" presetClass="exit" presetSubtype="0" fill="hold" grpId="1" nodeType="withEffect">
+                                  <p:stCondLst>
+                                    <p:cond delay="0"/>
+                                  </p:stCondLst>
+                                  <p:childTnLst>
+                                    <p:set>
+                                      <p:cBhvr>
+                                        <p:cTn id="24" dur="1" fill="hold">
+                                          <p:stCondLst>
+                                            <p:cond delay="0"/>
+                                          </p:stCondLst>
+                                        </p:cTn>
+                                        <p:tgtEl>
+                                          <p:spTgt spid="4"/>
+                                        </p:tgtEl>
+                                        <p:attrNameLst>
+                                          <p:attrName>style.visibility</p:attrName>
+                                        </p:attrNameLst>
+                                      </p:cBhvr>
+                                      <p:to>
+                                        <p:strVal val="hidden"/>
+                                      </p:to>
+                                    </p:set>
+                                  </p:childTnLst>
+                                </p:cTn>
+                              </p:par>
+                              <p:par>
+                                <p:cTn id="25" presetID="1" presetClass="exit" presetSubtype="0" fill="hold" grpId="1" nodeType="withEffect">
                                   <p:stCondLst>
                                     <p:cond delay="0"/>
                                   </p:stCondLst>
@@ -9856,39 +12906,48 @@
                                           </p:stCondLst>
                                         </p:cTn>
                                         <p:tgtEl>
-                                          <p:spTgt spid="40"/>
+                                          <p:spTgt spid="5"/>
                                         </p:tgtEl>
                                         <p:attrNameLst>
                                           <p:attrName>style.visibility</p:attrName>
                                         </p:attrNameLst>
                                       </p:cBhvr>
                                       <p:to>
-                                        <p:strVal val="visible"/>
+                                        <p:strVal val="hidden"/>
                                       </p:to>
                                     </p:set>
                                   </p:childTnLst>
                                 </p:cTn>
                               </p:par>
-                            </p:childTnLst>
-                          </p:cTn>
-                        </p:par>
-                      </p:childTnLst>
-                    </p:cTn>
-                  </p:par>
-                  <p:par>
-                    <p:cTn id="27" fill="hold">
-                      <p:stCondLst>
-                        <p:cond delay="indefinite"/>
-                      </p:stCondLst>
-                      <p:childTnLst>
-                        <p:par>
-                          <p:cTn id="28" fill="hold">
-                            <p:stCondLst>
-                              <p:cond delay="0"/>
-                            </p:stCondLst>
-                            <p:childTnLst>
                               <p:par>
-                                <p:cTn id="29" presetID="1" presetClass="entr" presetSubtype="0" fill="hold" grpId="0" nodeType="clickEffect">
+                                <p:cTn id="27" presetID="1" presetClass="exit" presetSubtype="0" fill="hold" grpId="1" nodeType="withEffect">
+                                  <p:stCondLst>
+                                    <p:cond delay="0"/>
+                                  </p:stCondLst>
+                                  <p:childTnLst>
+                                    <p:set>
+                                      <p:cBhvr>
+                                        <p:cTn id="28" dur="1" fill="hold">
+                                          <p:stCondLst>
+                                            <p:cond delay="0"/>
+                                          </p:stCondLst>
+                                        </p:cTn>
+                                        <p:tgtEl>
+                                          <p:spTgt spid="6"/>
+                                        </p:tgtEl>
+                                        <p:attrNameLst>
+                                          <p:attrName>style.visibility</p:attrName>
+                                        </p:attrNameLst>
+                                      </p:cBhvr>
+                                      <p:to>
+                                        <p:strVal val="hidden"/>
+                                      </p:to>
+                                    </p:set>
+                                  </p:childTnLst>
+                                </p:cTn>
+                              </p:par>
+                              <p:par>
+                                <p:cTn id="29" presetID="1" presetClass="exit" presetSubtype="0" fill="hold" grpId="1" nodeType="withEffect">
                                   <p:stCondLst>
                                     <p:cond delay="0"/>
                                   </p:stCondLst>
@@ -9901,644 +12960,14 @@
                                           </p:stCondLst>
                                         </p:cTn>
                                         <p:tgtEl>
-                                          <p:spTgt spid="11"/>
+                                          <p:spTgt spid="15"/>
                                         </p:tgtEl>
                                         <p:attrNameLst>
                                           <p:attrName>style.visibility</p:attrName>
                                         </p:attrNameLst>
                                       </p:cBhvr>
                                       <p:to>
-                                        <p:strVal val="visible"/>
-                                      </p:to>
-                                    </p:set>
-                                  </p:childTnLst>
-                                </p:cTn>
-                              </p:par>
-                            </p:childTnLst>
-                          </p:cTn>
-                        </p:par>
-                      </p:childTnLst>
-                    </p:cTn>
-                  </p:par>
-                  <p:par>
-                    <p:cTn id="31" fill="hold">
-                      <p:stCondLst>
-                        <p:cond delay="indefinite"/>
-                      </p:stCondLst>
-                      <p:childTnLst>
-                        <p:par>
-                          <p:cTn id="32" fill="hold">
-                            <p:stCondLst>
-                              <p:cond delay="0"/>
-                            </p:stCondLst>
-                            <p:childTnLst>
-                              <p:par>
-                                <p:cTn id="33" presetID="1" presetClass="entr" presetSubtype="0" fill="hold" grpId="0" nodeType="clickEffect">
-                                  <p:stCondLst>
-                                    <p:cond delay="0"/>
-                                  </p:stCondLst>
-                                  <p:childTnLst>
-                                    <p:set>
-                                      <p:cBhvr>
-                                        <p:cTn id="34" dur="1" fill="hold">
-                                          <p:stCondLst>
-                                            <p:cond delay="0"/>
-                                          </p:stCondLst>
-                                        </p:cTn>
-                                        <p:tgtEl>
-                                          <p:spTgt spid="16"/>
-                                        </p:tgtEl>
-                                        <p:attrNameLst>
-                                          <p:attrName>style.visibility</p:attrName>
-                                        </p:attrNameLst>
-                                      </p:cBhvr>
-                                      <p:to>
-                                        <p:strVal val="visible"/>
-                                      </p:to>
-                                    </p:set>
-                                  </p:childTnLst>
-                                </p:cTn>
-                              </p:par>
-                            </p:childTnLst>
-                          </p:cTn>
-                        </p:par>
-                      </p:childTnLst>
-                    </p:cTn>
-                  </p:par>
-                  <p:par>
-                    <p:cTn id="35" fill="hold">
-                      <p:stCondLst>
-                        <p:cond delay="indefinite"/>
-                      </p:stCondLst>
-                      <p:childTnLst>
-                        <p:par>
-                          <p:cTn id="36" fill="hold">
-                            <p:stCondLst>
-                              <p:cond delay="0"/>
-                            </p:stCondLst>
-                            <p:childTnLst>
-                              <p:par>
-                                <p:cTn id="37" presetID="1" presetClass="entr" presetSubtype="0" fill="hold" grpId="0" nodeType="clickEffect">
-                                  <p:stCondLst>
-                                    <p:cond delay="0"/>
-                                  </p:stCondLst>
-                                  <p:childTnLst>
-                                    <p:set>
-                                      <p:cBhvr>
-                                        <p:cTn id="38" dur="1" fill="hold">
-                                          <p:stCondLst>
-                                            <p:cond delay="0"/>
-                                          </p:stCondLst>
-                                        </p:cTn>
-                                        <p:tgtEl>
-                                          <p:spTgt spid="13"/>
-                                        </p:tgtEl>
-                                        <p:attrNameLst>
-                                          <p:attrName>style.visibility</p:attrName>
-                                        </p:attrNameLst>
-                                      </p:cBhvr>
-                                      <p:to>
-                                        <p:strVal val="visible"/>
-                                      </p:to>
-                                    </p:set>
-                                  </p:childTnLst>
-                                </p:cTn>
-                              </p:par>
-                            </p:childTnLst>
-                          </p:cTn>
-                        </p:par>
-                      </p:childTnLst>
-                    </p:cTn>
-                  </p:par>
-                  <p:par>
-                    <p:cTn id="39" fill="hold">
-                      <p:stCondLst>
-                        <p:cond delay="indefinite"/>
-                      </p:stCondLst>
-                      <p:childTnLst>
-                        <p:par>
-                          <p:cTn id="40" fill="hold">
-                            <p:stCondLst>
-                              <p:cond delay="0"/>
-                            </p:stCondLst>
-                            <p:childTnLst>
-                              <p:par>
-                                <p:cTn id="41" presetID="1" presetClass="entr" presetSubtype="0" fill="hold" grpId="0" nodeType="clickEffect">
-                                  <p:stCondLst>
-                                    <p:cond delay="0"/>
-                                  </p:stCondLst>
-                                  <p:childTnLst>
-                                    <p:set>
-                                      <p:cBhvr>
-                                        <p:cTn id="42" dur="1" fill="hold">
-                                          <p:stCondLst>
-                                            <p:cond delay="0"/>
-                                          </p:stCondLst>
-                                        </p:cTn>
-                                        <p:tgtEl>
-                                          <p:spTgt spid="14"/>
-                                        </p:tgtEl>
-                                        <p:attrNameLst>
-                                          <p:attrName>style.visibility</p:attrName>
-                                        </p:attrNameLst>
-                                      </p:cBhvr>
-                                      <p:to>
-                                        <p:strVal val="visible"/>
-                                      </p:to>
-                                    </p:set>
-                                  </p:childTnLst>
-                                </p:cTn>
-                              </p:par>
-                              <p:par>
-                                <p:cTn id="43" presetID="1" presetClass="entr" presetSubtype="0" fill="hold" grpId="0" nodeType="withEffect">
-                                  <p:stCondLst>
-                                    <p:cond delay="0"/>
-                                  </p:stCondLst>
-                                  <p:childTnLst>
-                                    <p:set>
-                                      <p:cBhvr>
-                                        <p:cTn id="44" dur="1" fill="hold">
-                                          <p:stCondLst>
-                                            <p:cond delay="0"/>
-                                          </p:stCondLst>
-                                        </p:cTn>
-                                        <p:tgtEl>
-                                          <p:spTgt spid="35"/>
-                                        </p:tgtEl>
-                                        <p:attrNameLst>
-                                          <p:attrName>style.visibility</p:attrName>
-                                        </p:attrNameLst>
-                                      </p:cBhvr>
-                                      <p:to>
-                                        <p:strVal val="visible"/>
-                                      </p:to>
-                                    </p:set>
-                                  </p:childTnLst>
-                                </p:cTn>
-                              </p:par>
-                              <p:par>
-                                <p:cTn id="45" presetID="1" presetClass="entr" presetSubtype="0" fill="hold" grpId="0" nodeType="withEffect">
-                                  <p:stCondLst>
-                                    <p:cond delay="0"/>
-                                  </p:stCondLst>
-                                  <p:childTnLst>
-                                    <p:set>
-                                      <p:cBhvr>
-                                        <p:cTn id="46" dur="1" fill="hold">
-                                          <p:stCondLst>
-                                            <p:cond delay="0"/>
-                                          </p:stCondLst>
-                                        </p:cTn>
-                                        <p:tgtEl>
-                                          <p:spTgt spid="29"/>
-                                        </p:tgtEl>
-                                        <p:attrNameLst>
-                                          <p:attrName>style.visibility</p:attrName>
-                                        </p:attrNameLst>
-                                      </p:cBhvr>
-                                      <p:to>
-                                        <p:strVal val="visible"/>
-                                      </p:to>
-                                    </p:set>
-                                  </p:childTnLst>
-                                </p:cTn>
-                              </p:par>
-                              <p:par>
-                                <p:cTn id="47" presetID="1" presetClass="entr" presetSubtype="0" fill="hold" grpId="0" nodeType="withEffect">
-                                  <p:stCondLst>
-                                    <p:cond delay="0"/>
-                                  </p:stCondLst>
-                                  <p:childTnLst>
-                                    <p:set>
-                                      <p:cBhvr>
-                                        <p:cTn id="48" dur="1" fill="hold">
-                                          <p:stCondLst>
-                                            <p:cond delay="0"/>
-                                          </p:stCondLst>
-                                        </p:cTn>
-                                        <p:tgtEl>
-                                          <p:spTgt spid="37"/>
-                                        </p:tgtEl>
-                                        <p:attrNameLst>
-                                          <p:attrName>style.visibility</p:attrName>
-                                        </p:attrNameLst>
-                                      </p:cBhvr>
-                                      <p:to>
-                                        <p:strVal val="visible"/>
-                                      </p:to>
-                                    </p:set>
-                                  </p:childTnLst>
-                                </p:cTn>
-                              </p:par>
-                            </p:childTnLst>
-                          </p:cTn>
-                        </p:par>
-                      </p:childTnLst>
-                    </p:cTn>
-                  </p:par>
-                  <p:par>
-                    <p:cTn id="49" fill="hold">
-                      <p:stCondLst>
-                        <p:cond delay="indefinite"/>
-                      </p:stCondLst>
-                      <p:childTnLst>
-                        <p:par>
-                          <p:cTn id="50" fill="hold">
-                            <p:stCondLst>
-                              <p:cond delay="0"/>
-                            </p:stCondLst>
-                            <p:childTnLst>
-                              <p:par>
-                                <p:cTn id="51" presetID="1" presetClass="entr" presetSubtype="0" fill="hold" grpId="0" nodeType="clickEffect">
-                                  <p:stCondLst>
-                                    <p:cond delay="0"/>
-                                  </p:stCondLst>
-                                  <p:childTnLst>
-                                    <p:set>
-                                      <p:cBhvr>
-                                        <p:cTn id="52" dur="1" fill="hold">
-                                          <p:stCondLst>
-                                            <p:cond delay="0"/>
-                                          </p:stCondLst>
-                                        </p:cTn>
-                                        <p:tgtEl>
-                                          <p:spTgt spid="19"/>
-                                        </p:tgtEl>
-                                        <p:attrNameLst>
-                                          <p:attrName>style.visibility</p:attrName>
-                                        </p:attrNameLst>
-                                      </p:cBhvr>
-                                      <p:to>
-                                        <p:strVal val="visible"/>
-                                      </p:to>
-                                    </p:set>
-                                  </p:childTnLst>
-                                </p:cTn>
-                              </p:par>
-                              <p:par>
-                                <p:cTn id="53" presetID="1" presetClass="entr" presetSubtype="0" fill="hold" grpId="0" nodeType="withEffect">
-                                  <p:stCondLst>
-                                    <p:cond delay="0"/>
-                                  </p:stCondLst>
-                                  <p:childTnLst>
-                                    <p:set>
-                                      <p:cBhvr>
-                                        <p:cTn id="54" dur="1" fill="hold">
-                                          <p:stCondLst>
-                                            <p:cond delay="0"/>
-                                          </p:stCondLst>
-                                        </p:cTn>
-                                        <p:tgtEl>
-                                          <p:spTgt spid="28"/>
-                                        </p:tgtEl>
-                                        <p:attrNameLst>
-                                          <p:attrName>style.visibility</p:attrName>
-                                        </p:attrNameLst>
-                                      </p:cBhvr>
-                                      <p:to>
-                                        <p:strVal val="visible"/>
-                                      </p:to>
-                                    </p:set>
-                                  </p:childTnLst>
-                                </p:cTn>
-                              </p:par>
-                              <p:par>
-                                <p:cTn id="55" presetID="1" presetClass="entr" presetSubtype="0" fill="hold" grpId="0" nodeType="withEffect">
-                                  <p:stCondLst>
-                                    <p:cond delay="0"/>
-                                  </p:stCondLst>
-                                  <p:childTnLst>
-                                    <p:set>
-                                      <p:cBhvr>
-                                        <p:cTn id="56" dur="1" fill="hold">
-                                          <p:stCondLst>
-                                            <p:cond delay="0"/>
-                                          </p:stCondLst>
-                                        </p:cTn>
-                                        <p:tgtEl>
-                                          <p:spTgt spid="20"/>
-                                        </p:tgtEl>
-                                        <p:attrNameLst>
-                                          <p:attrName>style.visibility</p:attrName>
-                                        </p:attrNameLst>
-                                      </p:cBhvr>
-                                      <p:to>
-                                        <p:strVal val="visible"/>
-                                      </p:to>
-                                    </p:set>
-                                  </p:childTnLst>
-                                </p:cTn>
-                              </p:par>
-                              <p:par>
-                                <p:cTn id="57" presetID="1" presetClass="entr" presetSubtype="0" fill="hold" grpId="0" nodeType="withEffect">
-                                  <p:stCondLst>
-                                    <p:cond delay="0"/>
-                                  </p:stCondLst>
-                                  <p:childTnLst>
-                                    <p:set>
-                                      <p:cBhvr>
-                                        <p:cTn id="58" dur="1" fill="hold">
-                                          <p:stCondLst>
-                                            <p:cond delay="0"/>
-                                          </p:stCondLst>
-                                        </p:cTn>
-                                        <p:tgtEl>
-                                          <p:spTgt spid="31"/>
-                                        </p:tgtEl>
-                                        <p:attrNameLst>
-                                          <p:attrName>style.visibility</p:attrName>
-                                        </p:attrNameLst>
-                                      </p:cBhvr>
-                                      <p:to>
-                                        <p:strVal val="visible"/>
-                                      </p:to>
-                                    </p:set>
-                                  </p:childTnLst>
-                                </p:cTn>
-                              </p:par>
-                            </p:childTnLst>
-                          </p:cTn>
-                        </p:par>
-                      </p:childTnLst>
-                    </p:cTn>
-                  </p:par>
-                  <p:par>
-                    <p:cTn id="59" fill="hold">
-                      <p:stCondLst>
-                        <p:cond delay="indefinite"/>
-                      </p:stCondLst>
-                      <p:childTnLst>
-                        <p:par>
-                          <p:cTn id="60" fill="hold">
-                            <p:stCondLst>
-                              <p:cond delay="0"/>
-                            </p:stCondLst>
-                            <p:childTnLst>
-                              <p:par>
-                                <p:cTn id="61" presetID="1" presetClass="entr" presetSubtype="0" fill="hold" grpId="0" nodeType="clickEffect">
-                                  <p:stCondLst>
-                                    <p:cond delay="0"/>
-                                  </p:stCondLst>
-                                  <p:childTnLst>
-                                    <p:set>
-                                      <p:cBhvr>
-                                        <p:cTn id="62" dur="1" fill="hold">
-                                          <p:stCondLst>
-                                            <p:cond delay="0"/>
-                                          </p:stCondLst>
-                                        </p:cTn>
-                                        <p:tgtEl>
-                                          <p:spTgt spid="41"/>
-                                        </p:tgtEl>
-                                        <p:attrNameLst>
-                                          <p:attrName>style.visibility</p:attrName>
-                                        </p:attrNameLst>
-                                      </p:cBhvr>
-                                      <p:to>
-                                        <p:strVal val="visible"/>
-                                      </p:to>
-                                    </p:set>
-                                  </p:childTnLst>
-                                </p:cTn>
-                              </p:par>
-                              <p:par>
-                                <p:cTn id="63" presetID="1" presetClass="entr" presetSubtype="0" fill="hold" grpId="0" nodeType="withEffect">
-                                  <p:stCondLst>
-                                    <p:cond delay="0"/>
-                                  </p:stCondLst>
-                                  <p:childTnLst>
-                                    <p:set>
-                                      <p:cBhvr>
-                                        <p:cTn id="64" dur="1" fill="hold">
-                                          <p:stCondLst>
-                                            <p:cond delay="0"/>
-                                          </p:stCondLst>
-                                        </p:cTn>
-                                        <p:tgtEl>
-                                          <p:spTgt spid="42"/>
-                                        </p:tgtEl>
-                                        <p:attrNameLst>
-                                          <p:attrName>style.visibility</p:attrName>
-                                        </p:attrNameLst>
-                                      </p:cBhvr>
-                                      <p:to>
-                                        <p:strVal val="visible"/>
-                                      </p:to>
-                                    </p:set>
-                                  </p:childTnLst>
-                                </p:cTn>
-                              </p:par>
-                              <p:par>
-                                <p:cTn id="65" presetID="1" presetClass="entr" presetSubtype="0" fill="hold" grpId="0" nodeType="withEffect">
-                                  <p:stCondLst>
-                                    <p:cond delay="0"/>
-                                  </p:stCondLst>
-                                  <p:childTnLst>
-                                    <p:set>
-                                      <p:cBhvr>
-                                        <p:cTn id="66" dur="1" fill="hold">
-                                          <p:stCondLst>
-                                            <p:cond delay="0"/>
-                                          </p:stCondLst>
-                                        </p:cTn>
-                                        <p:tgtEl>
-                                          <p:spTgt spid="43"/>
-                                        </p:tgtEl>
-                                        <p:attrNameLst>
-                                          <p:attrName>style.visibility</p:attrName>
-                                        </p:attrNameLst>
-                                      </p:cBhvr>
-                                      <p:to>
-                                        <p:strVal val="visible"/>
-                                      </p:to>
-                                    </p:set>
-                                  </p:childTnLst>
-                                </p:cTn>
-                              </p:par>
-                            </p:childTnLst>
-                          </p:cTn>
-                        </p:par>
-                      </p:childTnLst>
-                    </p:cTn>
-                  </p:par>
-                  <p:par>
-                    <p:cTn id="67" fill="hold">
-                      <p:stCondLst>
-                        <p:cond delay="indefinite"/>
-                      </p:stCondLst>
-                      <p:childTnLst>
-                        <p:par>
-                          <p:cTn id="68" fill="hold">
-                            <p:stCondLst>
-                              <p:cond delay="0"/>
-                            </p:stCondLst>
-                            <p:childTnLst>
-                              <p:par>
-                                <p:cTn id="69" presetID="1" presetClass="entr" presetSubtype="0" fill="hold" grpId="0" nodeType="clickEffect">
-                                  <p:stCondLst>
-                                    <p:cond delay="0"/>
-                                  </p:stCondLst>
-                                  <p:childTnLst>
-                                    <p:set>
-                                      <p:cBhvr>
-                                        <p:cTn id="70" dur="1" fill="hold">
-                                          <p:stCondLst>
-                                            <p:cond delay="0"/>
-                                          </p:stCondLst>
-                                        </p:cTn>
-                                        <p:tgtEl>
-                                          <p:spTgt spid="45"/>
-                                        </p:tgtEl>
-                                        <p:attrNameLst>
-                                          <p:attrName>style.visibility</p:attrName>
-                                        </p:attrNameLst>
-                                      </p:cBhvr>
-                                      <p:to>
-                                        <p:strVal val="visible"/>
-                                      </p:to>
-                                    </p:set>
-                                  </p:childTnLst>
-                                </p:cTn>
-                              </p:par>
-                            </p:childTnLst>
-                          </p:cTn>
-                        </p:par>
-                      </p:childTnLst>
-                    </p:cTn>
-                  </p:par>
-                  <p:par>
-                    <p:cTn id="71" fill="hold">
-                      <p:stCondLst>
-                        <p:cond delay="indefinite"/>
-                      </p:stCondLst>
-                      <p:childTnLst>
-                        <p:par>
-                          <p:cTn id="72" fill="hold">
-                            <p:stCondLst>
-                              <p:cond delay="0"/>
-                            </p:stCondLst>
-                            <p:childTnLst>
-                              <p:par>
-                                <p:cTn id="73" presetID="1" presetClass="entr" presetSubtype="0" fill="hold" grpId="0" nodeType="clickEffect">
-                                  <p:stCondLst>
-                                    <p:cond delay="0"/>
-                                  </p:stCondLst>
-                                  <p:childTnLst>
-                                    <p:set>
-                                      <p:cBhvr>
-                                        <p:cTn id="74" dur="1" fill="hold">
-                                          <p:stCondLst>
-                                            <p:cond delay="0"/>
-                                          </p:stCondLst>
-                                        </p:cTn>
-                                        <p:tgtEl>
-                                          <p:spTgt spid="49"/>
-                                        </p:tgtEl>
-                                        <p:attrNameLst>
-                                          <p:attrName>style.visibility</p:attrName>
-                                        </p:attrNameLst>
-                                      </p:cBhvr>
-                                      <p:to>
-                                        <p:strVal val="visible"/>
-                                      </p:to>
-                                    </p:set>
-                                  </p:childTnLst>
-                                </p:cTn>
-                              </p:par>
-                              <p:par>
-                                <p:cTn id="75" presetID="1" presetClass="entr" presetSubtype="0" fill="hold" grpId="0" nodeType="withEffect">
-                                  <p:stCondLst>
-                                    <p:cond delay="0"/>
-                                  </p:stCondLst>
-                                  <p:childTnLst>
-                                    <p:set>
-                                      <p:cBhvr>
-                                        <p:cTn id="76" dur="1" fill="hold">
-                                          <p:stCondLst>
-                                            <p:cond delay="0"/>
-                                          </p:stCondLst>
-                                        </p:cTn>
-                                        <p:tgtEl>
-                                          <p:spTgt spid="50"/>
-                                        </p:tgtEl>
-                                        <p:attrNameLst>
-                                          <p:attrName>style.visibility</p:attrName>
-                                        </p:attrNameLst>
-                                      </p:cBhvr>
-                                      <p:to>
-                                        <p:strVal val="visible"/>
-                                      </p:to>
-                                    </p:set>
-                                  </p:childTnLst>
-                                </p:cTn>
-                              </p:par>
-                              <p:par>
-                                <p:cTn id="77" presetID="1" presetClass="entr" presetSubtype="0" fill="hold" grpId="0" nodeType="withEffect">
-                                  <p:stCondLst>
-                                    <p:cond delay="0"/>
-                                  </p:stCondLst>
-                                  <p:childTnLst>
-                                    <p:set>
-                                      <p:cBhvr>
-                                        <p:cTn id="78" dur="1" fill="hold">
-                                          <p:stCondLst>
-                                            <p:cond delay="0"/>
-                                          </p:stCondLst>
-                                        </p:cTn>
-                                        <p:tgtEl>
-                                          <p:spTgt spid="47"/>
-                                        </p:tgtEl>
-                                        <p:attrNameLst>
-                                          <p:attrName>style.visibility</p:attrName>
-                                        </p:attrNameLst>
-                                      </p:cBhvr>
-                                      <p:to>
-                                        <p:strVal val="visible"/>
-                                      </p:to>
-                                    </p:set>
-                                  </p:childTnLst>
-                                </p:cTn>
-                              </p:par>
-                            </p:childTnLst>
-                          </p:cTn>
-                        </p:par>
-                      </p:childTnLst>
-                    </p:cTn>
-                  </p:par>
-                  <p:par>
-                    <p:cTn id="79" fill="hold">
-                      <p:stCondLst>
-                        <p:cond delay="indefinite"/>
-                      </p:stCondLst>
-                      <p:childTnLst>
-                        <p:par>
-                          <p:cTn id="80" fill="hold">
-                            <p:stCondLst>
-                              <p:cond delay="0"/>
-                            </p:stCondLst>
-                            <p:childTnLst>
-                              <p:par>
-                                <p:cTn id="81" presetID="1" presetClass="entr" presetSubtype="0" fill="hold" grpId="0" nodeType="clickEffect">
-                                  <p:stCondLst>
-                                    <p:cond delay="0"/>
-                                  </p:stCondLst>
-                                  <p:childTnLst>
-                                    <p:set>
-                                      <p:cBhvr>
-                                        <p:cTn id="82" dur="1" fill="hold">
-                                          <p:stCondLst>
-                                            <p:cond delay="0"/>
-                                          </p:stCondLst>
-                                        </p:cTn>
-                                        <p:tgtEl>
-                                          <p:spTgt spid="51"/>
-                                        </p:tgtEl>
-                                        <p:attrNameLst>
-                                          <p:attrName>style.visibility</p:attrName>
-                                        </p:attrNameLst>
-                                      </p:cBhvr>
-                                      <p:to>
-                                        <p:strVal val="visible"/>
+                                        <p:strVal val="hidden"/>
                                       </p:to>
                                     </p:set>
                                   </p:childTnLst>
@@ -10572,31 +13001,16 @@
       </p:par>
     </p:tnLst>
     <p:bldLst>
-      <p:bldP spid="9" grpId="0" animBg="1"/>
-      <p:bldP spid="10" grpId="0" animBg="1"/>
-      <p:bldP spid="11" grpId="0" animBg="1"/>
-      <p:bldP spid="13" grpId="0" animBg="1"/>
-      <p:bldP spid="14" grpId="0" animBg="1"/>
-      <p:bldP spid="16" grpId="0" animBg="1"/>
-      <p:bldP spid="17" grpId="0" animBg="1"/>
-      <p:bldP spid="19" grpId="0" animBg="1"/>
-      <p:bldP spid="20" grpId="0" animBg="1"/>
-      <p:bldP spid="21" grpId="0" animBg="1"/>
-      <p:bldP spid="28" grpId="0" animBg="1"/>
-      <p:bldP spid="29" grpId="0" animBg="1"/>
-      <p:bldP spid="31" grpId="0" animBg="1"/>
-      <p:bldP spid="35" grpId="0" animBg="1"/>
-      <p:bldP spid="37" grpId="0" animBg="1"/>
+      <p:bldP spid="4" grpId="0" animBg="1"/>
+      <p:bldP spid="4" grpId="1" animBg="1"/>
+      <p:bldP spid="5" grpId="0" animBg="1"/>
+      <p:bldP spid="5" grpId="1" animBg="1"/>
+      <p:bldP spid="6" grpId="0" animBg="1"/>
+      <p:bldP spid="6" grpId="1" animBg="1"/>
       <p:bldP spid="39" grpId="0" animBg="1"/>
-      <p:bldP spid="40" grpId="0" animBg="1"/>
-      <p:bldP spid="41" grpId="0" animBg="1"/>
-      <p:bldP spid="42" grpId="0" animBg="1"/>
-      <p:bldP spid="43" grpId="0" animBg="1"/>
-      <p:bldP spid="45" grpId="0" animBg="1"/>
-      <p:bldP spid="47" grpId="0" animBg="1"/>
-      <p:bldP spid="49" grpId="0" animBg="1"/>
-      <p:bldP spid="50" grpId="0" animBg="1"/>
-      <p:bldP spid="51" grpId="0" animBg="1"/>
+      <p:bldP spid="39" grpId="1" animBg="1"/>
+      <p:bldP spid="15" grpId="0" animBg="1"/>
+      <p:bldP spid="15" grpId="1" animBg="1"/>
     </p:bldLst>
   </p:timing>
 </p:sld>

--- a/Slides/ChatGPT_Prompting.pptx
+++ b/Slides/ChatGPT_Prompting.pptx
@@ -4,6 +4,9 @@
   <p:sldMasterIdLst>
     <p:sldMasterId id="2147483648" r:id="rId1"/>
   </p:sldMasterIdLst>
+  <p:notesMasterIdLst>
+    <p:notesMasterId r:id="rId27"/>
+  </p:notesMasterIdLst>
   <p:sldIdLst>
     <p:sldId id="259" r:id="rId2"/>
     <p:sldId id="263" r:id="rId3"/>
@@ -22,7 +25,14 @@
     <p:sldId id="275" r:id="rId16"/>
     <p:sldId id="276" r:id="rId17"/>
     <p:sldId id="277" r:id="rId18"/>
-    <p:sldId id="258" r:id="rId19"/>
+    <p:sldId id="278" r:id="rId19"/>
+    <p:sldId id="279" r:id="rId20"/>
+    <p:sldId id="280" r:id="rId21"/>
+    <p:sldId id="281" r:id="rId22"/>
+    <p:sldId id="282" r:id="rId23"/>
+    <p:sldId id="283" r:id="rId24"/>
+    <p:sldId id="284" r:id="rId25"/>
+    <p:sldId id="258" r:id="rId26"/>
   </p:sldIdLst>
   <p:sldSz cx="12192000" cy="6858000"/>
   <p:notesSz cx="6858000" cy="9144000"/>
@@ -122,6 +132,478 @@
     </a:lvl9pPr>
   </p:defaultTextStyle>
 </p:presentation>
+</file>
+
+<file path=ppt/notesMasters/notesMaster1.xml><?xml version="1.0" encoding="utf-8"?>
+<p:notesMaster xmlns:a="http://schemas.openxmlformats.org/drawingml/2006/main" xmlns:r="http://schemas.openxmlformats.org/officeDocument/2006/relationships" xmlns:p="http://schemas.openxmlformats.org/presentationml/2006/main">
+  <p:cSld>
+    <p:bg>
+      <p:bgRef idx="1001">
+        <a:schemeClr val="bg1"/>
+      </p:bgRef>
+    </p:bg>
+    <p:spTree>
+      <p:nvGrpSpPr>
+        <p:cNvPr id="1" name=""/>
+        <p:cNvGrpSpPr/>
+        <p:nvPr/>
+      </p:nvGrpSpPr>
+      <p:grpSpPr>
+        <a:xfrm>
+          <a:off x="0" y="0"/>
+          <a:ext cx="0" cy="0"/>
+          <a:chOff x="0" y="0"/>
+          <a:chExt cx="0" cy="0"/>
+        </a:xfrm>
+      </p:grpSpPr>
+      <p:sp>
+        <p:nvSpPr>
+          <p:cNvPr id="2" name="Header Placeholder 1"/>
+          <p:cNvSpPr>
+            <a:spLocks noGrp="1"/>
+          </p:cNvSpPr>
+          <p:nvPr>
+            <p:ph type="hdr" sz="quarter"/>
+          </p:nvPr>
+        </p:nvSpPr>
+        <p:spPr>
+          <a:xfrm>
+            <a:off x="0" y="0"/>
+            <a:ext cx="2971800" cy="458788"/>
+          </a:xfrm>
+          <a:prstGeom prst="rect">
+            <a:avLst/>
+          </a:prstGeom>
+        </p:spPr>
+        <p:txBody>
+          <a:bodyPr vert="horz" lIns="91440" tIns="45720" rIns="91440" bIns="45720" rtlCol="0"/>
+          <a:lstStyle>
+            <a:lvl1pPr algn="l">
+              <a:defRPr sz="1200"/>
+            </a:lvl1pPr>
+          </a:lstStyle>
+          <a:p>
+            <a:endParaRPr lang="en-US"/>
+          </a:p>
+        </p:txBody>
+      </p:sp>
+      <p:sp>
+        <p:nvSpPr>
+          <p:cNvPr id="3" name="Date Placeholder 2"/>
+          <p:cNvSpPr>
+            <a:spLocks noGrp="1"/>
+          </p:cNvSpPr>
+          <p:nvPr>
+            <p:ph type="dt" idx="1"/>
+          </p:nvPr>
+        </p:nvSpPr>
+        <p:spPr>
+          <a:xfrm>
+            <a:off x="3884613" y="0"/>
+            <a:ext cx="2971800" cy="458788"/>
+          </a:xfrm>
+          <a:prstGeom prst="rect">
+            <a:avLst/>
+          </a:prstGeom>
+        </p:spPr>
+        <p:txBody>
+          <a:bodyPr vert="horz" lIns="91440" tIns="45720" rIns="91440" bIns="45720" rtlCol="0"/>
+          <a:lstStyle>
+            <a:lvl1pPr algn="r">
+              <a:defRPr sz="1200"/>
+            </a:lvl1pPr>
+          </a:lstStyle>
+          <a:p>
+            <a:fld id="{31A5032F-900B-A54D-8943-ABF9E42DB867}" type="datetimeFigureOut">
+              <a:rPr lang="en-US" smtClean="0"/>
+              <a:t>4/3/24</a:t>
+            </a:fld>
+            <a:endParaRPr lang="en-US"/>
+          </a:p>
+        </p:txBody>
+      </p:sp>
+      <p:sp>
+        <p:nvSpPr>
+          <p:cNvPr id="4" name="Slide Image Placeholder 3"/>
+          <p:cNvSpPr>
+            <a:spLocks noGrp="1" noRot="1" noChangeAspect="1"/>
+          </p:cNvSpPr>
+          <p:nvPr>
+            <p:ph type="sldImg" idx="2"/>
+          </p:nvPr>
+        </p:nvSpPr>
+        <p:spPr>
+          <a:xfrm>
+            <a:off x="685800" y="1143000"/>
+            <a:ext cx="5486400" cy="3086100"/>
+          </a:xfrm>
+          <a:prstGeom prst="rect">
+            <a:avLst/>
+          </a:prstGeom>
+          <a:noFill/>
+          <a:ln w="12700">
+            <a:solidFill>
+              <a:prstClr val="black"/>
+            </a:solidFill>
+          </a:ln>
+        </p:spPr>
+        <p:txBody>
+          <a:bodyPr vert="horz" lIns="91440" tIns="45720" rIns="91440" bIns="45720" rtlCol="0" anchor="ctr"/>
+          <a:lstStyle/>
+          <a:p>
+            <a:endParaRPr lang="en-US"/>
+          </a:p>
+        </p:txBody>
+      </p:sp>
+      <p:sp>
+        <p:nvSpPr>
+          <p:cNvPr id="5" name="Notes Placeholder 4"/>
+          <p:cNvSpPr>
+            <a:spLocks noGrp="1"/>
+          </p:cNvSpPr>
+          <p:nvPr>
+            <p:ph type="body" sz="quarter" idx="3"/>
+          </p:nvPr>
+        </p:nvSpPr>
+        <p:spPr>
+          <a:xfrm>
+            <a:off x="685800" y="4400550"/>
+            <a:ext cx="5486400" cy="3600450"/>
+          </a:xfrm>
+          <a:prstGeom prst="rect">
+            <a:avLst/>
+          </a:prstGeom>
+        </p:spPr>
+        <p:txBody>
+          <a:bodyPr vert="horz" lIns="91440" tIns="45720" rIns="91440" bIns="45720" rtlCol="0"/>
+          <a:lstStyle/>
+          <a:p>
+            <a:pPr lvl="0"/>
+            <a:r>
+              <a:rPr lang="en-US"/>
+              <a:t>Click to edit Master text styles</a:t>
+            </a:r>
+          </a:p>
+          <a:p>
+            <a:pPr lvl="1"/>
+            <a:r>
+              <a:rPr lang="en-US"/>
+              <a:t>Second level</a:t>
+            </a:r>
+          </a:p>
+          <a:p>
+            <a:pPr lvl="2"/>
+            <a:r>
+              <a:rPr lang="en-US"/>
+              <a:t>Third level</a:t>
+            </a:r>
+          </a:p>
+          <a:p>
+            <a:pPr lvl="3"/>
+            <a:r>
+              <a:rPr lang="en-US"/>
+              <a:t>Fourth level</a:t>
+            </a:r>
+          </a:p>
+          <a:p>
+            <a:pPr lvl="4"/>
+            <a:r>
+              <a:rPr lang="en-US"/>
+              <a:t>Fifth level</a:t>
+            </a:r>
+          </a:p>
+        </p:txBody>
+      </p:sp>
+      <p:sp>
+        <p:nvSpPr>
+          <p:cNvPr id="6" name="Footer Placeholder 5"/>
+          <p:cNvSpPr>
+            <a:spLocks noGrp="1"/>
+          </p:cNvSpPr>
+          <p:nvPr>
+            <p:ph type="ftr" sz="quarter" idx="4"/>
+          </p:nvPr>
+        </p:nvSpPr>
+        <p:spPr>
+          <a:xfrm>
+            <a:off x="0" y="8685213"/>
+            <a:ext cx="2971800" cy="458787"/>
+          </a:xfrm>
+          <a:prstGeom prst="rect">
+            <a:avLst/>
+          </a:prstGeom>
+        </p:spPr>
+        <p:txBody>
+          <a:bodyPr vert="horz" lIns="91440" tIns="45720" rIns="91440" bIns="45720" rtlCol="0" anchor="b"/>
+          <a:lstStyle>
+            <a:lvl1pPr algn="l">
+              <a:defRPr sz="1200"/>
+            </a:lvl1pPr>
+          </a:lstStyle>
+          <a:p>
+            <a:endParaRPr lang="en-US"/>
+          </a:p>
+        </p:txBody>
+      </p:sp>
+      <p:sp>
+        <p:nvSpPr>
+          <p:cNvPr id="7" name="Slide Number Placeholder 6"/>
+          <p:cNvSpPr>
+            <a:spLocks noGrp="1"/>
+          </p:cNvSpPr>
+          <p:nvPr>
+            <p:ph type="sldNum" sz="quarter" idx="5"/>
+          </p:nvPr>
+        </p:nvSpPr>
+        <p:spPr>
+          <a:xfrm>
+            <a:off x="3884613" y="8685213"/>
+            <a:ext cx="2971800" cy="458787"/>
+          </a:xfrm>
+          <a:prstGeom prst="rect">
+            <a:avLst/>
+          </a:prstGeom>
+        </p:spPr>
+        <p:txBody>
+          <a:bodyPr vert="horz" lIns="91440" tIns="45720" rIns="91440" bIns="45720" rtlCol="0" anchor="b"/>
+          <a:lstStyle>
+            <a:lvl1pPr algn="r">
+              <a:defRPr sz="1200"/>
+            </a:lvl1pPr>
+          </a:lstStyle>
+          <a:p>
+            <a:fld id="{0FE3306F-8FB2-5D4C-B490-0B8DC0530D13}" type="slidenum">
+              <a:rPr lang="en-US" smtClean="0"/>
+              <a:t>‹#›</a:t>
+            </a:fld>
+            <a:endParaRPr lang="en-US"/>
+          </a:p>
+        </p:txBody>
+      </p:sp>
+    </p:spTree>
+    <p:extLst>
+      <p:ext uri="{BB962C8B-B14F-4D97-AF65-F5344CB8AC3E}">
+        <p14:creationId xmlns:p14="http://schemas.microsoft.com/office/powerpoint/2010/main" val="3609270350"/>
+      </p:ext>
+    </p:extLst>
+  </p:cSld>
+  <p:clrMap bg1="lt1" tx1="dk1" bg2="lt2" tx2="dk2" accent1="accent1" accent2="accent2" accent3="accent3" accent4="accent4" accent5="accent5" accent6="accent6" hlink="hlink" folHlink="folHlink"/>
+  <p:notesStyle>
+    <a:lvl1pPr marL="0" algn="l" defTabSz="914400" rtl="0" eaLnBrk="1" latinLnBrk="0" hangingPunct="1">
+      <a:defRPr sz="1200" kern="1200">
+        <a:solidFill>
+          <a:schemeClr val="tx1"/>
+        </a:solidFill>
+        <a:latin typeface="+mn-lt"/>
+        <a:ea typeface="+mn-ea"/>
+        <a:cs typeface="+mn-cs"/>
+      </a:defRPr>
+    </a:lvl1pPr>
+    <a:lvl2pPr marL="457200" algn="l" defTabSz="914400" rtl="0" eaLnBrk="1" latinLnBrk="0" hangingPunct="1">
+      <a:defRPr sz="1200" kern="1200">
+        <a:solidFill>
+          <a:schemeClr val="tx1"/>
+        </a:solidFill>
+        <a:latin typeface="+mn-lt"/>
+        <a:ea typeface="+mn-ea"/>
+        <a:cs typeface="+mn-cs"/>
+      </a:defRPr>
+    </a:lvl2pPr>
+    <a:lvl3pPr marL="914400" algn="l" defTabSz="914400" rtl="0" eaLnBrk="1" latinLnBrk="0" hangingPunct="1">
+      <a:defRPr sz="1200" kern="1200">
+        <a:solidFill>
+          <a:schemeClr val="tx1"/>
+        </a:solidFill>
+        <a:latin typeface="+mn-lt"/>
+        <a:ea typeface="+mn-ea"/>
+        <a:cs typeface="+mn-cs"/>
+      </a:defRPr>
+    </a:lvl3pPr>
+    <a:lvl4pPr marL="1371600" algn="l" defTabSz="914400" rtl="0" eaLnBrk="1" latinLnBrk="0" hangingPunct="1">
+      <a:defRPr sz="1200" kern="1200">
+        <a:solidFill>
+          <a:schemeClr val="tx1"/>
+        </a:solidFill>
+        <a:latin typeface="+mn-lt"/>
+        <a:ea typeface="+mn-ea"/>
+        <a:cs typeface="+mn-cs"/>
+      </a:defRPr>
+    </a:lvl4pPr>
+    <a:lvl5pPr marL="1828800" algn="l" defTabSz="914400" rtl="0" eaLnBrk="1" latinLnBrk="0" hangingPunct="1">
+      <a:defRPr sz="1200" kern="1200">
+        <a:solidFill>
+          <a:schemeClr val="tx1"/>
+        </a:solidFill>
+        <a:latin typeface="+mn-lt"/>
+        <a:ea typeface="+mn-ea"/>
+        <a:cs typeface="+mn-cs"/>
+      </a:defRPr>
+    </a:lvl5pPr>
+    <a:lvl6pPr marL="2286000" algn="l" defTabSz="914400" rtl="0" eaLnBrk="1" latinLnBrk="0" hangingPunct="1">
+      <a:defRPr sz="1200" kern="1200">
+        <a:solidFill>
+          <a:schemeClr val="tx1"/>
+        </a:solidFill>
+        <a:latin typeface="+mn-lt"/>
+        <a:ea typeface="+mn-ea"/>
+        <a:cs typeface="+mn-cs"/>
+      </a:defRPr>
+    </a:lvl6pPr>
+    <a:lvl7pPr marL="2743200" algn="l" defTabSz="914400" rtl="0" eaLnBrk="1" latinLnBrk="0" hangingPunct="1">
+      <a:defRPr sz="1200" kern="1200">
+        <a:solidFill>
+          <a:schemeClr val="tx1"/>
+        </a:solidFill>
+        <a:latin typeface="+mn-lt"/>
+        <a:ea typeface="+mn-ea"/>
+        <a:cs typeface="+mn-cs"/>
+      </a:defRPr>
+    </a:lvl7pPr>
+    <a:lvl8pPr marL="3200400" algn="l" defTabSz="914400" rtl="0" eaLnBrk="1" latinLnBrk="0" hangingPunct="1">
+      <a:defRPr sz="1200" kern="1200">
+        <a:solidFill>
+          <a:schemeClr val="tx1"/>
+        </a:solidFill>
+        <a:latin typeface="+mn-lt"/>
+        <a:ea typeface="+mn-ea"/>
+        <a:cs typeface="+mn-cs"/>
+      </a:defRPr>
+    </a:lvl8pPr>
+    <a:lvl9pPr marL="3657600" algn="l" defTabSz="914400" rtl="0" eaLnBrk="1" latinLnBrk="0" hangingPunct="1">
+      <a:defRPr sz="1200" kern="1200">
+        <a:solidFill>
+          <a:schemeClr val="tx1"/>
+        </a:solidFill>
+        <a:latin typeface="+mn-lt"/>
+        <a:ea typeface="+mn-ea"/>
+        <a:cs typeface="+mn-cs"/>
+      </a:defRPr>
+    </a:lvl9pPr>
+  </p:notesStyle>
+</p:notesMaster>
+</file>
+
+<file path=ppt/notesSlides/notesSlide1.xml><?xml version="1.0" encoding="utf-8"?>
+<p:notes xmlns:a="http://schemas.openxmlformats.org/drawingml/2006/main" xmlns:r="http://schemas.openxmlformats.org/officeDocument/2006/relationships" xmlns:p="http://schemas.openxmlformats.org/presentationml/2006/main">
+  <p:cSld>
+    <p:spTree>
+      <p:nvGrpSpPr>
+        <p:cNvPr id="1" name=""/>
+        <p:cNvGrpSpPr/>
+        <p:nvPr/>
+      </p:nvGrpSpPr>
+      <p:grpSpPr>
+        <a:xfrm>
+          <a:off x="0" y="0"/>
+          <a:ext cx="0" cy="0"/>
+          <a:chOff x="0" y="0"/>
+          <a:chExt cx="0" cy="0"/>
+        </a:xfrm>
+      </p:grpSpPr>
+      <p:sp>
+        <p:nvSpPr>
+          <p:cNvPr id="2" name="Slide Image Placeholder 1"/>
+          <p:cNvSpPr>
+            <a:spLocks noGrp="1" noRot="1" noChangeAspect="1"/>
+          </p:cNvSpPr>
+          <p:nvPr>
+            <p:ph type="sldImg"/>
+          </p:nvPr>
+        </p:nvSpPr>
+        <p:spPr/>
+      </p:sp>
+      <p:sp>
+        <p:nvSpPr>
+          <p:cNvPr id="3" name="Notes Placeholder 2"/>
+          <p:cNvSpPr>
+            <a:spLocks noGrp="1"/>
+          </p:cNvSpPr>
+          <p:nvPr>
+            <p:ph type="body" idx="1"/>
+          </p:nvPr>
+        </p:nvSpPr>
+        <p:spPr/>
+        <p:txBody>
+          <a:bodyPr/>
+          <a:lstStyle/>
+          <a:p>
+            <a:r>
+              <a:rPr lang="en-US" b="0" dirty="0">
+                <a:solidFill>
+                  <a:schemeClr val="tx1">
+                    <a:lumMod val="50000"/>
+                    <a:lumOff val="50000"/>
+                  </a:schemeClr>
+                </a:solidFill>
+                <a:effectLst/>
+                <a:latin typeface="Roboto" panose="020F0502020204030204" pitchFamily="34" charset="0"/>
+              </a:rPr>
+              <a:t>https://</a:t>
+            </a:r>
+            <a:r>
+              <a:rPr lang="en-US" b="0" dirty="0" err="1">
+                <a:solidFill>
+                  <a:schemeClr val="tx1">
+                    <a:lumMod val="50000"/>
+                    <a:lumOff val="50000"/>
+                  </a:schemeClr>
+                </a:solidFill>
+                <a:effectLst/>
+                <a:latin typeface="Roboto" panose="020F0502020204030204" pitchFamily="34" charset="0"/>
+              </a:rPr>
+              <a:t>youtu.be</a:t>
+            </a:r>
+            <a:r>
+              <a:rPr lang="en-US" b="0" dirty="0">
+                <a:solidFill>
+                  <a:schemeClr val="tx1">
+                    <a:lumMod val="50000"/>
+                    <a:lumOff val="50000"/>
+                  </a:schemeClr>
+                </a:solidFill>
+                <a:effectLst/>
+                <a:latin typeface="Roboto" panose="020F0502020204030204" pitchFamily="34" charset="0"/>
+              </a:rPr>
+              <a:t>/nc9kq9ZkNV8?si=K_9JqwJ46j1B1Q6J&amp;t=314</a:t>
+            </a:r>
+            <a:endParaRPr lang="en-US" dirty="0"/>
+          </a:p>
+        </p:txBody>
+      </p:sp>
+      <p:sp>
+        <p:nvSpPr>
+          <p:cNvPr id="4" name="Slide Number Placeholder 3"/>
+          <p:cNvSpPr>
+            <a:spLocks noGrp="1"/>
+          </p:cNvSpPr>
+          <p:nvPr>
+            <p:ph type="sldNum" sz="quarter" idx="5"/>
+          </p:nvPr>
+        </p:nvSpPr>
+        <p:spPr/>
+        <p:txBody>
+          <a:bodyPr/>
+          <a:lstStyle/>
+          <a:p>
+            <a:fld id="{0FE3306F-8FB2-5D4C-B490-0B8DC0530D13}" type="slidenum">
+              <a:rPr lang="en-US" smtClean="0"/>
+              <a:t>18</a:t>
+            </a:fld>
+            <a:endParaRPr lang="en-US"/>
+          </a:p>
+        </p:txBody>
+      </p:sp>
+    </p:spTree>
+    <p:extLst>
+      <p:ext uri="{BB962C8B-B14F-4D97-AF65-F5344CB8AC3E}">
+        <p14:creationId xmlns:p14="http://schemas.microsoft.com/office/powerpoint/2010/main" val="3956946450"/>
+      </p:ext>
+    </p:extLst>
+  </p:cSld>
+  <p:clrMapOvr>
+    <a:masterClrMapping/>
+  </p:clrMapOvr>
+</p:notes>
 </file>
 
 <file path=ppt/slideLayouts/slideLayout1.xml><?xml version="1.0" encoding="utf-8"?>
@@ -6784,7 +7266,7 @@
           <a:p>
             <a:r>
               <a:rPr lang="en-US" b="1" dirty="0"/>
-              <a:t>Markdown </a:t>
+              <a:t>Stable Diffusion </a:t>
             </a:r>
             <a:br>
               <a:rPr lang="en-US" b="1" dirty="0"/>
@@ -6798,7 +7280,7 @@
                   </a:schemeClr>
                 </a:solidFill>
               </a:rPr>
-              <a:t>Basic formatting</a:t>
+              <a:t>Images</a:t>
             </a:r>
           </a:p>
         </p:txBody>
@@ -6835,10 +7317,10 @@
       </p:grpSpPr>
       <p:sp>
         <p:nvSpPr>
-          <p:cNvPr id="2" name="TextBox 1">
-            <a:extLst>
-              <a:ext uri="{FF2B5EF4-FFF2-40B4-BE49-F238E27FC236}">
-                <a16:creationId xmlns:a16="http://schemas.microsoft.com/office/drawing/2014/main" id="{09967237-5B0A-0740-97AA-ADC92A519120}"/>
+          <p:cNvPr id="4" name="TextBox 3">
+            <a:extLst>
+              <a:ext uri="{FF2B5EF4-FFF2-40B4-BE49-F238E27FC236}">
+                <a16:creationId xmlns:a16="http://schemas.microsoft.com/office/drawing/2014/main" id="{2198C828-549F-E0CF-E0C4-21BC47F9E775}"/>
               </a:ext>
             </a:extLst>
           </p:cNvPr>
@@ -6847,8 +7329,8 @@
         </p:nvSpPr>
         <p:spPr>
           <a:xfrm>
-            <a:off x="4028303" y="556054"/>
-            <a:ext cx="1815625" cy="369332"/>
+            <a:off x="95763" y="6115732"/>
+            <a:ext cx="6725165" cy="646331"/>
           </a:xfrm>
           <a:prstGeom prst="rect">
             <a:avLst/>
@@ -6856,28 +7338,359 @@
           <a:noFill/>
         </p:spPr>
         <p:txBody>
-          <a:bodyPr wrap="none" rtlCol="0">
+          <a:bodyPr wrap="square">
             <a:spAutoFit/>
           </a:bodyPr>
           <a:lstStyle/>
           <a:p>
             <a:r>
-              <a:rPr lang="en-US" dirty="0"/>
-              <a:t>Stable Diffusion </a:t>
-            </a:r>
-          </a:p>
-        </p:txBody>
-      </p:sp>
+              <a:rPr lang="en-US" dirty="0">
+                <a:effectLst/>
+              </a:rPr>
+              <a:t>Making an AI </a:t>
+            </a:r>
+            <a:r>
+              <a:rPr lang="en-US" dirty="0" err="1">
+                <a:effectLst/>
+              </a:rPr>
+              <a:t>Onlyfans</a:t>
+            </a:r>
+            <a:r>
+              <a:rPr lang="en-US" dirty="0">
+                <a:effectLst/>
+              </a:rPr>
+              <a:t> with Computer Science – </a:t>
+            </a:r>
+            <a:r>
+              <a:rPr lang="en-US" b="0" dirty="0">
+                <a:effectLst/>
+                <a:latin typeface="Roboto" panose="020F0502020204030204" pitchFamily="34" charset="0"/>
+              </a:rPr>
+              <a:t>Nang</a:t>
+            </a:r>
+            <a:br>
+              <a:rPr lang="en-US" b="0" dirty="0">
+                <a:effectLst/>
+                <a:latin typeface="Roboto" panose="020F0502020204030204" pitchFamily="34" charset="0"/>
+              </a:rPr>
+            </a:br>
+            <a:r>
+              <a:rPr lang="en-US" b="0" dirty="0">
+                <a:solidFill>
+                  <a:schemeClr val="tx1">
+                    <a:lumMod val="50000"/>
+                    <a:lumOff val="50000"/>
+                  </a:schemeClr>
+                </a:solidFill>
+                <a:effectLst/>
+                <a:latin typeface="Roboto" panose="020F0502020204030204" pitchFamily="34" charset="0"/>
+              </a:rPr>
+              <a:t>https://</a:t>
+            </a:r>
+            <a:r>
+              <a:rPr lang="en-US" b="0" dirty="0" err="1">
+                <a:solidFill>
+                  <a:schemeClr val="tx1">
+                    <a:lumMod val="50000"/>
+                    <a:lumOff val="50000"/>
+                  </a:schemeClr>
+                </a:solidFill>
+                <a:effectLst/>
+                <a:latin typeface="Roboto" panose="020F0502020204030204" pitchFamily="34" charset="0"/>
+              </a:rPr>
+              <a:t>youtu.be</a:t>
+            </a:r>
+            <a:r>
+              <a:rPr lang="en-US" b="0" dirty="0">
+                <a:solidFill>
+                  <a:schemeClr val="tx1">
+                    <a:lumMod val="50000"/>
+                    <a:lumOff val="50000"/>
+                  </a:schemeClr>
+                </a:solidFill>
+                <a:effectLst/>
+                <a:latin typeface="Roboto" panose="020F0502020204030204" pitchFamily="34" charset="0"/>
+              </a:rPr>
+              <a:t>/nc9kq9ZkNV8?si=K_9JqwJ46j1B1Q6J&amp;t=314</a:t>
+            </a:r>
+          </a:p>
+        </p:txBody>
+      </p:sp>
+      <p:pic>
+        <p:nvPicPr>
+          <p:cNvPr id="7" name="Picture 6">
+            <a:extLst>
+              <a:ext uri="{FF2B5EF4-FFF2-40B4-BE49-F238E27FC236}">
+                <a16:creationId xmlns:a16="http://schemas.microsoft.com/office/drawing/2014/main" id="{38A6FB6A-9110-F57E-8AF0-8B038FD1F359}"/>
+              </a:ext>
+            </a:extLst>
+          </p:cNvPr>
+          <p:cNvPicPr>
+            <a:picLocks noChangeAspect="1"/>
+          </p:cNvPicPr>
+          <p:nvPr/>
+        </p:nvPicPr>
+        <p:blipFill>
+          <a:blip r:embed="rId3"/>
+          <a:stretch>
+            <a:fillRect/>
+          </a:stretch>
+        </p:blipFill>
+        <p:spPr>
+          <a:xfrm>
+            <a:off x="-24178" y="0"/>
+            <a:ext cx="12216178" cy="5660549"/>
+          </a:xfrm>
+          <a:prstGeom prst="rect">
+            <a:avLst/>
+          </a:prstGeom>
+        </p:spPr>
+      </p:pic>
     </p:spTree>
     <p:extLst>
       <p:ext uri="{BB962C8B-B14F-4D97-AF65-F5344CB8AC3E}">
-        <p14:creationId xmlns:p14="http://schemas.microsoft.com/office/powerpoint/2010/main" val="1161386038"/>
+        <p14:creationId xmlns:p14="http://schemas.microsoft.com/office/powerpoint/2010/main" val="316016184"/>
       </p:ext>
     </p:extLst>
   </p:cSld>
   <p:clrMapOvr>
     <a:masterClrMapping/>
   </p:clrMapOvr>
+</p:sld>
+</file>
+
+<file path=ppt/slides/slide19.xml><?xml version="1.0" encoding="utf-8"?>
+<p:sld xmlns:a="http://schemas.openxmlformats.org/drawingml/2006/main" xmlns:r="http://schemas.openxmlformats.org/officeDocument/2006/relationships" xmlns:p="http://schemas.openxmlformats.org/presentationml/2006/main">
+  <p:cSld>
+    <p:spTree>
+      <p:nvGrpSpPr>
+        <p:cNvPr id="1" name=""/>
+        <p:cNvGrpSpPr/>
+        <p:nvPr/>
+      </p:nvGrpSpPr>
+      <p:grpSpPr>
+        <a:xfrm>
+          <a:off x="0" y="0"/>
+          <a:ext cx="0" cy="0"/>
+          <a:chOff x="0" y="0"/>
+          <a:chExt cx="0" cy="0"/>
+        </a:xfrm>
+      </p:grpSpPr>
+      <p:sp>
+        <p:nvSpPr>
+          <p:cNvPr id="4" name="Title 3">
+            <a:extLst>
+              <a:ext uri="{FF2B5EF4-FFF2-40B4-BE49-F238E27FC236}">
+                <a16:creationId xmlns:a16="http://schemas.microsoft.com/office/drawing/2014/main" id="{0A973A72-66AC-6237-A32A-BB937BF13A3D}"/>
+              </a:ext>
+            </a:extLst>
+          </p:cNvPr>
+          <p:cNvSpPr>
+            <a:spLocks noGrp="1"/>
+          </p:cNvSpPr>
+          <p:nvPr>
+            <p:ph type="title"/>
+          </p:nvPr>
+        </p:nvSpPr>
+        <p:spPr>
+          <a:xfrm>
+            <a:off x="729049" y="2428704"/>
+            <a:ext cx="10538254" cy="1325563"/>
+          </a:xfrm>
+        </p:spPr>
+        <p:txBody>
+          <a:bodyPr>
+            <a:normAutofit/>
+          </a:bodyPr>
+          <a:lstStyle/>
+          <a:p>
+            <a:r>
+              <a:rPr lang="en-US" b="1" dirty="0"/>
+              <a:t>Huston JUG Logo</a:t>
+            </a:r>
+            <a:br>
+              <a:rPr lang="en-US" b="1" dirty="0"/>
+            </a:br>
+            <a:r>
+              <a:rPr lang="en-US" b="1" dirty="0">
+                <a:solidFill>
+                  <a:schemeClr val="tx1">
+                    <a:lumMod val="50000"/>
+                    <a:lumOff val="50000"/>
+                  </a:schemeClr>
+                </a:solidFill>
+              </a:rPr>
+              <a:t>Creating a Java User Group Logo</a:t>
+            </a:r>
+          </a:p>
+        </p:txBody>
+      </p:sp>
+      <p:pic>
+        <p:nvPicPr>
+          <p:cNvPr id="5" name="Picture 4">
+            <a:extLst>
+              <a:ext uri="{FF2B5EF4-FFF2-40B4-BE49-F238E27FC236}">
+                <a16:creationId xmlns:a16="http://schemas.microsoft.com/office/drawing/2014/main" id="{78128F83-195F-C704-B3F0-96C3E585F580}"/>
+              </a:ext>
+            </a:extLst>
+          </p:cNvPr>
+          <p:cNvPicPr>
+            <a:picLocks noChangeAspect="1"/>
+          </p:cNvPicPr>
+          <p:nvPr/>
+        </p:nvPicPr>
+        <p:blipFill>
+          <a:blip r:embed="rId2"/>
+          <a:stretch>
+            <a:fillRect/>
+          </a:stretch>
+        </p:blipFill>
+        <p:spPr>
+          <a:xfrm>
+            <a:off x="8391455" y="3091485"/>
+            <a:ext cx="2875848" cy="2693773"/>
+          </a:xfrm>
+          <a:prstGeom prst="rect">
+            <a:avLst/>
+          </a:prstGeom>
+        </p:spPr>
+      </p:pic>
+      <p:cxnSp>
+        <p:nvCxnSpPr>
+          <p:cNvPr id="6" name="Straight Arrow Connector 5">
+            <a:extLst>
+              <a:ext uri="{FF2B5EF4-FFF2-40B4-BE49-F238E27FC236}">
+                <a16:creationId xmlns:a16="http://schemas.microsoft.com/office/drawing/2014/main" id="{CBD9D5D0-F697-EBFC-B57B-FA52D05D4058}"/>
+              </a:ext>
+            </a:extLst>
+          </p:cNvPr>
+          <p:cNvCxnSpPr>
+            <a:cxnSpLocks/>
+          </p:cNvCxnSpPr>
+          <p:nvPr/>
+        </p:nvCxnSpPr>
+        <p:spPr>
+          <a:xfrm>
+            <a:off x="7574692" y="4959179"/>
+            <a:ext cx="1553862" cy="0"/>
+          </a:xfrm>
+          <a:prstGeom prst="straightConnector1">
+            <a:avLst/>
+          </a:prstGeom>
+          <a:ln w="38100">
+            <a:solidFill>
+              <a:srgbClr val="FF0000"/>
+            </a:solidFill>
+            <a:tailEnd type="triangle"/>
+          </a:ln>
+          <a:effectLst>
+            <a:glow rad="611300">
+              <a:schemeClr val="bg1">
+                <a:alpha val="86835"/>
+              </a:schemeClr>
+            </a:glow>
+          </a:effectLst>
+        </p:spPr>
+        <p:style>
+          <a:lnRef idx="2">
+            <a:schemeClr val="accent1"/>
+          </a:lnRef>
+          <a:fillRef idx="0">
+            <a:schemeClr val="accent1"/>
+          </a:fillRef>
+          <a:effectRef idx="1">
+            <a:schemeClr val="accent1"/>
+          </a:effectRef>
+          <a:fontRef idx="minor">
+            <a:schemeClr val="tx1"/>
+          </a:fontRef>
+        </p:style>
+      </p:cxnSp>
+    </p:spTree>
+    <p:extLst>
+      <p:ext uri="{BB962C8B-B14F-4D97-AF65-F5344CB8AC3E}">
+        <p14:creationId xmlns:p14="http://schemas.microsoft.com/office/powerpoint/2010/main" val="536481871"/>
+      </p:ext>
+    </p:extLst>
+  </p:cSld>
+  <p:clrMapOvr>
+    <a:masterClrMapping/>
+  </p:clrMapOvr>
+  <p:timing>
+    <p:tnLst>
+      <p:par>
+        <p:cTn id="1" dur="indefinite" restart="never" nodeType="tmRoot">
+          <p:childTnLst>
+            <p:seq concurrent="1" nextAc="seek">
+              <p:cTn id="2" dur="indefinite" nodeType="mainSeq">
+                <p:childTnLst>
+                  <p:par>
+                    <p:cTn id="3" fill="hold">
+                      <p:stCondLst>
+                        <p:cond delay="indefinite"/>
+                      </p:stCondLst>
+                      <p:childTnLst>
+                        <p:par>
+                          <p:cTn id="4" fill="hold">
+                            <p:stCondLst>
+                              <p:cond delay="0"/>
+                            </p:stCondLst>
+                            <p:childTnLst>
+                              <p:par>
+                                <p:cTn id="5" presetID="1" presetClass="entr" presetSubtype="0" fill="hold" nodeType="clickEffect">
+                                  <p:stCondLst>
+                                    <p:cond delay="0"/>
+                                  </p:stCondLst>
+                                  <p:childTnLst>
+                                    <p:set>
+                                      <p:cBhvr>
+                                        <p:cTn id="6" dur="1" fill="hold">
+                                          <p:stCondLst>
+                                            <p:cond delay="0"/>
+                                          </p:stCondLst>
+                                        </p:cTn>
+                                        <p:tgtEl>
+                                          <p:spTgt spid="6"/>
+                                        </p:tgtEl>
+                                        <p:attrNameLst>
+                                          <p:attrName>style.visibility</p:attrName>
+                                        </p:attrNameLst>
+                                      </p:cBhvr>
+                                      <p:to>
+                                        <p:strVal val="visible"/>
+                                      </p:to>
+                                    </p:set>
+                                  </p:childTnLst>
+                                </p:cTn>
+                              </p:par>
+                            </p:childTnLst>
+                          </p:cTn>
+                        </p:par>
+                      </p:childTnLst>
+                    </p:cTn>
+                  </p:par>
+                </p:childTnLst>
+              </p:cTn>
+              <p:prevCondLst>
+                <p:cond evt="onPrev" delay="0">
+                  <p:tgtEl>
+                    <p:sldTgt/>
+                  </p:tgtEl>
+                </p:cond>
+              </p:prevCondLst>
+              <p:nextCondLst>
+                <p:cond evt="onNext" delay="0">
+                  <p:tgtEl>
+                    <p:sldTgt/>
+                  </p:tgtEl>
+                </p:cond>
+              </p:nextCondLst>
+            </p:seq>
+          </p:childTnLst>
+        </p:cTn>
+      </p:par>
+    </p:tnLst>
+  </p:timing>
 </p:sld>
 </file>
 
@@ -6960,6 +7773,2465 @@
     <p:extLst>
       <p:ext uri="{BB962C8B-B14F-4D97-AF65-F5344CB8AC3E}">
         <p14:creationId xmlns:p14="http://schemas.microsoft.com/office/powerpoint/2010/main" val="3376506509"/>
+      </p:ext>
+    </p:extLst>
+  </p:cSld>
+  <p:clrMapOvr>
+    <a:masterClrMapping/>
+  </p:clrMapOvr>
+</p:sld>
+</file>
+
+<file path=ppt/slides/slide20.xml><?xml version="1.0" encoding="utf-8"?>
+<p:sld xmlns:a="http://schemas.openxmlformats.org/drawingml/2006/main" xmlns:r="http://schemas.openxmlformats.org/officeDocument/2006/relationships" xmlns:p="http://schemas.openxmlformats.org/presentationml/2006/main">
+  <p:cSld>
+    <p:spTree>
+      <p:nvGrpSpPr>
+        <p:cNvPr id="1" name=""/>
+        <p:cNvGrpSpPr/>
+        <p:nvPr/>
+      </p:nvGrpSpPr>
+      <p:grpSpPr>
+        <a:xfrm>
+          <a:off x="0" y="0"/>
+          <a:ext cx="0" cy="0"/>
+          <a:chOff x="0" y="0"/>
+          <a:chExt cx="0" cy="0"/>
+        </a:xfrm>
+      </p:grpSpPr>
+      <p:sp>
+        <p:nvSpPr>
+          <p:cNvPr id="8" name="Rectangle 7">
+            <a:extLst>
+              <a:ext uri="{FF2B5EF4-FFF2-40B4-BE49-F238E27FC236}">
+                <a16:creationId xmlns:a16="http://schemas.microsoft.com/office/drawing/2014/main" id="{673AC9B0-BF1C-FA87-4895-B9CCC1C33F56}"/>
+              </a:ext>
+            </a:extLst>
+          </p:cNvPr>
+          <p:cNvSpPr/>
+          <p:nvPr/>
+        </p:nvSpPr>
+        <p:spPr>
+          <a:xfrm>
+            <a:off x="5517931" y="944652"/>
+            <a:ext cx="252248" cy="5559972"/>
+          </a:xfrm>
+          <a:prstGeom prst="rect">
+            <a:avLst/>
+          </a:prstGeom>
+          <a:ln>
+            <a:noFill/>
+          </a:ln>
+        </p:spPr>
+        <p:style>
+          <a:lnRef idx="2">
+            <a:schemeClr val="accent1">
+              <a:shade val="15000"/>
+            </a:schemeClr>
+          </a:lnRef>
+          <a:fillRef idx="1">
+            <a:schemeClr val="accent1"/>
+          </a:fillRef>
+          <a:effectRef idx="0">
+            <a:schemeClr val="accent1"/>
+          </a:effectRef>
+          <a:fontRef idx="minor">
+            <a:schemeClr val="lt1"/>
+          </a:fontRef>
+        </p:style>
+        <p:txBody>
+          <a:bodyPr rtlCol="0" anchor="ctr"/>
+          <a:lstStyle/>
+          <a:p>
+            <a:pPr algn="ctr"/>
+            <a:r>
+              <a:rPr lang="en-US"/>
+              <a:t>ChatGPT</a:t>
+            </a:r>
+            <a:endParaRPr lang="en-US" dirty="0"/>
+          </a:p>
+        </p:txBody>
+      </p:sp>
+      <p:sp>
+        <p:nvSpPr>
+          <p:cNvPr id="12" name="Rectangle 11">
+            <a:extLst>
+              <a:ext uri="{FF2B5EF4-FFF2-40B4-BE49-F238E27FC236}">
+                <a16:creationId xmlns:a16="http://schemas.microsoft.com/office/drawing/2014/main" id="{50957F94-A281-CC1F-8B41-C603B3A398C7}"/>
+              </a:ext>
+            </a:extLst>
+          </p:cNvPr>
+          <p:cNvSpPr/>
+          <p:nvPr/>
+        </p:nvSpPr>
+        <p:spPr>
+          <a:xfrm>
+            <a:off x="7809187" y="944652"/>
+            <a:ext cx="252248" cy="5559972"/>
+          </a:xfrm>
+          <a:prstGeom prst="rect">
+            <a:avLst/>
+          </a:prstGeom>
+          <a:ln>
+            <a:noFill/>
+          </a:ln>
+        </p:spPr>
+        <p:style>
+          <a:lnRef idx="2">
+            <a:schemeClr val="accent1">
+              <a:shade val="15000"/>
+            </a:schemeClr>
+          </a:lnRef>
+          <a:fillRef idx="1">
+            <a:schemeClr val="accent1"/>
+          </a:fillRef>
+          <a:effectRef idx="0">
+            <a:schemeClr val="accent1"/>
+          </a:effectRef>
+          <a:fontRef idx="minor">
+            <a:schemeClr val="lt1"/>
+          </a:fontRef>
+        </p:style>
+        <p:txBody>
+          <a:bodyPr rtlCol="0" anchor="ctr"/>
+          <a:lstStyle/>
+          <a:p>
+            <a:pPr algn="ctr"/>
+            <a:r>
+              <a:rPr lang="en-US"/>
+              <a:t>ChatGPT</a:t>
+            </a:r>
+            <a:endParaRPr lang="en-US" dirty="0"/>
+          </a:p>
+        </p:txBody>
+      </p:sp>
+      <p:sp>
+        <p:nvSpPr>
+          <p:cNvPr id="17" name="Hexagon 16">
+            <a:extLst>
+              <a:ext uri="{FF2B5EF4-FFF2-40B4-BE49-F238E27FC236}">
+                <a16:creationId xmlns:a16="http://schemas.microsoft.com/office/drawing/2014/main" id="{FA96D078-4A75-AF52-A5A7-936F5EC50B69}"/>
+              </a:ext>
+            </a:extLst>
+          </p:cNvPr>
+          <p:cNvSpPr/>
+          <p:nvPr/>
+        </p:nvSpPr>
+        <p:spPr>
+          <a:xfrm>
+            <a:off x="8282154" y="1402706"/>
+            <a:ext cx="1818289" cy="441435"/>
+          </a:xfrm>
+          <a:prstGeom prst="hexagon">
+            <a:avLst/>
+          </a:prstGeom>
+        </p:spPr>
+        <p:style>
+          <a:lnRef idx="2">
+            <a:schemeClr val="accent1">
+              <a:shade val="15000"/>
+            </a:schemeClr>
+          </a:lnRef>
+          <a:fillRef idx="1">
+            <a:schemeClr val="accent1"/>
+          </a:fillRef>
+          <a:effectRef idx="0">
+            <a:schemeClr val="accent1"/>
+          </a:effectRef>
+          <a:fontRef idx="minor">
+            <a:schemeClr val="lt1"/>
+          </a:fontRef>
+        </p:style>
+        <p:txBody>
+          <a:bodyPr rtlCol="0" anchor="ctr"/>
+          <a:lstStyle/>
+          <a:p>
+            <a:pPr algn="ctr"/>
+            <a:r>
+              <a:rPr lang="en-US" dirty="0"/>
+              <a:t>Text</a:t>
+            </a:r>
+          </a:p>
+        </p:txBody>
+      </p:sp>
+      <p:sp>
+        <p:nvSpPr>
+          <p:cNvPr id="24" name="Rectangle 23">
+            <a:extLst>
+              <a:ext uri="{FF2B5EF4-FFF2-40B4-BE49-F238E27FC236}">
+                <a16:creationId xmlns:a16="http://schemas.microsoft.com/office/drawing/2014/main" id="{C6B66B7B-8A9A-45E9-A1A4-ADF998CDE356}"/>
+              </a:ext>
+            </a:extLst>
+          </p:cNvPr>
+          <p:cNvSpPr/>
+          <p:nvPr/>
+        </p:nvSpPr>
+        <p:spPr>
+          <a:xfrm>
+            <a:off x="5517931" y="603068"/>
+            <a:ext cx="2543504" cy="337610"/>
+          </a:xfrm>
+          <a:prstGeom prst="rect">
+            <a:avLst/>
+          </a:prstGeom>
+          <a:ln>
+            <a:noFill/>
+          </a:ln>
+        </p:spPr>
+        <p:style>
+          <a:lnRef idx="2">
+            <a:schemeClr val="accent1">
+              <a:shade val="15000"/>
+            </a:schemeClr>
+          </a:lnRef>
+          <a:fillRef idx="1">
+            <a:schemeClr val="accent1"/>
+          </a:fillRef>
+          <a:effectRef idx="0">
+            <a:schemeClr val="accent1"/>
+          </a:effectRef>
+          <a:fontRef idx="minor">
+            <a:schemeClr val="lt1"/>
+          </a:fontRef>
+        </p:style>
+        <p:txBody>
+          <a:bodyPr rtlCol="0" anchor="ctr"/>
+          <a:lstStyle/>
+          <a:p>
+            <a:pPr algn="ctr"/>
+            <a:r>
+              <a:rPr lang="en-US"/>
+              <a:t>ChatGPT</a:t>
+            </a:r>
+            <a:endParaRPr lang="en-US" dirty="0"/>
+          </a:p>
+        </p:txBody>
+      </p:sp>
+      <p:sp>
+        <p:nvSpPr>
+          <p:cNvPr id="25" name="Rectangle 24">
+            <a:extLst>
+              <a:ext uri="{FF2B5EF4-FFF2-40B4-BE49-F238E27FC236}">
+                <a16:creationId xmlns:a16="http://schemas.microsoft.com/office/drawing/2014/main" id="{F2BFB72A-8B8E-60FC-36F0-54FC2E423E32}"/>
+              </a:ext>
+            </a:extLst>
+          </p:cNvPr>
+          <p:cNvSpPr/>
+          <p:nvPr/>
+        </p:nvSpPr>
+        <p:spPr>
+          <a:xfrm>
+            <a:off x="5517931" y="6415073"/>
+            <a:ext cx="2543504" cy="337610"/>
+          </a:xfrm>
+          <a:prstGeom prst="rect">
+            <a:avLst/>
+          </a:prstGeom>
+          <a:ln>
+            <a:noFill/>
+          </a:ln>
+        </p:spPr>
+        <p:style>
+          <a:lnRef idx="2">
+            <a:schemeClr val="accent1">
+              <a:shade val="15000"/>
+            </a:schemeClr>
+          </a:lnRef>
+          <a:fillRef idx="1">
+            <a:schemeClr val="accent1"/>
+          </a:fillRef>
+          <a:effectRef idx="0">
+            <a:schemeClr val="accent1"/>
+          </a:effectRef>
+          <a:fontRef idx="minor">
+            <a:schemeClr val="lt1"/>
+          </a:fontRef>
+        </p:style>
+        <p:txBody>
+          <a:bodyPr rtlCol="0" anchor="ctr"/>
+          <a:lstStyle/>
+          <a:p>
+            <a:pPr algn="ctr"/>
+            <a:r>
+              <a:rPr lang="en-US"/>
+              <a:t>ChatGPT</a:t>
+            </a:r>
+            <a:endParaRPr lang="en-US" dirty="0"/>
+          </a:p>
+        </p:txBody>
+      </p:sp>
+      <p:sp>
+        <p:nvSpPr>
+          <p:cNvPr id="38" name="Rounded Rectangle 37">
+            <a:extLst>
+              <a:ext uri="{FF2B5EF4-FFF2-40B4-BE49-F238E27FC236}">
+                <a16:creationId xmlns:a16="http://schemas.microsoft.com/office/drawing/2014/main" id="{3B8E8D51-F560-D08F-46ED-72D4FE337020}"/>
+              </a:ext>
+            </a:extLst>
+          </p:cNvPr>
+          <p:cNvSpPr/>
+          <p:nvPr/>
+        </p:nvSpPr>
+        <p:spPr>
+          <a:xfrm>
+            <a:off x="6072346" y="998057"/>
+            <a:ext cx="1418897" cy="1250732"/>
+          </a:xfrm>
+          <a:prstGeom prst="roundRect">
+            <a:avLst/>
+          </a:prstGeom>
+          <a:ln>
+            <a:noFill/>
+          </a:ln>
+        </p:spPr>
+        <p:style>
+          <a:lnRef idx="2">
+            <a:schemeClr val="accent1">
+              <a:shade val="15000"/>
+            </a:schemeClr>
+          </a:lnRef>
+          <a:fillRef idx="1">
+            <a:schemeClr val="accent1"/>
+          </a:fillRef>
+          <a:effectRef idx="0">
+            <a:schemeClr val="accent1"/>
+          </a:effectRef>
+          <a:fontRef idx="minor">
+            <a:schemeClr val="lt1"/>
+          </a:fontRef>
+        </p:style>
+        <p:txBody>
+          <a:bodyPr rtlCol="0" anchor="ctr"/>
+          <a:lstStyle/>
+          <a:p>
+            <a:pPr algn="ctr"/>
+            <a:r>
+              <a:rPr lang="en-US"/>
+              <a:t>LLM</a:t>
+            </a:r>
+            <a:endParaRPr lang="en-US" dirty="0"/>
+          </a:p>
+        </p:txBody>
+      </p:sp>
+      <p:sp>
+        <p:nvSpPr>
+          <p:cNvPr id="51" name="Pentagon 50">
+            <a:extLst>
+              <a:ext uri="{FF2B5EF4-FFF2-40B4-BE49-F238E27FC236}">
+                <a16:creationId xmlns:a16="http://schemas.microsoft.com/office/drawing/2014/main" id="{99E5295E-93E8-8CCE-67F3-651736B1444B}"/>
+              </a:ext>
+            </a:extLst>
+          </p:cNvPr>
+          <p:cNvSpPr/>
+          <p:nvPr/>
+        </p:nvSpPr>
+        <p:spPr>
+          <a:xfrm>
+            <a:off x="3233950" y="1339288"/>
+            <a:ext cx="2125009" cy="568270"/>
+          </a:xfrm>
+          <a:prstGeom prst="homePlate">
+            <a:avLst/>
+          </a:prstGeom>
+        </p:spPr>
+        <p:style>
+          <a:lnRef idx="2">
+            <a:schemeClr val="accent1">
+              <a:shade val="15000"/>
+            </a:schemeClr>
+          </a:lnRef>
+          <a:fillRef idx="1">
+            <a:schemeClr val="accent1"/>
+          </a:fillRef>
+          <a:effectRef idx="0">
+            <a:schemeClr val="accent1"/>
+          </a:effectRef>
+          <a:fontRef idx="minor">
+            <a:schemeClr val="lt1"/>
+          </a:fontRef>
+        </p:style>
+        <p:txBody>
+          <a:bodyPr rtlCol="0" anchor="ctr"/>
+          <a:lstStyle/>
+          <a:p>
+            <a:pPr algn="ctr"/>
+            <a:r>
+              <a:rPr lang="en-US" dirty="0"/>
+              <a:t>Review</a:t>
+            </a:r>
+          </a:p>
+        </p:txBody>
+      </p:sp>
+      <p:sp>
+        <p:nvSpPr>
+          <p:cNvPr id="7" name="TextBox 6">
+            <a:extLst>
+              <a:ext uri="{FF2B5EF4-FFF2-40B4-BE49-F238E27FC236}">
+                <a16:creationId xmlns:a16="http://schemas.microsoft.com/office/drawing/2014/main" id="{2FEB6C20-C985-8920-178C-57F9BDFA55D9}"/>
+              </a:ext>
+            </a:extLst>
+          </p:cNvPr>
+          <p:cNvSpPr txBox="1"/>
+          <p:nvPr/>
+        </p:nvSpPr>
+        <p:spPr>
+          <a:xfrm>
+            <a:off x="2225330" y="2156939"/>
+            <a:ext cx="2408454" cy="646331"/>
+          </a:xfrm>
+          <a:prstGeom prst="rect">
+            <a:avLst/>
+          </a:prstGeom>
+          <a:noFill/>
+        </p:spPr>
+        <p:txBody>
+          <a:bodyPr wrap="square">
+            <a:spAutoFit/>
+          </a:bodyPr>
+          <a:lstStyle/>
+          <a:p>
+            <a:r>
+              <a:rPr lang="en-US" b="0" i="0" dirty="0">
+                <a:solidFill>
+                  <a:srgbClr val="0D0D0D"/>
+                </a:solidFill>
+                <a:effectLst/>
+                <a:highlight>
+                  <a:srgbClr val="FFFFFF"/>
+                </a:highlight>
+                <a:latin typeface="Söhne"/>
+              </a:rPr>
+              <a:t>Please describe `duke` the java mascot</a:t>
+            </a:r>
+            <a:endParaRPr lang="en-US" dirty="0"/>
+          </a:p>
+        </p:txBody>
+      </p:sp>
+      <p:sp>
+        <p:nvSpPr>
+          <p:cNvPr id="22" name="TextBox 21">
+            <a:extLst>
+              <a:ext uri="{FF2B5EF4-FFF2-40B4-BE49-F238E27FC236}">
+                <a16:creationId xmlns:a16="http://schemas.microsoft.com/office/drawing/2014/main" id="{4B3FDEA7-ADB4-849B-EB08-DC9DE231A1E9}"/>
+              </a:ext>
+            </a:extLst>
+          </p:cNvPr>
+          <p:cNvSpPr txBox="1"/>
+          <p:nvPr/>
+        </p:nvSpPr>
+        <p:spPr>
+          <a:xfrm>
+            <a:off x="8282154" y="2021013"/>
+            <a:ext cx="3190495" cy="1200329"/>
+          </a:xfrm>
+          <a:prstGeom prst="rect">
+            <a:avLst/>
+          </a:prstGeom>
+          <a:noFill/>
+        </p:spPr>
+        <p:txBody>
+          <a:bodyPr wrap="square">
+            <a:spAutoFit/>
+          </a:bodyPr>
+          <a:lstStyle/>
+          <a:p>
+            <a:r>
+              <a:rPr lang="en-US" b="0" i="0" dirty="0">
+                <a:solidFill>
+                  <a:srgbClr val="0D0D0D"/>
+                </a:solidFill>
+                <a:effectLst/>
+                <a:highlight>
+                  <a:srgbClr val="FFFFFF"/>
+                </a:highlight>
+                <a:latin typeface="Söhne"/>
+              </a:rPr>
+              <a:t>Duke is a small, friendly-looking cartoon character that represents the Java programming language. </a:t>
+            </a:r>
+            <a:endParaRPr lang="en-US" dirty="0"/>
+          </a:p>
+        </p:txBody>
+      </p:sp>
+      <p:sp>
+        <p:nvSpPr>
+          <p:cNvPr id="26" name="TextBox 25">
+            <a:extLst>
+              <a:ext uri="{FF2B5EF4-FFF2-40B4-BE49-F238E27FC236}">
+                <a16:creationId xmlns:a16="http://schemas.microsoft.com/office/drawing/2014/main" id="{888F0F22-31C0-C144-CCCE-98B78ED85320}"/>
+              </a:ext>
+            </a:extLst>
+          </p:cNvPr>
+          <p:cNvSpPr txBox="1"/>
+          <p:nvPr/>
+        </p:nvSpPr>
+        <p:spPr>
+          <a:xfrm>
+            <a:off x="2274696" y="3429532"/>
+            <a:ext cx="2408454" cy="2862322"/>
+          </a:xfrm>
+          <a:prstGeom prst="rect">
+            <a:avLst/>
+          </a:prstGeom>
+          <a:noFill/>
+        </p:spPr>
+        <p:txBody>
+          <a:bodyPr wrap="square">
+            <a:spAutoFit/>
+          </a:bodyPr>
+          <a:lstStyle/>
+          <a:p>
+            <a:r>
+              <a:rPr lang="en-US" b="0" i="0" dirty="0">
+                <a:solidFill>
+                  <a:srgbClr val="0D0D0D"/>
+                </a:solidFill>
+                <a:effectLst/>
+                <a:highlight>
+                  <a:srgbClr val="FFFFFF"/>
+                </a:highlight>
+                <a:latin typeface="Söhne"/>
+              </a:rPr>
+              <a:t>Can you create me a logo for the Huston Java user group. I would like it to have a small, friendly-looking cartoon character that represents the Java programming language standing in front of an oil derrick</a:t>
+            </a:r>
+            <a:endParaRPr lang="en-US" dirty="0"/>
+          </a:p>
+        </p:txBody>
+      </p:sp>
+      <p:pic>
+        <p:nvPicPr>
+          <p:cNvPr id="2052" name="Picture 4" descr="The logo features a circular shape symbolizing unity and community. At its center, a friendly cartoon character embodies the Java programming language, smiling and dressed in a classic engineer or programmer outfit to signify technical expertise. This character stands in front of a stylized oil derrick, executed with bold lines and simple shapes to maintain recognizability while matching the cartoonish aesthetic. Above, &quot;HJUG&quot; is inscribed in a bold, modern font, signifying the Houston Java User Group. Beneath, &quot;Houston Java User Group&quot; is written in a smaller font for clarity. The color palette includes shades of green and blue to echo Houston's landscapes and skies, along with black and gray tones to nod to the oil industry, ensuring a cohesive and appealing design.">
+            <a:extLst>
+              <a:ext uri="{FF2B5EF4-FFF2-40B4-BE49-F238E27FC236}">
+                <a16:creationId xmlns:a16="http://schemas.microsoft.com/office/drawing/2014/main" id="{AFC4A960-3D29-AA09-062C-700CF604542F}"/>
+              </a:ext>
+            </a:extLst>
+          </p:cNvPr>
+          <p:cNvPicPr>
+            <a:picLocks noChangeAspect="1" noChangeArrowheads="1"/>
+          </p:cNvPicPr>
+          <p:nvPr/>
+        </p:nvPicPr>
+        <p:blipFill>
+          <a:blip r:embed="rId3">
+            <a:extLst>
+              <a:ext uri="{28A0092B-C50C-407E-A947-70E740481C1C}">
+                <a14:useLocalDpi xmlns:a14="http://schemas.microsoft.com/office/drawing/2010/main" val="0"/>
+              </a:ext>
+            </a:extLst>
+          </a:blip>
+          <a:srcRect/>
+          <a:stretch>
+            <a:fillRect/>
+          </a:stretch>
+        </p:blipFill>
+        <p:spPr bwMode="auto">
+          <a:xfrm>
+            <a:off x="8133659" y="3636659"/>
+            <a:ext cx="1966784" cy="1966784"/>
+          </a:xfrm>
+          <a:prstGeom prst="rect">
+            <a:avLst/>
+          </a:prstGeom>
+          <a:noFill/>
+          <a:extLst>
+            <a:ext uri="{909E8E84-426E-40DD-AFC4-6F175D3DCCD1}">
+              <a14:hiddenFill xmlns:a14="http://schemas.microsoft.com/office/drawing/2010/main">
+                <a:solidFill>
+                  <a:srgbClr val="FFFFFF"/>
+                </a:solidFill>
+              </a14:hiddenFill>
+            </a:ext>
+          </a:extLst>
+        </p:spPr>
+      </p:pic>
+      <p:sp>
+        <p:nvSpPr>
+          <p:cNvPr id="27" name="Pentagon 26">
+            <a:extLst>
+              <a:ext uri="{FF2B5EF4-FFF2-40B4-BE49-F238E27FC236}">
+                <a16:creationId xmlns:a16="http://schemas.microsoft.com/office/drawing/2014/main" id="{C9317378-E645-B47D-7D1F-D68CC6B3DCA6}"/>
+              </a:ext>
+            </a:extLst>
+          </p:cNvPr>
+          <p:cNvSpPr/>
+          <p:nvPr/>
+        </p:nvSpPr>
+        <p:spPr>
+          <a:xfrm>
+            <a:off x="3233949" y="2768516"/>
+            <a:ext cx="2125009" cy="568270"/>
+          </a:xfrm>
+          <a:prstGeom prst="homePlate">
+            <a:avLst/>
+          </a:prstGeom>
+        </p:spPr>
+        <p:style>
+          <a:lnRef idx="2">
+            <a:schemeClr val="accent1">
+              <a:shade val="15000"/>
+            </a:schemeClr>
+          </a:lnRef>
+          <a:fillRef idx="1">
+            <a:schemeClr val="accent1"/>
+          </a:fillRef>
+          <a:effectRef idx="0">
+            <a:schemeClr val="accent1"/>
+          </a:effectRef>
+          <a:fontRef idx="minor">
+            <a:schemeClr val="lt1"/>
+          </a:fontRef>
+        </p:style>
+        <p:txBody>
+          <a:bodyPr rtlCol="0" anchor="ctr"/>
+          <a:lstStyle/>
+          <a:p>
+            <a:pPr algn="ctr"/>
+            <a:r>
+              <a:rPr lang="en-US" dirty="0"/>
+              <a:t>Iterative</a:t>
+            </a:r>
+          </a:p>
+        </p:txBody>
+      </p:sp>
+      <p:sp>
+        <p:nvSpPr>
+          <p:cNvPr id="32" name="Rounded Rectangle 31">
+            <a:extLst>
+              <a:ext uri="{FF2B5EF4-FFF2-40B4-BE49-F238E27FC236}">
+                <a16:creationId xmlns:a16="http://schemas.microsoft.com/office/drawing/2014/main" id="{D29CCB70-48C7-86B8-227D-83A3669644B7}"/>
+              </a:ext>
+            </a:extLst>
+          </p:cNvPr>
+          <p:cNvSpPr/>
+          <p:nvPr/>
+        </p:nvSpPr>
+        <p:spPr>
+          <a:xfrm>
+            <a:off x="6077825" y="2359430"/>
+            <a:ext cx="1418897" cy="1250732"/>
+          </a:xfrm>
+          <a:prstGeom prst="roundRect">
+            <a:avLst/>
+          </a:prstGeom>
+          <a:ln>
+            <a:noFill/>
+          </a:ln>
+        </p:spPr>
+        <p:style>
+          <a:lnRef idx="2">
+            <a:schemeClr val="accent1">
+              <a:shade val="15000"/>
+            </a:schemeClr>
+          </a:lnRef>
+          <a:fillRef idx="1">
+            <a:schemeClr val="accent1"/>
+          </a:fillRef>
+          <a:effectRef idx="0">
+            <a:schemeClr val="accent1"/>
+          </a:effectRef>
+          <a:fontRef idx="minor">
+            <a:schemeClr val="lt1"/>
+          </a:fontRef>
+        </p:style>
+        <p:txBody>
+          <a:bodyPr rtlCol="0" anchor="ctr"/>
+          <a:lstStyle/>
+          <a:p>
+            <a:pPr algn="ctr"/>
+            <a:r>
+              <a:rPr lang="en-US" dirty="0"/>
+              <a:t>DALL·E 3</a:t>
+            </a:r>
+          </a:p>
+        </p:txBody>
+      </p:sp>
+      <p:sp>
+        <p:nvSpPr>
+          <p:cNvPr id="33" name="Hexagon 32">
+            <a:extLst>
+              <a:ext uri="{FF2B5EF4-FFF2-40B4-BE49-F238E27FC236}">
+                <a16:creationId xmlns:a16="http://schemas.microsoft.com/office/drawing/2014/main" id="{6C4811AF-1B9C-A555-763C-9F77458153E0}"/>
+              </a:ext>
+            </a:extLst>
+          </p:cNvPr>
+          <p:cNvSpPr/>
+          <p:nvPr/>
+        </p:nvSpPr>
+        <p:spPr>
+          <a:xfrm>
+            <a:off x="8282154" y="3246657"/>
+            <a:ext cx="1308079" cy="441435"/>
+          </a:xfrm>
+          <a:prstGeom prst="hexagon">
+            <a:avLst/>
+          </a:prstGeom>
+        </p:spPr>
+        <p:style>
+          <a:lnRef idx="2">
+            <a:schemeClr val="accent1">
+              <a:shade val="15000"/>
+            </a:schemeClr>
+          </a:lnRef>
+          <a:fillRef idx="1">
+            <a:schemeClr val="accent1"/>
+          </a:fillRef>
+          <a:effectRef idx="0">
+            <a:schemeClr val="accent1"/>
+          </a:effectRef>
+          <a:fontRef idx="minor">
+            <a:schemeClr val="lt1"/>
+          </a:fontRef>
+        </p:style>
+        <p:txBody>
+          <a:bodyPr rtlCol="0" anchor="ctr"/>
+          <a:lstStyle/>
+          <a:p>
+            <a:pPr algn="ctr"/>
+            <a:r>
+              <a:rPr lang="en-US" dirty="0"/>
+              <a:t>Images</a:t>
+            </a:r>
+          </a:p>
+        </p:txBody>
+      </p:sp>
+    </p:spTree>
+    <p:extLst>
+      <p:ext uri="{BB962C8B-B14F-4D97-AF65-F5344CB8AC3E}">
+        <p14:creationId xmlns:p14="http://schemas.microsoft.com/office/powerpoint/2010/main" val="3061513522"/>
+      </p:ext>
+    </p:extLst>
+  </p:cSld>
+  <p:clrMapOvr>
+    <a:masterClrMapping/>
+  </p:clrMapOvr>
+  <p:timing>
+    <p:tnLst>
+      <p:par>
+        <p:cTn id="1" dur="indefinite" restart="never" nodeType="tmRoot">
+          <p:childTnLst>
+            <p:seq concurrent="1" nextAc="seek">
+              <p:cTn id="2" dur="indefinite" nodeType="mainSeq">
+                <p:childTnLst>
+                  <p:par>
+                    <p:cTn id="3" fill="hold">
+                      <p:stCondLst>
+                        <p:cond delay="indefinite"/>
+                      </p:stCondLst>
+                      <p:childTnLst>
+                        <p:par>
+                          <p:cTn id="4" fill="hold">
+                            <p:stCondLst>
+                              <p:cond delay="0"/>
+                            </p:stCondLst>
+                            <p:childTnLst>
+                              <p:par>
+                                <p:cTn id="5" presetID="1" presetClass="entr" presetSubtype="0" fill="hold" grpId="0" nodeType="clickEffect">
+                                  <p:stCondLst>
+                                    <p:cond delay="0"/>
+                                  </p:stCondLst>
+                                  <p:childTnLst>
+                                    <p:set>
+                                      <p:cBhvr>
+                                        <p:cTn id="6" dur="1" fill="hold">
+                                          <p:stCondLst>
+                                            <p:cond delay="0"/>
+                                          </p:stCondLst>
+                                        </p:cTn>
+                                        <p:tgtEl>
+                                          <p:spTgt spid="7"/>
+                                        </p:tgtEl>
+                                        <p:attrNameLst>
+                                          <p:attrName>style.visibility</p:attrName>
+                                        </p:attrNameLst>
+                                      </p:cBhvr>
+                                      <p:to>
+                                        <p:strVal val="visible"/>
+                                      </p:to>
+                                    </p:set>
+                                  </p:childTnLst>
+                                </p:cTn>
+                              </p:par>
+                            </p:childTnLst>
+                          </p:cTn>
+                        </p:par>
+                      </p:childTnLst>
+                    </p:cTn>
+                  </p:par>
+                  <p:par>
+                    <p:cTn id="7" fill="hold">
+                      <p:stCondLst>
+                        <p:cond delay="indefinite"/>
+                      </p:stCondLst>
+                      <p:childTnLst>
+                        <p:par>
+                          <p:cTn id="8" fill="hold">
+                            <p:stCondLst>
+                              <p:cond delay="0"/>
+                            </p:stCondLst>
+                            <p:childTnLst>
+                              <p:par>
+                                <p:cTn id="9" presetID="1" presetClass="entr" presetSubtype="0" fill="hold" grpId="0" nodeType="clickEffect">
+                                  <p:stCondLst>
+                                    <p:cond delay="0"/>
+                                  </p:stCondLst>
+                                  <p:childTnLst>
+                                    <p:set>
+                                      <p:cBhvr>
+                                        <p:cTn id="10" dur="1" fill="hold">
+                                          <p:stCondLst>
+                                            <p:cond delay="0"/>
+                                          </p:stCondLst>
+                                        </p:cTn>
+                                        <p:tgtEl>
+                                          <p:spTgt spid="17"/>
+                                        </p:tgtEl>
+                                        <p:attrNameLst>
+                                          <p:attrName>style.visibility</p:attrName>
+                                        </p:attrNameLst>
+                                      </p:cBhvr>
+                                      <p:to>
+                                        <p:strVal val="visible"/>
+                                      </p:to>
+                                    </p:set>
+                                  </p:childTnLst>
+                                </p:cTn>
+                              </p:par>
+                              <p:par>
+                                <p:cTn id="11" presetID="1" presetClass="entr" presetSubtype="0" fill="hold" grpId="0" nodeType="withEffect">
+                                  <p:stCondLst>
+                                    <p:cond delay="0"/>
+                                  </p:stCondLst>
+                                  <p:childTnLst>
+                                    <p:set>
+                                      <p:cBhvr>
+                                        <p:cTn id="12" dur="1" fill="hold">
+                                          <p:stCondLst>
+                                            <p:cond delay="0"/>
+                                          </p:stCondLst>
+                                        </p:cTn>
+                                        <p:tgtEl>
+                                          <p:spTgt spid="22"/>
+                                        </p:tgtEl>
+                                        <p:attrNameLst>
+                                          <p:attrName>style.visibility</p:attrName>
+                                        </p:attrNameLst>
+                                      </p:cBhvr>
+                                      <p:to>
+                                        <p:strVal val="visible"/>
+                                      </p:to>
+                                    </p:set>
+                                  </p:childTnLst>
+                                </p:cTn>
+                              </p:par>
+                            </p:childTnLst>
+                          </p:cTn>
+                        </p:par>
+                      </p:childTnLst>
+                    </p:cTn>
+                  </p:par>
+                  <p:par>
+                    <p:cTn id="13" fill="hold">
+                      <p:stCondLst>
+                        <p:cond delay="indefinite"/>
+                      </p:stCondLst>
+                      <p:childTnLst>
+                        <p:par>
+                          <p:cTn id="14" fill="hold">
+                            <p:stCondLst>
+                              <p:cond delay="0"/>
+                            </p:stCondLst>
+                            <p:childTnLst>
+                              <p:par>
+                                <p:cTn id="15" presetID="1" presetClass="entr" presetSubtype="0" fill="hold" grpId="0" nodeType="clickEffect">
+                                  <p:stCondLst>
+                                    <p:cond delay="0"/>
+                                  </p:stCondLst>
+                                  <p:childTnLst>
+                                    <p:set>
+                                      <p:cBhvr>
+                                        <p:cTn id="16" dur="1" fill="hold">
+                                          <p:stCondLst>
+                                            <p:cond delay="0"/>
+                                          </p:stCondLst>
+                                        </p:cTn>
+                                        <p:tgtEl>
+                                          <p:spTgt spid="27"/>
+                                        </p:tgtEl>
+                                        <p:attrNameLst>
+                                          <p:attrName>style.visibility</p:attrName>
+                                        </p:attrNameLst>
+                                      </p:cBhvr>
+                                      <p:to>
+                                        <p:strVal val="visible"/>
+                                      </p:to>
+                                    </p:set>
+                                  </p:childTnLst>
+                                </p:cTn>
+                              </p:par>
+                              <p:par>
+                                <p:cTn id="17" presetID="1" presetClass="entr" presetSubtype="0" fill="hold" grpId="0" nodeType="withEffect">
+                                  <p:stCondLst>
+                                    <p:cond delay="0"/>
+                                  </p:stCondLst>
+                                  <p:childTnLst>
+                                    <p:set>
+                                      <p:cBhvr>
+                                        <p:cTn id="18" dur="1" fill="hold">
+                                          <p:stCondLst>
+                                            <p:cond delay="0"/>
+                                          </p:stCondLst>
+                                        </p:cTn>
+                                        <p:tgtEl>
+                                          <p:spTgt spid="26"/>
+                                        </p:tgtEl>
+                                        <p:attrNameLst>
+                                          <p:attrName>style.visibility</p:attrName>
+                                        </p:attrNameLst>
+                                      </p:cBhvr>
+                                      <p:to>
+                                        <p:strVal val="visible"/>
+                                      </p:to>
+                                    </p:set>
+                                  </p:childTnLst>
+                                </p:cTn>
+                              </p:par>
+                            </p:childTnLst>
+                          </p:cTn>
+                        </p:par>
+                      </p:childTnLst>
+                    </p:cTn>
+                  </p:par>
+                  <p:par>
+                    <p:cTn id="19" fill="hold">
+                      <p:stCondLst>
+                        <p:cond delay="indefinite"/>
+                      </p:stCondLst>
+                      <p:childTnLst>
+                        <p:par>
+                          <p:cTn id="20" fill="hold">
+                            <p:stCondLst>
+                              <p:cond delay="0"/>
+                            </p:stCondLst>
+                            <p:childTnLst>
+                              <p:par>
+                                <p:cTn id="21" presetID="1" presetClass="entr" presetSubtype="0" fill="hold" grpId="0" nodeType="clickEffect">
+                                  <p:stCondLst>
+                                    <p:cond delay="0"/>
+                                  </p:stCondLst>
+                                  <p:childTnLst>
+                                    <p:set>
+                                      <p:cBhvr>
+                                        <p:cTn id="22" dur="1" fill="hold">
+                                          <p:stCondLst>
+                                            <p:cond delay="0"/>
+                                          </p:stCondLst>
+                                        </p:cTn>
+                                        <p:tgtEl>
+                                          <p:spTgt spid="33"/>
+                                        </p:tgtEl>
+                                        <p:attrNameLst>
+                                          <p:attrName>style.visibility</p:attrName>
+                                        </p:attrNameLst>
+                                      </p:cBhvr>
+                                      <p:to>
+                                        <p:strVal val="visible"/>
+                                      </p:to>
+                                    </p:set>
+                                  </p:childTnLst>
+                                </p:cTn>
+                              </p:par>
+                              <p:par>
+                                <p:cTn id="23" presetID="1" presetClass="entr" presetSubtype="0" fill="hold" nodeType="withEffect">
+                                  <p:stCondLst>
+                                    <p:cond delay="0"/>
+                                  </p:stCondLst>
+                                  <p:childTnLst>
+                                    <p:set>
+                                      <p:cBhvr>
+                                        <p:cTn id="24" dur="1" fill="hold">
+                                          <p:stCondLst>
+                                            <p:cond delay="0"/>
+                                          </p:stCondLst>
+                                        </p:cTn>
+                                        <p:tgtEl>
+                                          <p:spTgt spid="2052"/>
+                                        </p:tgtEl>
+                                        <p:attrNameLst>
+                                          <p:attrName>style.visibility</p:attrName>
+                                        </p:attrNameLst>
+                                      </p:cBhvr>
+                                      <p:to>
+                                        <p:strVal val="visible"/>
+                                      </p:to>
+                                    </p:set>
+                                  </p:childTnLst>
+                                </p:cTn>
+                              </p:par>
+                            </p:childTnLst>
+                          </p:cTn>
+                        </p:par>
+                      </p:childTnLst>
+                    </p:cTn>
+                  </p:par>
+                </p:childTnLst>
+              </p:cTn>
+              <p:prevCondLst>
+                <p:cond evt="onPrev" delay="0">
+                  <p:tgtEl>
+                    <p:sldTgt/>
+                  </p:tgtEl>
+                </p:cond>
+              </p:prevCondLst>
+              <p:nextCondLst>
+                <p:cond evt="onNext" delay="0">
+                  <p:tgtEl>
+                    <p:sldTgt/>
+                  </p:tgtEl>
+                </p:cond>
+              </p:nextCondLst>
+            </p:seq>
+          </p:childTnLst>
+        </p:cTn>
+      </p:par>
+    </p:tnLst>
+    <p:bldLst>
+      <p:bldP spid="17" grpId="0" animBg="1"/>
+      <p:bldP spid="7" grpId="0"/>
+      <p:bldP spid="22" grpId="0"/>
+      <p:bldP spid="26" grpId="0"/>
+      <p:bldP spid="27" grpId="0" animBg="1"/>
+      <p:bldP spid="33" grpId="0" animBg="1"/>
+    </p:bldLst>
+  </p:timing>
+</p:sld>
+</file>
+
+<file path=ppt/slides/slide21.xml><?xml version="1.0" encoding="utf-8"?>
+<p:sld xmlns:a="http://schemas.openxmlformats.org/drawingml/2006/main" xmlns:r="http://schemas.openxmlformats.org/officeDocument/2006/relationships" xmlns:p="http://schemas.openxmlformats.org/presentationml/2006/main">
+  <p:cSld>
+    <p:spTree>
+      <p:nvGrpSpPr>
+        <p:cNvPr id="1" name=""/>
+        <p:cNvGrpSpPr/>
+        <p:nvPr/>
+      </p:nvGrpSpPr>
+      <p:grpSpPr>
+        <a:xfrm>
+          <a:off x="0" y="0"/>
+          <a:ext cx="0" cy="0"/>
+          <a:chOff x="0" y="0"/>
+          <a:chExt cx="0" cy="0"/>
+        </a:xfrm>
+      </p:grpSpPr>
+      <p:sp>
+        <p:nvSpPr>
+          <p:cNvPr id="8" name="Rectangle 7">
+            <a:extLst>
+              <a:ext uri="{FF2B5EF4-FFF2-40B4-BE49-F238E27FC236}">
+                <a16:creationId xmlns:a16="http://schemas.microsoft.com/office/drawing/2014/main" id="{673AC9B0-BF1C-FA87-4895-B9CCC1C33F56}"/>
+              </a:ext>
+            </a:extLst>
+          </p:cNvPr>
+          <p:cNvSpPr/>
+          <p:nvPr/>
+        </p:nvSpPr>
+        <p:spPr>
+          <a:xfrm>
+            <a:off x="5517931" y="944652"/>
+            <a:ext cx="252248" cy="5559972"/>
+          </a:xfrm>
+          <a:prstGeom prst="rect">
+            <a:avLst/>
+          </a:prstGeom>
+          <a:ln>
+            <a:noFill/>
+          </a:ln>
+        </p:spPr>
+        <p:style>
+          <a:lnRef idx="2">
+            <a:schemeClr val="accent1">
+              <a:shade val="15000"/>
+            </a:schemeClr>
+          </a:lnRef>
+          <a:fillRef idx="1">
+            <a:schemeClr val="accent1"/>
+          </a:fillRef>
+          <a:effectRef idx="0">
+            <a:schemeClr val="accent1"/>
+          </a:effectRef>
+          <a:fontRef idx="minor">
+            <a:schemeClr val="lt1"/>
+          </a:fontRef>
+        </p:style>
+        <p:txBody>
+          <a:bodyPr rtlCol="0" anchor="ctr"/>
+          <a:lstStyle/>
+          <a:p>
+            <a:pPr algn="ctr"/>
+            <a:r>
+              <a:rPr lang="en-US"/>
+              <a:t>ChatGPT</a:t>
+            </a:r>
+            <a:endParaRPr lang="en-US" dirty="0"/>
+          </a:p>
+        </p:txBody>
+      </p:sp>
+      <p:sp>
+        <p:nvSpPr>
+          <p:cNvPr id="12" name="Rectangle 11">
+            <a:extLst>
+              <a:ext uri="{FF2B5EF4-FFF2-40B4-BE49-F238E27FC236}">
+                <a16:creationId xmlns:a16="http://schemas.microsoft.com/office/drawing/2014/main" id="{50957F94-A281-CC1F-8B41-C603B3A398C7}"/>
+              </a:ext>
+            </a:extLst>
+          </p:cNvPr>
+          <p:cNvSpPr/>
+          <p:nvPr/>
+        </p:nvSpPr>
+        <p:spPr>
+          <a:xfrm>
+            <a:off x="7809187" y="944652"/>
+            <a:ext cx="252248" cy="5559972"/>
+          </a:xfrm>
+          <a:prstGeom prst="rect">
+            <a:avLst/>
+          </a:prstGeom>
+          <a:ln>
+            <a:noFill/>
+          </a:ln>
+        </p:spPr>
+        <p:style>
+          <a:lnRef idx="2">
+            <a:schemeClr val="accent1">
+              <a:shade val="15000"/>
+            </a:schemeClr>
+          </a:lnRef>
+          <a:fillRef idx="1">
+            <a:schemeClr val="accent1"/>
+          </a:fillRef>
+          <a:effectRef idx="0">
+            <a:schemeClr val="accent1"/>
+          </a:effectRef>
+          <a:fontRef idx="minor">
+            <a:schemeClr val="lt1"/>
+          </a:fontRef>
+        </p:style>
+        <p:txBody>
+          <a:bodyPr rtlCol="0" anchor="ctr"/>
+          <a:lstStyle/>
+          <a:p>
+            <a:pPr algn="ctr"/>
+            <a:r>
+              <a:rPr lang="en-US"/>
+              <a:t>ChatGPT</a:t>
+            </a:r>
+            <a:endParaRPr lang="en-US" dirty="0"/>
+          </a:p>
+        </p:txBody>
+      </p:sp>
+      <p:sp>
+        <p:nvSpPr>
+          <p:cNvPr id="24" name="Rectangle 23">
+            <a:extLst>
+              <a:ext uri="{FF2B5EF4-FFF2-40B4-BE49-F238E27FC236}">
+                <a16:creationId xmlns:a16="http://schemas.microsoft.com/office/drawing/2014/main" id="{C6B66B7B-8A9A-45E9-A1A4-ADF998CDE356}"/>
+              </a:ext>
+            </a:extLst>
+          </p:cNvPr>
+          <p:cNvSpPr/>
+          <p:nvPr/>
+        </p:nvSpPr>
+        <p:spPr>
+          <a:xfrm>
+            <a:off x="5517931" y="603068"/>
+            <a:ext cx="2543504" cy="337610"/>
+          </a:xfrm>
+          <a:prstGeom prst="rect">
+            <a:avLst/>
+          </a:prstGeom>
+          <a:ln>
+            <a:noFill/>
+          </a:ln>
+        </p:spPr>
+        <p:style>
+          <a:lnRef idx="2">
+            <a:schemeClr val="accent1">
+              <a:shade val="15000"/>
+            </a:schemeClr>
+          </a:lnRef>
+          <a:fillRef idx="1">
+            <a:schemeClr val="accent1"/>
+          </a:fillRef>
+          <a:effectRef idx="0">
+            <a:schemeClr val="accent1"/>
+          </a:effectRef>
+          <a:fontRef idx="minor">
+            <a:schemeClr val="lt1"/>
+          </a:fontRef>
+        </p:style>
+        <p:txBody>
+          <a:bodyPr rtlCol="0" anchor="ctr"/>
+          <a:lstStyle/>
+          <a:p>
+            <a:pPr algn="ctr"/>
+            <a:r>
+              <a:rPr lang="en-US"/>
+              <a:t>ChatGPT</a:t>
+            </a:r>
+            <a:endParaRPr lang="en-US" dirty="0"/>
+          </a:p>
+        </p:txBody>
+      </p:sp>
+      <p:sp>
+        <p:nvSpPr>
+          <p:cNvPr id="25" name="Rectangle 24">
+            <a:extLst>
+              <a:ext uri="{FF2B5EF4-FFF2-40B4-BE49-F238E27FC236}">
+                <a16:creationId xmlns:a16="http://schemas.microsoft.com/office/drawing/2014/main" id="{F2BFB72A-8B8E-60FC-36F0-54FC2E423E32}"/>
+              </a:ext>
+            </a:extLst>
+          </p:cNvPr>
+          <p:cNvSpPr/>
+          <p:nvPr/>
+        </p:nvSpPr>
+        <p:spPr>
+          <a:xfrm>
+            <a:off x="5517931" y="6415073"/>
+            <a:ext cx="2543504" cy="337610"/>
+          </a:xfrm>
+          <a:prstGeom prst="rect">
+            <a:avLst/>
+          </a:prstGeom>
+          <a:ln>
+            <a:noFill/>
+          </a:ln>
+        </p:spPr>
+        <p:style>
+          <a:lnRef idx="2">
+            <a:schemeClr val="accent1">
+              <a:shade val="15000"/>
+            </a:schemeClr>
+          </a:lnRef>
+          <a:fillRef idx="1">
+            <a:schemeClr val="accent1"/>
+          </a:fillRef>
+          <a:effectRef idx="0">
+            <a:schemeClr val="accent1"/>
+          </a:effectRef>
+          <a:fontRef idx="minor">
+            <a:schemeClr val="lt1"/>
+          </a:fontRef>
+        </p:style>
+        <p:txBody>
+          <a:bodyPr rtlCol="0" anchor="ctr"/>
+          <a:lstStyle/>
+          <a:p>
+            <a:pPr algn="ctr"/>
+            <a:r>
+              <a:rPr lang="en-US"/>
+              <a:t>ChatGPT</a:t>
+            </a:r>
+            <a:endParaRPr lang="en-US" dirty="0"/>
+          </a:p>
+        </p:txBody>
+      </p:sp>
+      <p:sp>
+        <p:nvSpPr>
+          <p:cNvPr id="38" name="Rounded Rectangle 37">
+            <a:extLst>
+              <a:ext uri="{FF2B5EF4-FFF2-40B4-BE49-F238E27FC236}">
+                <a16:creationId xmlns:a16="http://schemas.microsoft.com/office/drawing/2014/main" id="{3B8E8D51-F560-D08F-46ED-72D4FE337020}"/>
+              </a:ext>
+            </a:extLst>
+          </p:cNvPr>
+          <p:cNvSpPr/>
+          <p:nvPr/>
+        </p:nvSpPr>
+        <p:spPr>
+          <a:xfrm>
+            <a:off x="6072346" y="998057"/>
+            <a:ext cx="1418897" cy="1250732"/>
+          </a:xfrm>
+          <a:prstGeom prst="roundRect">
+            <a:avLst/>
+          </a:prstGeom>
+          <a:ln>
+            <a:noFill/>
+          </a:ln>
+        </p:spPr>
+        <p:style>
+          <a:lnRef idx="2">
+            <a:schemeClr val="accent1">
+              <a:shade val="15000"/>
+            </a:schemeClr>
+          </a:lnRef>
+          <a:fillRef idx="1">
+            <a:schemeClr val="accent1"/>
+          </a:fillRef>
+          <a:effectRef idx="0">
+            <a:schemeClr val="accent1"/>
+          </a:effectRef>
+          <a:fontRef idx="minor">
+            <a:schemeClr val="lt1"/>
+          </a:fontRef>
+        </p:style>
+        <p:txBody>
+          <a:bodyPr rtlCol="0" anchor="ctr"/>
+          <a:lstStyle/>
+          <a:p>
+            <a:pPr algn="ctr"/>
+            <a:r>
+              <a:rPr lang="en-US"/>
+              <a:t>LLM</a:t>
+            </a:r>
+            <a:endParaRPr lang="en-US" dirty="0"/>
+          </a:p>
+        </p:txBody>
+      </p:sp>
+      <p:sp>
+        <p:nvSpPr>
+          <p:cNvPr id="7" name="TextBox 6">
+            <a:extLst>
+              <a:ext uri="{FF2B5EF4-FFF2-40B4-BE49-F238E27FC236}">
+                <a16:creationId xmlns:a16="http://schemas.microsoft.com/office/drawing/2014/main" id="{2FEB6C20-C985-8920-178C-57F9BDFA55D9}"/>
+              </a:ext>
+            </a:extLst>
+          </p:cNvPr>
+          <p:cNvSpPr txBox="1"/>
+          <p:nvPr/>
+        </p:nvSpPr>
+        <p:spPr>
+          <a:xfrm>
+            <a:off x="1184578" y="1434368"/>
+            <a:ext cx="4328984" cy="646331"/>
+          </a:xfrm>
+          <a:prstGeom prst="rect">
+            <a:avLst/>
+          </a:prstGeom>
+          <a:noFill/>
+        </p:spPr>
+        <p:txBody>
+          <a:bodyPr wrap="square">
+            <a:spAutoFit/>
+          </a:bodyPr>
+          <a:lstStyle/>
+          <a:p>
+            <a:endParaRPr lang="en-US" b="0" i="0" dirty="0">
+              <a:solidFill>
+                <a:srgbClr val="0D0D0D"/>
+              </a:solidFill>
+              <a:effectLst/>
+              <a:highlight>
+                <a:srgbClr val="FFFFFF"/>
+              </a:highlight>
+              <a:latin typeface="Söhne"/>
+            </a:endParaRPr>
+          </a:p>
+          <a:p>
+            <a:r>
+              <a:rPr lang="en-US" b="0" i="0" dirty="0">
+                <a:solidFill>
+                  <a:srgbClr val="0D0D0D"/>
+                </a:solidFill>
+                <a:effectLst/>
+                <a:highlight>
+                  <a:srgbClr val="FFFFFF"/>
+                </a:highlight>
+                <a:latin typeface="Söhne"/>
+              </a:rPr>
+              <a:t>can you give me the image id for this image</a:t>
+            </a:r>
+            <a:endParaRPr lang="en-US" dirty="0"/>
+          </a:p>
+        </p:txBody>
+      </p:sp>
+      <p:sp>
+        <p:nvSpPr>
+          <p:cNvPr id="27" name="Pentagon 26">
+            <a:extLst>
+              <a:ext uri="{FF2B5EF4-FFF2-40B4-BE49-F238E27FC236}">
+                <a16:creationId xmlns:a16="http://schemas.microsoft.com/office/drawing/2014/main" id="{C9317378-E645-B47D-7D1F-D68CC6B3DCA6}"/>
+              </a:ext>
+            </a:extLst>
+          </p:cNvPr>
+          <p:cNvSpPr/>
+          <p:nvPr/>
+        </p:nvSpPr>
+        <p:spPr>
+          <a:xfrm>
+            <a:off x="3222306" y="948447"/>
+            <a:ext cx="2125009" cy="568270"/>
+          </a:xfrm>
+          <a:prstGeom prst="homePlate">
+            <a:avLst/>
+          </a:prstGeom>
+        </p:spPr>
+        <p:style>
+          <a:lnRef idx="2">
+            <a:schemeClr val="accent1">
+              <a:shade val="15000"/>
+            </a:schemeClr>
+          </a:lnRef>
+          <a:fillRef idx="1">
+            <a:schemeClr val="accent1"/>
+          </a:fillRef>
+          <a:effectRef idx="0">
+            <a:schemeClr val="accent1"/>
+          </a:effectRef>
+          <a:fontRef idx="minor">
+            <a:schemeClr val="lt1"/>
+          </a:fontRef>
+        </p:style>
+        <p:txBody>
+          <a:bodyPr rtlCol="0" anchor="ctr"/>
+          <a:lstStyle/>
+          <a:p>
+            <a:pPr algn="ctr"/>
+            <a:r>
+              <a:rPr lang="en-US" dirty="0"/>
+              <a:t>Iterative</a:t>
+            </a:r>
+          </a:p>
+        </p:txBody>
+      </p:sp>
+      <p:sp>
+        <p:nvSpPr>
+          <p:cNvPr id="32" name="Rounded Rectangle 31">
+            <a:extLst>
+              <a:ext uri="{FF2B5EF4-FFF2-40B4-BE49-F238E27FC236}">
+                <a16:creationId xmlns:a16="http://schemas.microsoft.com/office/drawing/2014/main" id="{D29CCB70-48C7-86B8-227D-83A3669644B7}"/>
+              </a:ext>
+            </a:extLst>
+          </p:cNvPr>
+          <p:cNvSpPr/>
+          <p:nvPr/>
+        </p:nvSpPr>
+        <p:spPr>
+          <a:xfrm>
+            <a:off x="6077825" y="2359430"/>
+            <a:ext cx="1418897" cy="1250732"/>
+          </a:xfrm>
+          <a:prstGeom prst="roundRect">
+            <a:avLst/>
+          </a:prstGeom>
+          <a:ln>
+            <a:noFill/>
+          </a:ln>
+        </p:spPr>
+        <p:style>
+          <a:lnRef idx="2">
+            <a:schemeClr val="accent1">
+              <a:shade val="15000"/>
+            </a:schemeClr>
+          </a:lnRef>
+          <a:fillRef idx="1">
+            <a:schemeClr val="accent1"/>
+          </a:fillRef>
+          <a:effectRef idx="0">
+            <a:schemeClr val="accent1"/>
+          </a:effectRef>
+          <a:fontRef idx="minor">
+            <a:schemeClr val="lt1"/>
+          </a:fontRef>
+        </p:style>
+        <p:txBody>
+          <a:bodyPr rtlCol="0" anchor="ctr"/>
+          <a:lstStyle/>
+          <a:p>
+            <a:pPr algn="ctr"/>
+            <a:r>
+              <a:rPr lang="en-US" dirty="0"/>
+              <a:t>DALL·E 3</a:t>
+            </a:r>
+          </a:p>
+        </p:txBody>
+      </p:sp>
+      <p:sp>
+        <p:nvSpPr>
+          <p:cNvPr id="33" name="Hexagon 32">
+            <a:extLst>
+              <a:ext uri="{FF2B5EF4-FFF2-40B4-BE49-F238E27FC236}">
+                <a16:creationId xmlns:a16="http://schemas.microsoft.com/office/drawing/2014/main" id="{6C4811AF-1B9C-A555-763C-9F77458153E0}"/>
+              </a:ext>
+            </a:extLst>
+          </p:cNvPr>
+          <p:cNvSpPr/>
+          <p:nvPr/>
+        </p:nvSpPr>
+        <p:spPr>
+          <a:xfrm>
+            <a:off x="8282154" y="2356967"/>
+            <a:ext cx="1308079" cy="441435"/>
+          </a:xfrm>
+          <a:prstGeom prst="hexagon">
+            <a:avLst/>
+          </a:prstGeom>
+        </p:spPr>
+        <p:style>
+          <a:lnRef idx="2">
+            <a:schemeClr val="accent1">
+              <a:shade val="15000"/>
+            </a:schemeClr>
+          </a:lnRef>
+          <a:fillRef idx="1">
+            <a:schemeClr val="accent1"/>
+          </a:fillRef>
+          <a:effectRef idx="0">
+            <a:schemeClr val="accent1"/>
+          </a:effectRef>
+          <a:fontRef idx="minor">
+            <a:schemeClr val="lt1"/>
+          </a:fontRef>
+        </p:style>
+        <p:txBody>
+          <a:bodyPr rtlCol="0" anchor="ctr"/>
+          <a:lstStyle/>
+          <a:p>
+            <a:pPr algn="ctr"/>
+            <a:r>
+              <a:rPr lang="en-US" dirty="0"/>
+              <a:t>Images</a:t>
+            </a:r>
+          </a:p>
+        </p:txBody>
+      </p:sp>
+      <p:sp>
+        <p:nvSpPr>
+          <p:cNvPr id="4" name="TextBox 3">
+            <a:extLst>
+              <a:ext uri="{FF2B5EF4-FFF2-40B4-BE49-F238E27FC236}">
+                <a16:creationId xmlns:a16="http://schemas.microsoft.com/office/drawing/2014/main" id="{E3E7E978-2357-BA1A-8C81-E508E3B8A00E}"/>
+              </a:ext>
+            </a:extLst>
+          </p:cNvPr>
+          <p:cNvSpPr txBox="1"/>
+          <p:nvPr/>
+        </p:nvSpPr>
+        <p:spPr>
+          <a:xfrm>
+            <a:off x="8133659" y="1595855"/>
+            <a:ext cx="3555833" cy="646331"/>
+          </a:xfrm>
+          <a:prstGeom prst="rect">
+            <a:avLst/>
+          </a:prstGeom>
+          <a:noFill/>
+        </p:spPr>
+        <p:txBody>
+          <a:bodyPr wrap="square">
+            <a:spAutoFit/>
+          </a:bodyPr>
+          <a:lstStyle/>
+          <a:p>
+            <a:r>
+              <a:rPr lang="en-US" b="0" i="0" dirty="0">
+                <a:solidFill>
+                  <a:srgbClr val="0D0D0D"/>
+                </a:solidFill>
+                <a:effectLst/>
+                <a:highlight>
+                  <a:srgbClr val="FFFFFF"/>
+                </a:highlight>
+                <a:latin typeface="Söhne"/>
+              </a:rPr>
+              <a:t>The image ID for this logo is </a:t>
+            </a:r>
+            <a:r>
+              <a:rPr lang="en-US" b="1" i="0" dirty="0">
+                <a:solidFill>
+                  <a:srgbClr val="0D0D0D"/>
+                </a:solidFill>
+                <a:effectLst/>
+                <a:highlight>
+                  <a:srgbClr val="FFFFFF"/>
+                </a:highlight>
+                <a:latin typeface="Söhne"/>
+              </a:rPr>
+              <a:t>`</a:t>
+            </a:r>
+            <a:r>
+              <a:rPr lang="en-US" b="1" dirty="0"/>
+              <a:t>inRZXPkK4aviAVlE`</a:t>
+            </a:r>
+            <a:r>
+              <a:rPr lang="en-US" b="0" i="0" dirty="0">
+                <a:solidFill>
+                  <a:srgbClr val="0D0D0D"/>
+                </a:solidFill>
+                <a:effectLst/>
+                <a:highlight>
+                  <a:srgbClr val="FFFFFF"/>
+                </a:highlight>
+                <a:latin typeface="Söhne"/>
+              </a:rPr>
+              <a:t>.</a:t>
+            </a:r>
+            <a:endParaRPr lang="en-US" dirty="0"/>
+          </a:p>
+        </p:txBody>
+      </p:sp>
+      <p:sp>
+        <p:nvSpPr>
+          <p:cNvPr id="6" name="Hexagon 5">
+            <a:extLst>
+              <a:ext uri="{FF2B5EF4-FFF2-40B4-BE49-F238E27FC236}">
+                <a16:creationId xmlns:a16="http://schemas.microsoft.com/office/drawing/2014/main" id="{F713ACF7-5F74-3CB2-8668-E68E18147CFB}"/>
+              </a:ext>
+            </a:extLst>
+          </p:cNvPr>
+          <p:cNvSpPr/>
+          <p:nvPr/>
+        </p:nvSpPr>
+        <p:spPr>
+          <a:xfrm>
+            <a:off x="8282154" y="998057"/>
+            <a:ext cx="1818289" cy="441435"/>
+          </a:xfrm>
+          <a:prstGeom prst="hexagon">
+            <a:avLst/>
+          </a:prstGeom>
+        </p:spPr>
+        <p:style>
+          <a:lnRef idx="2">
+            <a:schemeClr val="accent1">
+              <a:shade val="15000"/>
+            </a:schemeClr>
+          </a:lnRef>
+          <a:fillRef idx="1">
+            <a:schemeClr val="accent1"/>
+          </a:fillRef>
+          <a:effectRef idx="0">
+            <a:schemeClr val="accent1"/>
+          </a:effectRef>
+          <a:fontRef idx="minor">
+            <a:schemeClr val="lt1"/>
+          </a:fontRef>
+        </p:style>
+        <p:txBody>
+          <a:bodyPr rtlCol="0" anchor="ctr"/>
+          <a:lstStyle/>
+          <a:p>
+            <a:pPr algn="ctr"/>
+            <a:r>
+              <a:rPr lang="en-US" dirty="0"/>
+              <a:t>Text</a:t>
+            </a:r>
+          </a:p>
+        </p:txBody>
+      </p:sp>
+      <p:sp>
+        <p:nvSpPr>
+          <p:cNvPr id="9" name="Pentagon 8">
+            <a:extLst>
+              <a:ext uri="{FF2B5EF4-FFF2-40B4-BE49-F238E27FC236}">
+                <a16:creationId xmlns:a16="http://schemas.microsoft.com/office/drawing/2014/main" id="{55BB8618-0A07-E1E0-001D-ED8149DD1F3A}"/>
+              </a:ext>
+            </a:extLst>
+          </p:cNvPr>
+          <p:cNvSpPr/>
+          <p:nvPr/>
+        </p:nvSpPr>
+        <p:spPr>
+          <a:xfrm>
+            <a:off x="3241838" y="2230132"/>
+            <a:ext cx="2125009" cy="568270"/>
+          </a:xfrm>
+          <a:prstGeom prst="homePlate">
+            <a:avLst/>
+          </a:prstGeom>
+        </p:spPr>
+        <p:style>
+          <a:lnRef idx="2">
+            <a:schemeClr val="accent1">
+              <a:shade val="15000"/>
+            </a:schemeClr>
+          </a:lnRef>
+          <a:fillRef idx="1">
+            <a:schemeClr val="accent1"/>
+          </a:fillRef>
+          <a:effectRef idx="0">
+            <a:schemeClr val="accent1"/>
+          </a:effectRef>
+          <a:fontRef idx="minor">
+            <a:schemeClr val="lt1"/>
+          </a:fontRef>
+        </p:style>
+        <p:txBody>
+          <a:bodyPr rtlCol="0" anchor="ctr"/>
+          <a:lstStyle/>
+          <a:p>
+            <a:pPr algn="ctr"/>
+            <a:r>
+              <a:rPr lang="en-US" dirty="0"/>
+              <a:t>Iterative</a:t>
+            </a:r>
+          </a:p>
+        </p:txBody>
+      </p:sp>
+      <p:sp>
+        <p:nvSpPr>
+          <p:cNvPr id="11" name="TextBox 10">
+            <a:extLst>
+              <a:ext uri="{FF2B5EF4-FFF2-40B4-BE49-F238E27FC236}">
+                <a16:creationId xmlns:a16="http://schemas.microsoft.com/office/drawing/2014/main" id="{C527F688-1ABA-3BBA-863D-1369B1E09DA0}"/>
+              </a:ext>
+            </a:extLst>
+          </p:cNvPr>
+          <p:cNvSpPr txBox="1"/>
+          <p:nvPr/>
+        </p:nvSpPr>
+        <p:spPr>
+          <a:xfrm>
+            <a:off x="629840" y="2893916"/>
+            <a:ext cx="4821937" cy="646331"/>
+          </a:xfrm>
+          <a:prstGeom prst="rect">
+            <a:avLst/>
+          </a:prstGeom>
+          <a:noFill/>
+        </p:spPr>
+        <p:txBody>
+          <a:bodyPr wrap="square">
+            <a:spAutoFit/>
+          </a:bodyPr>
+          <a:lstStyle/>
+          <a:p>
+            <a:r>
+              <a:rPr lang="en-US" b="0" i="0" dirty="0">
+                <a:solidFill>
+                  <a:srgbClr val="0D0D0D"/>
+                </a:solidFill>
+                <a:effectLst/>
+                <a:highlight>
+                  <a:srgbClr val="FFFFFF"/>
+                </a:highlight>
+                <a:latin typeface="Söhne"/>
+              </a:rPr>
+              <a:t>can you redraw int the style of </a:t>
+            </a:r>
+            <a:r>
+              <a:rPr lang="en-US" b="1" i="0" dirty="0">
+                <a:solidFill>
+                  <a:srgbClr val="0D0D0D"/>
+                </a:solidFill>
+                <a:effectLst/>
+                <a:highlight>
+                  <a:srgbClr val="FFFFFF"/>
+                </a:highlight>
+                <a:latin typeface="Söhne"/>
+              </a:rPr>
+              <a:t>inRZXPkK4aviAVlE</a:t>
+            </a:r>
+          </a:p>
+          <a:p>
+            <a:r>
+              <a:rPr lang="en-US" b="0" i="0" dirty="0">
+                <a:solidFill>
+                  <a:srgbClr val="0D0D0D"/>
+                </a:solidFill>
+                <a:effectLst/>
+                <a:highlight>
+                  <a:srgbClr val="FFFFFF"/>
+                </a:highlight>
+                <a:latin typeface="Söhne"/>
+              </a:rPr>
+              <a:t> but without the person</a:t>
+            </a:r>
+            <a:endParaRPr lang="en-US" dirty="0"/>
+          </a:p>
+        </p:txBody>
+      </p:sp>
+      <p:pic>
+        <p:nvPicPr>
+          <p:cNvPr id="15" name="Picture 14" descr="A logo of a oil rig&#10;&#10;Description automatically generated">
+            <a:extLst>
+              <a:ext uri="{FF2B5EF4-FFF2-40B4-BE49-F238E27FC236}">
+                <a16:creationId xmlns:a16="http://schemas.microsoft.com/office/drawing/2014/main" id="{D97DA8C0-004D-A918-2A32-E1F7E8391604}"/>
+              </a:ext>
+            </a:extLst>
+          </p:cNvPr>
+          <p:cNvPicPr>
+            <a:picLocks noChangeAspect="1"/>
+          </p:cNvPicPr>
+          <p:nvPr/>
+        </p:nvPicPr>
+        <p:blipFill rotWithShape="1">
+          <a:blip r:embed="rId3"/>
+          <a:srcRect l="-21940" t="-2222" r="-15966" b="-5207"/>
+          <a:stretch/>
+        </p:blipFill>
+        <p:spPr>
+          <a:xfrm>
+            <a:off x="7781111" y="2875417"/>
+            <a:ext cx="2727283" cy="2124568"/>
+          </a:xfrm>
+          <a:prstGeom prst="rect">
+            <a:avLst/>
+          </a:prstGeom>
+        </p:spPr>
+      </p:pic>
+      <p:pic>
+        <p:nvPicPr>
+          <p:cNvPr id="16" name="Picture 15">
+            <a:extLst>
+              <a:ext uri="{FF2B5EF4-FFF2-40B4-BE49-F238E27FC236}">
+                <a16:creationId xmlns:a16="http://schemas.microsoft.com/office/drawing/2014/main" id="{584743CD-4D41-A5D4-E38B-9B951E545935}"/>
+              </a:ext>
+            </a:extLst>
+          </p:cNvPr>
+          <p:cNvPicPr>
+            <a:picLocks noChangeAspect="1"/>
+          </p:cNvPicPr>
+          <p:nvPr/>
+        </p:nvPicPr>
+        <p:blipFill>
+          <a:blip r:embed="rId4"/>
+          <a:stretch>
+            <a:fillRect/>
+          </a:stretch>
+        </p:blipFill>
+        <p:spPr>
+          <a:xfrm>
+            <a:off x="10100443" y="3035546"/>
+            <a:ext cx="1901723" cy="1781322"/>
+          </a:xfrm>
+          <a:prstGeom prst="rect">
+            <a:avLst/>
+          </a:prstGeom>
+        </p:spPr>
+      </p:pic>
+    </p:spTree>
+    <p:extLst>
+      <p:ext uri="{BB962C8B-B14F-4D97-AF65-F5344CB8AC3E}">
+        <p14:creationId xmlns:p14="http://schemas.microsoft.com/office/powerpoint/2010/main" val="747591936"/>
+      </p:ext>
+    </p:extLst>
+  </p:cSld>
+  <p:clrMapOvr>
+    <a:masterClrMapping/>
+  </p:clrMapOvr>
+  <p:transition spd="slow">
+    <p:push dir="u"/>
+  </p:transition>
+  <p:timing>
+    <p:tnLst>
+      <p:par>
+        <p:cTn id="1" dur="indefinite" restart="never" nodeType="tmRoot">
+          <p:childTnLst>
+            <p:seq concurrent="1" nextAc="seek">
+              <p:cTn id="2" dur="indefinite" nodeType="mainSeq">
+                <p:childTnLst>
+                  <p:par>
+                    <p:cTn id="3" fill="hold">
+                      <p:stCondLst>
+                        <p:cond delay="indefinite"/>
+                      </p:stCondLst>
+                      <p:childTnLst>
+                        <p:par>
+                          <p:cTn id="4" fill="hold">
+                            <p:stCondLst>
+                              <p:cond delay="0"/>
+                            </p:stCondLst>
+                            <p:childTnLst>
+                              <p:par>
+                                <p:cTn id="5" presetID="1" presetClass="entr" presetSubtype="0" fill="hold" grpId="0" nodeType="clickEffect">
+                                  <p:stCondLst>
+                                    <p:cond delay="0"/>
+                                  </p:stCondLst>
+                                  <p:childTnLst>
+                                    <p:set>
+                                      <p:cBhvr>
+                                        <p:cTn id="6" dur="1" fill="hold">
+                                          <p:stCondLst>
+                                            <p:cond delay="0"/>
+                                          </p:stCondLst>
+                                        </p:cTn>
+                                        <p:tgtEl>
+                                          <p:spTgt spid="6"/>
+                                        </p:tgtEl>
+                                        <p:attrNameLst>
+                                          <p:attrName>style.visibility</p:attrName>
+                                        </p:attrNameLst>
+                                      </p:cBhvr>
+                                      <p:to>
+                                        <p:strVal val="visible"/>
+                                      </p:to>
+                                    </p:set>
+                                  </p:childTnLst>
+                                </p:cTn>
+                              </p:par>
+                              <p:par>
+                                <p:cTn id="7" presetID="1" presetClass="entr" presetSubtype="0" fill="hold" grpId="0" nodeType="withEffect">
+                                  <p:stCondLst>
+                                    <p:cond delay="0"/>
+                                  </p:stCondLst>
+                                  <p:childTnLst>
+                                    <p:set>
+                                      <p:cBhvr>
+                                        <p:cTn id="8" dur="1" fill="hold">
+                                          <p:stCondLst>
+                                            <p:cond delay="0"/>
+                                          </p:stCondLst>
+                                        </p:cTn>
+                                        <p:tgtEl>
+                                          <p:spTgt spid="4"/>
+                                        </p:tgtEl>
+                                        <p:attrNameLst>
+                                          <p:attrName>style.visibility</p:attrName>
+                                        </p:attrNameLst>
+                                      </p:cBhvr>
+                                      <p:to>
+                                        <p:strVal val="visible"/>
+                                      </p:to>
+                                    </p:set>
+                                  </p:childTnLst>
+                                </p:cTn>
+                              </p:par>
+                            </p:childTnLst>
+                          </p:cTn>
+                        </p:par>
+                      </p:childTnLst>
+                    </p:cTn>
+                  </p:par>
+                  <p:par>
+                    <p:cTn id="9" fill="hold">
+                      <p:stCondLst>
+                        <p:cond delay="indefinite"/>
+                      </p:stCondLst>
+                      <p:childTnLst>
+                        <p:par>
+                          <p:cTn id="10" fill="hold">
+                            <p:stCondLst>
+                              <p:cond delay="0"/>
+                            </p:stCondLst>
+                            <p:childTnLst>
+                              <p:par>
+                                <p:cTn id="11" presetID="1" presetClass="entr" presetSubtype="0" fill="hold" grpId="0" nodeType="clickEffect">
+                                  <p:stCondLst>
+                                    <p:cond delay="0"/>
+                                  </p:stCondLst>
+                                  <p:childTnLst>
+                                    <p:set>
+                                      <p:cBhvr>
+                                        <p:cTn id="12" dur="1" fill="hold">
+                                          <p:stCondLst>
+                                            <p:cond delay="0"/>
+                                          </p:stCondLst>
+                                        </p:cTn>
+                                        <p:tgtEl>
+                                          <p:spTgt spid="9"/>
+                                        </p:tgtEl>
+                                        <p:attrNameLst>
+                                          <p:attrName>style.visibility</p:attrName>
+                                        </p:attrNameLst>
+                                      </p:cBhvr>
+                                      <p:to>
+                                        <p:strVal val="visible"/>
+                                      </p:to>
+                                    </p:set>
+                                  </p:childTnLst>
+                                </p:cTn>
+                              </p:par>
+                              <p:par>
+                                <p:cTn id="13" presetID="1" presetClass="entr" presetSubtype="0" fill="hold" grpId="0" nodeType="withEffect">
+                                  <p:stCondLst>
+                                    <p:cond delay="0"/>
+                                  </p:stCondLst>
+                                  <p:childTnLst>
+                                    <p:set>
+                                      <p:cBhvr>
+                                        <p:cTn id="14" dur="1" fill="hold">
+                                          <p:stCondLst>
+                                            <p:cond delay="0"/>
+                                          </p:stCondLst>
+                                        </p:cTn>
+                                        <p:tgtEl>
+                                          <p:spTgt spid="11"/>
+                                        </p:tgtEl>
+                                        <p:attrNameLst>
+                                          <p:attrName>style.visibility</p:attrName>
+                                        </p:attrNameLst>
+                                      </p:cBhvr>
+                                      <p:to>
+                                        <p:strVal val="visible"/>
+                                      </p:to>
+                                    </p:set>
+                                  </p:childTnLst>
+                                </p:cTn>
+                              </p:par>
+                            </p:childTnLst>
+                          </p:cTn>
+                        </p:par>
+                      </p:childTnLst>
+                    </p:cTn>
+                  </p:par>
+                  <p:par>
+                    <p:cTn id="15" fill="hold">
+                      <p:stCondLst>
+                        <p:cond delay="indefinite"/>
+                      </p:stCondLst>
+                      <p:childTnLst>
+                        <p:par>
+                          <p:cTn id="16" fill="hold">
+                            <p:stCondLst>
+                              <p:cond delay="0"/>
+                            </p:stCondLst>
+                            <p:childTnLst>
+                              <p:par>
+                                <p:cTn id="17" presetID="1" presetClass="entr" presetSubtype="0" fill="hold" grpId="0" nodeType="clickEffect">
+                                  <p:stCondLst>
+                                    <p:cond delay="0"/>
+                                  </p:stCondLst>
+                                  <p:childTnLst>
+                                    <p:set>
+                                      <p:cBhvr>
+                                        <p:cTn id="18" dur="1" fill="hold">
+                                          <p:stCondLst>
+                                            <p:cond delay="0"/>
+                                          </p:stCondLst>
+                                        </p:cTn>
+                                        <p:tgtEl>
+                                          <p:spTgt spid="33"/>
+                                        </p:tgtEl>
+                                        <p:attrNameLst>
+                                          <p:attrName>style.visibility</p:attrName>
+                                        </p:attrNameLst>
+                                      </p:cBhvr>
+                                      <p:to>
+                                        <p:strVal val="visible"/>
+                                      </p:to>
+                                    </p:set>
+                                  </p:childTnLst>
+                                </p:cTn>
+                              </p:par>
+                              <p:par>
+                                <p:cTn id="19" presetID="1" presetClass="entr" presetSubtype="0" fill="hold" nodeType="withEffect">
+                                  <p:stCondLst>
+                                    <p:cond delay="0"/>
+                                  </p:stCondLst>
+                                  <p:childTnLst>
+                                    <p:set>
+                                      <p:cBhvr>
+                                        <p:cTn id="20" dur="1" fill="hold">
+                                          <p:stCondLst>
+                                            <p:cond delay="0"/>
+                                          </p:stCondLst>
+                                        </p:cTn>
+                                        <p:tgtEl>
+                                          <p:spTgt spid="15"/>
+                                        </p:tgtEl>
+                                        <p:attrNameLst>
+                                          <p:attrName>style.visibility</p:attrName>
+                                        </p:attrNameLst>
+                                      </p:cBhvr>
+                                      <p:to>
+                                        <p:strVal val="visible"/>
+                                      </p:to>
+                                    </p:set>
+                                  </p:childTnLst>
+                                </p:cTn>
+                              </p:par>
+                            </p:childTnLst>
+                          </p:cTn>
+                        </p:par>
+                      </p:childTnLst>
+                    </p:cTn>
+                  </p:par>
+                  <p:par>
+                    <p:cTn id="21" fill="hold">
+                      <p:stCondLst>
+                        <p:cond delay="indefinite"/>
+                      </p:stCondLst>
+                      <p:childTnLst>
+                        <p:par>
+                          <p:cTn id="22" fill="hold">
+                            <p:stCondLst>
+                              <p:cond delay="0"/>
+                            </p:stCondLst>
+                            <p:childTnLst>
+                              <p:par>
+                                <p:cTn id="23" presetID="1" presetClass="entr" presetSubtype="0" fill="hold" nodeType="clickEffect">
+                                  <p:stCondLst>
+                                    <p:cond delay="0"/>
+                                  </p:stCondLst>
+                                  <p:childTnLst>
+                                    <p:set>
+                                      <p:cBhvr>
+                                        <p:cTn id="24" dur="1" fill="hold">
+                                          <p:stCondLst>
+                                            <p:cond delay="0"/>
+                                          </p:stCondLst>
+                                        </p:cTn>
+                                        <p:tgtEl>
+                                          <p:spTgt spid="16"/>
+                                        </p:tgtEl>
+                                        <p:attrNameLst>
+                                          <p:attrName>style.visibility</p:attrName>
+                                        </p:attrNameLst>
+                                      </p:cBhvr>
+                                      <p:to>
+                                        <p:strVal val="visible"/>
+                                      </p:to>
+                                    </p:set>
+                                  </p:childTnLst>
+                                </p:cTn>
+                              </p:par>
+                            </p:childTnLst>
+                          </p:cTn>
+                        </p:par>
+                      </p:childTnLst>
+                    </p:cTn>
+                  </p:par>
+                </p:childTnLst>
+              </p:cTn>
+              <p:prevCondLst>
+                <p:cond evt="onPrev" delay="0">
+                  <p:tgtEl>
+                    <p:sldTgt/>
+                  </p:tgtEl>
+                </p:cond>
+              </p:prevCondLst>
+              <p:nextCondLst>
+                <p:cond evt="onNext" delay="0">
+                  <p:tgtEl>
+                    <p:sldTgt/>
+                  </p:tgtEl>
+                </p:cond>
+              </p:nextCondLst>
+            </p:seq>
+          </p:childTnLst>
+        </p:cTn>
+      </p:par>
+    </p:tnLst>
+    <p:bldLst>
+      <p:bldP spid="33" grpId="0" animBg="1"/>
+      <p:bldP spid="4" grpId="0"/>
+      <p:bldP spid="6" grpId="0" animBg="1"/>
+      <p:bldP spid="9" grpId="0" animBg="1"/>
+      <p:bldP spid="11" grpId="0"/>
+    </p:bldLst>
+  </p:timing>
+</p:sld>
+</file>
+
+<file path=ppt/slides/slide22.xml><?xml version="1.0" encoding="utf-8"?>
+<p:sld xmlns:a="http://schemas.openxmlformats.org/drawingml/2006/main" xmlns:r="http://schemas.openxmlformats.org/officeDocument/2006/relationships" xmlns:p="http://schemas.openxmlformats.org/presentationml/2006/main">
+  <p:cSld>
+    <p:spTree>
+      <p:nvGrpSpPr>
+        <p:cNvPr id="1" name=""/>
+        <p:cNvGrpSpPr/>
+        <p:nvPr/>
+      </p:nvGrpSpPr>
+      <p:grpSpPr>
+        <a:xfrm>
+          <a:off x="0" y="0"/>
+          <a:ext cx="0" cy="0"/>
+          <a:chOff x="0" y="0"/>
+          <a:chExt cx="0" cy="0"/>
+        </a:xfrm>
+      </p:grpSpPr>
+      <p:pic>
+        <p:nvPicPr>
+          <p:cNvPr id="2" name="Picture 1">
+            <a:extLst>
+              <a:ext uri="{FF2B5EF4-FFF2-40B4-BE49-F238E27FC236}">
+                <a16:creationId xmlns:a16="http://schemas.microsoft.com/office/drawing/2014/main" id="{98494F8A-0C3E-EFA2-D20B-7DD7608FD535}"/>
+              </a:ext>
+            </a:extLst>
+          </p:cNvPr>
+          <p:cNvPicPr>
+            <a:picLocks noChangeAspect="1"/>
+          </p:cNvPicPr>
+          <p:nvPr/>
+        </p:nvPicPr>
+        <p:blipFill>
+          <a:blip r:embed="rId2"/>
+          <a:stretch>
+            <a:fillRect/>
+          </a:stretch>
+        </p:blipFill>
+        <p:spPr>
+          <a:xfrm>
+            <a:off x="-26809" y="753761"/>
+            <a:ext cx="12216937" cy="5263979"/>
+          </a:xfrm>
+          <a:prstGeom prst="rect">
+            <a:avLst/>
+          </a:prstGeom>
+        </p:spPr>
+      </p:pic>
+    </p:spTree>
+    <p:extLst>
+      <p:ext uri="{BB962C8B-B14F-4D97-AF65-F5344CB8AC3E}">
+        <p14:creationId xmlns:p14="http://schemas.microsoft.com/office/powerpoint/2010/main" val="1750118402"/>
+      </p:ext>
+    </p:extLst>
+  </p:cSld>
+  <p:clrMapOvr>
+    <a:masterClrMapping/>
+  </p:clrMapOvr>
+</p:sld>
+</file>
+
+<file path=ppt/slides/slide23.xml><?xml version="1.0" encoding="utf-8"?>
+<p:sld xmlns:a="http://schemas.openxmlformats.org/drawingml/2006/main" xmlns:r="http://schemas.openxmlformats.org/officeDocument/2006/relationships" xmlns:p="http://schemas.openxmlformats.org/presentationml/2006/main">
+  <p:cSld>
+    <p:spTree>
+      <p:nvGrpSpPr>
+        <p:cNvPr id="1" name=""/>
+        <p:cNvGrpSpPr/>
+        <p:nvPr/>
+      </p:nvGrpSpPr>
+      <p:grpSpPr>
+        <a:xfrm>
+          <a:off x="0" y="0"/>
+          <a:ext cx="0" cy="0"/>
+          <a:chOff x="0" y="0"/>
+          <a:chExt cx="0" cy="0"/>
+        </a:xfrm>
+      </p:grpSpPr>
+      <p:sp>
+        <p:nvSpPr>
+          <p:cNvPr id="4" name="Title 3">
+            <a:extLst>
+              <a:ext uri="{FF2B5EF4-FFF2-40B4-BE49-F238E27FC236}">
+                <a16:creationId xmlns:a16="http://schemas.microsoft.com/office/drawing/2014/main" id="{0A973A72-66AC-6237-A32A-BB937BF13A3D}"/>
+              </a:ext>
+            </a:extLst>
+          </p:cNvPr>
+          <p:cNvSpPr>
+            <a:spLocks noGrp="1"/>
+          </p:cNvSpPr>
+          <p:nvPr>
+            <p:ph type="title"/>
+          </p:nvPr>
+        </p:nvSpPr>
+        <p:spPr>
+          <a:xfrm>
+            <a:off x="729049" y="2428704"/>
+            <a:ext cx="10538254" cy="1325563"/>
+          </a:xfrm>
+        </p:spPr>
+        <p:txBody>
+          <a:bodyPr>
+            <a:normAutofit fontScale="90000"/>
+          </a:bodyPr>
+          <a:lstStyle/>
+          <a:p>
+            <a:r>
+              <a:rPr lang="en-US" b="1" dirty="0"/>
+              <a:t>Iterative Process</a:t>
+            </a:r>
+            <a:br>
+              <a:rPr lang="en-US" b="1" dirty="0"/>
+            </a:br>
+            <a:br>
+              <a:rPr lang="en-US" b="1" dirty="0"/>
+            </a:br>
+            <a:r>
+              <a:rPr lang="en-US" b="1" dirty="0"/>
+              <a:t>Image ID</a:t>
+            </a:r>
+            <a:br>
+              <a:rPr lang="en-US" b="1" dirty="0"/>
+            </a:br>
+            <a:br>
+              <a:rPr lang="en-US" b="1" dirty="0"/>
+            </a:br>
+            <a:r>
+              <a:rPr lang="en-US" b="1" dirty="0"/>
+              <a:t>Creating Pieces of the whole</a:t>
+            </a:r>
+            <a:endParaRPr lang="en-US" b="1" dirty="0">
+              <a:solidFill>
+                <a:schemeClr val="tx1">
+                  <a:lumMod val="50000"/>
+                  <a:lumOff val="50000"/>
+                </a:schemeClr>
+              </a:solidFill>
+            </a:endParaRPr>
+          </a:p>
+        </p:txBody>
+      </p:sp>
+      <p:pic>
+        <p:nvPicPr>
+          <p:cNvPr id="5" name="Picture 4">
+            <a:extLst>
+              <a:ext uri="{FF2B5EF4-FFF2-40B4-BE49-F238E27FC236}">
+                <a16:creationId xmlns:a16="http://schemas.microsoft.com/office/drawing/2014/main" id="{78128F83-195F-C704-B3F0-96C3E585F580}"/>
+              </a:ext>
+            </a:extLst>
+          </p:cNvPr>
+          <p:cNvPicPr>
+            <a:picLocks noChangeAspect="1"/>
+          </p:cNvPicPr>
+          <p:nvPr/>
+        </p:nvPicPr>
+        <p:blipFill>
+          <a:blip r:embed="rId2"/>
+          <a:stretch>
+            <a:fillRect/>
+          </a:stretch>
+        </p:blipFill>
+        <p:spPr>
+          <a:xfrm>
+            <a:off x="8391455" y="1744598"/>
+            <a:ext cx="2875848" cy="2693773"/>
+          </a:xfrm>
+          <a:prstGeom prst="rect">
+            <a:avLst/>
+          </a:prstGeom>
+        </p:spPr>
+      </p:pic>
+    </p:spTree>
+    <p:extLst>
+      <p:ext uri="{BB962C8B-B14F-4D97-AF65-F5344CB8AC3E}">
+        <p14:creationId xmlns:p14="http://schemas.microsoft.com/office/powerpoint/2010/main" val="3494197324"/>
+      </p:ext>
+    </p:extLst>
+  </p:cSld>
+  <p:clrMapOvr>
+    <a:masterClrMapping/>
+  </p:clrMapOvr>
+</p:sld>
+</file>
+
+<file path=ppt/slides/slide24.xml><?xml version="1.0" encoding="utf-8"?>
+<p:sld xmlns:a="http://schemas.openxmlformats.org/drawingml/2006/main" xmlns:r="http://schemas.openxmlformats.org/officeDocument/2006/relationships" xmlns:p="http://schemas.openxmlformats.org/presentationml/2006/main">
+  <p:cSld>
+    <p:spTree>
+      <p:nvGrpSpPr>
+        <p:cNvPr id="1" name=""/>
+        <p:cNvGrpSpPr/>
+        <p:nvPr/>
+      </p:nvGrpSpPr>
+      <p:grpSpPr>
+        <a:xfrm>
+          <a:off x="0" y="0"/>
+          <a:ext cx="0" cy="0"/>
+          <a:chOff x="0" y="0"/>
+          <a:chExt cx="0" cy="0"/>
+        </a:xfrm>
+      </p:grpSpPr>
+      <p:sp>
+        <p:nvSpPr>
+          <p:cNvPr id="4" name="Title 3">
+            <a:extLst>
+              <a:ext uri="{FF2B5EF4-FFF2-40B4-BE49-F238E27FC236}">
+                <a16:creationId xmlns:a16="http://schemas.microsoft.com/office/drawing/2014/main" id="{0A973A72-66AC-6237-A32A-BB937BF13A3D}"/>
+              </a:ext>
+            </a:extLst>
+          </p:cNvPr>
+          <p:cNvSpPr>
+            <a:spLocks noGrp="1"/>
+          </p:cNvSpPr>
+          <p:nvPr>
+            <p:ph type="title"/>
+          </p:nvPr>
+        </p:nvSpPr>
+        <p:spPr>
+          <a:xfrm>
+            <a:off x="729049" y="2428704"/>
+            <a:ext cx="10538254" cy="1325563"/>
+          </a:xfrm>
+        </p:spPr>
+        <p:txBody>
+          <a:bodyPr>
+            <a:normAutofit/>
+          </a:bodyPr>
+          <a:lstStyle/>
+          <a:p>
+            <a:r>
+              <a:rPr lang="en-US" b="1" dirty="0"/>
+              <a:t>Iterative vs Single Shot</a:t>
+            </a:r>
+            <a:br>
+              <a:rPr lang="en-US" b="1" dirty="0"/>
+            </a:br>
+            <a:r>
+              <a:rPr lang="en-US" b="1" dirty="0">
+                <a:solidFill>
+                  <a:schemeClr val="tx1">
+                    <a:lumMod val="50000"/>
+                    <a:lumOff val="50000"/>
+                  </a:schemeClr>
+                </a:solidFill>
+              </a:rPr>
+              <a:t>Comparing results</a:t>
+            </a:r>
+          </a:p>
+        </p:txBody>
+      </p:sp>
+    </p:spTree>
+    <p:extLst>
+      <p:ext uri="{BB962C8B-B14F-4D97-AF65-F5344CB8AC3E}">
+        <p14:creationId xmlns:p14="http://schemas.microsoft.com/office/powerpoint/2010/main" val="1597646504"/>
+      </p:ext>
+    </p:extLst>
+  </p:cSld>
+  <p:clrMapOvr>
+    <a:masterClrMapping/>
+  </p:clrMapOvr>
+</p:sld>
+</file>
+
+<file path=ppt/slides/slide25.xml><?xml version="1.0" encoding="utf-8"?>
+<p:sld xmlns:a="http://schemas.openxmlformats.org/drawingml/2006/main" xmlns:r="http://schemas.openxmlformats.org/officeDocument/2006/relationships" xmlns:p="http://schemas.openxmlformats.org/presentationml/2006/main">
+  <p:cSld>
+    <p:spTree>
+      <p:nvGrpSpPr>
+        <p:cNvPr id="1" name=""/>
+        <p:cNvGrpSpPr/>
+        <p:nvPr/>
+      </p:nvGrpSpPr>
+      <p:grpSpPr>
+        <a:xfrm>
+          <a:off x="0" y="0"/>
+          <a:ext cx="0" cy="0"/>
+          <a:chOff x="0" y="0"/>
+          <a:chExt cx="0" cy="0"/>
+        </a:xfrm>
+      </p:grpSpPr>
+      <p:sp>
+        <p:nvSpPr>
+          <p:cNvPr id="2" name="TextBox 1">
+            <a:extLst>
+              <a:ext uri="{FF2B5EF4-FFF2-40B4-BE49-F238E27FC236}">
+                <a16:creationId xmlns:a16="http://schemas.microsoft.com/office/drawing/2014/main" id="{09967237-5B0A-0740-97AA-ADC92A519120}"/>
+              </a:ext>
+            </a:extLst>
+          </p:cNvPr>
+          <p:cNvSpPr txBox="1"/>
+          <p:nvPr/>
+        </p:nvSpPr>
+        <p:spPr>
+          <a:xfrm>
+            <a:off x="4028303" y="556054"/>
+            <a:ext cx="1815625" cy="369332"/>
+          </a:xfrm>
+          <a:prstGeom prst="rect">
+            <a:avLst/>
+          </a:prstGeom>
+          <a:noFill/>
+        </p:spPr>
+        <p:txBody>
+          <a:bodyPr wrap="none" rtlCol="0">
+            <a:spAutoFit/>
+          </a:bodyPr>
+          <a:lstStyle/>
+          <a:p>
+            <a:r>
+              <a:rPr lang="en-US" dirty="0"/>
+              <a:t>Stable Diffusion </a:t>
+            </a:r>
+          </a:p>
+        </p:txBody>
+      </p:sp>
+    </p:spTree>
+    <p:extLst>
+      <p:ext uri="{BB962C8B-B14F-4D97-AF65-F5344CB8AC3E}">
+        <p14:creationId xmlns:p14="http://schemas.microsoft.com/office/powerpoint/2010/main" val="1161386038"/>
       </p:ext>
     </p:extLst>
   </p:cSld>
@@ -13329,4 +16601,319 @@
     </a:ext>
   </a:extLst>
 </a:theme>
+</file>
+
+<file path=ppt/theme/theme2.xml><?xml version="1.0" encoding="utf-8"?>
+<a:theme xmlns:a="http://schemas.openxmlformats.org/drawingml/2006/main" name="Office Theme">
+  <a:themeElements>
+    <a:clrScheme name="Office">
+      <a:dk1>
+        <a:sysClr val="windowText" lastClr="000000"/>
+      </a:dk1>
+      <a:lt1>
+        <a:sysClr val="window" lastClr="FFFFFF"/>
+      </a:lt1>
+      <a:dk2>
+        <a:srgbClr val="0E2841"/>
+      </a:dk2>
+      <a:lt2>
+        <a:srgbClr val="E8E8E8"/>
+      </a:lt2>
+      <a:accent1>
+        <a:srgbClr val="156082"/>
+      </a:accent1>
+      <a:accent2>
+        <a:srgbClr val="E97132"/>
+      </a:accent2>
+      <a:accent3>
+        <a:srgbClr val="196B24"/>
+      </a:accent3>
+      <a:accent4>
+        <a:srgbClr val="0F9ED5"/>
+      </a:accent4>
+      <a:accent5>
+        <a:srgbClr val="A02B93"/>
+      </a:accent5>
+      <a:accent6>
+        <a:srgbClr val="4EA72E"/>
+      </a:accent6>
+      <a:hlink>
+        <a:srgbClr val="467886"/>
+      </a:hlink>
+      <a:folHlink>
+        <a:srgbClr val="96607D"/>
+      </a:folHlink>
+    </a:clrScheme>
+    <a:fontScheme name="Office">
+      <a:majorFont>
+        <a:latin typeface="Aptos Display" panose="02110004020202020204"/>
+        <a:ea typeface=""/>
+        <a:cs typeface=""/>
+        <a:font script="Jpan" typeface="游ゴシック Light"/>
+        <a:font script="Hang" typeface="맑은 고딕"/>
+        <a:font script="Hans" typeface="等线 Light"/>
+        <a:font script="Hant" typeface="新細明體"/>
+        <a:font script="Arab" typeface="Times New Roman"/>
+        <a:font script="Hebr" typeface="Times New Roman"/>
+        <a:font script="Thai" typeface="Angsana New"/>
+        <a:font script="Ethi" typeface="Nyala"/>
+        <a:font script="Beng" typeface="Vrinda"/>
+        <a:font script="Gujr" typeface="Shruti"/>
+        <a:font script="Khmr" typeface="MoolBoran"/>
+        <a:font script="Knda" typeface="Tunga"/>
+        <a:font script="Guru" typeface="Raavi"/>
+        <a:font script="Cans" typeface="Euphemia"/>
+        <a:font script="Cher" typeface="Plantagenet Cherokee"/>
+        <a:font script="Yiii" typeface="Microsoft Yi Baiti"/>
+        <a:font script="Tibt" typeface="Microsoft Himalaya"/>
+        <a:font script="Thaa" typeface="MV Boli"/>
+        <a:font script="Deva" typeface="Mangal"/>
+        <a:font script="Telu" typeface="Gautami"/>
+        <a:font script="Taml" typeface="Latha"/>
+        <a:font script="Syrc" typeface="Estrangelo Edessa"/>
+        <a:font script="Orya" typeface="Kalinga"/>
+        <a:font script="Mlym" typeface="Kartika"/>
+        <a:font script="Laoo" typeface="DokChampa"/>
+        <a:font script="Sinh" typeface="Iskoola Pota"/>
+        <a:font script="Mong" typeface="Mongolian Baiti"/>
+        <a:font script="Viet" typeface="Times New Roman"/>
+        <a:font script="Uigh" typeface="Microsoft Uighur"/>
+        <a:font script="Geor" typeface="Sylfaen"/>
+        <a:font script="Armn" typeface="Arial"/>
+        <a:font script="Bugi" typeface="Leelawadee UI"/>
+        <a:font script="Bopo" typeface="Microsoft JhengHei"/>
+        <a:font script="Java" typeface="Javanese Text"/>
+        <a:font script="Lisu" typeface="Segoe UI"/>
+        <a:font script="Mymr" typeface="Myanmar Text"/>
+        <a:font script="Nkoo" typeface="Ebrima"/>
+        <a:font script="Olck" typeface="Nirmala UI"/>
+        <a:font script="Osma" typeface="Ebrima"/>
+        <a:font script="Phag" typeface="Phagspa"/>
+        <a:font script="Syrn" typeface="Estrangelo Edessa"/>
+        <a:font script="Syrj" typeface="Estrangelo Edessa"/>
+        <a:font script="Syre" typeface="Estrangelo Edessa"/>
+        <a:font script="Sora" typeface="Nirmala UI"/>
+        <a:font script="Tale" typeface="Microsoft Tai Le"/>
+        <a:font script="Talu" typeface="Microsoft New Tai Lue"/>
+        <a:font script="Tfng" typeface="Ebrima"/>
+      </a:majorFont>
+      <a:minorFont>
+        <a:latin typeface="Aptos" panose="02110004020202020204"/>
+        <a:ea typeface=""/>
+        <a:cs typeface=""/>
+        <a:font script="Jpan" typeface="游ゴシック"/>
+        <a:font script="Hang" typeface="맑은 고딕"/>
+        <a:font script="Hans" typeface="等线"/>
+        <a:font script="Hant" typeface="新細明體"/>
+        <a:font script="Arab" typeface="Arial"/>
+        <a:font script="Hebr" typeface="Arial"/>
+        <a:font script="Thai" typeface="Cordia New"/>
+        <a:font script="Ethi" typeface="Nyala"/>
+        <a:font script="Beng" typeface="Vrinda"/>
+        <a:font script="Gujr" typeface="Shruti"/>
+        <a:font script="Khmr" typeface="DaunPenh"/>
+        <a:font script="Knda" typeface="Tunga"/>
+        <a:font script="Guru" typeface="Raavi"/>
+        <a:font script="Cans" typeface="Euphemia"/>
+        <a:font script="Cher" typeface="Plantagenet Cherokee"/>
+        <a:font script="Yiii" typeface="Microsoft Yi Baiti"/>
+        <a:font script="Tibt" typeface="Microsoft Himalaya"/>
+        <a:font script="Thaa" typeface="MV Boli"/>
+        <a:font script="Deva" typeface="Mangal"/>
+        <a:font script="Telu" typeface="Gautami"/>
+        <a:font script="Taml" typeface="Latha"/>
+        <a:font script="Syrc" typeface="Estrangelo Edessa"/>
+        <a:font script="Orya" typeface="Kalinga"/>
+        <a:font script="Mlym" typeface="Kartika"/>
+        <a:font script="Laoo" typeface="DokChampa"/>
+        <a:font script="Sinh" typeface="Iskoola Pota"/>
+        <a:font script="Mong" typeface="Mongolian Baiti"/>
+        <a:font script="Viet" typeface="Arial"/>
+        <a:font script="Uigh" typeface="Microsoft Uighur"/>
+        <a:font script="Geor" typeface="Sylfaen"/>
+        <a:font script="Armn" typeface="Arial"/>
+        <a:font script="Bugi" typeface="Leelawadee UI"/>
+        <a:font script="Bopo" typeface="Microsoft JhengHei"/>
+        <a:font script="Java" typeface="Javanese Text"/>
+        <a:font script="Lisu" typeface="Segoe UI"/>
+        <a:font script="Mymr" typeface="Myanmar Text"/>
+        <a:font script="Nkoo" typeface="Ebrima"/>
+        <a:font script="Olck" typeface="Nirmala UI"/>
+        <a:font script="Osma" typeface="Ebrima"/>
+        <a:font script="Phag" typeface="Phagspa"/>
+        <a:font script="Syrn" typeface="Estrangelo Edessa"/>
+        <a:font script="Syrj" typeface="Estrangelo Edessa"/>
+        <a:font script="Syre" typeface="Estrangelo Edessa"/>
+        <a:font script="Sora" typeface="Nirmala UI"/>
+        <a:font script="Tale" typeface="Microsoft Tai Le"/>
+        <a:font script="Talu" typeface="Microsoft New Tai Lue"/>
+        <a:font script="Tfng" typeface="Ebrima"/>
+      </a:minorFont>
+    </a:fontScheme>
+    <a:fmtScheme name="Office">
+      <a:fillStyleLst>
+        <a:solidFill>
+          <a:schemeClr val="phClr"/>
+        </a:solidFill>
+        <a:gradFill rotWithShape="1">
+          <a:gsLst>
+            <a:gs pos="0">
+              <a:schemeClr val="phClr">
+                <a:lumMod val="110000"/>
+                <a:satMod val="105000"/>
+                <a:tint val="67000"/>
+              </a:schemeClr>
+            </a:gs>
+            <a:gs pos="50000">
+              <a:schemeClr val="phClr">
+                <a:lumMod val="105000"/>
+                <a:satMod val="103000"/>
+                <a:tint val="73000"/>
+              </a:schemeClr>
+            </a:gs>
+            <a:gs pos="100000">
+              <a:schemeClr val="phClr">
+                <a:lumMod val="105000"/>
+                <a:satMod val="109000"/>
+                <a:tint val="81000"/>
+              </a:schemeClr>
+            </a:gs>
+          </a:gsLst>
+          <a:lin ang="5400000" scaled="0"/>
+        </a:gradFill>
+        <a:gradFill rotWithShape="1">
+          <a:gsLst>
+            <a:gs pos="0">
+              <a:schemeClr val="phClr">
+                <a:satMod val="103000"/>
+                <a:lumMod val="102000"/>
+                <a:tint val="94000"/>
+              </a:schemeClr>
+            </a:gs>
+            <a:gs pos="50000">
+              <a:schemeClr val="phClr">
+                <a:satMod val="110000"/>
+                <a:lumMod val="100000"/>
+                <a:shade val="100000"/>
+              </a:schemeClr>
+            </a:gs>
+            <a:gs pos="100000">
+              <a:schemeClr val="phClr">
+                <a:lumMod val="99000"/>
+                <a:satMod val="120000"/>
+                <a:shade val="78000"/>
+              </a:schemeClr>
+            </a:gs>
+          </a:gsLst>
+          <a:lin ang="5400000" scaled="0"/>
+        </a:gradFill>
+      </a:fillStyleLst>
+      <a:lnStyleLst>
+        <a:ln w="12700" cap="flat" cmpd="sng" algn="ctr">
+          <a:solidFill>
+            <a:schemeClr val="phClr"/>
+          </a:solidFill>
+          <a:prstDash val="solid"/>
+          <a:miter lim="800000"/>
+        </a:ln>
+        <a:ln w="19050" cap="flat" cmpd="sng" algn="ctr">
+          <a:solidFill>
+            <a:schemeClr val="phClr"/>
+          </a:solidFill>
+          <a:prstDash val="solid"/>
+          <a:miter lim="800000"/>
+        </a:ln>
+        <a:ln w="25400" cap="flat" cmpd="sng" algn="ctr">
+          <a:solidFill>
+            <a:schemeClr val="phClr"/>
+          </a:solidFill>
+          <a:prstDash val="solid"/>
+          <a:miter lim="800000"/>
+        </a:ln>
+      </a:lnStyleLst>
+      <a:effectStyleLst>
+        <a:effectStyle>
+          <a:effectLst/>
+        </a:effectStyle>
+        <a:effectStyle>
+          <a:effectLst/>
+        </a:effectStyle>
+        <a:effectStyle>
+          <a:effectLst>
+            <a:outerShdw blurRad="57150" dist="19050" dir="5400000" algn="ctr" rotWithShape="0">
+              <a:srgbClr val="000000">
+                <a:alpha val="63000"/>
+              </a:srgbClr>
+            </a:outerShdw>
+          </a:effectLst>
+        </a:effectStyle>
+      </a:effectStyleLst>
+      <a:bgFillStyleLst>
+        <a:solidFill>
+          <a:schemeClr val="phClr"/>
+        </a:solidFill>
+        <a:solidFill>
+          <a:schemeClr val="phClr">
+            <a:tint val="95000"/>
+            <a:satMod val="170000"/>
+          </a:schemeClr>
+        </a:solidFill>
+        <a:gradFill rotWithShape="1">
+          <a:gsLst>
+            <a:gs pos="0">
+              <a:schemeClr val="phClr">
+                <a:tint val="93000"/>
+                <a:satMod val="150000"/>
+                <a:shade val="98000"/>
+                <a:lumMod val="102000"/>
+              </a:schemeClr>
+            </a:gs>
+            <a:gs pos="50000">
+              <a:schemeClr val="phClr">
+                <a:tint val="98000"/>
+                <a:satMod val="130000"/>
+                <a:shade val="90000"/>
+                <a:lumMod val="103000"/>
+              </a:schemeClr>
+            </a:gs>
+            <a:gs pos="100000">
+              <a:schemeClr val="phClr">
+                <a:shade val="63000"/>
+                <a:satMod val="120000"/>
+              </a:schemeClr>
+            </a:gs>
+          </a:gsLst>
+          <a:lin ang="5400000" scaled="0"/>
+        </a:gradFill>
+      </a:bgFillStyleLst>
+    </a:fmtScheme>
+  </a:themeElements>
+  <a:objectDefaults>
+    <a:lnDef>
+      <a:spPr/>
+      <a:bodyPr/>
+      <a:lstStyle/>
+      <a:style>
+        <a:lnRef idx="2">
+          <a:schemeClr val="accent1"/>
+        </a:lnRef>
+        <a:fillRef idx="0">
+          <a:schemeClr val="accent1"/>
+        </a:fillRef>
+        <a:effectRef idx="1">
+          <a:schemeClr val="accent1"/>
+        </a:effectRef>
+        <a:fontRef idx="minor">
+          <a:schemeClr val="tx1"/>
+        </a:fontRef>
+      </a:style>
+    </a:lnDef>
+  </a:objectDefaults>
+  <a:extraClrSchemeLst/>
+  <a:extLst>
+    <a:ext uri="{05A4C25C-085E-4340-85A3-A5531E510DB2}">
+      <thm15:themeFamily xmlns:thm15="http://schemas.microsoft.com/office/thememl/2012/main" name="Office Theme" id="{2E142A2C-CD16-42D6-873A-C26D2A0506FA}" vid="{1BDDFF52-6CD6-40A5-AB3C-68EB2F1E4D0A}"/>
+    </a:ext>
+  </a:extLst>
+</a:theme>
 </file>
--- a/Slides/ChatGPT_Prompting.pptx
+++ b/Slides/ChatGPT_Prompting.pptx
@@ -5,7 +5,7 @@
     <p:sldMasterId id="2147483648" r:id="rId1"/>
   </p:sldMasterIdLst>
   <p:notesMasterIdLst>
-    <p:notesMasterId r:id="rId27"/>
+    <p:notesMasterId r:id="rId43"/>
   </p:notesMasterIdLst>
   <p:sldIdLst>
     <p:sldId id="259" r:id="rId2"/>
@@ -32,7 +32,23 @@
     <p:sldId id="282" r:id="rId23"/>
     <p:sldId id="283" r:id="rId24"/>
     <p:sldId id="284" r:id="rId25"/>
-    <p:sldId id="258" r:id="rId26"/>
+    <p:sldId id="285" r:id="rId26"/>
+    <p:sldId id="286" r:id="rId27"/>
+    <p:sldId id="287" r:id="rId28"/>
+    <p:sldId id="288" r:id="rId29"/>
+    <p:sldId id="289" r:id="rId30"/>
+    <p:sldId id="290" r:id="rId31"/>
+    <p:sldId id="291" r:id="rId32"/>
+    <p:sldId id="292" r:id="rId33"/>
+    <p:sldId id="293" r:id="rId34"/>
+    <p:sldId id="294" r:id="rId35"/>
+    <p:sldId id="295" r:id="rId36"/>
+    <p:sldId id="296" r:id="rId37"/>
+    <p:sldId id="297" r:id="rId38"/>
+    <p:sldId id="298" r:id="rId39"/>
+    <p:sldId id="299" r:id="rId40"/>
+    <p:sldId id="300" r:id="rId41"/>
+    <p:sldId id="258" r:id="rId42"/>
   </p:sldIdLst>
   <p:sldSz cx="12192000" cy="6858000"/>
   <p:notesSz cx="6858000" cy="9144000"/>
@@ -597,6 +613,174 @@
     <p:extLst>
       <p:ext uri="{BB962C8B-B14F-4D97-AF65-F5344CB8AC3E}">
         <p14:creationId xmlns:p14="http://schemas.microsoft.com/office/powerpoint/2010/main" val="3956946450"/>
+      </p:ext>
+    </p:extLst>
+  </p:cSld>
+  <p:clrMapOvr>
+    <a:masterClrMapping/>
+  </p:clrMapOvr>
+</p:notes>
+</file>
+
+<file path=ppt/notesSlides/notesSlide2.xml><?xml version="1.0" encoding="utf-8"?>
+<p:notes xmlns:a="http://schemas.openxmlformats.org/drawingml/2006/main" xmlns:r="http://schemas.openxmlformats.org/officeDocument/2006/relationships" xmlns:p="http://schemas.openxmlformats.org/presentationml/2006/main">
+  <p:cSld>
+    <p:spTree>
+      <p:nvGrpSpPr>
+        <p:cNvPr id="1" name=""/>
+        <p:cNvGrpSpPr/>
+        <p:nvPr/>
+      </p:nvGrpSpPr>
+      <p:grpSpPr>
+        <a:xfrm>
+          <a:off x="0" y="0"/>
+          <a:ext cx="0" cy="0"/>
+          <a:chOff x="0" y="0"/>
+          <a:chExt cx="0" cy="0"/>
+        </a:xfrm>
+      </p:grpSpPr>
+      <p:sp>
+        <p:nvSpPr>
+          <p:cNvPr id="2" name="Slide Image Placeholder 1"/>
+          <p:cNvSpPr>
+            <a:spLocks noGrp="1" noRot="1" noChangeAspect="1"/>
+          </p:cNvSpPr>
+          <p:nvPr>
+            <p:ph type="sldImg"/>
+          </p:nvPr>
+        </p:nvSpPr>
+        <p:spPr/>
+      </p:sp>
+      <p:sp>
+        <p:nvSpPr>
+          <p:cNvPr id="3" name="Notes Placeholder 2"/>
+          <p:cNvSpPr>
+            <a:spLocks noGrp="1"/>
+          </p:cNvSpPr>
+          <p:nvPr>
+            <p:ph type="body" idx="1"/>
+          </p:nvPr>
+        </p:nvSpPr>
+        <p:spPr/>
+        <p:txBody>
+          <a:bodyPr/>
+          <a:lstStyle/>
+          <a:p>
+            <a:endParaRPr lang="en-US" dirty="0"/>
+          </a:p>
+        </p:txBody>
+      </p:sp>
+      <p:sp>
+        <p:nvSpPr>
+          <p:cNvPr id="4" name="Slide Number Placeholder 3"/>
+          <p:cNvSpPr>
+            <a:spLocks noGrp="1"/>
+          </p:cNvSpPr>
+          <p:nvPr>
+            <p:ph type="sldNum" sz="quarter" idx="5"/>
+          </p:nvPr>
+        </p:nvSpPr>
+        <p:spPr/>
+        <p:txBody>
+          <a:bodyPr/>
+          <a:lstStyle/>
+          <a:p>
+            <a:fld id="{0FE3306F-8FB2-5D4C-B490-0B8DC0530D13}" type="slidenum">
+              <a:rPr lang="en-US" smtClean="0"/>
+              <a:t>28</a:t>
+            </a:fld>
+            <a:endParaRPr lang="en-US"/>
+          </a:p>
+        </p:txBody>
+      </p:sp>
+    </p:spTree>
+    <p:extLst>
+      <p:ext uri="{BB962C8B-B14F-4D97-AF65-F5344CB8AC3E}">
+        <p14:creationId xmlns:p14="http://schemas.microsoft.com/office/powerpoint/2010/main" val="2730288135"/>
+      </p:ext>
+    </p:extLst>
+  </p:cSld>
+  <p:clrMapOvr>
+    <a:masterClrMapping/>
+  </p:clrMapOvr>
+</p:notes>
+</file>
+
+<file path=ppt/notesSlides/notesSlide3.xml><?xml version="1.0" encoding="utf-8"?>
+<p:notes xmlns:a="http://schemas.openxmlformats.org/drawingml/2006/main" xmlns:r="http://schemas.openxmlformats.org/officeDocument/2006/relationships" xmlns:p="http://schemas.openxmlformats.org/presentationml/2006/main">
+  <p:cSld>
+    <p:spTree>
+      <p:nvGrpSpPr>
+        <p:cNvPr id="1" name=""/>
+        <p:cNvGrpSpPr/>
+        <p:nvPr/>
+      </p:nvGrpSpPr>
+      <p:grpSpPr>
+        <a:xfrm>
+          <a:off x="0" y="0"/>
+          <a:ext cx="0" cy="0"/>
+          <a:chOff x="0" y="0"/>
+          <a:chExt cx="0" cy="0"/>
+        </a:xfrm>
+      </p:grpSpPr>
+      <p:sp>
+        <p:nvSpPr>
+          <p:cNvPr id="2" name="Slide Image Placeholder 1"/>
+          <p:cNvSpPr>
+            <a:spLocks noGrp="1" noRot="1" noChangeAspect="1"/>
+          </p:cNvSpPr>
+          <p:nvPr>
+            <p:ph type="sldImg"/>
+          </p:nvPr>
+        </p:nvSpPr>
+        <p:spPr/>
+      </p:sp>
+      <p:sp>
+        <p:nvSpPr>
+          <p:cNvPr id="3" name="Notes Placeholder 2"/>
+          <p:cNvSpPr>
+            <a:spLocks noGrp="1"/>
+          </p:cNvSpPr>
+          <p:nvPr>
+            <p:ph type="body" idx="1"/>
+          </p:nvPr>
+        </p:nvSpPr>
+        <p:spPr/>
+        <p:txBody>
+          <a:bodyPr/>
+          <a:lstStyle/>
+          <a:p>
+            <a:endParaRPr lang="en-US" dirty="0"/>
+          </a:p>
+        </p:txBody>
+      </p:sp>
+      <p:sp>
+        <p:nvSpPr>
+          <p:cNvPr id="4" name="Slide Number Placeholder 3"/>
+          <p:cNvSpPr>
+            <a:spLocks noGrp="1"/>
+          </p:cNvSpPr>
+          <p:nvPr>
+            <p:ph type="sldNum" sz="quarter" idx="5"/>
+          </p:nvPr>
+        </p:nvSpPr>
+        <p:spPr/>
+        <p:txBody>
+          <a:bodyPr/>
+          <a:lstStyle/>
+          <a:p>
+            <a:fld id="{0FE3306F-8FB2-5D4C-B490-0B8DC0530D13}" type="slidenum">
+              <a:rPr lang="en-US" smtClean="0"/>
+              <a:t>31</a:t>
+            </a:fld>
+            <a:endParaRPr lang="en-US"/>
+          </a:p>
+        </p:txBody>
+      </p:sp>
+    </p:spTree>
+    <p:extLst>
+      <p:ext uri="{BB962C8B-B14F-4D97-AF65-F5344CB8AC3E}">
+        <p14:creationId xmlns:p14="http://schemas.microsoft.com/office/powerpoint/2010/main" val="1254843015"/>
       </p:ext>
     </p:extLst>
   </p:cSld>
@@ -4270,7 +4454,7 @@
                 <a:latin typeface="Fira Code" panose="020B0809050000020004" pitchFamily="49" charset="0"/>
                 <a:ea typeface="Fira Code" panose="020B0809050000020004" pitchFamily="49" charset="0"/>
               </a:rPr>
-              <a:t>: **bold text**</a:t>
+              <a:t>: *bold text**</a:t>
             </a:r>
           </a:p>
           <a:p>
@@ -4315,7 +4499,7 @@
                 <a:latin typeface="Fira Code" panose="020B0809050000020004" pitchFamily="49" charset="0"/>
                 <a:ea typeface="Fira Code" panose="020B0809050000020004" pitchFamily="49" charset="0"/>
               </a:rPr>
-              <a:t>: *italic text*</a:t>
+              <a:t>: italic text*</a:t>
             </a:r>
           </a:p>
           <a:p>
@@ -6442,7 +6626,7 @@
                 <a:latin typeface="Fira Code" panose="020B0809050000020004" pitchFamily="49" charset="0"/>
                 <a:ea typeface="Fira Code" panose="020B0809050000020004" pitchFamily="49" charset="0"/>
               </a:rPr>
-              <a:t>: **bold text**</a:t>
+              <a:t>: *bold text**</a:t>
             </a:r>
           </a:p>
           <a:p>
@@ -6487,7 +6671,7 @@
                 <a:latin typeface="Fira Code" panose="020B0809050000020004" pitchFamily="49" charset="0"/>
                 <a:ea typeface="Fira Code" panose="020B0809050000020004" pitchFamily="49" charset="0"/>
               </a:rPr>
-              <a:t>: *italic text*</a:t>
+              <a:t>: italic text*</a:t>
             </a:r>
           </a:p>
           <a:p>
@@ -10009,13 +10193,13 @@
         </p:nvSpPr>
         <p:spPr>
           <a:xfrm>
-            <a:off x="729049" y="2428704"/>
-            <a:ext cx="10538254" cy="1325563"/>
+            <a:off x="729049" y="1210962"/>
+            <a:ext cx="10538254" cy="4584357"/>
           </a:xfrm>
         </p:spPr>
         <p:txBody>
           <a:bodyPr>
-            <a:normAutofit fontScale="90000"/>
+            <a:normAutofit/>
           </a:bodyPr>
           <a:lstStyle/>
           <a:p>
@@ -10042,6 +10226,20 @@
             <a:r>
               <a:rPr lang="en-US" b="1" dirty="0"/>
               <a:t>Creating Pieces of the whole</a:t>
+            </a:r>
+            <a:br>
+              <a:rPr lang="en-US" b="1" dirty="0"/>
+            </a:br>
+            <a:r>
+              <a:rPr lang="en-US" sz="2800" b="1" dirty="0">
+                <a:solidFill>
+                  <a:schemeClr val="tx1">
+                    <a:lumMod val="50000"/>
+                    <a:lumOff val="50000"/>
+                  </a:schemeClr>
+                </a:solidFill>
+              </a:rPr>
+              <a:t>(Layout + Center Graphic)</a:t>
             </a:r>
             <a:endParaRPr lang="en-US" b="1" dirty="0">
               <a:solidFill>
@@ -10193,12 +10391,42 @@
           <a:chExt cx="0" cy="0"/>
         </a:xfrm>
       </p:grpSpPr>
-      <p:sp>
-        <p:nvSpPr>
-          <p:cNvPr id="2" name="TextBox 1">
-            <a:extLst>
-              <a:ext uri="{FF2B5EF4-FFF2-40B4-BE49-F238E27FC236}">
-                <a16:creationId xmlns:a16="http://schemas.microsoft.com/office/drawing/2014/main" id="{09967237-5B0A-0740-97AA-ADC92A519120}"/>
+      <p:pic>
+        <p:nvPicPr>
+          <p:cNvPr id="4" name="Picture 3" descr="A graph showing different types of text&#10;&#10;Description automatically generated with medium confidence">
+            <a:extLst>
+              <a:ext uri="{FF2B5EF4-FFF2-40B4-BE49-F238E27FC236}">
+                <a16:creationId xmlns:a16="http://schemas.microsoft.com/office/drawing/2014/main" id="{7886C650-A1C6-A57D-1AFC-4074B57AE4B4}"/>
+              </a:ext>
+            </a:extLst>
+          </p:cNvPr>
+          <p:cNvPicPr>
+            <a:picLocks noChangeAspect="1"/>
+          </p:cNvPicPr>
+          <p:nvPr/>
+        </p:nvPicPr>
+        <p:blipFill>
+          <a:blip r:embed="rId2"/>
+          <a:stretch>
+            <a:fillRect/>
+          </a:stretch>
+        </p:blipFill>
+        <p:spPr>
+          <a:xfrm>
+            <a:off x="0" y="0"/>
+            <a:ext cx="12192000" cy="6091832"/>
+          </a:xfrm>
+          <a:prstGeom prst="rect">
+            <a:avLst/>
+          </a:prstGeom>
+        </p:spPr>
+      </p:pic>
+      <p:sp>
+        <p:nvSpPr>
+          <p:cNvPr id="5" name="TextBox 4">
+            <a:extLst>
+              <a:ext uri="{FF2B5EF4-FFF2-40B4-BE49-F238E27FC236}">
+                <a16:creationId xmlns:a16="http://schemas.microsoft.com/office/drawing/2014/main" id="{00260A49-79A5-0DA1-07EE-4AEBBD0C94DD}"/>
               </a:ext>
             </a:extLst>
           </p:cNvPr>
@@ -10207,8 +10435,8 @@
         </p:nvSpPr>
         <p:spPr>
           <a:xfrm>
-            <a:off x="4028303" y="556054"/>
-            <a:ext cx="1815625" cy="369332"/>
+            <a:off x="95763" y="6186906"/>
+            <a:ext cx="6725165" cy="646331"/>
           </a:xfrm>
           <a:prstGeom prst="rect">
             <a:avLst/>
@@ -10216,22 +10444,2186 @@
           <a:noFill/>
         </p:spPr>
         <p:txBody>
-          <a:bodyPr wrap="none" rtlCol="0">
+          <a:bodyPr wrap="square">
             <a:spAutoFit/>
           </a:bodyPr>
           <a:lstStyle/>
           <a:p>
             <a:r>
-              <a:rPr lang="en-US" dirty="0"/>
-              <a:t>Stable Diffusion </a:t>
-            </a:r>
-          </a:p>
-        </p:txBody>
-      </p:sp>
+              <a:rPr lang="en-US" dirty="0">
+                <a:effectLst/>
+              </a:rPr>
+              <a:t>What's next for AI agentic workflows ft. Andrew Ng of AI Fund</a:t>
+            </a:r>
+            <a:br>
+              <a:rPr lang="en-US" b="0" dirty="0">
+                <a:effectLst/>
+                <a:latin typeface="Roboto" panose="020F0502020204030204" pitchFamily="34" charset="0"/>
+              </a:rPr>
+            </a:br>
+            <a:r>
+              <a:rPr lang="en-US" b="0" dirty="0">
+                <a:solidFill>
+                  <a:schemeClr val="tx1">
+                    <a:lumMod val="50000"/>
+                    <a:lumOff val="50000"/>
+                  </a:schemeClr>
+                </a:solidFill>
+                <a:effectLst/>
+                <a:latin typeface="Roboto" panose="020F0502020204030204" pitchFamily="34" charset="0"/>
+              </a:rPr>
+              <a:t>https://</a:t>
+            </a:r>
+            <a:r>
+              <a:rPr lang="en-US" b="0" dirty="0" err="1">
+                <a:solidFill>
+                  <a:schemeClr val="tx1">
+                    <a:lumMod val="50000"/>
+                    <a:lumOff val="50000"/>
+                  </a:schemeClr>
+                </a:solidFill>
+                <a:effectLst/>
+                <a:latin typeface="Roboto" panose="020F0502020204030204" pitchFamily="34" charset="0"/>
+              </a:rPr>
+              <a:t>youtu.be</a:t>
+            </a:r>
+            <a:r>
+              <a:rPr lang="en-US" b="0" dirty="0">
+                <a:solidFill>
+                  <a:schemeClr val="tx1">
+                    <a:lumMod val="50000"/>
+                    <a:lumOff val="50000"/>
+                  </a:schemeClr>
+                </a:solidFill>
+                <a:effectLst/>
+                <a:latin typeface="Roboto" panose="020F0502020204030204" pitchFamily="34" charset="0"/>
+              </a:rPr>
+              <a:t>/sal78ACtGTc?si=Fnfogzue8nyLu4br&amp;t=189</a:t>
+            </a:r>
+          </a:p>
+        </p:txBody>
+      </p:sp>
+      <p:grpSp>
+        <p:nvGrpSpPr>
+          <p:cNvPr id="20" name="Group 19">
+            <a:extLst>
+              <a:ext uri="{FF2B5EF4-FFF2-40B4-BE49-F238E27FC236}">
+                <a16:creationId xmlns:a16="http://schemas.microsoft.com/office/drawing/2014/main" id="{BC10E14C-8484-DF7F-9129-283AB8BC62EB}"/>
+              </a:ext>
+            </a:extLst>
+          </p:cNvPr>
+          <p:cNvGrpSpPr/>
+          <p:nvPr/>
+        </p:nvGrpSpPr>
+        <p:grpSpPr>
+          <a:xfrm>
+            <a:off x="1594022" y="2304510"/>
+            <a:ext cx="4077729" cy="1921501"/>
+            <a:chOff x="1594022" y="2304510"/>
+            <a:chExt cx="4077729" cy="1921501"/>
+          </a:xfrm>
+        </p:grpSpPr>
+        <p:sp>
+          <p:nvSpPr>
+            <p:cNvPr id="7" name="Right Brace 6">
+              <a:extLst>
+                <a:ext uri="{FF2B5EF4-FFF2-40B4-BE49-F238E27FC236}">
+                  <a16:creationId xmlns:a16="http://schemas.microsoft.com/office/drawing/2014/main" id="{D4D22754-B2EA-FFDD-1616-2BD58AE4B70A}"/>
+                </a:ext>
+              </a:extLst>
+            </p:cNvPr>
+            <p:cNvSpPr/>
+            <p:nvPr/>
+          </p:nvSpPr>
+          <p:spPr>
+            <a:xfrm rot="16200000">
+              <a:off x="3262184" y="636348"/>
+              <a:ext cx="741405" cy="4077729"/>
+            </a:xfrm>
+            <a:prstGeom prst="rightBrace">
+              <a:avLst/>
+            </a:prstGeom>
+            <a:ln>
+              <a:solidFill>
+                <a:srgbClr val="FF0000"/>
+              </a:solidFill>
+            </a:ln>
+          </p:spPr>
+          <p:style>
+            <a:lnRef idx="2">
+              <a:schemeClr val="accent1"/>
+            </a:lnRef>
+            <a:fillRef idx="0">
+              <a:schemeClr val="accent1"/>
+            </a:fillRef>
+            <a:effectRef idx="1">
+              <a:schemeClr val="accent1"/>
+            </a:effectRef>
+            <a:fontRef idx="minor">
+              <a:schemeClr val="tx1"/>
+            </a:fontRef>
+          </p:style>
+          <p:txBody>
+            <a:bodyPr rtlCol="0" anchor="ctr"/>
+            <a:lstStyle/>
+            <a:p>
+              <a:pPr algn="ctr"/>
+              <a:endParaRPr lang="en-US"/>
+            </a:p>
+          </p:txBody>
+        </p:sp>
+        <p:cxnSp>
+          <p:nvCxnSpPr>
+            <p:cNvPr id="19" name="Straight Connector 18">
+              <a:extLst>
+                <a:ext uri="{FF2B5EF4-FFF2-40B4-BE49-F238E27FC236}">
+                  <a16:creationId xmlns:a16="http://schemas.microsoft.com/office/drawing/2014/main" id="{39E9402B-5CE6-B488-7838-96367E65D7FD}"/>
+                </a:ext>
+              </a:extLst>
+            </p:cNvPr>
+            <p:cNvCxnSpPr/>
+            <p:nvPr/>
+          </p:nvCxnSpPr>
+          <p:spPr>
+            <a:xfrm>
+              <a:off x="5671751" y="3045915"/>
+              <a:ext cx="0" cy="1180096"/>
+            </a:xfrm>
+            <a:prstGeom prst="line">
+              <a:avLst/>
+            </a:prstGeom>
+            <a:ln>
+              <a:solidFill>
+                <a:srgbClr val="FF0000"/>
+              </a:solidFill>
+            </a:ln>
+          </p:spPr>
+          <p:style>
+            <a:lnRef idx="2">
+              <a:schemeClr val="accent1"/>
+            </a:lnRef>
+            <a:fillRef idx="0">
+              <a:schemeClr val="accent1"/>
+            </a:fillRef>
+            <a:effectRef idx="1">
+              <a:schemeClr val="accent1"/>
+            </a:effectRef>
+            <a:fontRef idx="minor">
+              <a:schemeClr val="tx1"/>
+            </a:fontRef>
+          </p:style>
+        </p:cxnSp>
+      </p:grpSp>
+      <p:cxnSp>
+        <p:nvCxnSpPr>
+          <p:cNvPr id="21" name="Straight Arrow Connector 20">
+            <a:extLst>
+              <a:ext uri="{FF2B5EF4-FFF2-40B4-BE49-F238E27FC236}">
+                <a16:creationId xmlns:a16="http://schemas.microsoft.com/office/drawing/2014/main" id="{8B704363-CAD0-4F18-AF95-5FFC42EFBE90}"/>
+              </a:ext>
+            </a:extLst>
+          </p:cNvPr>
+          <p:cNvCxnSpPr>
+            <a:cxnSpLocks/>
+          </p:cNvCxnSpPr>
+          <p:nvPr/>
+        </p:nvCxnSpPr>
+        <p:spPr>
+          <a:xfrm>
+            <a:off x="6008989" y="1892617"/>
+            <a:ext cx="1022522" cy="1153298"/>
+          </a:xfrm>
+          <a:prstGeom prst="straightConnector1">
+            <a:avLst/>
+          </a:prstGeom>
+          <a:ln w="38100">
+            <a:solidFill>
+              <a:srgbClr val="FF0000"/>
+            </a:solidFill>
+            <a:tailEnd type="triangle"/>
+          </a:ln>
+          <a:effectLst>
+            <a:glow rad="611300">
+              <a:schemeClr val="bg1">
+                <a:alpha val="86835"/>
+              </a:schemeClr>
+            </a:glow>
+          </a:effectLst>
+        </p:spPr>
+        <p:style>
+          <a:lnRef idx="2">
+            <a:schemeClr val="accent1"/>
+          </a:lnRef>
+          <a:fillRef idx="0">
+            <a:schemeClr val="accent1"/>
+          </a:fillRef>
+          <a:effectRef idx="1">
+            <a:schemeClr val="accent1"/>
+          </a:effectRef>
+          <a:fontRef idx="minor">
+            <a:schemeClr val="tx1"/>
+          </a:fontRef>
+        </p:style>
+      </p:cxnSp>
     </p:spTree>
     <p:extLst>
       <p:ext uri="{BB962C8B-B14F-4D97-AF65-F5344CB8AC3E}">
-        <p14:creationId xmlns:p14="http://schemas.microsoft.com/office/powerpoint/2010/main" val="1161386038"/>
+        <p14:creationId xmlns:p14="http://schemas.microsoft.com/office/powerpoint/2010/main" val="1920214980"/>
+      </p:ext>
+    </p:extLst>
+  </p:cSld>
+  <p:clrMapOvr>
+    <a:masterClrMapping/>
+  </p:clrMapOvr>
+  <p:timing>
+    <p:tnLst>
+      <p:par>
+        <p:cTn id="1" dur="indefinite" restart="never" nodeType="tmRoot">
+          <p:childTnLst>
+            <p:seq concurrent="1" nextAc="seek">
+              <p:cTn id="2" dur="indefinite" nodeType="mainSeq">
+                <p:childTnLst>
+                  <p:par>
+                    <p:cTn id="3" fill="hold">
+                      <p:stCondLst>
+                        <p:cond delay="indefinite"/>
+                      </p:stCondLst>
+                      <p:childTnLst>
+                        <p:par>
+                          <p:cTn id="4" fill="hold">
+                            <p:stCondLst>
+                              <p:cond delay="0"/>
+                            </p:stCondLst>
+                            <p:childTnLst>
+                              <p:par>
+                                <p:cTn id="5" presetID="1" presetClass="entr" presetSubtype="0" fill="hold" nodeType="clickEffect">
+                                  <p:stCondLst>
+                                    <p:cond delay="0"/>
+                                  </p:stCondLst>
+                                  <p:childTnLst>
+                                    <p:set>
+                                      <p:cBhvr>
+                                        <p:cTn id="6" dur="1" fill="hold">
+                                          <p:stCondLst>
+                                            <p:cond delay="0"/>
+                                          </p:stCondLst>
+                                        </p:cTn>
+                                        <p:tgtEl>
+                                          <p:spTgt spid="20"/>
+                                        </p:tgtEl>
+                                        <p:attrNameLst>
+                                          <p:attrName>style.visibility</p:attrName>
+                                        </p:attrNameLst>
+                                      </p:cBhvr>
+                                      <p:to>
+                                        <p:strVal val="visible"/>
+                                      </p:to>
+                                    </p:set>
+                                  </p:childTnLst>
+                                </p:cTn>
+                              </p:par>
+                            </p:childTnLst>
+                          </p:cTn>
+                        </p:par>
+                      </p:childTnLst>
+                    </p:cTn>
+                  </p:par>
+                  <p:par>
+                    <p:cTn id="7" fill="hold">
+                      <p:stCondLst>
+                        <p:cond delay="indefinite"/>
+                      </p:stCondLst>
+                      <p:childTnLst>
+                        <p:par>
+                          <p:cTn id="8" fill="hold">
+                            <p:stCondLst>
+                              <p:cond delay="0"/>
+                            </p:stCondLst>
+                            <p:childTnLst>
+                              <p:par>
+                                <p:cTn id="9" presetID="1" presetClass="entr" presetSubtype="0" fill="hold" nodeType="clickEffect">
+                                  <p:stCondLst>
+                                    <p:cond delay="0"/>
+                                  </p:stCondLst>
+                                  <p:childTnLst>
+                                    <p:set>
+                                      <p:cBhvr>
+                                        <p:cTn id="10" dur="1" fill="hold">
+                                          <p:stCondLst>
+                                            <p:cond delay="0"/>
+                                          </p:stCondLst>
+                                        </p:cTn>
+                                        <p:tgtEl>
+                                          <p:spTgt spid="21"/>
+                                        </p:tgtEl>
+                                        <p:attrNameLst>
+                                          <p:attrName>style.visibility</p:attrName>
+                                        </p:attrNameLst>
+                                      </p:cBhvr>
+                                      <p:to>
+                                        <p:strVal val="visible"/>
+                                      </p:to>
+                                    </p:set>
+                                  </p:childTnLst>
+                                </p:cTn>
+                              </p:par>
+                            </p:childTnLst>
+                          </p:cTn>
+                        </p:par>
+                      </p:childTnLst>
+                    </p:cTn>
+                  </p:par>
+                </p:childTnLst>
+              </p:cTn>
+              <p:prevCondLst>
+                <p:cond evt="onPrev" delay="0">
+                  <p:tgtEl>
+                    <p:sldTgt/>
+                  </p:tgtEl>
+                </p:cond>
+              </p:prevCondLst>
+              <p:nextCondLst>
+                <p:cond evt="onNext" delay="0">
+                  <p:tgtEl>
+                    <p:sldTgt/>
+                  </p:tgtEl>
+                </p:cond>
+              </p:nextCondLst>
+            </p:seq>
+          </p:childTnLst>
+        </p:cTn>
+      </p:par>
+    </p:tnLst>
+  </p:timing>
+</p:sld>
+</file>
+
+<file path=ppt/slides/slide26.xml><?xml version="1.0" encoding="utf-8"?>
+<p:sld xmlns:a="http://schemas.openxmlformats.org/drawingml/2006/main" xmlns:r="http://schemas.openxmlformats.org/officeDocument/2006/relationships" xmlns:p="http://schemas.openxmlformats.org/presentationml/2006/main">
+  <p:cSld>
+    <p:spTree>
+      <p:nvGrpSpPr>
+        <p:cNvPr id="1" name=""/>
+        <p:cNvGrpSpPr/>
+        <p:nvPr/>
+      </p:nvGrpSpPr>
+      <p:grpSpPr>
+        <a:xfrm>
+          <a:off x="0" y="0"/>
+          <a:ext cx="0" cy="0"/>
+          <a:chOff x="0" y="0"/>
+          <a:chExt cx="0" cy="0"/>
+        </a:xfrm>
+      </p:grpSpPr>
+      <p:sp>
+        <p:nvSpPr>
+          <p:cNvPr id="4" name="Title 3">
+            <a:extLst>
+              <a:ext uri="{FF2B5EF4-FFF2-40B4-BE49-F238E27FC236}">
+                <a16:creationId xmlns:a16="http://schemas.microsoft.com/office/drawing/2014/main" id="{0A973A72-66AC-6237-A32A-BB937BF13A3D}"/>
+              </a:ext>
+            </a:extLst>
+          </p:cNvPr>
+          <p:cNvSpPr>
+            <a:spLocks noGrp="1"/>
+          </p:cNvSpPr>
+          <p:nvPr>
+            <p:ph type="title"/>
+          </p:nvPr>
+        </p:nvSpPr>
+        <p:spPr>
+          <a:xfrm>
+            <a:off x="729049" y="2428704"/>
+            <a:ext cx="10538254" cy="1325563"/>
+          </a:xfrm>
+        </p:spPr>
+        <p:txBody>
+          <a:bodyPr>
+            <a:normAutofit/>
+          </a:bodyPr>
+          <a:lstStyle/>
+          <a:p>
+            <a:r>
+              <a:rPr lang="en-US" b="1" dirty="0"/>
+              <a:t>Agile2024 Submission</a:t>
+            </a:r>
+            <a:br>
+              <a:rPr lang="en-US" b="1" dirty="0"/>
+            </a:br>
+            <a:r>
+              <a:rPr lang="en-US" b="1" dirty="0">
+                <a:solidFill>
+                  <a:schemeClr val="tx1">
+                    <a:lumMod val="50000"/>
+                    <a:lumOff val="50000"/>
+                  </a:schemeClr>
+                </a:solidFill>
+              </a:rPr>
+              <a:t>Using a ghost writer</a:t>
+            </a:r>
+          </a:p>
+        </p:txBody>
+      </p:sp>
+    </p:spTree>
+    <p:extLst>
+      <p:ext uri="{BB962C8B-B14F-4D97-AF65-F5344CB8AC3E}">
+        <p14:creationId xmlns:p14="http://schemas.microsoft.com/office/powerpoint/2010/main" val="1751130271"/>
+      </p:ext>
+    </p:extLst>
+  </p:cSld>
+  <p:clrMapOvr>
+    <a:masterClrMapping/>
+  </p:clrMapOvr>
+</p:sld>
+</file>
+
+<file path=ppt/slides/slide27.xml><?xml version="1.0" encoding="utf-8"?>
+<p:sld xmlns:a="http://schemas.openxmlformats.org/drawingml/2006/main" xmlns:r="http://schemas.openxmlformats.org/officeDocument/2006/relationships" xmlns:p="http://schemas.openxmlformats.org/presentationml/2006/main">
+  <p:cSld>
+    <p:spTree>
+      <p:nvGrpSpPr>
+        <p:cNvPr id="1" name=""/>
+        <p:cNvGrpSpPr/>
+        <p:nvPr/>
+      </p:nvGrpSpPr>
+      <p:grpSpPr>
+        <a:xfrm>
+          <a:off x="0" y="0"/>
+          <a:ext cx="0" cy="0"/>
+          <a:chOff x="0" y="0"/>
+          <a:chExt cx="0" cy="0"/>
+        </a:xfrm>
+      </p:grpSpPr>
+      <p:sp>
+        <p:nvSpPr>
+          <p:cNvPr id="8" name="Rectangle 7">
+            <a:extLst>
+              <a:ext uri="{FF2B5EF4-FFF2-40B4-BE49-F238E27FC236}">
+                <a16:creationId xmlns:a16="http://schemas.microsoft.com/office/drawing/2014/main" id="{673AC9B0-BF1C-FA87-4895-B9CCC1C33F56}"/>
+              </a:ext>
+            </a:extLst>
+          </p:cNvPr>
+          <p:cNvSpPr/>
+          <p:nvPr/>
+        </p:nvSpPr>
+        <p:spPr>
+          <a:xfrm>
+            <a:off x="5517931" y="944652"/>
+            <a:ext cx="252248" cy="5559972"/>
+          </a:xfrm>
+          <a:prstGeom prst="rect">
+            <a:avLst/>
+          </a:prstGeom>
+          <a:ln>
+            <a:noFill/>
+          </a:ln>
+        </p:spPr>
+        <p:style>
+          <a:lnRef idx="2">
+            <a:schemeClr val="accent1">
+              <a:shade val="15000"/>
+            </a:schemeClr>
+          </a:lnRef>
+          <a:fillRef idx="1">
+            <a:schemeClr val="accent1"/>
+          </a:fillRef>
+          <a:effectRef idx="0">
+            <a:schemeClr val="accent1"/>
+          </a:effectRef>
+          <a:fontRef idx="minor">
+            <a:schemeClr val="lt1"/>
+          </a:fontRef>
+        </p:style>
+        <p:txBody>
+          <a:bodyPr rtlCol="0" anchor="ctr"/>
+          <a:lstStyle/>
+          <a:p>
+            <a:pPr algn="ctr"/>
+            <a:r>
+              <a:rPr lang="en-US"/>
+              <a:t>ChatGPT</a:t>
+            </a:r>
+            <a:endParaRPr lang="en-US" dirty="0"/>
+          </a:p>
+        </p:txBody>
+      </p:sp>
+      <p:sp>
+        <p:nvSpPr>
+          <p:cNvPr id="12" name="Rectangle 11">
+            <a:extLst>
+              <a:ext uri="{FF2B5EF4-FFF2-40B4-BE49-F238E27FC236}">
+                <a16:creationId xmlns:a16="http://schemas.microsoft.com/office/drawing/2014/main" id="{50957F94-A281-CC1F-8B41-C603B3A398C7}"/>
+              </a:ext>
+            </a:extLst>
+          </p:cNvPr>
+          <p:cNvSpPr/>
+          <p:nvPr/>
+        </p:nvSpPr>
+        <p:spPr>
+          <a:xfrm>
+            <a:off x="7809187" y="944652"/>
+            <a:ext cx="252248" cy="5559972"/>
+          </a:xfrm>
+          <a:prstGeom prst="rect">
+            <a:avLst/>
+          </a:prstGeom>
+          <a:ln>
+            <a:noFill/>
+          </a:ln>
+        </p:spPr>
+        <p:style>
+          <a:lnRef idx="2">
+            <a:schemeClr val="accent1">
+              <a:shade val="15000"/>
+            </a:schemeClr>
+          </a:lnRef>
+          <a:fillRef idx="1">
+            <a:schemeClr val="accent1"/>
+          </a:fillRef>
+          <a:effectRef idx="0">
+            <a:schemeClr val="accent1"/>
+          </a:effectRef>
+          <a:fontRef idx="minor">
+            <a:schemeClr val="lt1"/>
+          </a:fontRef>
+        </p:style>
+        <p:txBody>
+          <a:bodyPr rtlCol="0" anchor="ctr"/>
+          <a:lstStyle/>
+          <a:p>
+            <a:pPr algn="ctr"/>
+            <a:r>
+              <a:rPr lang="en-US"/>
+              <a:t>ChatGPT</a:t>
+            </a:r>
+            <a:endParaRPr lang="en-US" dirty="0"/>
+          </a:p>
+        </p:txBody>
+      </p:sp>
+      <p:sp>
+        <p:nvSpPr>
+          <p:cNvPr id="17" name="Hexagon 16">
+            <a:extLst>
+              <a:ext uri="{FF2B5EF4-FFF2-40B4-BE49-F238E27FC236}">
+                <a16:creationId xmlns:a16="http://schemas.microsoft.com/office/drawing/2014/main" id="{FA96D078-4A75-AF52-A5A7-936F5EC50B69}"/>
+              </a:ext>
+            </a:extLst>
+          </p:cNvPr>
+          <p:cNvSpPr/>
+          <p:nvPr/>
+        </p:nvSpPr>
+        <p:spPr>
+          <a:xfrm>
+            <a:off x="8282154" y="1402706"/>
+            <a:ext cx="1818289" cy="441435"/>
+          </a:xfrm>
+          <a:prstGeom prst="hexagon">
+            <a:avLst/>
+          </a:prstGeom>
+        </p:spPr>
+        <p:style>
+          <a:lnRef idx="2">
+            <a:schemeClr val="accent1">
+              <a:shade val="15000"/>
+            </a:schemeClr>
+          </a:lnRef>
+          <a:fillRef idx="1">
+            <a:schemeClr val="accent1"/>
+          </a:fillRef>
+          <a:effectRef idx="0">
+            <a:schemeClr val="accent1"/>
+          </a:effectRef>
+          <a:fontRef idx="minor">
+            <a:schemeClr val="lt1"/>
+          </a:fontRef>
+        </p:style>
+        <p:txBody>
+          <a:bodyPr rtlCol="0" anchor="ctr"/>
+          <a:lstStyle/>
+          <a:p>
+            <a:pPr algn="ctr"/>
+            <a:r>
+              <a:rPr lang="en-US" dirty="0"/>
+              <a:t>Text</a:t>
+            </a:r>
+          </a:p>
+        </p:txBody>
+      </p:sp>
+      <p:sp>
+        <p:nvSpPr>
+          <p:cNvPr id="24" name="Rectangle 23">
+            <a:extLst>
+              <a:ext uri="{FF2B5EF4-FFF2-40B4-BE49-F238E27FC236}">
+                <a16:creationId xmlns:a16="http://schemas.microsoft.com/office/drawing/2014/main" id="{C6B66B7B-8A9A-45E9-A1A4-ADF998CDE356}"/>
+              </a:ext>
+            </a:extLst>
+          </p:cNvPr>
+          <p:cNvSpPr/>
+          <p:nvPr/>
+        </p:nvSpPr>
+        <p:spPr>
+          <a:xfrm>
+            <a:off x="5517931" y="603068"/>
+            <a:ext cx="2543504" cy="337610"/>
+          </a:xfrm>
+          <a:prstGeom prst="rect">
+            <a:avLst/>
+          </a:prstGeom>
+          <a:ln>
+            <a:noFill/>
+          </a:ln>
+        </p:spPr>
+        <p:style>
+          <a:lnRef idx="2">
+            <a:schemeClr val="accent1">
+              <a:shade val="15000"/>
+            </a:schemeClr>
+          </a:lnRef>
+          <a:fillRef idx="1">
+            <a:schemeClr val="accent1"/>
+          </a:fillRef>
+          <a:effectRef idx="0">
+            <a:schemeClr val="accent1"/>
+          </a:effectRef>
+          <a:fontRef idx="minor">
+            <a:schemeClr val="lt1"/>
+          </a:fontRef>
+        </p:style>
+        <p:txBody>
+          <a:bodyPr rtlCol="0" anchor="ctr"/>
+          <a:lstStyle/>
+          <a:p>
+            <a:pPr algn="ctr"/>
+            <a:r>
+              <a:rPr lang="en-US"/>
+              <a:t>ChatGPT</a:t>
+            </a:r>
+            <a:endParaRPr lang="en-US" dirty="0"/>
+          </a:p>
+        </p:txBody>
+      </p:sp>
+      <p:sp>
+        <p:nvSpPr>
+          <p:cNvPr id="25" name="Rectangle 24">
+            <a:extLst>
+              <a:ext uri="{FF2B5EF4-FFF2-40B4-BE49-F238E27FC236}">
+                <a16:creationId xmlns:a16="http://schemas.microsoft.com/office/drawing/2014/main" id="{F2BFB72A-8B8E-60FC-36F0-54FC2E423E32}"/>
+              </a:ext>
+            </a:extLst>
+          </p:cNvPr>
+          <p:cNvSpPr/>
+          <p:nvPr/>
+        </p:nvSpPr>
+        <p:spPr>
+          <a:xfrm>
+            <a:off x="5517931" y="6415073"/>
+            <a:ext cx="2543504" cy="337610"/>
+          </a:xfrm>
+          <a:prstGeom prst="rect">
+            <a:avLst/>
+          </a:prstGeom>
+          <a:ln>
+            <a:noFill/>
+          </a:ln>
+        </p:spPr>
+        <p:style>
+          <a:lnRef idx="2">
+            <a:schemeClr val="accent1">
+              <a:shade val="15000"/>
+            </a:schemeClr>
+          </a:lnRef>
+          <a:fillRef idx="1">
+            <a:schemeClr val="accent1"/>
+          </a:fillRef>
+          <a:effectRef idx="0">
+            <a:schemeClr val="accent1"/>
+          </a:effectRef>
+          <a:fontRef idx="minor">
+            <a:schemeClr val="lt1"/>
+          </a:fontRef>
+        </p:style>
+        <p:txBody>
+          <a:bodyPr rtlCol="0" anchor="ctr"/>
+          <a:lstStyle/>
+          <a:p>
+            <a:pPr algn="ctr"/>
+            <a:r>
+              <a:rPr lang="en-US"/>
+              <a:t>ChatGPT</a:t>
+            </a:r>
+            <a:endParaRPr lang="en-US" dirty="0"/>
+          </a:p>
+        </p:txBody>
+      </p:sp>
+      <p:sp>
+        <p:nvSpPr>
+          <p:cNvPr id="38" name="Rounded Rectangle 37">
+            <a:extLst>
+              <a:ext uri="{FF2B5EF4-FFF2-40B4-BE49-F238E27FC236}">
+                <a16:creationId xmlns:a16="http://schemas.microsoft.com/office/drawing/2014/main" id="{3B8E8D51-F560-D08F-46ED-72D4FE337020}"/>
+              </a:ext>
+            </a:extLst>
+          </p:cNvPr>
+          <p:cNvSpPr/>
+          <p:nvPr/>
+        </p:nvSpPr>
+        <p:spPr>
+          <a:xfrm>
+            <a:off x="6072346" y="998057"/>
+            <a:ext cx="1418897" cy="1250732"/>
+          </a:xfrm>
+          <a:prstGeom prst="roundRect">
+            <a:avLst/>
+          </a:prstGeom>
+          <a:ln>
+            <a:noFill/>
+          </a:ln>
+        </p:spPr>
+        <p:style>
+          <a:lnRef idx="2">
+            <a:schemeClr val="accent1">
+              <a:shade val="15000"/>
+            </a:schemeClr>
+          </a:lnRef>
+          <a:fillRef idx="1">
+            <a:schemeClr val="accent1"/>
+          </a:fillRef>
+          <a:effectRef idx="0">
+            <a:schemeClr val="accent1"/>
+          </a:effectRef>
+          <a:fontRef idx="minor">
+            <a:schemeClr val="lt1"/>
+          </a:fontRef>
+        </p:style>
+        <p:txBody>
+          <a:bodyPr rtlCol="0" anchor="ctr"/>
+          <a:lstStyle/>
+          <a:p>
+            <a:pPr algn="ctr"/>
+            <a:r>
+              <a:rPr lang="en-US"/>
+              <a:t>LLM</a:t>
+            </a:r>
+            <a:endParaRPr lang="en-US" dirty="0"/>
+          </a:p>
+        </p:txBody>
+      </p:sp>
+      <p:sp>
+        <p:nvSpPr>
+          <p:cNvPr id="39" name="Pentagon 38">
+            <a:extLst>
+              <a:ext uri="{FF2B5EF4-FFF2-40B4-BE49-F238E27FC236}">
+                <a16:creationId xmlns:a16="http://schemas.microsoft.com/office/drawing/2014/main" id="{714CAEDE-9AA3-873C-547D-F204C0460A99}"/>
+              </a:ext>
+            </a:extLst>
+          </p:cNvPr>
+          <p:cNvSpPr/>
+          <p:nvPr/>
+        </p:nvSpPr>
+        <p:spPr>
+          <a:xfrm>
+            <a:off x="3246450" y="1339288"/>
+            <a:ext cx="2125009" cy="568270"/>
+          </a:xfrm>
+          <a:prstGeom prst="homePlate">
+            <a:avLst/>
+          </a:prstGeom>
+        </p:spPr>
+        <p:style>
+          <a:lnRef idx="2">
+            <a:schemeClr val="accent1">
+              <a:shade val="15000"/>
+            </a:schemeClr>
+          </a:lnRef>
+          <a:fillRef idx="1">
+            <a:schemeClr val="accent1"/>
+          </a:fillRef>
+          <a:effectRef idx="0">
+            <a:schemeClr val="accent1"/>
+          </a:effectRef>
+          <a:fontRef idx="minor">
+            <a:schemeClr val="lt1"/>
+          </a:fontRef>
+        </p:style>
+        <p:txBody>
+          <a:bodyPr rtlCol="0" anchor="ctr"/>
+          <a:lstStyle/>
+          <a:p>
+            <a:pPr algn="ctr"/>
+            <a:r>
+              <a:rPr lang="en-US" dirty="0">
+                <a:solidFill>
+                  <a:schemeClr val="accent1">
+                    <a:lumMod val="20000"/>
+                    <a:lumOff val="80000"/>
+                  </a:schemeClr>
+                </a:solidFill>
+              </a:rPr>
+              <a:t>(Zero shot</a:t>
+            </a:r>
+            <a:r>
+              <a:rPr lang="en-US" dirty="0">
+                <a:solidFill>
+                  <a:schemeClr val="tx1">
+                    <a:lumMod val="50000"/>
+                    <a:lumOff val="50000"/>
+                  </a:schemeClr>
+                </a:solidFill>
+              </a:rPr>
+              <a:t>)</a:t>
+            </a:r>
+            <a:r>
+              <a:rPr lang="en-US" dirty="0"/>
+              <a:t> Question</a:t>
+            </a:r>
+          </a:p>
+        </p:txBody>
+      </p:sp>
+      <p:sp>
+        <p:nvSpPr>
+          <p:cNvPr id="3" name="TextBox 2">
+            <a:extLst>
+              <a:ext uri="{FF2B5EF4-FFF2-40B4-BE49-F238E27FC236}">
+                <a16:creationId xmlns:a16="http://schemas.microsoft.com/office/drawing/2014/main" id="{B76BF725-8D4B-F5EA-0400-9D8DCFD1300A}"/>
+              </a:ext>
+            </a:extLst>
+          </p:cNvPr>
+          <p:cNvSpPr txBox="1"/>
+          <p:nvPr/>
+        </p:nvSpPr>
+        <p:spPr>
+          <a:xfrm>
+            <a:off x="777023" y="2248789"/>
+            <a:ext cx="4520189" cy="646331"/>
+          </a:xfrm>
+          <a:prstGeom prst="rect">
+            <a:avLst/>
+          </a:prstGeom>
+          <a:noFill/>
+        </p:spPr>
+        <p:txBody>
+          <a:bodyPr wrap="square">
+            <a:spAutoFit/>
+          </a:bodyPr>
+          <a:lstStyle/>
+          <a:p>
+            <a:pPr algn="ctr"/>
+            <a:r>
+              <a:rPr lang="en-US" b="0" i="0" dirty="0">
+                <a:solidFill>
+                  <a:srgbClr val="0D0D0D"/>
+                </a:solidFill>
+                <a:effectLst/>
+                <a:highlight>
+                  <a:srgbClr val="FFFFFF"/>
+                </a:highlight>
+                <a:latin typeface="Söhne"/>
+              </a:rPr>
+              <a:t>Write me a session submission for agile 2024.</a:t>
+            </a:r>
+          </a:p>
+          <a:p>
+            <a:pPr algn="ctr"/>
+            <a:r>
+              <a:rPr lang="en-US" dirty="0">
+                <a:solidFill>
+                  <a:srgbClr val="0D0D0D"/>
+                </a:solidFill>
+                <a:highlight>
+                  <a:srgbClr val="FFFFFF"/>
+                </a:highlight>
+                <a:latin typeface="Söhne"/>
+              </a:rPr>
+              <a:t>My talk is titled  "TDD with </a:t>
+            </a:r>
+            <a:r>
+              <a:rPr lang="en-US" dirty="0" err="1">
+                <a:solidFill>
+                  <a:srgbClr val="0D0D0D"/>
+                </a:solidFill>
+                <a:highlight>
+                  <a:srgbClr val="FFFFFF"/>
+                </a:highlight>
+                <a:latin typeface="Söhne"/>
+              </a:rPr>
+              <a:t>ChatGPT</a:t>
+            </a:r>
+            <a:r>
+              <a:rPr lang="en-US" dirty="0">
+                <a:solidFill>
+                  <a:srgbClr val="0D0D0D"/>
+                </a:solidFill>
+                <a:highlight>
+                  <a:srgbClr val="FFFFFF"/>
+                </a:highlight>
+                <a:latin typeface="Söhne"/>
+              </a:rPr>
+              <a:t>"</a:t>
+            </a:r>
+            <a:endParaRPr lang="en-US" dirty="0"/>
+          </a:p>
+        </p:txBody>
+      </p:sp>
+      <p:sp>
+        <p:nvSpPr>
+          <p:cNvPr id="5" name="Multiply 4">
+            <a:extLst>
+              <a:ext uri="{FF2B5EF4-FFF2-40B4-BE49-F238E27FC236}">
+                <a16:creationId xmlns:a16="http://schemas.microsoft.com/office/drawing/2014/main" id="{EDF0C2A5-0B97-C5AD-B502-64386BEE0C77}"/>
+              </a:ext>
+            </a:extLst>
+          </p:cNvPr>
+          <p:cNvSpPr/>
+          <p:nvPr/>
+        </p:nvSpPr>
+        <p:spPr>
+          <a:xfrm>
+            <a:off x="3752700" y="694495"/>
+            <a:ext cx="6058188" cy="6058188"/>
+          </a:xfrm>
+          <a:prstGeom prst="mathMultiply">
+            <a:avLst/>
+          </a:prstGeom>
+          <a:solidFill>
+            <a:srgbClr val="C00000">
+              <a:alpha val="50196"/>
+            </a:srgbClr>
+          </a:solidFill>
+          <a:ln>
+            <a:noFill/>
+          </a:ln>
+        </p:spPr>
+        <p:style>
+          <a:lnRef idx="2">
+            <a:schemeClr val="accent1">
+              <a:shade val="15000"/>
+            </a:schemeClr>
+          </a:lnRef>
+          <a:fillRef idx="1">
+            <a:schemeClr val="accent1"/>
+          </a:fillRef>
+          <a:effectRef idx="0">
+            <a:schemeClr val="accent1"/>
+          </a:effectRef>
+          <a:fontRef idx="minor">
+            <a:schemeClr val="lt1"/>
+          </a:fontRef>
+        </p:style>
+        <p:txBody>
+          <a:bodyPr rtlCol="0" anchor="ctr"/>
+          <a:lstStyle/>
+          <a:p>
+            <a:pPr algn="ctr"/>
+            <a:endParaRPr lang="en-US"/>
+          </a:p>
+        </p:txBody>
+      </p:sp>
+    </p:spTree>
+    <p:extLst>
+      <p:ext uri="{BB962C8B-B14F-4D97-AF65-F5344CB8AC3E}">
+        <p14:creationId xmlns:p14="http://schemas.microsoft.com/office/powerpoint/2010/main" val="2515361968"/>
+      </p:ext>
+    </p:extLst>
+  </p:cSld>
+  <p:clrMapOvr>
+    <a:masterClrMapping/>
+  </p:clrMapOvr>
+  <p:timing>
+    <p:tnLst>
+      <p:par>
+        <p:cTn id="1" dur="indefinite" restart="never" nodeType="tmRoot">
+          <p:childTnLst>
+            <p:seq concurrent="1" nextAc="seek">
+              <p:cTn id="2" dur="indefinite" nodeType="mainSeq">
+                <p:childTnLst>
+                  <p:par>
+                    <p:cTn id="3" fill="hold">
+                      <p:stCondLst>
+                        <p:cond delay="indefinite"/>
+                      </p:stCondLst>
+                      <p:childTnLst>
+                        <p:par>
+                          <p:cTn id="4" fill="hold">
+                            <p:stCondLst>
+                              <p:cond delay="0"/>
+                            </p:stCondLst>
+                            <p:childTnLst>
+                              <p:par>
+                                <p:cTn id="5" presetID="1" presetClass="entr" presetSubtype="0" fill="hold" grpId="0" nodeType="clickEffect">
+                                  <p:stCondLst>
+                                    <p:cond delay="0"/>
+                                  </p:stCondLst>
+                                  <p:childTnLst>
+                                    <p:set>
+                                      <p:cBhvr>
+                                        <p:cTn id="6" dur="1" fill="hold">
+                                          <p:stCondLst>
+                                            <p:cond delay="0"/>
+                                          </p:stCondLst>
+                                        </p:cTn>
+                                        <p:tgtEl>
+                                          <p:spTgt spid="5"/>
+                                        </p:tgtEl>
+                                        <p:attrNameLst>
+                                          <p:attrName>style.visibility</p:attrName>
+                                        </p:attrNameLst>
+                                      </p:cBhvr>
+                                      <p:to>
+                                        <p:strVal val="visible"/>
+                                      </p:to>
+                                    </p:set>
+                                  </p:childTnLst>
+                                </p:cTn>
+                              </p:par>
+                            </p:childTnLst>
+                          </p:cTn>
+                        </p:par>
+                      </p:childTnLst>
+                    </p:cTn>
+                  </p:par>
+                </p:childTnLst>
+              </p:cTn>
+              <p:prevCondLst>
+                <p:cond evt="onPrev" delay="0">
+                  <p:tgtEl>
+                    <p:sldTgt/>
+                  </p:tgtEl>
+                </p:cond>
+              </p:prevCondLst>
+              <p:nextCondLst>
+                <p:cond evt="onNext" delay="0">
+                  <p:tgtEl>
+                    <p:sldTgt/>
+                  </p:tgtEl>
+                </p:cond>
+              </p:nextCondLst>
+            </p:seq>
+          </p:childTnLst>
+        </p:cTn>
+      </p:par>
+    </p:tnLst>
+    <p:bldLst>
+      <p:bldP spid="5" grpId="0" animBg="1"/>
+    </p:bldLst>
+  </p:timing>
+</p:sld>
+</file>
+
+<file path=ppt/slides/slide28.xml><?xml version="1.0" encoding="utf-8"?>
+<p:sld xmlns:a="http://schemas.openxmlformats.org/drawingml/2006/main" xmlns:r="http://schemas.openxmlformats.org/officeDocument/2006/relationships" xmlns:p="http://schemas.openxmlformats.org/presentationml/2006/main">
+  <p:cSld>
+    <p:spTree>
+      <p:nvGrpSpPr>
+        <p:cNvPr id="1" name=""/>
+        <p:cNvGrpSpPr/>
+        <p:nvPr/>
+      </p:nvGrpSpPr>
+      <p:grpSpPr>
+        <a:xfrm>
+          <a:off x="0" y="0"/>
+          <a:ext cx="0" cy="0"/>
+          <a:chOff x="0" y="0"/>
+          <a:chExt cx="0" cy="0"/>
+        </a:xfrm>
+      </p:grpSpPr>
+      <p:sp>
+        <p:nvSpPr>
+          <p:cNvPr id="8" name="Rectangle 7">
+            <a:extLst>
+              <a:ext uri="{FF2B5EF4-FFF2-40B4-BE49-F238E27FC236}">
+                <a16:creationId xmlns:a16="http://schemas.microsoft.com/office/drawing/2014/main" id="{673AC9B0-BF1C-FA87-4895-B9CCC1C33F56}"/>
+              </a:ext>
+            </a:extLst>
+          </p:cNvPr>
+          <p:cNvSpPr/>
+          <p:nvPr/>
+        </p:nvSpPr>
+        <p:spPr>
+          <a:xfrm>
+            <a:off x="5517931" y="944652"/>
+            <a:ext cx="252248" cy="5559972"/>
+          </a:xfrm>
+          <a:prstGeom prst="rect">
+            <a:avLst/>
+          </a:prstGeom>
+          <a:ln>
+            <a:noFill/>
+          </a:ln>
+        </p:spPr>
+        <p:style>
+          <a:lnRef idx="2">
+            <a:schemeClr val="accent1">
+              <a:shade val="15000"/>
+            </a:schemeClr>
+          </a:lnRef>
+          <a:fillRef idx="1">
+            <a:schemeClr val="accent1"/>
+          </a:fillRef>
+          <a:effectRef idx="0">
+            <a:schemeClr val="accent1"/>
+          </a:effectRef>
+          <a:fontRef idx="minor">
+            <a:schemeClr val="lt1"/>
+          </a:fontRef>
+        </p:style>
+        <p:txBody>
+          <a:bodyPr rtlCol="0" anchor="ctr"/>
+          <a:lstStyle/>
+          <a:p>
+            <a:pPr algn="ctr"/>
+            <a:r>
+              <a:rPr lang="en-US"/>
+              <a:t>ChatGPT</a:t>
+            </a:r>
+            <a:endParaRPr lang="en-US" dirty="0"/>
+          </a:p>
+        </p:txBody>
+      </p:sp>
+      <p:sp>
+        <p:nvSpPr>
+          <p:cNvPr id="12" name="Rectangle 11">
+            <a:extLst>
+              <a:ext uri="{FF2B5EF4-FFF2-40B4-BE49-F238E27FC236}">
+                <a16:creationId xmlns:a16="http://schemas.microsoft.com/office/drawing/2014/main" id="{50957F94-A281-CC1F-8B41-C603B3A398C7}"/>
+              </a:ext>
+            </a:extLst>
+          </p:cNvPr>
+          <p:cNvSpPr/>
+          <p:nvPr/>
+        </p:nvSpPr>
+        <p:spPr>
+          <a:xfrm>
+            <a:off x="7809187" y="944652"/>
+            <a:ext cx="252248" cy="5559972"/>
+          </a:xfrm>
+          <a:prstGeom prst="rect">
+            <a:avLst/>
+          </a:prstGeom>
+          <a:ln>
+            <a:noFill/>
+          </a:ln>
+        </p:spPr>
+        <p:style>
+          <a:lnRef idx="2">
+            <a:schemeClr val="accent1">
+              <a:shade val="15000"/>
+            </a:schemeClr>
+          </a:lnRef>
+          <a:fillRef idx="1">
+            <a:schemeClr val="accent1"/>
+          </a:fillRef>
+          <a:effectRef idx="0">
+            <a:schemeClr val="accent1"/>
+          </a:effectRef>
+          <a:fontRef idx="minor">
+            <a:schemeClr val="lt1"/>
+          </a:fontRef>
+        </p:style>
+        <p:txBody>
+          <a:bodyPr rtlCol="0" anchor="ctr"/>
+          <a:lstStyle/>
+          <a:p>
+            <a:pPr algn="ctr"/>
+            <a:r>
+              <a:rPr lang="en-US"/>
+              <a:t>ChatGPT</a:t>
+            </a:r>
+            <a:endParaRPr lang="en-US" dirty="0"/>
+          </a:p>
+        </p:txBody>
+      </p:sp>
+      <p:sp>
+        <p:nvSpPr>
+          <p:cNvPr id="17" name="Hexagon 16">
+            <a:extLst>
+              <a:ext uri="{FF2B5EF4-FFF2-40B4-BE49-F238E27FC236}">
+                <a16:creationId xmlns:a16="http://schemas.microsoft.com/office/drawing/2014/main" id="{FA96D078-4A75-AF52-A5A7-936F5EC50B69}"/>
+              </a:ext>
+            </a:extLst>
+          </p:cNvPr>
+          <p:cNvSpPr/>
+          <p:nvPr/>
+        </p:nvSpPr>
+        <p:spPr>
+          <a:xfrm>
+            <a:off x="8282154" y="1402706"/>
+            <a:ext cx="1818289" cy="441435"/>
+          </a:xfrm>
+          <a:prstGeom prst="hexagon">
+            <a:avLst/>
+          </a:prstGeom>
+        </p:spPr>
+        <p:style>
+          <a:lnRef idx="2">
+            <a:schemeClr val="accent1">
+              <a:shade val="15000"/>
+            </a:schemeClr>
+          </a:lnRef>
+          <a:fillRef idx="1">
+            <a:schemeClr val="accent1"/>
+          </a:fillRef>
+          <a:effectRef idx="0">
+            <a:schemeClr val="accent1"/>
+          </a:effectRef>
+          <a:fontRef idx="minor">
+            <a:schemeClr val="lt1"/>
+          </a:fontRef>
+        </p:style>
+        <p:txBody>
+          <a:bodyPr rtlCol="0" anchor="ctr"/>
+          <a:lstStyle/>
+          <a:p>
+            <a:pPr algn="ctr"/>
+            <a:r>
+              <a:rPr lang="en-US" dirty="0"/>
+              <a:t>Text</a:t>
+            </a:r>
+          </a:p>
+        </p:txBody>
+      </p:sp>
+      <p:sp>
+        <p:nvSpPr>
+          <p:cNvPr id="24" name="Rectangle 23">
+            <a:extLst>
+              <a:ext uri="{FF2B5EF4-FFF2-40B4-BE49-F238E27FC236}">
+                <a16:creationId xmlns:a16="http://schemas.microsoft.com/office/drawing/2014/main" id="{C6B66B7B-8A9A-45E9-A1A4-ADF998CDE356}"/>
+              </a:ext>
+            </a:extLst>
+          </p:cNvPr>
+          <p:cNvSpPr/>
+          <p:nvPr/>
+        </p:nvSpPr>
+        <p:spPr>
+          <a:xfrm>
+            <a:off x="5517931" y="603068"/>
+            <a:ext cx="2543504" cy="337610"/>
+          </a:xfrm>
+          <a:prstGeom prst="rect">
+            <a:avLst/>
+          </a:prstGeom>
+          <a:ln>
+            <a:noFill/>
+          </a:ln>
+        </p:spPr>
+        <p:style>
+          <a:lnRef idx="2">
+            <a:schemeClr val="accent1">
+              <a:shade val="15000"/>
+            </a:schemeClr>
+          </a:lnRef>
+          <a:fillRef idx="1">
+            <a:schemeClr val="accent1"/>
+          </a:fillRef>
+          <a:effectRef idx="0">
+            <a:schemeClr val="accent1"/>
+          </a:effectRef>
+          <a:fontRef idx="minor">
+            <a:schemeClr val="lt1"/>
+          </a:fontRef>
+        </p:style>
+        <p:txBody>
+          <a:bodyPr rtlCol="0" anchor="ctr"/>
+          <a:lstStyle/>
+          <a:p>
+            <a:pPr algn="ctr"/>
+            <a:r>
+              <a:rPr lang="en-US"/>
+              <a:t>ChatGPT</a:t>
+            </a:r>
+            <a:endParaRPr lang="en-US" dirty="0"/>
+          </a:p>
+        </p:txBody>
+      </p:sp>
+      <p:sp>
+        <p:nvSpPr>
+          <p:cNvPr id="25" name="Rectangle 24">
+            <a:extLst>
+              <a:ext uri="{FF2B5EF4-FFF2-40B4-BE49-F238E27FC236}">
+                <a16:creationId xmlns:a16="http://schemas.microsoft.com/office/drawing/2014/main" id="{F2BFB72A-8B8E-60FC-36F0-54FC2E423E32}"/>
+              </a:ext>
+            </a:extLst>
+          </p:cNvPr>
+          <p:cNvSpPr/>
+          <p:nvPr/>
+        </p:nvSpPr>
+        <p:spPr>
+          <a:xfrm>
+            <a:off x="5517931" y="6415073"/>
+            <a:ext cx="2543504" cy="337610"/>
+          </a:xfrm>
+          <a:prstGeom prst="rect">
+            <a:avLst/>
+          </a:prstGeom>
+          <a:ln>
+            <a:noFill/>
+          </a:ln>
+        </p:spPr>
+        <p:style>
+          <a:lnRef idx="2">
+            <a:schemeClr val="accent1">
+              <a:shade val="15000"/>
+            </a:schemeClr>
+          </a:lnRef>
+          <a:fillRef idx="1">
+            <a:schemeClr val="accent1"/>
+          </a:fillRef>
+          <a:effectRef idx="0">
+            <a:schemeClr val="accent1"/>
+          </a:effectRef>
+          <a:fontRef idx="minor">
+            <a:schemeClr val="lt1"/>
+          </a:fontRef>
+        </p:style>
+        <p:txBody>
+          <a:bodyPr rtlCol="0" anchor="ctr"/>
+          <a:lstStyle/>
+          <a:p>
+            <a:pPr algn="ctr"/>
+            <a:r>
+              <a:rPr lang="en-US"/>
+              <a:t>ChatGPT</a:t>
+            </a:r>
+            <a:endParaRPr lang="en-US" dirty="0"/>
+          </a:p>
+        </p:txBody>
+      </p:sp>
+      <p:sp>
+        <p:nvSpPr>
+          <p:cNvPr id="38" name="Rounded Rectangle 37">
+            <a:extLst>
+              <a:ext uri="{FF2B5EF4-FFF2-40B4-BE49-F238E27FC236}">
+                <a16:creationId xmlns:a16="http://schemas.microsoft.com/office/drawing/2014/main" id="{3B8E8D51-F560-D08F-46ED-72D4FE337020}"/>
+              </a:ext>
+            </a:extLst>
+          </p:cNvPr>
+          <p:cNvSpPr/>
+          <p:nvPr/>
+        </p:nvSpPr>
+        <p:spPr>
+          <a:xfrm>
+            <a:off x="6072346" y="998057"/>
+            <a:ext cx="1418897" cy="1250732"/>
+          </a:xfrm>
+          <a:prstGeom prst="roundRect">
+            <a:avLst/>
+          </a:prstGeom>
+          <a:ln>
+            <a:noFill/>
+          </a:ln>
+        </p:spPr>
+        <p:style>
+          <a:lnRef idx="2">
+            <a:schemeClr val="accent1">
+              <a:shade val="15000"/>
+            </a:schemeClr>
+          </a:lnRef>
+          <a:fillRef idx="1">
+            <a:schemeClr val="accent1"/>
+          </a:fillRef>
+          <a:effectRef idx="0">
+            <a:schemeClr val="accent1"/>
+          </a:effectRef>
+          <a:fontRef idx="minor">
+            <a:schemeClr val="lt1"/>
+          </a:fontRef>
+        </p:style>
+        <p:txBody>
+          <a:bodyPr rtlCol="0" anchor="ctr"/>
+          <a:lstStyle/>
+          <a:p>
+            <a:pPr algn="ctr"/>
+            <a:r>
+              <a:rPr lang="en-US"/>
+              <a:t>LLM</a:t>
+            </a:r>
+            <a:endParaRPr lang="en-US" dirty="0"/>
+          </a:p>
+        </p:txBody>
+      </p:sp>
+      <p:sp>
+        <p:nvSpPr>
+          <p:cNvPr id="39" name="Pentagon 38">
+            <a:extLst>
+              <a:ext uri="{FF2B5EF4-FFF2-40B4-BE49-F238E27FC236}">
+                <a16:creationId xmlns:a16="http://schemas.microsoft.com/office/drawing/2014/main" id="{714CAEDE-9AA3-873C-547D-F204C0460A99}"/>
+              </a:ext>
+            </a:extLst>
+          </p:cNvPr>
+          <p:cNvSpPr/>
+          <p:nvPr/>
+        </p:nvSpPr>
+        <p:spPr>
+          <a:xfrm>
+            <a:off x="3246450" y="1339288"/>
+            <a:ext cx="2125009" cy="568270"/>
+          </a:xfrm>
+          <a:prstGeom prst="homePlate">
+            <a:avLst/>
+          </a:prstGeom>
+        </p:spPr>
+        <p:style>
+          <a:lnRef idx="2">
+            <a:schemeClr val="accent1">
+              <a:shade val="15000"/>
+            </a:schemeClr>
+          </a:lnRef>
+          <a:fillRef idx="1">
+            <a:schemeClr val="accent1"/>
+          </a:fillRef>
+          <a:effectRef idx="0">
+            <a:schemeClr val="accent1"/>
+          </a:effectRef>
+          <a:fontRef idx="minor">
+            <a:schemeClr val="lt1"/>
+          </a:fontRef>
+        </p:style>
+        <p:txBody>
+          <a:bodyPr rtlCol="0" anchor="ctr"/>
+          <a:lstStyle/>
+          <a:p>
+            <a:pPr algn="ctr"/>
+            <a:r>
+              <a:rPr lang="en-US" dirty="0"/>
+              <a:t>Interview</a:t>
+            </a:r>
+          </a:p>
+        </p:txBody>
+      </p:sp>
+      <p:sp>
+        <p:nvSpPr>
+          <p:cNvPr id="3" name="TextBox 2">
+            <a:extLst>
+              <a:ext uri="{FF2B5EF4-FFF2-40B4-BE49-F238E27FC236}">
+                <a16:creationId xmlns:a16="http://schemas.microsoft.com/office/drawing/2014/main" id="{B76BF725-8D4B-F5EA-0400-9D8DCFD1300A}"/>
+              </a:ext>
+            </a:extLst>
+          </p:cNvPr>
+          <p:cNvSpPr txBox="1"/>
+          <p:nvPr/>
+        </p:nvSpPr>
+        <p:spPr>
+          <a:xfrm>
+            <a:off x="777023" y="2051079"/>
+            <a:ext cx="4520189" cy="3416320"/>
+          </a:xfrm>
+          <a:prstGeom prst="rect">
+            <a:avLst/>
+          </a:prstGeom>
+          <a:noFill/>
+        </p:spPr>
+        <p:txBody>
+          <a:bodyPr wrap="square">
+            <a:spAutoFit/>
+          </a:bodyPr>
+          <a:lstStyle/>
+          <a:p>
+            <a:r>
+              <a:rPr lang="en-US" b="0" i="0" dirty="0">
+                <a:solidFill>
+                  <a:srgbClr val="0D0D0D"/>
+                </a:solidFill>
+                <a:effectLst/>
+                <a:highlight>
+                  <a:srgbClr val="FFFFFF"/>
+                </a:highlight>
+                <a:latin typeface="Söhne"/>
+              </a:rPr>
+              <a:t>I would like you to interview me about my session for agile 2024.</a:t>
+            </a:r>
+          </a:p>
+          <a:p>
+            <a:endParaRPr lang="en-US" b="0" i="0" dirty="0">
+              <a:solidFill>
+                <a:srgbClr val="0D0D0D"/>
+              </a:solidFill>
+              <a:effectLst/>
+              <a:highlight>
+                <a:srgbClr val="FFFFFF"/>
+              </a:highlight>
+              <a:latin typeface="Söhne"/>
+            </a:endParaRPr>
+          </a:p>
+          <a:p>
+            <a:r>
+              <a:rPr lang="en-US" b="0" i="0" dirty="0">
+                <a:solidFill>
+                  <a:srgbClr val="0D0D0D"/>
+                </a:solidFill>
+                <a:effectLst/>
+                <a:highlight>
+                  <a:srgbClr val="FFFFFF"/>
+                </a:highlight>
+                <a:latin typeface="Söhne"/>
+              </a:rPr>
+              <a:t>1. Ask questions 1 at a time. </a:t>
+            </a:r>
+          </a:p>
+          <a:p>
+            <a:r>
+              <a:rPr lang="en-US" b="0" i="0" dirty="0">
+                <a:solidFill>
+                  <a:srgbClr val="0D0D0D"/>
+                </a:solidFill>
+                <a:effectLst/>
+                <a:highlight>
+                  <a:srgbClr val="FFFFFF"/>
+                </a:highlight>
+                <a:latin typeface="Söhne"/>
+              </a:rPr>
+              <a:t>2. Keeping asking questions until you know enough to craft a session submission. </a:t>
+            </a:r>
+          </a:p>
+          <a:p>
+            <a:r>
+              <a:rPr lang="en-US" dirty="0">
+                <a:solidFill>
+                  <a:srgbClr val="0D0D0D"/>
+                </a:solidFill>
+                <a:highlight>
+                  <a:srgbClr val="FFFFFF"/>
+                </a:highlight>
+                <a:latin typeface="Söhne"/>
+              </a:rPr>
+              <a:t>3. </a:t>
+            </a:r>
+            <a:r>
+              <a:rPr lang="en-US" b="0" i="0" dirty="0">
+                <a:solidFill>
+                  <a:srgbClr val="0D0D0D"/>
+                </a:solidFill>
+                <a:effectLst/>
+                <a:highlight>
+                  <a:srgbClr val="FFFFFF"/>
+                </a:highlight>
+                <a:latin typeface="Söhne"/>
+              </a:rPr>
+              <a:t>When you do say "I'm ready, is there anything else”</a:t>
+            </a:r>
+          </a:p>
+          <a:p>
+            <a:r>
+              <a:rPr lang="en-US" dirty="0">
+                <a:solidFill>
+                  <a:srgbClr val="0D0D0D"/>
+                </a:solidFill>
+                <a:highlight>
+                  <a:srgbClr val="FFFFFF"/>
+                </a:highlight>
+                <a:latin typeface="Söhne"/>
+              </a:rPr>
+              <a:t>4.</a:t>
+            </a:r>
+            <a:r>
+              <a:rPr lang="en-US" b="0" i="0" dirty="0">
+                <a:solidFill>
+                  <a:srgbClr val="0D0D0D"/>
+                </a:solidFill>
+                <a:effectLst/>
+                <a:highlight>
+                  <a:srgbClr val="FFFFFF"/>
+                </a:highlight>
+                <a:latin typeface="Söhne"/>
+              </a:rPr>
+              <a:t> If this makes sense, start with the 1st question.</a:t>
+            </a:r>
+            <a:br>
+              <a:rPr lang="en-US" b="0" i="0" dirty="0">
+                <a:solidFill>
+                  <a:srgbClr val="0D0D0D"/>
+                </a:solidFill>
+                <a:effectLst/>
+                <a:highlight>
+                  <a:srgbClr val="FFFFFF"/>
+                </a:highlight>
+                <a:latin typeface="Söhne"/>
+              </a:rPr>
+            </a:br>
+            <a:endParaRPr lang="en-US" b="0" i="0" dirty="0">
+              <a:solidFill>
+                <a:srgbClr val="0D0D0D"/>
+              </a:solidFill>
+              <a:effectLst/>
+              <a:highlight>
+                <a:srgbClr val="FFFFFF"/>
+              </a:highlight>
+              <a:latin typeface="Söhne"/>
+            </a:endParaRPr>
+          </a:p>
+          <a:p>
+            <a:r>
+              <a:rPr lang="en-US" dirty="0">
+                <a:solidFill>
+                  <a:srgbClr val="0D0D0D"/>
+                </a:solidFill>
+                <a:highlight>
+                  <a:srgbClr val="FFFFFF"/>
+                </a:highlight>
+                <a:latin typeface="Söhne"/>
+              </a:rPr>
+              <a:t>My talk is titled  "TDD with </a:t>
+            </a:r>
+            <a:r>
+              <a:rPr lang="en-US" dirty="0" err="1">
+                <a:solidFill>
+                  <a:srgbClr val="0D0D0D"/>
+                </a:solidFill>
+                <a:highlight>
+                  <a:srgbClr val="FFFFFF"/>
+                </a:highlight>
+                <a:latin typeface="Söhne"/>
+              </a:rPr>
+              <a:t>ChatGPT</a:t>
+            </a:r>
+            <a:r>
+              <a:rPr lang="en-US" dirty="0">
+                <a:solidFill>
+                  <a:srgbClr val="0D0D0D"/>
+                </a:solidFill>
+                <a:highlight>
+                  <a:srgbClr val="FFFFFF"/>
+                </a:highlight>
+                <a:latin typeface="Söhne"/>
+              </a:rPr>
+              <a:t>"</a:t>
+            </a:r>
+            <a:endParaRPr lang="en-US" dirty="0"/>
+          </a:p>
+        </p:txBody>
+      </p:sp>
+      <p:sp>
+        <p:nvSpPr>
+          <p:cNvPr id="2" name="TextBox 1">
+            <a:extLst>
+              <a:ext uri="{FF2B5EF4-FFF2-40B4-BE49-F238E27FC236}">
+                <a16:creationId xmlns:a16="http://schemas.microsoft.com/office/drawing/2014/main" id="{4719CA7B-CCB6-DC32-5C08-EC197B852537}"/>
+              </a:ext>
+            </a:extLst>
+          </p:cNvPr>
+          <p:cNvSpPr txBox="1"/>
+          <p:nvPr/>
+        </p:nvSpPr>
+        <p:spPr>
+          <a:xfrm>
+            <a:off x="8282154" y="2154977"/>
+            <a:ext cx="2245803" cy="369332"/>
+          </a:xfrm>
+          <a:prstGeom prst="rect">
+            <a:avLst/>
+          </a:prstGeom>
+          <a:noFill/>
+        </p:spPr>
+        <p:txBody>
+          <a:bodyPr wrap="square">
+            <a:spAutoFit/>
+          </a:bodyPr>
+          <a:lstStyle/>
+          <a:p>
+            <a:r>
+              <a:rPr lang="en-US" dirty="0">
+                <a:solidFill>
+                  <a:srgbClr val="0D0D0D"/>
+                </a:solidFill>
+                <a:highlight>
+                  <a:srgbClr val="FFFFFF"/>
+                </a:highlight>
+                <a:latin typeface="Söhne"/>
+              </a:rPr>
+              <a:t>… 45 minutes later …</a:t>
+            </a:r>
+            <a:endParaRPr lang="en-US" dirty="0"/>
+          </a:p>
+        </p:txBody>
+      </p:sp>
+      <p:sp>
+        <p:nvSpPr>
+          <p:cNvPr id="4" name="TextBox 3">
+            <a:extLst>
+              <a:ext uri="{FF2B5EF4-FFF2-40B4-BE49-F238E27FC236}">
+                <a16:creationId xmlns:a16="http://schemas.microsoft.com/office/drawing/2014/main" id="{78FDE116-1221-F49D-DBA2-FC48D90D3799}"/>
+              </a:ext>
+            </a:extLst>
+          </p:cNvPr>
+          <p:cNvSpPr txBox="1"/>
+          <p:nvPr/>
+        </p:nvSpPr>
+        <p:spPr>
+          <a:xfrm>
+            <a:off x="8282153" y="2835145"/>
+            <a:ext cx="2245803" cy="646331"/>
+          </a:xfrm>
+          <a:prstGeom prst="rect">
+            <a:avLst/>
+          </a:prstGeom>
+          <a:noFill/>
+        </p:spPr>
+        <p:txBody>
+          <a:bodyPr wrap="square">
+            <a:spAutoFit/>
+          </a:bodyPr>
+          <a:lstStyle/>
+          <a:p>
+            <a:r>
+              <a:rPr lang="en-US" dirty="0">
+                <a:solidFill>
+                  <a:srgbClr val="0D0D0D"/>
+                </a:solidFill>
+                <a:highlight>
+                  <a:srgbClr val="FFFFFF"/>
+                </a:highlight>
+                <a:latin typeface="Söhne"/>
+              </a:rPr>
+              <a:t>…Here’s your session submission</a:t>
+            </a:r>
+            <a:endParaRPr lang="en-US" dirty="0"/>
+          </a:p>
+        </p:txBody>
+      </p:sp>
+      <p:sp>
+        <p:nvSpPr>
+          <p:cNvPr id="6" name="Pentagon 5">
+            <a:extLst>
+              <a:ext uri="{FF2B5EF4-FFF2-40B4-BE49-F238E27FC236}">
+                <a16:creationId xmlns:a16="http://schemas.microsoft.com/office/drawing/2014/main" id="{33E8FF3F-3992-6189-F1F8-E2C10432747F}"/>
+              </a:ext>
+            </a:extLst>
+          </p:cNvPr>
+          <p:cNvSpPr/>
+          <p:nvPr/>
+        </p:nvSpPr>
+        <p:spPr>
+          <a:xfrm>
+            <a:off x="3234093" y="5506993"/>
+            <a:ext cx="2125009" cy="568270"/>
+          </a:xfrm>
+          <a:prstGeom prst="homePlate">
+            <a:avLst/>
+          </a:prstGeom>
+        </p:spPr>
+        <p:style>
+          <a:lnRef idx="2">
+            <a:schemeClr val="accent1">
+              <a:shade val="15000"/>
+            </a:schemeClr>
+          </a:lnRef>
+          <a:fillRef idx="1">
+            <a:schemeClr val="accent1"/>
+          </a:fillRef>
+          <a:effectRef idx="0">
+            <a:schemeClr val="accent1"/>
+          </a:effectRef>
+          <a:fontRef idx="minor">
+            <a:schemeClr val="lt1"/>
+          </a:fontRef>
+        </p:style>
+        <p:txBody>
+          <a:bodyPr rtlCol="0" anchor="ctr"/>
+          <a:lstStyle/>
+          <a:p>
+            <a:pPr algn="ctr"/>
+            <a:r>
+              <a:rPr lang="en-US" dirty="0"/>
+              <a:t>Iterative</a:t>
+            </a:r>
+          </a:p>
+        </p:txBody>
+      </p:sp>
+      <p:sp>
+        <p:nvSpPr>
+          <p:cNvPr id="9" name="TextBox 8">
+            <a:extLst>
+              <a:ext uri="{FF2B5EF4-FFF2-40B4-BE49-F238E27FC236}">
+                <a16:creationId xmlns:a16="http://schemas.microsoft.com/office/drawing/2014/main" id="{1C3A3904-FF92-F390-CA0D-DEB5629E3085}"/>
+              </a:ext>
+            </a:extLst>
+          </p:cNvPr>
+          <p:cNvSpPr txBox="1"/>
+          <p:nvPr/>
+        </p:nvSpPr>
+        <p:spPr>
+          <a:xfrm>
+            <a:off x="695575" y="6091907"/>
+            <a:ext cx="4520189" cy="646331"/>
+          </a:xfrm>
+          <a:prstGeom prst="rect">
+            <a:avLst/>
+          </a:prstGeom>
+          <a:noFill/>
+        </p:spPr>
+        <p:txBody>
+          <a:bodyPr wrap="square">
+            <a:spAutoFit/>
+          </a:bodyPr>
+          <a:lstStyle/>
+          <a:p>
+            <a:r>
+              <a:rPr lang="en-US" dirty="0">
+                <a:solidFill>
+                  <a:srgbClr val="0D0D0D"/>
+                </a:solidFill>
+                <a:highlight>
+                  <a:srgbClr val="FFFFFF"/>
+                </a:highlight>
+                <a:latin typeface="Söhne"/>
+              </a:rPr>
+              <a:t>Can you write it in the voice of </a:t>
+            </a:r>
+          </a:p>
+          <a:p>
+            <a:r>
+              <a:rPr lang="en-US" b="1" dirty="0">
+                <a:solidFill>
+                  <a:srgbClr val="0D0D0D"/>
+                </a:solidFill>
+                <a:highlight>
+                  <a:srgbClr val="FFFFFF"/>
+                </a:highlight>
+                <a:latin typeface="Söhne"/>
+              </a:rPr>
+              <a:t>“Llewellyn Falco”</a:t>
+            </a:r>
+            <a:endParaRPr lang="en-US" b="1" dirty="0"/>
+          </a:p>
+        </p:txBody>
+      </p:sp>
+    </p:spTree>
+    <p:extLst>
+      <p:ext uri="{BB962C8B-B14F-4D97-AF65-F5344CB8AC3E}">
+        <p14:creationId xmlns:p14="http://schemas.microsoft.com/office/powerpoint/2010/main" val="2213470692"/>
+      </p:ext>
+    </p:extLst>
+  </p:cSld>
+  <p:clrMapOvr>
+    <a:masterClrMapping/>
+  </p:clrMapOvr>
+  <p:timing>
+    <p:tnLst>
+      <p:par>
+        <p:cTn id="1" dur="indefinite" restart="never" nodeType="tmRoot">
+          <p:childTnLst>
+            <p:seq concurrent="1" nextAc="seek">
+              <p:cTn id="2" dur="indefinite" nodeType="mainSeq">
+                <p:childTnLst>
+                  <p:par>
+                    <p:cTn id="3" fill="hold">
+                      <p:stCondLst>
+                        <p:cond delay="indefinite"/>
+                      </p:stCondLst>
+                      <p:childTnLst>
+                        <p:par>
+                          <p:cTn id="4" fill="hold">
+                            <p:stCondLst>
+                              <p:cond delay="0"/>
+                            </p:stCondLst>
+                            <p:childTnLst>
+                              <p:par>
+                                <p:cTn id="5" presetID="1" presetClass="entr" presetSubtype="0" fill="hold" grpId="0" nodeType="clickEffect">
+                                  <p:stCondLst>
+                                    <p:cond delay="0"/>
+                                  </p:stCondLst>
+                                  <p:childTnLst>
+                                    <p:set>
+                                      <p:cBhvr>
+                                        <p:cTn id="6" dur="1" fill="hold">
+                                          <p:stCondLst>
+                                            <p:cond delay="0"/>
+                                          </p:stCondLst>
+                                        </p:cTn>
+                                        <p:tgtEl>
+                                          <p:spTgt spid="17"/>
+                                        </p:tgtEl>
+                                        <p:attrNameLst>
+                                          <p:attrName>style.visibility</p:attrName>
+                                        </p:attrNameLst>
+                                      </p:cBhvr>
+                                      <p:to>
+                                        <p:strVal val="visible"/>
+                                      </p:to>
+                                    </p:set>
+                                  </p:childTnLst>
+                                </p:cTn>
+                              </p:par>
+                              <p:par>
+                                <p:cTn id="7" presetID="1" presetClass="entr" presetSubtype="0" fill="hold" grpId="0" nodeType="withEffect">
+                                  <p:stCondLst>
+                                    <p:cond delay="0"/>
+                                  </p:stCondLst>
+                                  <p:childTnLst>
+                                    <p:set>
+                                      <p:cBhvr>
+                                        <p:cTn id="8" dur="1" fill="hold">
+                                          <p:stCondLst>
+                                            <p:cond delay="0"/>
+                                          </p:stCondLst>
+                                        </p:cTn>
+                                        <p:tgtEl>
+                                          <p:spTgt spid="2"/>
+                                        </p:tgtEl>
+                                        <p:attrNameLst>
+                                          <p:attrName>style.visibility</p:attrName>
+                                        </p:attrNameLst>
+                                      </p:cBhvr>
+                                      <p:to>
+                                        <p:strVal val="visible"/>
+                                      </p:to>
+                                    </p:set>
+                                  </p:childTnLst>
+                                </p:cTn>
+                              </p:par>
+                            </p:childTnLst>
+                          </p:cTn>
+                        </p:par>
+                      </p:childTnLst>
+                    </p:cTn>
+                  </p:par>
+                  <p:par>
+                    <p:cTn id="9" fill="hold">
+                      <p:stCondLst>
+                        <p:cond delay="indefinite"/>
+                      </p:stCondLst>
+                      <p:childTnLst>
+                        <p:par>
+                          <p:cTn id="10" fill="hold">
+                            <p:stCondLst>
+                              <p:cond delay="0"/>
+                            </p:stCondLst>
+                            <p:childTnLst>
+                              <p:par>
+                                <p:cTn id="11" presetID="1" presetClass="entr" presetSubtype="0" fill="hold" grpId="0" nodeType="clickEffect">
+                                  <p:stCondLst>
+                                    <p:cond delay="0"/>
+                                  </p:stCondLst>
+                                  <p:childTnLst>
+                                    <p:set>
+                                      <p:cBhvr>
+                                        <p:cTn id="12" dur="1" fill="hold">
+                                          <p:stCondLst>
+                                            <p:cond delay="0"/>
+                                          </p:stCondLst>
+                                        </p:cTn>
+                                        <p:tgtEl>
+                                          <p:spTgt spid="4"/>
+                                        </p:tgtEl>
+                                        <p:attrNameLst>
+                                          <p:attrName>style.visibility</p:attrName>
+                                        </p:attrNameLst>
+                                      </p:cBhvr>
+                                      <p:to>
+                                        <p:strVal val="visible"/>
+                                      </p:to>
+                                    </p:set>
+                                  </p:childTnLst>
+                                </p:cTn>
+                              </p:par>
+                            </p:childTnLst>
+                          </p:cTn>
+                        </p:par>
+                      </p:childTnLst>
+                    </p:cTn>
+                  </p:par>
+                  <p:par>
+                    <p:cTn id="13" fill="hold">
+                      <p:stCondLst>
+                        <p:cond delay="indefinite"/>
+                      </p:stCondLst>
+                      <p:childTnLst>
+                        <p:par>
+                          <p:cTn id="14" fill="hold">
+                            <p:stCondLst>
+                              <p:cond delay="0"/>
+                            </p:stCondLst>
+                            <p:childTnLst>
+                              <p:par>
+                                <p:cTn id="15" presetID="1" presetClass="entr" presetSubtype="0" fill="hold" grpId="0" nodeType="clickEffect">
+                                  <p:stCondLst>
+                                    <p:cond delay="0"/>
+                                  </p:stCondLst>
+                                  <p:childTnLst>
+                                    <p:set>
+                                      <p:cBhvr>
+                                        <p:cTn id="16" dur="1" fill="hold">
+                                          <p:stCondLst>
+                                            <p:cond delay="0"/>
+                                          </p:stCondLst>
+                                        </p:cTn>
+                                        <p:tgtEl>
+                                          <p:spTgt spid="6"/>
+                                        </p:tgtEl>
+                                        <p:attrNameLst>
+                                          <p:attrName>style.visibility</p:attrName>
+                                        </p:attrNameLst>
+                                      </p:cBhvr>
+                                      <p:to>
+                                        <p:strVal val="visible"/>
+                                      </p:to>
+                                    </p:set>
+                                  </p:childTnLst>
+                                </p:cTn>
+                              </p:par>
+                              <p:par>
+                                <p:cTn id="17" presetID="1" presetClass="entr" presetSubtype="0" fill="hold" grpId="0" nodeType="withEffect">
+                                  <p:stCondLst>
+                                    <p:cond delay="0"/>
+                                  </p:stCondLst>
+                                  <p:childTnLst>
+                                    <p:set>
+                                      <p:cBhvr>
+                                        <p:cTn id="18" dur="1" fill="hold">
+                                          <p:stCondLst>
+                                            <p:cond delay="0"/>
+                                          </p:stCondLst>
+                                        </p:cTn>
+                                        <p:tgtEl>
+                                          <p:spTgt spid="9"/>
+                                        </p:tgtEl>
+                                        <p:attrNameLst>
+                                          <p:attrName>style.visibility</p:attrName>
+                                        </p:attrNameLst>
+                                      </p:cBhvr>
+                                      <p:to>
+                                        <p:strVal val="visible"/>
+                                      </p:to>
+                                    </p:set>
+                                  </p:childTnLst>
+                                </p:cTn>
+                              </p:par>
+                            </p:childTnLst>
+                          </p:cTn>
+                        </p:par>
+                      </p:childTnLst>
+                    </p:cTn>
+                  </p:par>
+                </p:childTnLst>
+              </p:cTn>
+              <p:prevCondLst>
+                <p:cond evt="onPrev" delay="0">
+                  <p:tgtEl>
+                    <p:sldTgt/>
+                  </p:tgtEl>
+                </p:cond>
+              </p:prevCondLst>
+              <p:nextCondLst>
+                <p:cond evt="onNext" delay="0">
+                  <p:tgtEl>
+                    <p:sldTgt/>
+                  </p:tgtEl>
+                </p:cond>
+              </p:nextCondLst>
+            </p:seq>
+          </p:childTnLst>
+        </p:cTn>
+      </p:par>
+    </p:tnLst>
+    <p:bldLst>
+      <p:bldP spid="17" grpId="0" animBg="1"/>
+      <p:bldP spid="2" grpId="0"/>
+      <p:bldP spid="4" grpId="0"/>
+      <p:bldP spid="6" grpId="0" animBg="1"/>
+      <p:bldP spid="9" grpId="0"/>
+    </p:bldLst>
+  </p:timing>
+</p:sld>
+</file>
+
+<file path=ppt/slides/slide29.xml><?xml version="1.0" encoding="utf-8"?>
+<p:sld xmlns:a="http://schemas.openxmlformats.org/drawingml/2006/main" xmlns:r="http://schemas.openxmlformats.org/officeDocument/2006/relationships" xmlns:p="http://schemas.openxmlformats.org/presentationml/2006/main">
+  <p:cSld>
+    <p:spTree>
+      <p:nvGrpSpPr>
+        <p:cNvPr id="1" name=""/>
+        <p:cNvGrpSpPr/>
+        <p:nvPr/>
+      </p:nvGrpSpPr>
+      <p:grpSpPr>
+        <a:xfrm>
+          <a:off x="0" y="0"/>
+          <a:ext cx="0" cy="0"/>
+          <a:chOff x="0" y="0"/>
+          <a:chExt cx="0" cy="0"/>
+        </a:xfrm>
+      </p:grpSpPr>
+      <p:sp>
+        <p:nvSpPr>
+          <p:cNvPr id="3" name="Rectangle 2">
+            <a:extLst>
+              <a:ext uri="{FF2B5EF4-FFF2-40B4-BE49-F238E27FC236}">
+                <a16:creationId xmlns:a16="http://schemas.microsoft.com/office/drawing/2014/main" id="{5F8CF9D2-4CAE-7040-EFB4-3015DE83D6E7}"/>
+              </a:ext>
+            </a:extLst>
+          </p:cNvPr>
+          <p:cNvSpPr/>
+          <p:nvPr/>
+        </p:nvSpPr>
+        <p:spPr>
+          <a:xfrm>
+            <a:off x="0" y="0"/>
+            <a:ext cx="12192000" cy="6858000"/>
+          </a:xfrm>
+          <a:prstGeom prst="rect">
+            <a:avLst/>
+          </a:prstGeom>
+          <a:solidFill>
+            <a:srgbClr val="6488AA"/>
+          </a:solidFill>
+        </p:spPr>
+        <p:style>
+          <a:lnRef idx="2">
+            <a:schemeClr val="accent1">
+              <a:shade val="15000"/>
+            </a:schemeClr>
+          </a:lnRef>
+          <a:fillRef idx="1">
+            <a:schemeClr val="accent1"/>
+          </a:fillRef>
+          <a:effectRef idx="0">
+            <a:schemeClr val="accent1"/>
+          </a:effectRef>
+          <a:fontRef idx="minor">
+            <a:schemeClr val="lt1"/>
+          </a:fontRef>
+        </p:style>
+        <p:txBody>
+          <a:bodyPr rtlCol="0" anchor="ctr"/>
+          <a:lstStyle/>
+          <a:p>
+            <a:pPr algn="ctr"/>
+            <a:endParaRPr lang="en-US"/>
+          </a:p>
+        </p:txBody>
+      </p:sp>
+      <p:pic>
+        <p:nvPicPr>
+          <p:cNvPr id="2" name="Picture 1">
+            <a:extLst>
+              <a:ext uri="{FF2B5EF4-FFF2-40B4-BE49-F238E27FC236}">
+                <a16:creationId xmlns:a16="http://schemas.microsoft.com/office/drawing/2014/main" id="{250F7CDA-188A-B440-547D-49D36673A568}"/>
+              </a:ext>
+            </a:extLst>
+          </p:cNvPr>
+          <p:cNvPicPr>
+            <a:picLocks noChangeAspect="1"/>
+          </p:cNvPicPr>
+          <p:nvPr/>
+        </p:nvPicPr>
+        <p:blipFill>
+          <a:blip r:embed="rId2"/>
+          <a:stretch>
+            <a:fillRect/>
+          </a:stretch>
+        </p:blipFill>
+        <p:spPr>
+          <a:xfrm>
+            <a:off x="2853041" y="0"/>
+            <a:ext cx="6485917" cy="6858000"/>
+          </a:xfrm>
+          <a:prstGeom prst="rect">
+            <a:avLst/>
+          </a:prstGeom>
+        </p:spPr>
+      </p:pic>
+    </p:spTree>
+    <p:extLst>
+      <p:ext uri="{BB962C8B-B14F-4D97-AF65-F5344CB8AC3E}">
+        <p14:creationId xmlns:p14="http://schemas.microsoft.com/office/powerpoint/2010/main" val="370678946"/>
       </p:ext>
     </p:extLst>
   </p:cSld>
@@ -10474,6 +12866,3397 @@
     <p:extLst>
       <p:ext uri="{BB962C8B-B14F-4D97-AF65-F5344CB8AC3E}">
         <p14:creationId xmlns:p14="http://schemas.microsoft.com/office/powerpoint/2010/main" val="132786515"/>
+      </p:ext>
+    </p:extLst>
+  </p:cSld>
+  <p:clrMapOvr>
+    <a:masterClrMapping/>
+  </p:clrMapOvr>
+</p:sld>
+</file>
+
+<file path=ppt/slides/slide30.xml><?xml version="1.0" encoding="utf-8"?>
+<p:sld xmlns:a="http://schemas.openxmlformats.org/drawingml/2006/main" xmlns:r="http://schemas.openxmlformats.org/officeDocument/2006/relationships" xmlns:p="http://schemas.openxmlformats.org/presentationml/2006/main">
+  <p:cSld>
+    <p:spTree>
+      <p:nvGrpSpPr>
+        <p:cNvPr id="1" name=""/>
+        <p:cNvGrpSpPr/>
+        <p:nvPr/>
+      </p:nvGrpSpPr>
+      <p:grpSpPr>
+        <a:xfrm>
+          <a:off x="0" y="0"/>
+          <a:ext cx="0" cy="0"/>
+          <a:chOff x="0" y="0"/>
+          <a:chExt cx="0" cy="0"/>
+        </a:xfrm>
+      </p:grpSpPr>
+      <p:sp>
+        <p:nvSpPr>
+          <p:cNvPr id="4" name="Title 3">
+            <a:extLst>
+              <a:ext uri="{FF2B5EF4-FFF2-40B4-BE49-F238E27FC236}">
+                <a16:creationId xmlns:a16="http://schemas.microsoft.com/office/drawing/2014/main" id="{0A973A72-66AC-6237-A32A-BB937BF13A3D}"/>
+              </a:ext>
+            </a:extLst>
+          </p:cNvPr>
+          <p:cNvSpPr>
+            <a:spLocks noGrp="1"/>
+          </p:cNvSpPr>
+          <p:nvPr>
+            <p:ph type="title"/>
+          </p:nvPr>
+        </p:nvSpPr>
+        <p:spPr>
+          <a:xfrm>
+            <a:off x="729049" y="2428704"/>
+            <a:ext cx="10538254" cy="1325563"/>
+          </a:xfrm>
+        </p:spPr>
+        <p:txBody>
+          <a:bodyPr>
+            <a:normAutofit/>
+          </a:bodyPr>
+          <a:lstStyle/>
+          <a:p>
+            <a:r>
+              <a:rPr lang="en-US" b="1" dirty="0"/>
+              <a:t>Sample Data</a:t>
+            </a:r>
+            <a:br>
+              <a:rPr lang="en-US" b="1" dirty="0"/>
+            </a:br>
+            <a:r>
+              <a:rPr lang="en-US" b="1" dirty="0">
+                <a:solidFill>
+                  <a:schemeClr val="tx1">
+                    <a:lumMod val="50000"/>
+                    <a:lumOff val="50000"/>
+                  </a:schemeClr>
+                </a:solidFill>
+              </a:rPr>
+              <a:t>Total plausible scenarios</a:t>
+            </a:r>
+          </a:p>
+        </p:txBody>
+      </p:sp>
+    </p:spTree>
+    <p:extLst>
+      <p:ext uri="{BB962C8B-B14F-4D97-AF65-F5344CB8AC3E}">
+        <p14:creationId xmlns:p14="http://schemas.microsoft.com/office/powerpoint/2010/main" val="724007968"/>
+      </p:ext>
+    </p:extLst>
+  </p:cSld>
+  <p:clrMapOvr>
+    <a:masterClrMapping/>
+  </p:clrMapOvr>
+</p:sld>
+</file>
+
+<file path=ppt/slides/slide31.xml><?xml version="1.0" encoding="utf-8"?>
+<p:sld xmlns:a="http://schemas.openxmlformats.org/drawingml/2006/main" xmlns:r="http://schemas.openxmlformats.org/officeDocument/2006/relationships" xmlns:p="http://schemas.openxmlformats.org/presentationml/2006/main">
+  <p:cSld>
+    <p:spTree>
+      <p:nvGrpSpPr>
+        <p:cNvPr id="1" name=""/>
+        <p:cNvGrpSpPr/>
+        <p:nvPr/>
+      </p:nvGrpSpPr>
+      <p:grpSpPr>
+        <a:xfrm>
+          <a:off x="0" y="0"/>
+          <a:ext cx="0" cy="0"/>
+          <a:chOff x="0" y="0"/>
+          <a:chExt cx="0" cy="0"/>
+        </a:xfrm>
+      </p:grpSpPr>
+      <p:sp>
+        <p:nvSpPr>
+          <p:cNvPr id="8" name="Rectangle 7">
+            <a:extLst>
+              <a:ext uri="{FF2B5EF4-FFF2-40B4-BE49-F238E27FC236}">
+                <a16:creationId xmlns:a16="http://schemas.microsoft.com/office/drawing/2014/main" id="{673AC9B0-BF1C-FA87-4895-B9CCC1C33F56}"/>
+              </a:ext>
+            </a:extLst>
+          </p:cNvPr>
+          <p:cNvSpPr/>
+          <p:nvPr/>
+        </p:nvSpPr>
+        <p:spPr>
+          <a:xfrm>
+            <a:off x="5517931" y="944652"/>
+            <a:ext cx="252248" cy="5559972"/>
+          </a:xfrm>
+          <a:prstGeom prst="rect">
+            <a:avLst/>
+          </a:prstGeom>
+          <a:ln>
+            <a:noFill/>
+          </a:ln>
+        </p:spPr>
+        <p:style>
+          <a:lnRef idx="2">
+            <a:schemeClr val="accent1">
+              <a:shade val="15000"/>
+            </a:schemeClr>
+          </a:lnRef>
+          <a:fillRef idx="1">
+            <a:schemeClr val="accent1"/>
+          </a:fillRef>
+          <a:effectRef idx="0">
+            <a:schemeClr val="accent1"/>
+          </a:effectRef>
+          <a:fontRef idx="minor">
+            <a:schemeClr val="lt1"/>
+          </a:fontRef>
+        </p:style>
+        <p:txBody>
+          <a:bodyPr rtlCol="0" anchor="ctr"/>
+          <a:lstStyle/>
+          <a:p>
+            <a:pPr algn="ctr"/>
+            <a:r>
+              <a:rPr lang="en-US"/>
+              <a:t>ChatGPT</a:t>
+            </a:r>
+            <a:endParaRPr lang="en-US" dirty="0"/>
+          </a:p>
+        </p:txBody>
+      </p:sp>
+      <p:sp>
+        <p:nvSpPr>
+          <p:cNvPr id="12" name="Rectangle 11">
+            <a:extLst>
+              <a:ext uri="{FF2B5EF4-FFF2-40B4-BE49-F238E27FC236}">
+                <a16:creationId xmlns:a16="http://schemas.microsoft.com/office/drawing/2014/main" id="{50957F94-A281-CC1F-8B41-C603B3A398C7}"/>
+              </a:ext>
+            </a:extLst>
+          </p:cNvPr>
+          <p:cNvSpPr/>
+          <p:nvPr/>
+        </p:nvSpPr>
+        <p:spPr>
+          <a:xfrm>
+            <a:off x="7809187" y="944652"/>
+            <a:ext cx="252248" cy="5559972"/>
+          </a:xfrm>
+          <a:prstGeom prst="rect">
+            <a:avLst/>
+          </a:prstGeom>
+          <a:ln>
+            <a:noFill/>
+          </a:ln>
+        </p:spPr>
+        <p:style>
+          <a:lnRef idx="2">
+            <a:schemeClr val="accent1">
+              <a:shade val="15000"/>
+            </a:schemeClr>
+          </a:lnRef>
+          <a:fillRef idx="1">
+            <a:schemeClr val="accent1"/>
+          </a:fillRef>
+          <a:effectRef idx="0">
+            <a:schemeClr val="accent1"/>
+          </a:effectRef>
+          <a:fontRef idx="minor">
+            <a:schemeClr val="lt1"/>
+          </a:fontRef>
+        </p:style>
+        <p:txBody>
+          <a:bodyPr rtlCol="0" anchor="ctr"/>
+          <a:lstStyle/>
+          <a:p>
+            <a:pPr algn="ctr"/>
+            <a:r>
+              <a:rPr lang="en-US"/>
+              <a:t>ChatGPT</a:t>
+            </a:r>
+            <a:endParaRPr lang="en-US" dirty="0"/>
+          </a:p>
+        </p:txBody>
+      </p:sp>
+      <p:sp>
+        <p:nvSpPr>
+          <p:cNvPr id="17" name="Hexagon 16">
+            <a:extLst>
+              <a:ext uri="{FF2B5EF4-FFF2-40B4-BE49-F238E27FC236}">
+                <a16:creationId xmlns:a16="http://schemas.microsoft.com/office/drawing/2014/main" id="{FA96D078-4A75-AF52-A5A7-936F5EC50B69}"/>
+              </a:ext>
+            </a:extLst>
+          </p:cNvPr>
+          <p:cNvSpPr/>
+          <p:nvPr/>
+        </p:nvSpPr>
+        <p:spPr>
+          <a:xfrm>
+            <a:off x="8282154" y="1402706"/>
+            <a:ext cx="1818289" cy="441435"/>
+          </a:xfrm>
+          <a:prstGeom prst="hexagon">
+            <a:avLst/>
+          </a:prstGeom>
+        </p:spPr>
+        <p:style>
+          <a:lnRef idx="2">
+            <a:schemeClr val="accent1">
+              <a:shade val="15000"/>
+            </a:schemeClr>
+          </a:lnRef>
+          <a:fillRef idx="1">
+            <a:schemeClr val="accent1"/>
+          </a:fillRef>
+          <a:effectRef idx="0">
+            <a:schemeClr val="accent1"/>
+          </a:effectRef>
+          <a:fontRef idx="minor">
+            <a:schemeClr val="lt1"/>
+          </a:fontRef>
+        </p:style>
+        <p:txBody>
+          <a:bodyPr rtlCol="0" anchor="ctr"/>
+          <a:lstStyle/>
+          <a:p>
+            <a:pPr algn="ctr"/>
+            <a:r>
+              <a:rPr lang="en-US" dirty="0"/>
+              <a:t>Markdown</a:t>
+            </a:r>
+          </a:p>
+        </p:txBody>
+      </p:sp>
+      <p:sp>
+        <p:nvSpPr>
+          <p:cNvPr id="24" name="Rectangle 23">
+            <a:extLst>
+              <a:ext uri="{FF2B5EF4-FFF2-40B4-BE49-F238E27FC236}">
+                <a16:creationId xmlns:a16="http://schemas.microsoft.com/office/drawing/2014/main" id="{C6B66B7B-8A9A-45E9-A1A4-ADF998CDE356}"/>
+              </a:ext>
+            </a:extLst>
+          </p:cNvPr>
+          <p:cNvSpPr/>
+          <p:nvPr/>
+        </p:nvSpPr>
+        <p:spPr>
+          <a:xfrm>
+            <a:off x="5517931" y="603068"/>
+            <a:ext cx="2543504" cy="337610"/>
+          </a:xfrm>
+          <a:prstGeom prst="rect">
+            <a:avLst/>
+          </a:prstGeom>
+          <a:ln>
+            <a:noFill/>
+          </a:ln>
+        </p:spPr>
+        <p:style>
+          <a:lnRef idx="2">
+            <a:schemeClr val="accent1">
+              <a:shade val="15000"/>
+            </a:schemeClr>
+          </a:lnRef>
+          <a:fillRef idx="1">
+            <a:schemeClr val="accent1"/>
+          </a:fillRef>
+          <a:effectRef idx="0">
+            <a:schemeClr val="accent1"/>
+          </a:effectRef>
+          <a:fontRef idx="minor">
+            <a:schemeClr val="lt1"/>
+          </a:fontRef>
+        </p:style>
+        <p:txBody>
+          <a:bodyPr rtlCol="0" anchor="ctr"/>
+          <a:lstStyle/>
+          <a:p>
+            <a:pPr algn="ctr"/>
+            <a:r>
+              <a:rPr lang="en-US"/>
+              <a:t>ChatGPT</a:t>
+            </a:r>
+            <a:endParaRPr lang="en-US" dirty="0"/>
+          </a:p>
+        </p:txBody>
+      </p:sp>
+      <p:sp>
+        <p:nvSpPr>
+          <p:cNvPr id="25" name="Rectangle 24">
+            <a:extLst>
+              <a:ext uri="{FF2B5EF4-FFF2-40B4-BE49-F238E27FC236}">
+                <a16:creationId xmlns:a16="http://schemas.microsoft.com/office/drawing/2014/main" id="{F2BFB72A-8B8E-60FC-36F0-54FC2E423E32}"/>
+              </a:ext>
+            </a:extLst>
+          </p:cNvPr>
+          <p:cNvSpPr/>
+          <p:nvPr/>
+        </p:nvSpPr>
+        <p:spPr>
+          <a:xfrm>
+            <a:off x="5517931" y="6415073"/>
+            <a:ext cx="2543504" cy="337610"/>
+          </a:xfrm>
+          <a:prstGeom prst="rect">
+            <a:avLst/>
+          </a:prstGeom>
+          <a:ln>
+            <a:noFill/>
+          </a:ln>
+        </p:spPr>
+        <p:style>
+          <a:lnRef idx="2">
+            <a:schemeClr val="accent1">
+              <a:shade val="15000"/>
+            </a:schemeClr>
+          </a:lnRef>
+          <a:fillRef idx="1">
+            <a:schemeClr val="accent1"/>
+          </a:fillRef>
+          <a:effectRef idx="0">
+            <a:schemeClr val="accent1"/>
+          </a:effectRef>
+          <a:fontRef idx="minor">
+            <a:schemeClr val="lt1"/>
+          </a:fontRef>
+        </p:style>
+        <p:txBody>
+          <a:bodyPr rtlCol="0" anchor="ctr"/>
+          <a:lstStyle/>
+          <a:p>
+            <a:pPr algn="ctr"/>
+            <a:r>
+              <a:rPr lang="en-US"/>
+              <a:t>ChatGPT</a:t>
+            </a:r>
+            <a:endParaRPr lang="en-US" dirty="0"/>
+          </a:p>
+        </p:txBody>
+      </p:sp>
+      <p:sp>
+        <p:nvSpPr>
+          <p:cNvPr id="38" name="Rounded Rectangle 37">
+            <a:extLst>
+              <a:ext uri="{FF2B5EF4-FFF2-40B4-BE49-F238E27FC236}">
+                <a16:creationId xmlns:a16="http://schemas.microsoft.com/office/drawing/2014/main" id="{3B8E8D51-F560-D08F-46ED-72D4FE337020}"/>
+              </a:ext>
+            </a:extLst>
+          </p:cNvPr>
+          <p:cNvSpPr/>
+          <p:nvPr/>
+        </p:nvSpPr>
+        <p:spPr>
+          <a:xfrm>
+            <a:off x="6072346" y="998057"/>
+            <a:ext cx="1418897" cy="1250732"/>
+          </a:xfrm>
+          <a:prstGeom prst="roundRect">
+            <a:avLst/>
+          </a:prstGeom>
+          <a:ln>
+            <a:noFill/>
+          </a:ln>
+        </p:spPr>
+        <p:style>
+          <a:lnRef idx="2">
+            <a:schemeClr val="accent1">
+              <a:shade val="15000"/>
+            </a:schemeClr>
+          </a:lnRef>
+          <a:fillRef idx="1">
+            <a:schemeClr val="accent1"/>
+          </a:fillRef>
+          <a:effectRef idx="0">
+            <a:schemeClr val="accent1"/>
+          </a:effectRef>
+          <a:fontRef idx="minor">
+            <a:schemeClr val="lt1"/>
+          </a:fontRef>
+        </p:style>
+        <p:txBody>
+          <a:bodyPr rtlCol="0" anchor="ctr"/>
+          <a:lstStyle/>
+          <a:p>
+            <a:pPr algn="ctr"/>
+            <a:r>
+              <a:rPr lang="en-US"/>
+              <a:t>LLM</a:t>
+            </a:r>
+            <a:endParaRPr lang="en-US" dirty="0"/>
+          </a:p>
+        </p:txBody>
+      </p:sp>
+      <p:sp>
+        <p:nvSpPr>
+          <p:cNvPr id="39" name="Pentagon 38">
+            <a:extLst>
+              <a:ext uri="{FF2B5EF4-FFF2-40B4-BE49-F238E27FC236}">
+                <a16:creationId xmlns:a16="http://schemas.microsoft.com/office/drawing/2014/main" id="{714CAEDE-9AA3-873C-547D-F204C0460A99}"/>
+              </a:ext>
+            </a:extLst>
+          </p:cNvPr>
+          <p:cNvSpPr/>
+          <p:nvPr/>
+        </p:nvSpPr>
+        <p:spPr>
+          <a:xfrm>
+            <a:off x="3246450" y="1339288"/>
+            <a:ext cx="2125009" cy="568270"/>
+          </a:xfrm>
+          <a:prstGeom prst="homePlate">
+            <a:avLst/>
+          </a:prstGeom>
+        </p:spPr>
+        <p:style>
+          <a:lnRef idx="2">
+            <a:schemeClr val="accent1">
+              <a:shade val="15000"/>
+            </a:schemeClr>
+          </a:lnRef>
+          <a:fillRef idx="1">
+            <a:schemeClr val="accent1"/>
+          </a:fillRef>
+          <a:effectRef idx="0">
+            <a:schemeClr val="accent1"/>
+          </a:effectRef>
+          <a:fontRef idx="minor">
+            <a:schemeClr val="lt1"/>
+          </a:fontRef>
+        </p:style>
+        <p:txBody>
+          <a:bodyPr rtlCol="0" anchor="ctr"/>
+          <a:lstStyle/>
+          <a:p>
+            <a:pPr algn="ctr"/>
+            <a:r>
+              <a:rPr lang="en-US" dirty="0"/>
+              <a:t>Process</a:t>
+            </a:r>
+          </a:p>
+        </p:txBody>
+      </p:sp>
+      <p:sp>
+        <p:nvSpPr>
+          <p:cNvPr id="3" name="TextBox 2">
+            <a:extLst>
+              <a:ext uri="{FF2B5EF4-FFF2-40B4-BE49-F238E27FC236}">
+                <a16:creationId xmlns:a16="http://schemas.microsoft.com/office/drawing/2014/main" id="{B76BF725-8D4B-F5EA-0400-9D8DCFD1300A}"/>
+              </a:ext>
+            </a:extLst>
+          </p:cNvPr>
+          <p:cNvSpPr txBox="1"/>
+          <p:nvPr/>
+        </p:nvSpPr>
+        <p:spPr>
+          <a:xfrm>
+            <a:off x="135925" y="2051079"/>
+            <a:ext cx="5161288" cy="2092881"/>
+          </a:xfrm>
+          <a:prstGeom prst="rect">
+            <a:avLst/>
+          </a:prstGeom>
+          <a:noFill/>
+        </p:spPr>
+        <p:txBody>
+          <a:bodyPr wrap="square">
+            <a:spAutoFit/>
+          </a:bodyPr>
+          <a:lstStyle/>
+          <a:p>
+            <a:r>
+              <a:rPr lang="en-US" sz="2000" b="1" i="0" dirty="0">
+                <a:solidFill>
+                  <a:srgbClr val="0D0D0D"/>
+                </a:solidFill>
+                <a:effectLst/>
+                <a:highlight>
+                  <a:srgbClr val="FFFFFF"/>
+                </a:highlight>
+                <a:latin typeface="Söhne"/>
+              </a:rPr>
+              <a:t># your task</a:t>
+            </a:r>
+          </a:p>
+          <a:p>
+            <a:endParaRPr lang="en-US" sz="2000" b="1" i="0" dirty="0">
+              <a:solidFill>
+                <a:srgbClr val="0D0D0D"/>
+              </a:solidFill>
+              <a:effectLst/>
+              <a:highlight>
+                <a:srgbClr val="FFFFFF"/>
+              </a:highlight>
+              <a:latin typeface="Söhne"/>
+            </a:endParaRPr>
+          </a:p>
+          <a:p>
+            <a:r>
+              <a:rPr lang="en-US" b="0" i="0" dirty="0">
+                <a:solidFill>
+                  <a:srgbClr val="0D0D0D"/>
+                </a:solidFill>
+                <a:effectLst/>
+                <a:highlight>
+                  <a:srgbClr val="FFFFFF"/>
+                </a:highlight>
+                <a:latin typeface="Söhne"/>
+              </a:rPr>
+              <a:t>I am going to give you a csv formatted data with many blank fields. </a:t>
+            </a:r>
+          </a:p>
+          <a:p>
+            <a:r>
+              <a:rPr lang="en-US" b="0" i="0" dirty="0">
+                <a:solidFill>
+                  <a:srgbClr val="0D0D0D"/>
+                </a:solidFill>
+                <a:effectLst/>
+                <a:highlight>
+                  <a:srgbClr val="FFFFFF"/>
+                </a:highlight>
+                <a:latin typeface="Söhne"/>
+              </a:rPr>
+              <a:t>Please fill out this data with some fake sample data. </a:t>
+            </a:r>
+          </a:p>
+          <a:p>
+            <a:r>
+              <a:rPr lang="en-US" b="0" i="0" dirty="0">
+                <a:solidFill>
+                  <a:srgbClr val="0D0D0D"/>
+                </a:solidFill>
+                <a:effectLst/>
+                <a:highlight>
+                  <a:srgbClr val="FFFFFF"/>
+                </a:highlight>
+                <a:latin typeface="Söhne"/>
+              </a:rPr>
+              <a:t>If you understand, please respond with "show me the data</a:t>
+            </a:r>
+            <a:endParaRPr lang="en-US" dirty="0"/>
+          </a:p>
+        </p:txBody>
+      </p:sp>
+      <p:sp>
+        <p:nvSpPr>
+          <p:cNvPr id="6" name="Pentagon 5">
+            <a:extLst>
+              <a:ext uri="{FF2B5EF4-FFF2-40B4-BE49-F238E27FC236}">
+                <a16:creationId xmlns:a16="http://schemas.microsoft.com/office/drawing/2014/main" id="{33E8FF3F-3992-6189-F1F8-E2C10432747F}"/>
+              </a:ext>
+            </a:extLst>
+          </p:cNvPr>
+          <p:cNvSpPr/>
+          <p:nvPr/>
+        </p:nvSpPr>
+        <p:spPr>
+          <a:xfrm>
+            <a:off x="3246450" y="4265528"/>
+            <a:ext cx="2125009" cy="568270"/>
+          </a:xfrm>
+          <a:prstGeom prst="homePlate">
+            <a:avLst/>
+          </a:prstGeom>
+        </p:spPr>
+        <p:style>
+          <a:lnRef idx="2">
+            <a:schemeClr val="accent1">
+              <a:shade val="15000"/>
+            </a:schemeClr>
+          </a:lnRef>
+          <a:fillRef idx="1">
+            <a:schemeClr val="accent1"/>
+          </a:fillRef>
+          <a:effectRef idx="0">
+            <a:schemeClr val="accent1"/>
+          </a:effectRef>
+          <a:fontRef idx="minor">
+            <a:schemeClr val="lt1"/>
+          </a:fontRef>
+        </p:style>
+        <p:txBody>
+          <a:bodyPr rtlCol="0" anchor="ctr"/>
+          <a:lstStyle/>
+          <a:p>
+            <a:pPr algn="ctr"/>
+            <a:r>
+              <a:rPr lang="en-US" dirty="0"/>
+              <a:t>Output Formatting</a:t>
+            </a:r>
+          </a:p>
+        </p:txBody>
+      </p:sp>
+      <p:sp>
+        <p:nvSpPr>
+          <p:cNvPr id="9" name="TextBox 8">
+            <a:extLst>
+              <a:ext uri="{FF2B5EF4-FFF2-40B4-BE49-F238E27FC236}">
+                <a16:creationId xmlns:a16="http://schemas.microsoft.com/office/drawing/2014/main" id="{1C3A3904-FF92-F390-CA0D-DEB5629E3085}"/>
+              </a:ext>
+            </a:extLst>
+          </p:cNvPr>
+          <p:cNvSpPr txBox="1"/>
+          <p:nvPr/>
+        </p:nvSpPr>
+        <p:spPr>
+          <a:xfrm>
+            <a:off x="661365" y="4955366"/>
+            <a:ext cx="4746207" cy="369332"/>
+          </a:xfrm>
+          <a:prstGeom prst="rect">
+            <a:avLst/>
+          </a:prstGeom>
+          <a:noFill/>
+        </p:spPr>
+        <p:txBody>
+          <a:bodyPr wrap="square">
+            <a:spAutoFit/>
+          </a:bodyPr>
+          <a:lstStyle/>
+          <a:p>
+            <a:r>
+              <a:rPr lang="en-US" dirty="0">
+                <a:highlight>
+                  <a:srgbClr val="FFFFFF"/>
+                </a:highlight>
+              </a:rPr>
+              <a:t>can you give me it as a </a:t>
+            </a:r>
+            <a:r>
+              <a:rPr lang="en-US" dirty="0" err="1">
+                <a:highlight>
+                  <a:srgbClr val="FFFFFF"/>
+                </a:highlight>
+              </a:rPr>
+              <a:t>cvs</a:t>
+            </a:r>
+            <a:r>
+              <a:rPr lang="en-US" dirty="0">
+                <a:highlight>
+                  <a:srgbClr val="FFFFFF"/>
+                </a:highlight>
+              </a:rPr>
+              <a:t> file I can download</a:t>
+            </a:r>
+            <a:endParaRPr lang="en-US" b="1" dirty="0"/>
+          </a:p>
+        </p:txBody>
+      </p:sp>
+      <p:pic>
+        <p:nvPicPr>
+          <p:cNvPr id="5" name="Picture 4">
+            <a:extLst>
+              <a:ext uri="{FF2B5EF4-FFF2-40B4-BE49-F238E27FC236}">
+                <a16:creationId xmlns:a16="http://schemas.microsoft.com/office/drawing/2014/main" id="{945BD145-10AD-D401-0D2F-32C747AA7CEA}"/>
+              </a:ext>
+            </a:extLst>
+          </p:cNvPr>
+          <p:cNvPicPr>
+            <a:picLocks noChangeAspect="1"/>
+          </p:cNvPicPr>
+          <p:nvPr/>
+        </p:nvPicPr>
+        <p:blipFill>
+          <a:blip r:embed="rId3"/>
+          <a:stretch>
+            <a:fillRect/>
+          </a:stretch>
+        </p:blipFill>
+        <p:spPr>
+          <a:xfrm>
+            <a:off x="8282154" y="2051079"/>
+            <a:ext cx="3272481" cy="2646922"/>
+          </a:xfrm>
+          <a:prstGeom prst="rect">
+            <a:avLst/>
+          </a:prstGeom>
+          <a:ln>
+            <a:solidFill>
+              <a:schemeClr val="tx1"/>
+            </a:solidFill>
+          </a:ln>
+          <a:effectLst>
+            <a:outerShdw blurRad="50800" dist="38100" dir="2700000" algn="tl" rotWithShape="0">
+              <a:prstClr val="black">
+                <a:alpha val="40000"/>
+              </a:prstClr>
+            </a:outerShdw>
+          </a:effectLst>
+        </p:spPr>
+      </p:pic>
+      <p:sp>
+        <p:nvSpPr>
+          <p:cNvPr id="7" name="Rounded Rectangle 6">
+            <a:extLst>
+              <a:ext uri="{FF2B5EF4-FFF2-40B4-BE49-F238E27FC236}">
+                <a16:creationId xmlns:a16="http://schemas.microsoft.com/office/drawing/2014/main" id="{09E1A8C0-9127-0D61-307B-51CB068881A9}"/>
+              </a:ext>
+            </a:extLst>
+          </p:cNvPr>
+          <p:cNvSpPr/>
+          <p:nvPr/>
+        </p:nvSpPr>
+        <p:spPr>
+          <a:xfrm>
+            <a:off x="6043449" y="4330000"/>
+            <a:ext cx="1418897" cy="1250732"/>
+          </a:xfrm>
+          <a:prstGeom prst="roundRect">
+            <a:avLst/>
+          </a:prstGeom>
+          <a:ln>
+            <a:noFill/>
+          </a:ln>
+        </p:spPr>
+        <p:style>
+          <a:lnRef idx="2">
+            <a:schemeClr val="accent1">
+              <a:shade val="15000"/>
+            </a:schemeClr>
+          </a:lnRef>
+          <a:fillRef idx="1">
+            <a:schemeClr val="accent1"/>
+          </a:fillRef>
+          <a:effectRef idx="0">
+            <a:schemeClr val="accent1"/>
+          </a:effectRef>
+          <a:fontRef idx="minor">
+            <a:schemeClr val="lt1"/>
+          </a:fontRef>
+        </p:style>
+        <p:txBody>
+          <a:bodyPr rtlCol="0" anchor="ctr"/>
+          <a:lstStyle/>
+          <a:p>
+            <a:pPr algn="ctr"/>
+            <a:r>
+              <a:rPr lang="en-US" dirty="0"/>
+              <a:t>Python</a:t>
+            </a:r>
+          </a:p>
+        </p:txBody>
+      </p:sp>
+    </p:spTree>
+    <p:extLst>
+      <p:ext uri="{BB962C8B-B14F-4D97-AF65-F5344CB8AC3E}">
+        <p14:creationId xmlns:p14="http://schemas.microsoft.com/office/powerpoint/2010/main" val="2073164352"/>
+      </p:ext>
+    </p:extLst>
+  </p:cSld>
+  <p:clrMapOvr>
+    <a:masterClrMapping/>
+  </p:clrMapOvr>
+  <p:timing>
+    <p:tnLst>
+      <p:par>
+        <p:cTn id="1" dur="indefinite" restart="never" nodeType="tmRoot">
+          <p:childTnLst>
+            <p:seq concurrent="1" nextAc="seek">
+              <p:cTn id="2" dur="indefinite" nodeType="mainSeq">
+                <p:childTnLst>
+                  <p:par>
+                    <p:cTn id="3" fill="hold">
+                      <p:stCondLst>
+                        <p:cond delay="indefinite"/>
+                      </p:stCondLst>
+                      <p:childTnLst>
+                        <p:par>
+                          <p:cTn id="4" fill="hold">
+                            <p:stCondLst>
+                              <p:cond delay="0"/>
+                            </p:stCondLst>
+                            <p:childTnLst>
+                              <p:par>
+                                <p:cTn id="5" presetID="1" presetClass="entr" presetSubtype="0" fill="hold" grpId="0" nodeType="clickEffect">
+                                  <p:stCondLst>
+                                    <p:cond delay="0"/>
+                                  </p:stCondLst>
+                                  <p:childTnLst>
+                                    <p:set>
+                                      <p:cBhvr>
+                                        <p:cTn id="6" dur="1" fill="hold">
+                                          <p:stCondLst>
+                                            <p:cond delay="0"/>
+                                          </p:stCondLst>
+                                        </p:cTn>
+                                        <p:tgtEl>
+                                          <p:spTgt spid="17"/>
+                                        </p:tgtEl>
+                                        <p:attrNameLst>
+                                          <p:attrName>style.visibility</p:attrName>
+                                        </p:attrNameLst>
+                                      </p:cBhvr>
+                                      <p:to>
+                                        <p:strVal val="visible"/>
+                                      </p:to>
+                                    </p:set>
+                                  </p:childTnLst>
+                                </p:cTn>
+                              </p:par>
+                            </p:childTnLst>
+                          </p:cTn>
+                        </p:par>
+                      </p:childTnLst>
+                    </p:cTn>
+                  </p:par>
+                  <p:par>
+                    <p:cTn id="7" fill="hold">
+                      <p:stCondLst>
+                        <p:cond delay="indefinite"/>
+                      </p:stCondLst>
+                      <p:childTnLst>
+                        <p:par>
+                          <p:cTn id="8" fill="hold">
+                            <p:stCondLst>
+                              <p:cond delay="0"/>
+                            </p:stCondLst>
+                            <p:childTnLst>
+                              <p:par>
+                                <p:cTn id="9" presetID="1" presetClass="entr" presetSubtype="0" fill="hold" grpId="0" nodeType="clickEffect">
+                                  <p:stCondLst>
+                                    <p:cond delay="0"/>
+                                  </p:stCondLst>
+                                  <p:childTnLst>
+                                    <p:set>
+                                      <p:cBhvr>
+                                        <p:cTn id="10" dur="1" fill="hold">
+                                          <p:stCondLst>
+                                            <p:cond delay="0"/>
+                                          </p:stCondLst>
+                                        </p:cTn>
+                                        <p:tgtEl>
+                                          <p:spTgt spid="6"/>
+                                        </p:tgtEl>
+                                        <p:attrNameLst>
+                                          <p:attrName>style.visibility</p:attrName>
+                                        </p:attrNameLst>
+                                      </p:cBhvr>
+                                      <p:to>
+                                        <p:strVal val="visible"/>
+                                      </p:to>
+                                    </p:set>
+                                  </p:childTnLst>
+                                </p:cTn>
+                              </p:par>
+                              <p:par>
+                                <p:cTn id="11" presetID="1" presetClass="entr" presetSubtype="0" fill="hold" grpId="0" nodeType="withEffect">
+                                  <p:stCondLst>
+                                    <p:cond delay="0"/>
+                                  </p:stCondLst>
+                                  <p:childTnLst>
+                                    <p:set>
+                                      <p:cBhvr>
+                                        <p:cTn id="12" dur="1" fill="hold">
+                                          <p:stCondLst>
+                                            <p:cond delay="0"/>
+                                          </p:stCondLst>
+                                        </p:cTn>
+                                        <p:tgtEl>
+                                          <p:spTgt spid="9"/>
+                                        </p:tgtEl>
+                                        <p:attrNameLst>
+                                          <p:attrName>style.visibility</p:attrName>
+                                        </p:attrNameLst>
+                                      </p:cBhvr>
+                                      <p:to>
+                                        <p:strVal val="visible"/>
+                                      </p:to>
+                                    </p:set>
+                                  </p:childTnLst>
+                                </p:cTn>
+                              </p:par>
+                            </p:childTnLst>
+                          </p:cTn>
+                        </p:par>
+                      </p:childTnLst>
+                    </p:cTn>
+                  </p:par>
+                </p:childTnLst>
+              </p:cTn>
+              <p:prevCondLst>
+                <p:cond evt="onPrev" delay="0">
+                  <p:tgtEl>
+                    <p:sldTgt/>
+                  </p:tgtEl>
+                </p:cond>
+              </p:prevCondLst>
+              <p:nextCondLst>
+                <p:cond evt="onNext" delay="0">
+                  <p:tgtEl>
+                    <p:sldTgt/>
+                  </p:tgtEl>
+                </p:cond>
+              </p:nextCondLst>
+            </p:seq>
+          </p:childTnLst>
+        </p:cTn>
+      </p:par>
+    </p:tnLst>
+    <p:bldLst>
+      <p:bldP spid="17" grpId="0" animBg="1"/>
+      <p:bldP spid="6" grpId="0" animBg="1"/>
+      <p:bldP spid="9" grpId="0"/>
+    </p:bldLst>
+  </p:timing>
+</p:sld>
+</file>
+
+<file path=ppt/slides/slide32.xml><?xml version="1.0" encoding="utf-8"?>
+<p:sld xmlns:a="http://schemas.openxmlformats.org/drawingml/2006/main" xmlns:r="http://schemas.openxmlformats.org/officeDocument/2006/relationships" xmlns:p="http://schemas.openxmlformats.org/presentationml/2006/main">
+  <p:cSld>
+    <p:spTree>
+      <p:nvGrpSpPr>
+        <p:cNvPr id="1" name=""/>
+        <p:cNvGrpSpPr/>
+        <p:nvPr/>
+      </p:nvGrpSpPr>
+      <p:grpSpPr>
+        <a:xfrm>
+          <a:off x="0" y="0"/>
+          <a:ext cx="0" cy="0"/>
+          <a:chOff x="0" y="0"/>
+          <a:chExt cx="0" cy="0"/>
+        </a:xfrm>
+      </p:grpSpPr>
+      <p:pic>
+        <p:nvPicPr>
+          <p:cNvPr id="2" name="Picture 1">
+            <a:extLst>
+              <a:ext uri="{FF2B5EF4-FFF2-40B4-BE49-F238E27FC236}">
+                <a16:creationId xmlns:a16="http://schemas.microsoft.com/office/drawing/2014/main" id="{A243431B-B5E5-1587-D3F8-5BA79228B2A9}"/>
+              </a:ext>
+            </a:extLst>
+          </p:cNvPr>
+          <p:cNvPicPr>
+            <a:picLocks noChangeAspect="1"/>
+          </p:cNvPicPr>
+          <p:nvPr/>
+        </p:nvPicPr>
+        <p:blipFill>
+          <a:blip r:embed="rId2"/>
+          <a:stretch>
+            <a:fillRect/>
+          </a:stretch>
+        </p:blipFill>
+        <p:spPr>
+          <a:xfrm>
+            <a:off x="1" y="0"/>
+            <a:ext cx="12191999" cy="6858000"/>
+          </a:xfrm>
+          <a:prstGeom prst="rect">
+            <a:avLst/>
+          </a:prstGeom>
+        </p:spPr>
+      </p:pic>
+      <p:cxnSp>
+        <p:nvCxnSpPr>
+          <p:cNvPr id="3" name="Straight Arrow Connector 2">
+            <a:extLst>
+              <a:ext uri="{FF2B5EF4-FFF2-40B4-BE49-F238E27FC236}">
+                <a16:creationId xmlns:a16="http://schemas.microsoft.com/office/drawing/2014/main" id="{5E44ED66-D57E-FBAE-68B3-97F7F415F212}"/>
+              </a:ext>
+            </a:extLst>
+          </p:cNvPr>
+          <p:cNvCxnSpPr>
+            <a:cxnSpLocks/>
+          </p:cNvCxnSpPr>
+          <p:nvPr/>
+        </p:nvCxnSpPr>
+        <p:spPr>
+          <a:xfrm>
+            <a:off x="-70535" y="941147"/>
+            <a:ext cx="873725" cy="0"/>
+          </a:xfrm>
+          <a:prstGeom prst="straightConnector1">
+            <a:avLst/>
+          </a:prstGeom>
+          <a:ln w="38100">
+            <a:solidFill>
+              <a:srgbClr val="FF0000"/>
+            </a:solidFill>
+            <a:tailEnd type="triangle"/>
+          </a:ln>
+          <a:effectLst>
+            <a:glow rad="611300">
+              <a:schemeClr val="bg1">
+                <a:alpha val="86835"/>
+              </a:schemeClr>
+            </a:glow>
+          </a:effectLst>
+        </p:spPr>
+        <p:style>
+          <a:lnRef idx="2">
+            <a:schemeClr val="accent1"/>
+          </a:lnRef>
+          <a:fillRef idx="0">
+            <a:schemeClr val="accent1"/>
+          </a:fillRef>
+          <a:effectRef idx="1">
+            <a:schemeClr val="accent1"/>
+          </a:effectRef>
+          <a:fontRef idx="minor">
+            <a:schemeClr val="tx1"/>
+          </a:fontRef>
+        </p:style>
+      </p:cxnSp>
+      <p:cxnSp>
+        <p:nvCxnSpPr>
+          <p:cNvPr id="5" name="Straight Arrow Connector 4">
+            <a:extLst>
+              <a:ext uri="{FF2B5EF4-FFF2-40B4-BE49-F238E27FC236}">
+                <a16:creationId xmlns:a16="http://schemas.microsoft.com/office/drawing/2014/main" id="{2AE35893-1FE9-FDD5-9658-1B48906F57CF}"/>
+              </a:ext>
+            </a:extLst>
+          </p:cNvPr>
+          <p:cNvCxnSpPr>
+            <a:cxnSpLocks/>
+          </p:cNvCxnSpPr>
+          <p:nvPr/>
+        </p:nvCxnSpPr>
+        <p:spPr>
+          <a:xfrm flipH="1">
+            <a:off x="4996250" y="6542876"/>
+            <a:ext cx="811426" cy="0"/>
+          </a:xfrm>
+          <a:prstGeom prst="straightConnector1">
+            <a:avLst/>
+          </a:prstGeom>
+          <a:ln w="38100">
+            <a:solidFill>
+              <a:srgbClr val="FF0000"/>
+            </a:solidFill>
+            <a:tailEnd type="triangle"/>
+          </a:ln>
+          <a:effectLst>
+            <a:glow rad="611300">
+              <a:schemeClr val="bg1">
+                <a:alpha val="86835"/>
+              </a:schemeClr>
+            </a:glow>
+          </a:effectLst>
+        </p:spPr>
+        <p:style>
+          <a:lnRef idx="2">
+            <a:schemeClr val="accent1"/>
+          </a:lnRef>
+          <a:fillRef idx="0">
+            <a:schemeClr val="accent1"/>
+          </a:fillRef>
+          <a:effectRef idx="1">
+            <a:schemeClr val="accent1"/>
+          </a:effectRef>
+          <a:fontRef idx="minor">
+            <a:schemeClr val="tx1"/>
+          </a:fontRef>
+        </p:style>
+      </p:cxnSp>
+    </p:spTree>
+    <p:extLst>
+      <p:ext uri="{BB962C8B-B14F-4D97-AF65-F5344CB8AC3E}">
+        <p14:creationId xmlns:p14="http://schemas.microsoft.com/office/powerpoint/2010/main" val="3686818669"/>
+      </p:ext>
+    </p:extLst>
+  </p:cSld>
+  <p:clrMapOvr>
+    <a:masterClrMapping/>
+  </p:clrMapOvr>
+  <p:timing>
+    <p:tnLst>
+      <p:par>
+        <p:cTn id="1" dur="indefinite" restart="never" nodeType="tmRoot">
+          <p:childTnLst>
+            <p:seq concurrent="1" nextAc="seek">
+              <p:cTn id="2" dur="indefinite" nodeType="mainSeq">
+                <p:childTnLst>
+                  <p:par>
+                    <p:cTn id="3" fill="hold">
+                      <p:stCondLst>
+                        <p:cond delay="indefinite"/>
+                      </p:stCondLst>
+                      <p:childTnLst>
+                        <p:par>
+                          <p:cTn id="4" fill="hold">
+                            <p:stCondLst>
+                              <p:cond delay="0"/>
+                            </p:stCondLst>
+                            <p:childTnLst>
+                              <p:par>
+                                <p:cTn id="5" presetID="1" presetClass="entr" presetSubtype="0" fill="hold" nodeType="clickEffect">
+                                  <p:stCondLst>
+                                    <p:cond delay="0"/>
+                                  </p:stCondLst>
+                                  <p:childTnLst>
+                                    <p:set>
+                                      <p:cBhvr>
+                                        <p:cTn id="6" dur="1" fill="hold">
+                                          <p:stCondLst>
+                                            <p:cond delay="0"/>
+                                          </p:stCondLst>
+                                        </p:cTn>
+                                        <p:tgtEl>
+                                          <p:spTgt spid="3"/>
+                                        </p:tgtEl>
+                                        <p:attrNameLst>
+                                          <p:attrName>style.visibility</p:attrName>
+                                        </p:attrNameLst>
+                                      </p:cBhvr>
+                                      <p:to>
+                                        <p:strVal val="visible"/>
+                                      </p:to>
+                                    </p:set>
+                                  </p:childTnLst>
+                                </p:cTn>
+                              </p:par>
+                            </p:childTnLst>
+                          </p:cTn>
+                        </p:par>
+                      </p:childTnLst>
+                    </p:cTn>
+                  </p:par>
+                  <p:par>
+                    <p:cTn id="7" fill="hold">
+                      <p:stCondLst>
+                        <p:cond delay="indefinite"/>
+                      </p:stCondLst>
+                      <p:childTnLst>
+                        <p:par>
+                          <p:cTn id="8" fill="hold">
+                            <p:stCondLst>
+                              <p:cond delay="0"/>
+                            </p:stCondLst>
+                            <p:childTnLst>
+                              <p:par>
+                                <p:cTn id="9" presetID="1" presetClass="entr" presetSubtype="0" fill="hold" nodeType="clickEffect">
+                                  <p:stCondLst>
+                                    <p:cond delay="0"/>
+                                  </p:stCondLst>
+                                  <p:childTnLst>
+                                    <p:set>
+                                      <p:cBhvr>
+                                        <p:cTn id="10" dur="1" fill="hold">
+                                          <p:stCondLst>
+                                            <p:cond delay="0"/>
+                                          </p:stCondLst>
+                                        </p:cTn>
+                                        <p:tgtEl>
+                                          <p:spTgt spid="5"/>
+                                        </p:tgtEl>
+                                        <p:attrNameLst>
+                                          <p:attrName>style.visibility</p:attrName>
+                                        </p:attrNameLst>
+                                      </p:cBhvr>
+                                      <p:to>
+                                        <p:strVal val="visible"/>
+                                      </p:to>
+                                    </p:set>
+                                  </p:childTnLst>
+                                </p:cTn>
+                              </p:par>
+                            </p:childTnLst>
+                          </p:cTn>
+                        </p:par>
+                      </p:childTnLst>
+                    </p:cTn>
+                  </p:par>
+                </p:childTnLst>
+              </p:cTn>
+              <p:prevCondLst>
+                <p:cond evt="onPrev" delay="0">
+                  <p:tgtEl>
+                    <p:sldTgt/>
+                  </p:tgtEl>
+                </p:cond>
+              </p:prevCondLst>
+              <p:nextCondLst>
+                <p:cond evt="onNext" delay="0">
+                  <p:tgtEl>
+                    <p:sldTgt/>
+                  </p:tgtEl>
+                </p:cond>
+              </p:nextCondLst>
+            </p:seq>
+          </p:childTnLst>
+        </p:cTn>
+      </p:par>
+    </p:tnLst>
+  </p:timing>
+</p:sld>
+</file>
+
+<file path=ppt/slides/slide33.xml><?xml version="1.0" encoding="utf-8"?>
+<p:sld xmlns:a="http://schemas.openxmlformats.org/drawingml/2006/main" xmlns:r="http://schemas.openxmlformats.org/officeDocument/2006/relationships" xmlns:p="http://schemas.openxmlformats.org/presentationml/2006/main">
+  <p:cSld>
+    <p:spTree>
+      <p:nvGrpSpPr>
+        <p:cNvPr id="1" name=""/>
+        <p:cNvGrpSpPr/>
+        <p:nvPr/>
+      </p:nvGrpSpPr>
+      <p:grpSpPr>
+        <a:xfrm>
+          <a:off x="0" y="0"/>
+          <a:ext cx="0" cy="0"/>
+          <a:chOff x="0" y="0"/>
+          <a:chExt cx="0" cy="0"/>
+        </a:xfrm>
+      </p:grpSpPr>
+      <p:sp>
+        <p:nvSpPr>
+          <p:cNvPr id="4" name="Title 3">
+            <a:extLst>
+              <a:ext uri="{FF2B5EF4-FFF2-40B4-BE49-F238E27FC236}">
+                <a16:creationId xmlns:a16="http://schemas.microsoft.com/office/drawing/2014/main" id="{0A973A72-66AC-6237-A32A-BB937BF13A3D}"/>
+              </a:ext>
+            </a:extLst>
+          </p:cNvPr>
+          <p:cNvSpPr>
+            <a:spLocks noGrp="1"/>
+          </p:cNvSpPr>
+          <p:nvPr>
+            <p:ph type="title"/>
+          </p:nvPr>
+        </p:nvSpPr>
+        <p:spPr>
+          <a:xfrm>
+            <a:off x="729049" y="2428704"/>
+            <a:ext cx="10538254" cy="1325563"/>
+          </a:xfrm>
+        </p:spPr>
+        <p:txBody>
+          <a:bodyPr>
+            <a:normAutofit/>
+          </a:bodyPr>
+          <a:lstStyle/>
+          <a:p>
+            <a:r>
+              <a:rPr lang="en-US" b="1" dirty="0"/>
+              <a:t>Mermaid Diagrams</a:t>
+            </a:r>
+            <a:br>
+              <a:rPr lang="en-US" b="1" dirty="0"/>
+            </a:br>
+            <a:r>
+              <a:rPr lang="en-US" b="1" dirty="0">
+                <a:solidFill>
+                  <a:schemeClr val="tx1">
+                    <a:lumMod val="50000"/>
+                    <a:lumOff val="50000"/>
+                  </a:schemeClr>
+                </a:solidFill>
+              </a:rPr>
+              <a:t>Text + Relationships</a:t>
+            </a:r>
+          </a:p>
+        </p:txBody>
+      </p:sp>
+    </p:spTree>
+    <p:extLst>
+      <p:ext uri="{BB962C8B-B14F-4D97-AF65-F5344CB8AC3E}">
+        <p14:creationId xmlns:p14="http://schemas.microsoft.com/office/powerpoint/2010/main" val="4146803764"/>
+      </p:ext>
+    </p:extLst>
+  </p:cSld>
+  <p:clrMapOvr>
+    <a:masterClrMapping/>
+  </p:clrMapOvr>
+</p:sld>
+</file>
+
+<file path=ppt/slides/slide34.xml><?xml version="1.0" encoding="utf-8"?>
+<p:sld xmlns:a="http://schemas.openxmlformats.org/drawingml/2006/main" xmlns:r="http://schemas.openxmlformats.org/officeDocument/2006/relationships" xmlns:p="http://schemas.openxmlformats.org/presentationml/2006/main">
+  <p:cSld>
+    <p:spTree>
+      <p:nvGrpSpPr>
+        <p:cNvPr id="1" name=""/>
+        <p:cNvGrpSpPr/>
+        <p:nvPr/>
+      </p:nvGrpSpPr>
+      <p:grpSpPr>
+        <a:xfrm>
+          <a:off x="0" y="0"/>
+          <a:ext cx="0" cy="0"/>
+          <a:chOff x="0" y="0"/>
+          <a:chExt cx="0" cy="0"/>
+        </a:xfrm>
+      </p:grpSpPr>
+      <p:pic>
+        <p:nvPicPr>
+          <p:cNvPr id="4098" name="Picture 2" descr="Mermaid JS diagram">
+            <a:extLst>
+              <a:ext uri="{FF2B5EF4-FFF2-40B4-BE49-F238E27FC236}">
+                <a16:creationId xmlns:a16="http://schemas.microsoft.com/office/drawing/2014/main" id="{FA6DB4AE-720D-63EB-7A79-8576A868F091}"/>
+              </a:ext>
+            </a:extLst>
+          </p:cNvPr>
+          <p:cNvPicPr>
+            <a:picLocks noChangeAspect="1" noChangeArrowheads="1"/>
+          </p:cNvPicPr>
+          <p:nvPr/>
+        </p:nvPicPr>
+        <p:blipFill>
+          <a:blip r:embed="rId2">
+            <a:extLst>
+              <a:ext uri="{28A0092B-C50C-407E-A947-70E740481C1C}">
+                <a14:useLocalDpi xmlns:a14="http://schemas.microsoft.com/office/drawing/2010/main" val="0"/>
+              </a:ext>
+            </a:extLst>
+          </a:blip>
+          <a:srcRect/>
+          <a:stretch>
+            <a:fillRect/>
+          </a:stretch>
+        </p:blipFill>
+        <p:spPr bwMode="auto">
+          <a:xfrm>
+            <a:off x="6699627" y="703373"/>
+            <a:ext cx="5492374" cy="5478423"/>
+          </a:xfrm>
+          <a:prstGeom prst="rect">
+            <a:avLst/>
+          </a:prstGeom>
+          <a:noFill/>
+          <a:extLst>
+            <a:ext uri="{909E8E84-426E-40DD-AFC4-6F175D3DCCD1}">
+              <a14:hiddenFill xmlns:a14="http://schemas.microsoft.com/office/drawing/2010/main">
+                <a:solidFill>
+                  <a:srgbClr val="FFFFFF"/>
+                </a:solidFill>
+              </a14:hiddenFill>
+            </a:ext>
+          </a:extLst>
+        </p:spPr>
+      </p:pic>
+      <p:grpSp>
+        <p:nvGrpSpPr>
+          <p:cNvPr id="7" name="Group 6">
+            <a:extLst>
+              <a:ext uri="{FF2B5EF4-FFF2-40B4-BE49-F238E27FC236}">
+                <a16:creationId xmlns:a16="http://schemas.microsoft.com/office/drawing/2014/main" id="{DD22E288-2F8B-A6AF-7266-7A6922387399}"/>
+              </a:ext>
+            </a:extLst>
+          </p:cNvPr>
+          <p:cNvGrpSpPr/>
+          <p:nvPr/>
+        </p:nvGrpSpPr>
+        <p:grpSpPr>
+          <a:xfrm>
+            <a:off x="145191" y="576387"/>
+            <a:ext cx="6613955" cy="5716622"/>
+            <a:chOff x="145191" y="576387"/>
+            <a:chExt cx="6613955" cy="5716622"/>
+          </a:xfrm>
+        </p:grpSpPr>
+        <p:sp>
+          <p:nvSpPr>
+            <p:cNvPr id="5" name="Rectangle 4">
+              <a:extLst>
+                <a:ext uri="{FF2B5EF4-FFF2-40B4-BE49-F238E27FC236}">
+                  <a16:creationId xmlns:a16="http://schemas.microsoft.com/office/drawing/2014/main" id="{73CF2B11-E70C-7066-B8B0-327FACBC1CEE}"/>
+                </a:ext>
+              </a:extLst>
+            </p:cNvPr>
+            <p:cNvSpPr/>
+            <p:nvPr/>
+          </p:nvSpPr>
+          <p:spPr>
+            <a:xfrm>
+              <a:off x="145191" y="576387"/>
+              <a:ext cx="6082613" cy="5716622"/>
+            </a:xfrm>
+            <a:prstGeom prst="rect">
+              <a:avLst/>
+            </a:prstGeom>
+            <a:solidFill>
+              <a:schemeClr val="bg1">
+                <a:lumMod val="95000"/>
+              </a:schemeClr>
+            </a:solidFill>
+          </p:spPr>
+          <p:style>
+            <a:lnRef idx="2">
+              <a:schemeClr val="accent1">
+                <a:shade val="15000"/>
+              </a:schemeClr>
+            </a:lnRef>
+            <a:fillRef idx="1">
+              <a:schemeClr val="accent1"/>
+            </a:fillRef>
+            <a:effectRef idx="0">
+              <a:schemeClr val="accent1"/>
+            </a:effectRef>
+            <a:fontRef idx="minor">
+              <a:schemeClr val="lt1"/>
+            </a:fontRef>
+          </p:style>
+          <p:txBody>
+            <a:bodyPr rtlCol="0" anchor="ctr"/>
+            <a:lstStyle/>
+            <a:p>
+              <a:pPr algn="ctr"/>
+              <a:endParaRPr lang="en-US"/>
+            </a:p>
+          </p:txBody>
+        </p:sp>
+        <p:sp>
+          <p:nvSpPr>
+            <p:cNvPr id="4" name="TextBox 3">
+              <a:extLst>
+                <a:ext uri="{FF2B5EF4-FFF2-40B4-BE49-F238E27FC236}">
+                  <a16:creationId xmlns:a16="http://schemas.microsoft.com/office/drawing/2014/main" id="{10E3511D-74C6-80D9-BF0E-74A01FBA1E52}"/>
+                </a:ext>
+              </a:extLst>
+            </p:cNvPr>
+            <p:cNvSpPr txBox="1"/>
+            <p:nvPr/>
+          </p:nvSpPr>
+          <p:spPr>
+            <a:xfrm>
+              <a:off x="145192" y="689788"/>
+              <a:ext cx="6613954" cy="5478423"/>
+            </a:xfrm>
+            <a:prstGeom prst="rect">
+              <a:avLst/>
+            </a:prstGeom>
+            <a:noFill/>
+          </p:spPr>
+          <p:txBody>
+            <a:bodyPr wrap="square">
+              <a:spAutoFit/>
+            </a:bodyPr>
+            <a:lstStyle/>
+            <a:p>
+              <a:r>
+                <a:rPr lang="en-US" sz="1400" dirty="0">
+                  <a:latin typeface="Fira Code" panose="020B0809050000020004" pitchFamily="49" charset="0"/>
+                  <a:ea typeface="Fira Code" panose="020B0809050000020004" pitchFamily="49" charset="0"/>
+                </a:rPr>
+                <a:t>graph TD </a:t>
+              </a:r>
+            </a:p>
+            <a:p>
+              <a:r>
+                <a:rPr lang="en-US" sz="1400" dirty="0">
+                  <a:latin typeface="Fira Code" panose="020B0809050000020004" pitchFamily="49" charset="0"/>
+                  <a:ea typeface="Fira Code" panose="020B0809050000020004" pitchFamily="49" charset="0"/>
+                </a:rPr>
+                <a:t>    Bat(</a:t>
+              </a:r>
+              <a:r>
+                <a:rPr lang="en-US" sz="1400" dirty="0" err="1">
+                  <a:latin typeface="Fira Code" panose="020B0809050000020004" pitchFamily="49" charset="0"/>
+                  <a:ea typeface="Fira Code" panose="020B0809050000020004" pitchFamily="49" charset="0"/>
+                </a:rPr>
+                <a:t>fa:fa-car-battery</a:t>
+              </a:r>
+              <a:r>
+                <a:rPr lang="en-US" sz="1400" dirty="0">
+                  <a:latin typeface="Fira Code" panose="020B0809050000020004" pitchFamily="49" charset="0"/>
+                  <a:ea typeface="Fira Code" panose="020B0809050000020004" pitchFamily="49" charset="0"/>
+                </a:rPr>
+                <a:t> Batteries) --&gt;|150a 50mm| </a:t>
+              </a:r>
+              <a:r>
+                <a:rPr lang="en-US" sz="1400" dirty="0" err="1">
+                  <a:latin typeface="Fira Code" panose="020B0809050000020004" pitchFamily="49" charset="0"/>
+                  <a:ea typeface="Fira Code" panose="020B0809050000020004" pitchFamily="49" charset="0"/>
+                </a:rPr>
+                <a:t>ShutOff</a:t>
+              </a:r>
+              <a:r>
+                <a:rPr lang="en-US" sz="1400" dirty="0">
+                  <a:latin typeface="Fira Code" panose="020B0809050000020004" pitchFamily="49" charset="0"/>
+                  <a:ea typeface="Fira Code" panose="020B0809050000020004" pitchFamily="49" charset="0"/>
+                </a:rPr>
+                <a:t> </a:t>
+              </a:r>
+            </a:p>
+            <a:p>
+              <a:r>
+                <a:rPr lang="en-US" sz="1400" dirty="0">
+                  <a:latin typeface="Fira Code" panose="020B0809050000020004" pitchFamily="49" charset="0"/>
+                  <a:ea typeface="Fira Code" panose="020B0809050000020004" pitchFamily="49" charset="0"/>
+                </a:rPr>
+                <a:t>    Bat --&gt;|150a 50mm| Shunt </a:t>
+              </a:r>
+            </a:p>
+            <a:p>
+              <a:r>
+                <a:rPr lang="en-US" sz="1400" dirty="0">
+                  <a:latin typeface="Fira Code" panose="020B0809050000020004" pitchFamily="49" charset="0"/>
+                  <a:ea typeface="Fira Code" panose="020B0809050000020004" pitchFamily="49" charset="0"/>
+                </a:rPr>
+                <a:t> </a:t>
+              </a:r>
+            </a:p>
+            <a:p>
+              <a:r>
+                <a:rPr lang="en-US" sz="1400" dirty="0">
+                  <a:latin typeface="Fira Code" panose="020B0809050000020004" pitchFamily="49" charset="0"/>
+                  <a:ea typeface="Fira Code" panose="020B0809050000020004" pitchFamily="49" charset="0"/>
+                </a:rPr>
+                <a:t>    </a:t>
+              </a:r>
+              <a:r>
+                <a:rPr lang="en-US" sz="1400" dirty="0" err="1">
+                  <a:latin typeface="Fira Code" panose="020B0809050000020004" pitchFamily="49" charset="0"/>
+                  <a:ea typeface="Fira Code" panose="020B0809050000020004" pitchFamily="49" charset="0"/>
+                </a:rPr>
+                <a:t>ShutOff</a:t>
+              </a:r>
+              <a:r>
+                <a:rPr lang="en-US" sz="1400" dirty="0">
+                  <a:latin typeface="Fira Code" panose="020B0809050000020004" pitchFamily="49" charset="0"/>
+                  <a:ea typeface="Fira Code" panose="020B0809050000020004" pitchFamily="49" charset="0"/>
+                </a:rPr>
+                <a:t>[Shut Off] --&gt;|150a 50mm| </a:t>
+              </a:r>
+              <a:r>
+                <a:rPr lang="en-US" sz="1400" dirty="0" err="1">
+                  <a:latin typeface="Fira Code" panose="020B0809050000020004" pitchFamily="49" charset="0"/>
+                  <a:ea typeface="Fira Code" panose="020B0809050000020004" pitchFamily="49" charset="0"/>
+                </a:rPr>
+                <a:t>BusPos</a:t>
+              </a:r>
+              <a:r>
+                <a:rPr lang="en-US" sz="1400" dirty="0">
+                  <a:latin typeface="Fira Code" panose="020B0809050000020004" pitchFamily="49" charset="0"/>
+                  <a:ea typeface="Fira Code" panose="020B0809050000020004" pitchFamily="49" charset="0"/>
+                </a:rPr>
+                <a:t>[Bus Bar +] </a:t>
+              </a:r>
+            </a:p>
+            <a:p>
+              <a:r>
+                <a:rPr lang="en-US" sz="1400" dirty="0">
+                  <a:latin typeface="Fira Code" panose="020B0809050000020004" pitchFamily="49" charset="0"/>
+                  <a:ea typeface="Fira Code" panose="020B0809050000020004" pitchFamily="49" charset="0"/>
+                </a:rPr>
+                <a:t> </a:t>
+              </a:r>
+            </a:p>
+            <a:p>
+              <a:r>
+                <a:rPr lang="en-US" sz="1400" dirty="0">
+                  <a:latin typeface="Fira Code" panose="020B0809050000020004" pitchFamily="49" charset="0"/>
+                  <a:ea typeface="Fira Code" panose="020B0809050000020004" pitchFamily="49" charset="0"/>
+                </a:rPr>
+                <a:t>    Shunt --&gt;|150a 50mm| </a:t>
+              </a:r>
+              <a:r>
+                <a:rPr lang="en-US" sz="1400" dirty="0" err="1">
+                  <a:latin typeface="Fira Code" panose="020B0809050000020004" pitchFamily="49" charset="0"/>
+                  <a:ea typeface="Fira Code" panose="020B0809050000020004" pitchFamily="49" charset="0"/>
+                </a:rPr>
+                <a:t>BusNeg</a:t>
+              </a:r>
+              <a:r>
+                <a:rPr lang="en-US" sz="1400" dirty="0">
+                  <a:latin typeface="Fira Code" panose="020B0809050000020004" pitchFamily="49" charset="0"/>
+                  <a:ea typeface="Fira Code" panose="020B0809050000020004" pitchFamily="49" charset="0"/>
+                </a:rPr>
+                <a:t>[Bus Bar -] </a:t>
+              </a:r>
+            </a:p>
+            <a:p>
+              <a:r>
+                <a:rPr lang="en-US" sz="1400" dirty="0">
+                  <a:latin typeface="Fira Code" panose="020B0809050000020004" pitchFamily="49" charset="0"/>
+                  <a:ea typeface="Fira Code" panose="020B0809050000020004" pitchFamily="49" charset="0"/>
+                </a:rPr>
+                <a:t> </a:t>
+              </a:r>
+            </a:p>
+            <a:p>
+              <a:r>
+                <a:rPr lang="en-US" sz="1400" dirty="0">
+                  <a:latin typeface="Fira Code" panose="020B0809050000020004" pitchFamily="49" charset="0"/>
+                  <a:ea typeface="Fira Code" panose="020B0809050000020004" pitchFamily="49" charset="0"/>
+                </a:rPr>
+                <a:t>    </a:t>
+              </a:r>
+              <a:r>
+                <a:rPr lang="en-US" sz="1400" dirty="0" err="1">
+                  <a:latin typeface="Fira Code" panose="020B0809050000020004" pitchFamily="49" charset="0"/>
+                  <a:ea typeface="Fira Code" panose="020B0809050000020004" pitchFamily="49" charset="0"/>
+                </a:rPr>
+                <a:t>BusPos</a:t>
+              </a:r>
+              <a:r>
+                <a:rPr lang="en-US" sz="1400" dirty="0">
+                  <a:latin typeface="Fira Code" panose="020B0809050000020004" pitchFamily="49" charset="0"/>
+                  <a:ea typeface="Fira Code" panose="020B0809050000020004" pitchFamily="49" charset="0"/>
+                </a:rPr>
+                <a:t> --&gt;|40a| Fuse[Fuse Box] </a:t>
+              </a:r>
+            </a:p>
+            <a:p>
+              <a:r>
+                <a:rPr lang="en-US" sz="1400" dirty="0">
+                  <a:latin typeface="Fira Code" panose="020B0809050000020004" pitchFamily="49" charset="0"/>
+                  <a:ea typeface="Fira Code" panose="020B0809050000020004" pitchFamily="49" charset="0"/>
+                </a:rPr>
+                <a:t>    </a:t>
+              </a:r>
+              <a:r>
+                <a:rPr lang="en-US" sz="1400" dirty="0" err="1">
+                  <a:latin typeface="Fira Code" panose="020B0809050000020004" pitchFamily="49" charset="0"/>
+                  <a:ea typeface="Fira Code" panose="020B0809050000020004" pitchFamily="49" charset="0"/>
+                </a:rPr>
+                <a:t>BusPos</a:t>
+              </a:r>
+              <a:r>
+                <a:rPr lang="en-US" sz="1400" dirty="0">
+                  <a:latin typeface="Fira Code" panose="020B0809050000020004" pitchFamily="49" charset="0"/>
+                  <a:ea typeface="Fira Code" panose="020B0809050000020004" pitchFamily="49" charset="0"/>
+                </a:rPr>
+                <a:t> --&gt;|?a| Old{Old Wiring} </a:t>
+              </a:r>
+            </a:p>
+            <a:p>
+              <a:r>
+                <a:rPr lang="en-US" sz="1400" dirty="0">
+                  <a:latin typeface="Fira Code" panose="020B0809050000020004" pitchFamily="49" charset="0"/>
+                  <a:ea typeface="Fira Code" panose="020B0809050000020004" pitchFamily="49" charset="0"/>
+                </a:rPr>
+                <a:t> </a:t>
+              </a:r>
+            </a:p>
+            <a:p>
+              <a:r>
+                <a:rPr lang="en-US" sz="1400" dirty="0">
+                  <a:latin typeface="Fira Code" panose="020B0809050000020004" pitchFamily="49" charset="0"/>
+                  <a:ea typeface="Fira Code" panose="020B0809050000020004" pitchFamily="49" charset="0"/>
+                </a:rPr>
+                <a:t>    </a:t>
+              </a:r>
+              <a:r>
+                <a:rPr lang="en-US" sz="1400" dirty="0" err="1">
+                  <a:latin typeface="Fira Code" panose="020B0809050000020004" pitchFamily="49" charset="0"/>
+                  <a:ea typeface="Fira Code" panose="020B0809050000020004" pitchFamily="49" charset="0"/>
+                </a:rPr>
+                <a:t>BusNeg</a:t>
+              </a:r>
+              <a:r>
+                <a:rPr lang="en-US" sz="1400" dirty="0">
+                  <a:latin typeface="Fira Code" panose="020B0809050000020004" pitchFamily="49" charset="0"/>
+                  <a:ea typeface="Fira Code" panose="020B0809050000020004" pitchFamily="49" charset="0"/>
+                </a:rPr>
+                <a:t> --&gt;|40a| Fuse </a:t>
+              </a:r>
+            </a:p>
+            <a:p>
+              <a:r>
+                <a:rPr lang="en-US" sz="1400" dirty="0">
+                  <a:latin typeface="Fira Code" panose="020B0809050000020004" pitchFamily="49" charset="0"/>
+                  <a:ea typeface="Fira Code" panose="020B0809050000020004" pitchFamily="49" charset="0"/>
+                </a:rPr>
+                <a:t> </a:t>
+              </a:r>
+            </a:p>
+            <a:p>
+              <a:r>
+                <a:rPr lang="en-US" sz="1400" dirty="0">
+                  <a:latin typeface="Fira Code" panose="020B0809050000020004" pitchFamily="49" charset="0"/>
+                  <a:ea typeface="Fira Code" panose="020B0809050000020004" pitchFamily="49" charset="0"/>
+                </a:rPr>
+                <a:t>    Fuse --&gt;|10a| USB(USB-C) </a:t>
+              </a:r>
+            </a:p>
+            <a:p>
+              <a:r>
+                <a:rPr lang="en-US" sz="1400" dirty="0">
+                  <a:latin typeface="Fira Code" panose="020B0809050000020004" pitchFamily="49" charset="0"/>
+                  <a:ea typeface="Fira Code" panose="020B0809050000020004" pitchFamily="49" charset="0"/>
+                </a:rPr>
+                <a:t>    Fuse --&gt;|10a| USB </a:t>
+              </a:r>
+            </a:p>
+            <a:p>
+              <a:r>
+                <a:rPr lang="en-US" sz="1400" dirty="0">
+                  <a:latin typeface="Fira Code" panose="020B0809050000020004" pitchFamily="49" charset="0"/>
+                  <a:ea typeface="Fira Code" panose="020B0809050000020004" pitchFamily="49" charset="0"/>
+                </a:rPr>
+                <a:t>    Fuse --&gt;|1.5a| Switch --&gt;|1.5a| </a:t>
+              </a:r>
+              <a:r>
+                <a:rPr lang="en-US" sz="1400" dirty="0" err="1">
+                  <a:latin typeface="Fira Code" panose="020B0809050000020004" pitchFamily="49" charset="0"/>
+                  <a:ea typeface="Fira Code" panose="020B0809050000020004" pitchFamily="49" charset="0"/>
+                </a:rPr>
+                <a:t>Wifi</a:t>
+              </a:r>
+              <a:r>
+                <a:rPr lang="en-US" sz="1400" dirty="0">
+                  <a:latin typeface="Fira Code" panose="020B0809050000020004" pitchFamily="49" charset="0"/>
+                  <a:ea typeface="Fira Code" panose="020B0809050000020004" pitchFamily="49" charset="0"/>
+                </a:rPr>
+                <a:t> </a:t>
+              </a:r>
+            </a:p>
+            <a:p>
+              <a:r>
+                <a:rPr lang="en-US" sz="1400" dirty="0">
+                  <a:latin typeface="Fira Code" panose="020B0809050000020004" pitchFamily="49" charset="0"/>
+                  <a:ea typeface="Fira Code" panose="020B0809050000020004" pitchFamily="49" charset="0"/>
+                </a:rPr>
+                <a:t> </a:t>
+              </a:r>
+            </a:p>
+            <a:p>
+              <a:r>
+                <a:rPr lang="en-US" sz="1400" dirty="0">
+                  <a:latin typeface="Fira Code" panose="020B0809050000020004" pitchFamily="49" charset="0"/>
+                  <a:ea typeface="Fira Code" panose="020B0809050000020004" pitchFamily="49" charset="0"/>
+                </a:rPr>
+                <a:t>    </a:t>
+              </a:r>
+              <a:r>
+                <a:rPr lang="en-US" sz="1400" dirty="0" err="1">
+                  <a:latin typeface="Fira Code" panose="020B0809050000020004" pitchFamily="49" charset="0"/>
+                  <a:ea typeface="Fira Code" panose="020B0809050000020004" pitchFamily="49" charset="0"/>
+                </a:rPr>
+                <a:t>Wifi</a:t>
+              </a:r>
+              <a:r>
+                <a:rPr lang="en-US" sz="1400" dirty="0">
+                  <a:latin typeface="Fira Code" panose="020B0809050000020004" pitchFamily="49" charset="0"/>
+                  <a:ea typeface="Fira Code" panose="020B0809050000020004" pitchFamily="49" charset="0"/>
+                </a:rPr>
+                <a:t> --&gt;|1.5a| Fuse </a:t>
+              </a:r>
+            </a:p>
+            <a:p>
+              <a:r>
+                <a:rPr lang="en-US" sz="1400" dirty="0">
+                  <a:latin typeface="Fira Code" panose="020B0809050000020004" pitchFamily="49" charset="0"/>
+                  <a:ea typeface="Fira Code" panose="020B0809050000020004" pitchFamily="49" charset="0"/>
+                </a:rPr>
+                <a:t> </a:t>
+              </a:r>
+            </a:p>
+            <a:p>
+              <a:r>
+                <a:rPr lang="en-US" sz="1400" dirty="0">
+                  <a:latin typeface="Fira Code" panose="020B0809050000020004" pitchFamily="49" charset="0"/>
+                  <a:ea typeface="Fira Code" panose="020B0809050000020004" pitchFamily="49" charset="0"/>
+                </a:rPr>
+                <a:t>    Fuse --&gt;|10a| Cig1[Cigarette Lighter] </a:t>
+              </a:r>
+            </a:p>
+            <a:p>
+              <a:r>
+                <a:rPr lang="en-US" sz="1400" dirty="0">
+                  <a:latin typeface="Fira Code" panose="020B0809050000020004" pitchFamily="49" charset="0"/>
+                  <a:ea typeface="Fira Code" panose="020B0809050000020004" pitchFamily="49" charset="0"/>
+                </a:rPr>
+                <a:t>    Fuse --&gt;|10a| Cig1  </a:t>
+              </a:r>
+            </a:p>
+            <a:p>
+              <a:r>
+                <a:rPr lang="en-US" sz="1400" dirty="0">
+                  <a:latin typeface="Fira Code" panose="020B0809050000020004" pitchFamily="49" charset="0"/>
+                  <a:ea typeface="Fira Code" panose="020B0809050000020004" pitchFamily="49" charset="0"/>
+                </a:rPr>
+                <a:t> </a:t>
+              </a:r>
+            </a:p>
+            <a:p>
+              <a:r>
+                <a:rPr lang="en-US" sz="1400" dirty="0">
+                  <a:latin typeface="Fira Code" panose="020B0809050000020004" pitchFamily="49" charset="0"/>
+                  <a:ea typeface="Fira Code" panose="020B0809050000020004" pitchFamily="49" charset="0"/>
+                </a:rPr>
+                <a:t>    Fuse --&gt;|10a| Cig2[Cigarette Lighter Near Bed] </a:t>
+              </a:r>
+            </a:p>
+            <a:p>
+              <a:r>
+                <a:rPr lang="en-US" sz="1400" dirty="0">
+                  <a:latin typeface="Fira Code" panose="020B0809050000020004" pitchFamily="49" charset="0"/>
+                  <a:ea typeface="Fira Code" panose="020B0809050000020004" pitchFamily="49" charset="0"/>
+                </a:rPr>
+                <a:t>    Fuse --&gt;|10a|</a:t>
+              </a:r>
+            </a:p>
+          </p:txBody>
+        </p:sp>
+      </p:grpSp>
+      <p:pic>
+        <p:nvPicPr>
+          <p:cNvPr id="4100" name="Picture 4" descr="arrow, fat, lines, up, duotone ">
+            <a:extLst>
+              <a:ext uri="{FF2B5EF4-FFF2-40B4-BE49-F238E27FC236}">
+                <a16:creationId xmlns:a16="http://schemas.microsoft.com/office/drawing/2014/main" id="{D0FA93D5-9055-688B-F432-C6AEAF7FA4DB}"/>
+              </a:ext>
+            </a:extLst>
+          </p:cNvPr>
+          <p:cNvPicPr>
+            <a:picLocks noChangeAspect="1" noChangeArrowheads="1"/>
+          </p:cNvPicPr>
+          <p:nvPr/>
+        </p:nvPicPr>
+        <p:blipFill>
+          <a:blip r:embed="rId3">
+            <a:extLst>
+              <a:ext uri="{28A0092B-C50C-407E-A947-70E740481C1C}">
+                <a14:useLocalDpi xmlns:a14="http://schemas.microsoft.com/office/drawing/2010/main" val="0"/>
+              </a:ext>
+            </a:extLst>
+          </a:blip>
+          <a:srcRect/>
+          <a:stretch>
+            <a:fillRect/>
+          </a:stretch>
+        </p:blipFill>
+        <p:spPr bwMode="auto">
+          <a:xfrm rot="5400000">
+            <a:off x="6293227" y="3022599"/>
+            <a:ext cx="812800" cy="812800"/>
+          </a:xfrm>
+          <a:prstGeom prst="rect">
+            <a:avLst/>
+          </a:prstGeom>
+          <a:noFill/>
+          <a:extLst>
+            <a:ext uri="{909E8E84-426E-40DD-AFC4-6F175D3DCCD1}">
+              <a14:hiddenFill xmlns:a14="http://schemas.microsoft.com/office/drawing/2010/main">
+                <a:solidFill>
+                  <a:srgbClr val="FFFFFF"/>
+                </a:solidFill>
+              </a14:hiddenFill>
+            </a:ext>
+          </a:extLst>
+        </p:spPr>
+      </p:pic>
+      <p:sp>
+        <p:nvSpPr>
+          <p:cNvPr id="8" name="Title 3">
+            <a:extLst>
+              <a:ext uri="{FF2B5EF4-FFF2-40B4-BE49-F238E27FC236}">
+                <a16:creationId xmlns:a16="http://schemas.microsoft.com/office/drawing/2014/main" id="{EBB59A9C-D6E0-2324-7482-3FDCE4D79C45}"/>
+              </a:ext>
+            </a:extLst>
+          </p:cNvPr>
+          <p:cNvSpPr txBox="1">
+            <a:spLocks/>
+          </p:cNvSpPr>
+          <p:nvPr/>
+        </p:nvSpPr>
+        <p:spPr>
+          <a:xfrm>
+            <a:off x="4670855" y="95892"/>
+            <a:ext cx="4510216" cy="593895"/>
+          </a:xfrm>
+          <a:prstGeom prst="rect">
+            <a:avLst/>
+          </a:prstGeom>
+        </p:spPr>
+        <p:txBody>
+          <a:bodyPr>
+            <a:normAutofit fontScale="92500" lnSpcReduction="20000"/>
+          </a:bodyPr>
+          <a:lstStyle>
+            <a:lvl1pPr algn="l" defTabSz="914400" rtl="0" eaLnBrk="1" latinLnBrk="0" hangingPunct="1">
+              <a:lnSpc>
+                <a:spcPct val="90000"/>
+              </a:lnSpc>
+              <a:spcBef>
+                <a:spcPct val="0"/>
+              </a:spcBef>
+              <a:buNone/>
+              <a:defRPr sz="4400" kern="1200">
+                <a:solidFill>
+                  <a:schemeClr val="tx1"/>
+                </a:solidFill>
+                <a:latin typeface="+mj-lt"/>
+                <a:ea typeface="+mj-ea"/>
+                <a:cs typeface="+mj-cs"/>
+              </a:defRPr>
+            </a:lvl1pPr>
+          </a:lstStyle>
+          <a:p>
+            <a:r>
+              <a:rPr lang="en-US" b="1" dirty="0"/>
+              <a:t>What is Mermaid?</a:t>
+            </a:r>
+            <a:endParaRPr lang="en-US" b="1" dirty="0">
+              <a:solidFill>
+                <a:schemeClr val="tx1">
+                  <a:lumMod val="50000"/>
+                  <a:lumOff val="50000"/>
+                </a:schemeClr>
+              </a:solidFill>
+            </a:endParaRPr>
+          </a:p>
+        </p:txBody>
+      </p:sp>
+    </p:spTree>
+    <p:extLst>
+      <p:ext uri="{BB962C8B-B14F-4D97-AF65-F5344CB8AC3E}">
+        <p14:creationId xmlns:p14="http://schemas.microsoft.com/office/powerpoint/2010/main" val="3600265301"/>
+      </p:ext>
+    </p:extLst>
+  </p:cSld>
+  <p:clrMapOvr>
+    <a:masterClrMapping/>
+  </p:clrMapOvr>
+  <p:timing>
+    <p:tnLst>
+      <p:par>
+        <p:cTn id="1" dur="indefinite" restart="never" nodeType="tmRoot">
+          <p:childTnLst>
+            <p:seq concurrent="1" nextAc="seek">
+              <p:cTn id="2" dur="indefinite" nodeType="mainSeq">
+                <p:childTnLst>
+                  <p:par>
+                    <p:cTn id="3" fill="hold">
+                      <p:stCondLst>
+                        <p:cond delay="indefinite"/>
+                      </p:stCondLst>
+                      <p:childTnLst>
+                        <p:par>
+                          <p:cTn id="4" fill="hold">
+                            <p:stCondLst>
+                              <p:cond delay="0"/>
+                            </p:stCondLst>
+                            <p:childTnLst>
+                              <p:par>
+                                <p:cTn id="5" presetID="1" presetClass="entr" presetSubtype="0" fill="hold" nodeType="clickEffect">
+                                  <p:stCondLst>
+                                    <p:cond delay="0"/>
+                                  </p:stCondLst>
+                                  <p:childTnLst>
+                                    <p:set>
+                                      <p:cBhvr>
+                                        <p:cTn id="6" dur="1" fill="hold">
+                                          <p:stCondLst>
+                                            <p:cond delay="0"/>
+                                          </p:stCondLst>
+                                        </p:cTn>
+                                        <p:tgtEl>
+                                          <p:spTgt spid="4098"/>
+                                        </p:tgtEl>
+                                        <p:attrNameLst>
+                                          <p:attrName>style.visibility</p:attrName>
+                                        </p:attrNameLst>
+                                      </p:cBhvr>
+                                      <p:to>
+                                        <p:strVal val="visible"/>
+                                      </p:to>
+                                    </p:set>
+                                  </p:childTnLst>
+                                </p:cTn>
+                              </p:par>
+                            </p:childTnLst>
+                          </p:cTn>
+                        </p:par>
+                      </p:childTnLst>
+                    </p:cTn>
+                  </p:par>
+                  <p:par>
+                    <p:cTn id="7" fill="hold">
+                      <p:stCondLst>
+                        <p:cond delay="indefinite"/>
+                      </p:stCondLst>
+                      <p:childTnLst>
+                        <p:par>
+                          <p:cTn id="8" fill="hold">
+                            <p:stCondLst>
+                              <p:cond delay="0"/>
+                            </p:stCondLst>
+                            <p:childTnLst>
+                              <p:par>
+                                <p:cTn id="9" presetID="1" presetClass="entr" presetSubtype="0" fill="hold" nodeType="clickEffect">
+                                  <p:stCondLst>
+                                    <p:cond delay="0"/>
+                                  </p:stCondLst>
+                                  <p:childTnLst>
+                                    <p:set>
+                                      <p:cBhvr>
+                                        <p:cTn id="10" dur="1" fill="hold">
+                                          <p:stCondLst>
+                                            <p:cond delay="0"/>
+                                          </p:stCondLst>
+                                        </p:cTn>
+                                        <p:tgtEl>
+                                          <p:spTgt spid="4100"/>
+                                        </p:tgtEl>
+                                        <p:attrNameLst>
+                                          <p:attrName>style.visibility</p:attrName>
+                                        </p:attrNameLst>
+                                      </p:cBhvr>
+                                      <p:to>
+                                        <p:strVal val="visible"/>
+                                      </p:to>
+                                    </p:set>
+                                  </p:childTnLst>
+                                </p:cTn>
+                              </p:par>
+                              <p:par>
+                                <p:cTn id="11" presetID="1" presetClass="entr" presetSubtype="0" fill="hold" nodeType="withEffect">
+                                  <p:stCondLst>
+                                    <p:cond delay="0"/>
+                                  </p:stCondLst>
+                                  <p:childTnLst>
+                                    <p:set>
+                                      <p:cBhvr>
+                                        <p:cTn id="12" dur="1" fill="hold">
+                                          <p:stCondLst>
+                                            <p:cond delay="0"/>
+                                          </p:stCondLst>
+                                        </p:cTn>
+                                        <p:tgtEl>
+                                          <p:spTgt spid="7"/>
+                                        </p:tgtEl>
+                                        <p:attrNameLst>
+                                          <p:attrName>style.visibility</p:attrName>
+                                        </p:attrNameLst>
+                                      </p:cBhvr>
+                                      <p:to>
+                                        <p:strVal val="visible"/>
+                                      </p:to>
+                                    </p:set>
+                                  </p:childTnLst>
+                                </p:cTn>
+                              </p:par>
+                            </p:childTnLst>
+                          </p:cTn>
+                        </p:par>
+                      </p:childTnLst>
+                    </p:cTn>
+                  </p:par>
+                </p:childTnLst>
+              </p:cTn>
+              <p:prevCondLst>
+                <p:cond evt="onPrev" delay="0">
+                  <p:tgtEl>
+                    <p:sldTgt/>
+                  </p:tgtEl>
+                </p:cond>
+              </p:prevCondLst>
+              <p:nextCondLst>
+                <p:cond evt="onNext" delay="0">
+                  <p:tgtEl>
+                    <p:sldTgt/>
+                  </p:tgtEl>
+                </p:cond>
+              </p:nextCondLst>
+            </p:seq>
+          </p:childTnLst>
+        </p:cTn>
+      </p:par>
+    </p:tnLst>
+  </p:timing>
+</p:sld>
+</file>
+
+<file path=ppt/slides/slide35.xml><?xml version="1.0" encoding="utf-8"?>
+<p:sld xmlns:a="http://schemas.openxmlformats.org/drawingml/2006/main" xmlns:r="http://schemas.openxmlformats.org/officeDocument/2006/relationships" xmlns:p="http://schemas.openxmlformats.org/presentationml/2006/main">
+  <p:cSld>
+    <p:spTree>
+      <p:nvGrpSpPr>
+        <p:cNvPr id="1" name=""/>
+        <p:cNvGrpSpPr/>
+        <p:nvPr/>
+      </p:nvGrpSpPr>
+      <p:grpSpPr>
+        <a:xfrm>
+          <a:off x="0" y="0"/>
+          <a:ext cx="0" cy="0"/>
+          <a:chOff x="0" y="0"/>
+          <a:chExt cx="0" cy="0"/>
+        </a:xfrm>
+      </p:grpSpPr>
+      <p:pic>
+        <p:nvPicPr>
+          <p:cNvPr id="2" name="Picture 1">
+            <a:extLst>
+              <a:ext uri="{FF2B5EF4-FFF2-40B4-BE49-F238E27FC236}">
+                <a16:creationId xmlns:a16="http://schemas.microsoft.com/office/drawing/2014/main" id="{68C2E684-3583-DFBA-AF10-01164E3D3B54}"/>
+              </a:ext>
+            </a:extLst>
+          </p:cNvPr>
+          <p:cNvPicPr>
+            <a:picLocks noChangeAspect="1"/>
+          </p:cNvPicPr>
+          <p:nvPr/>
+        </p:nvPicPr>
+        <p:blipFill>
+          <a:blip r:embed="rId2"/>
+          <a:stretch>
+            <a:fillRect/>
+          </a:stretch>
+        </p:blipFill>
+        <p:spPr>
+          <a:xfrm>
+            <a:off x="637917" y="222421"/>
+            <a:ext cx="5891333" cy="2502072"/>
+          </a:xfrm>
+          <a:prstGeom prst="rect">
+            <a:avLst/>
+          </a:prstGeom>
+        </p:spPr>
+      </p:pic>
+      <p:pic>
+        <p:nvPicPr>
+          <p:cNvPr id="3" name="Picture 2">
+            <a:extLst>
+              <a:ext uri="{FF2B5EF4-FFF2-40B4-BE49-F238E27FC236}">
+                <a16:creationId xmlns:a16="http://schemas.microsoft.com/office/drawing/2014/main" id="{34C9290E-EF1D-E237-1721-AD88933384E9}"/>
+              </a:ext>
+            </a:extLst>
+          </p:cNvPr>
+          <p:cNvPicPr>
+            <a:picLocks noChangeAspect="1"/>
+          </p:cNvPicPr>
+          <p:nvPr/>
+        </p:nvPicPr>
+        <p:blipFill>
+          <a:blip r:embed="rId3"/>
+          <a:stretch>
+            <a:fillRect/>
+          </a:stretch>
+        </p:blipFill>
+        <p:spPr>
+          <a:xfrm>
+            <a:off x="586946" y="2724493"/>
+            <a:ext cx="5509054" cy="3757025"/>
+          </a:xfrm>
+          <a:prstGeom prst="rect">
+            <a:avLst/>
+          </a:prstGeom>
+        </p:spPr>
+      </p:pic>
+      <p:cxnSp>
+        <p:nvCxnSpPr>
+          <p:cNvPr id="5" name="Straight Connector 4">
+            <a:extLst>
+              <a:ext uri="{FF2B5EF4-FFF2-40B4-BE49-F238E27FC236}">
+                <a16:creationId xmlns:a16="http://schemas.microsoft.com/office/drawing/2014/main" id="{ACF00323-92E4-878D-3612-544E83E48F62}"/>
+              </a:ext>
+            </a:extLst>
+          </p:cNvPr>
+          <p:cNvCxnSpPr>
+            <a:cxnSpLocks/>
+          </p:cNvCxnSpPr>
+          <p:nvPr/>
+        </p:nvCxnSpPr>
+        <p:spPr>
+          <a:xfrm>
+            <a:off x="4534929" y="1087394"/>
+            <a:ext cx="1013255" cy="0"/>
+          </a:xfrm>
+          <a:prstGeom prst="line">
+            <a:avLst/>
+          </a:prstGeom>
+          <a:ln w="28575">
+            <a:solidFill>
+              <a:srgbClr val="FF0000"/>
+            </a:solidFill>
+          </a:ln>
+        </p:spPr>
+        <p:style>
+          <a:lnRef idx="2">
+            <a:schemeClr val="accent1"/>
+          </a:lnRef>
+          <a:fillRef idx="0">
+            <a:schemeClr val="accent1"/>
+          </a:fillRef>
+          <a:effectRef idx="1">
+            <a:schemeClr val="accent1"/>
+          </a:effectRef>
+          <a:fontRef idx="minor">
+            <a:schemeClr val="tx1"/>
+          </a:fontRef>
+        </p:style>
+      </p:cxnSp>
+      <p:cxnSp>
+        <p:nvCxnSpPr>
+          <p:cNvPr id="7" name="Straight Connector 6">
+            <a:extLst>
+              <a:ext uri="{FF2B5EF4-FFF2-40B4-BE49-F238E27FC236}">
+                <a16:creationId xmlns:a16="http://schemas.microsoft.com/office/drawing/2014/main" id="{AF841FAE-91E1-000E-DD2C-9F29121D45E8}"/>
+              </a:ext>
+            </a:extLst>
+          </p:cNvPr>
+          <p:cNvCxnSpPr>
+            <a:cxnSpLocks/>
+          </p:cNvCxnSpPr>
+          <p:nvPr/>
+        </p:nvCxnSpPr>
+        <p:spPr>
+          <a:xfrm>
+            <a:off x="3241589" y="3204519"/>
+            <a:ext cx="1824681" cy="0"/>
+          </a:xfrm>
+          <a:prstGeom prst="line">
+            <a:avLst/>
+          </a:prstGeom>
+          <a:ln w="28575">
+            <a:solidFill>
+              <a:srgbClr val="FF0000"/>
+            </a:solidFill>
+          </a:ln>
+        </p:spPr>
+        <p:style>
+          <a:lnRef idx="2">
+            <a:schemeClr val="accent1"/>
+          </a:lnRef>
+          <a:fillRef idx="0">
+            <a:schemeClr val="accent1"/>
+          </a:fillRef>
+          <a:effectRef idx="1">
+            <a:schemeClr val="accent1"/>
+          </a:effectRef>
+          <a:fontRef idx="minor">
+            <a:schemeClr val="tx1"/>
+          </a:fontRef>
+        </p:style>
+      </p:cxnSp>
+    </p:spTree>
+    <p:extLst>
+      <p:ext uri="{BB962C8B-B14F-4D97-AF65-F5344CB8AC3E}">
+        <p14:creationId xmlns:p14="http://schemas.microsoft.com/office/powerpoint/2010/main" val="3408355591"/>
+      </p:ext>
+    </p:extLst>
+  </p:cSld>
+  <p:clrMapOvr>
+    <a:masterClrMapping/>
+  </p:clrMapOvr>
+</p:sld>
+</file>
+
+<file path=ppt/slides/slide36.xml><?xml version="1.0" encoding="utf-8"?>
+<p:sld xmlns:a="http://schemas.openxmlformats.org/drawingml/2006/main" xmlns:r="http://schemas.openxmlformats.org/officeDocument/2006/relationships" xmlns:p="http://schemas.openxmlformats.org/presentationml/2006/main">
+  <p:cSld>
+    <p:spTree>
+      <p:nvGrpSpPr>
+        <p:cNvPr id="1" name=""/>
+        <p:cNvGrpSpPr/>
+        <p:nvPr/>
+      </p:nvGrpSpPr>
+      <p:grpSpPr>
+        <a:xfrm>
+          <a:off x="0" y="0"/>
+          <a:ext cx="0" cy="0"/>
+          <a:chOff x="0" y="0"/>
+          <a:chExt cx="0" cy="0"/>
+        </a:xfrm>
+      </p:grpSpPr>
+      <p:pic>
+        <p:nvPicPr>
+          <p:cNvPr id="4" name="Picture 3">
+            <a:extLst>
+              <a:ext uri="{FF2B5EF4-FFF2-40B4-BE49-F238E27FC236}">
+                <a16:creationId xmlns:a16="http://schemas.microsoft.com/office/drawing/2014/main" id="{600EABEA-2BE8-EFE9-BA8D-24F30AC50947}"/>
+              </a:ext>
+            </a:extLst>
+          </p:cNvPr>
+          <p:cNvPicPr>
+            <a:picLocks noChangeAspect="1"/>
+          </p:cNvPicPr>
+          <p:nvPr/>
+        </p:nvPicPr>
+        <p:blipFill>
+          <a:blip r:embed="rId2"/>
+          <a:stretch>
+            <a:fillRect/>
+          </a:stretch>
+        </p:blipFill>
+        <p:spPr>
+          <a:xfrm>
+            <a:off x="2333368" y="787764"/>
+            <a:ext cx="7772400" cy="4615205"/>
+          </a:xfrm>
+          <a:prstGeom prst="rect">
+            <a:avLst/>
+          </a:prstGeom>
+        </p:spPr>
+      </p:pic>
+      <p:cxnSp>
+        <p:nvCxnSpPr>
+          <p:cNvPr id="6" name="Straight Connector 5">
+            <a:extLst>
+              <a:ext uri="{FF2B5EF4-FFF2-40B4-BE49-F238E27FC236}">
+                <a16:creationId xmlns:a16="http://schemas.microsoft.com/office/drawing/2014/main" id="{21681F41-7C68-DF53-97C5-9D3A79DCD3C3}"/>
+              </a:ext>
+            </a:extLst>
+          </p:cNvPr>
+          <p:cNvCxnSpPr>
+            <a:cxnSpLocks/>
+          </p:cNvCxnSpPr>
+          <p:nvPr/>
+        </p:nvCxnSpPr>
+        <p:spPr>
+          <a:xfrm>
+            <a:off x="4090086" y="5226908"/>
+            <a:ext cx="889687" cy="0"/>
+          </a:xfrm>
+          <a:prstGeom prst="line">
+            <a:avLst/>
+          </a:prstGeom>
+          <a:ln w="28575">
+            <a:solidFill>
+              <a:srgbClr val="FF0000"/>
+            </a:solidFill>
+          </a:ln>
+        </p:spPr>
+        <p:style>
+          <a:lnRef idx="2">
+            <a:schemeClr val="accent1"/>
+          </a:lnRef>
+          <a:fillRef idx="0">
+            <a:schemeClr val="accent1"/>
+          </a:fillRef>
+          <a:effectRef idx="1">
+            <a:schemeClr val="accent1"/>
+          </a:effectRef>
+          <a:fontRef idx="minor">
+            <a:schemeClr val="tx1"/>
+          </a:fontRef>
+        </p:style>
+      </p:cxnSp>
+      <p:cxnSp>
+        <p:nvCxnSpPr>
+          <p:cNvPr id="8" name="Straight Connector 7">
+            <a:extLst>
+              <a:ext uri="{FF2B5EF4-FFF2-40B4-BE49-F238E27FC236}">
+                <a16:creationId xmlns:a16="http://schemas.microsoft.com/office/drawing/2014/main" id="{E0042A2D-B539-C27F-B9F5-623D9BB91687}"/>
+              </a:ext>
+            </a:extLst>
+          </p:cNvPr>
+          <p:cNvCxnSpPr>
+            <a:cxnSpLocks/>
+          </p:cNvCxnSpPr>
+          <p:nvPr/>
+        </p:nvCxnSpPr>
+        <p:spPr>
+          <a:xfrm>
+            <a:off x="7727091" y="5226908"/>
+            <a:ext cx="823785" cy="0"/>
+          </a:xfrm>
+          <a:prstGeom prst="line">
+            <a:avLst/>
+          </a:prstGeom>
+          <a:ln w="28575">
+            <a:solidFill>
+              <a:srgbClr val="FF0000"/>
+            </a:solidFill>
+          </a:ln>
+        </p:spPr>
+        <p:style>
+          <a:lnRef idx="2">
+            <a:schemeClr val="accent1"/>
+          </a:lnRef>
+          <a:fillRef idx="0">
+            <a:schemeClr val="accent1"/>
+          </a:fillRef>
+          <a:effectRef idx="1">
+            <a:schemeClr val="accent1"/>
+          </a:effectRef>
+          <a:fontRef idx="minor">
+            <a:schemeClr val="tx1"/>
+          </a:fontRef>
+        </p:style>
+      </p:cxnSp>
+      <p:sp>
+        <p:nvSpPr>
+          <p:cNvPr id="10" name="Hexagon 9">
+            <a:extLst>
+              <a:ext uri="{FF2B5EF4-FFF2-40B4-BE49-F238E27FC236}">
+                <a16:creationId xmlns:a16="http://schemas.microsoft.com/office/drawing/2014/main" id="{7C56EFCD-77BD-CCC1-1C4D-2D149F42810A}"/>
+              </a:ext>
+            </a:extLst>
+          </p:cNvPr>
+          <p:cNvSpPr/>
+          <p:nvPr/>
+        </p:nvSpPr>
+        <p:spPr>
+          <a:xfrm>
+            <a:off x="9754591" y="2505493"/>
+            <a:ext cx="1818289" cy="441435"/>
+          </a:xfrm>
+          <a:prstGeom prst="hexagon">
+            <a:avLst/>
+          </a:prstGeom>
+        </p:spPr>
+        <p:style>
+          <a:lnRef idx="2">
+            <a:schemeClr val="accent1">
+              <a:shade val="15000"/>
+            </a:schemeClr>
+          </a:lnRef>
+          <a:fillRef idx="1">
+            <a:schemeClr val="accent1"/>
+          </a:fillRef>
+          <a:effectRef idx="0">
+            <a:schemeClr val="accent1"/>
+          </a:effectRef>
+          <a:fontRef idx="minor">
+            <a:schemeClr val="lt1"/>
+          </a:fontRef>
+        </p:style>
+        <p:txBody>
+          <a:bodyPr rtlCol="0" anchor="ctr"/>
+          <a:lstStyle/>
+          <a:p>
+            <a:pPr algn="ctr"/>
+            <a:r>
+              <a:rPr lang="en-US" dirty="0"/>
+              <a:t>Mermaid</a:t>
+            </a:r>
+          </a:p>
+        </p:txBody>
+      </p:sp>
+      <p:sp>
+        <p:nvSpPr>
+          <p:cNvPr id="11" name="Pentagon 10">
+            <a:extLst>
+              <a:ext uri="{FF2B5EF4-FFF2-40B4-BE49-F238E27FC236}">
+                <a16:creationId xmlns:a16="http://schemas.microsoft.com/office/drawing/2014/main" id="{5B58EA7A-6B8F-CC15-5BF0-220C4D633A08}"/>
+              </a:ext>
+            </a:extLst>
+          </p:cNvPr>
+          <p:cNvSpPr/>
+          <p:nvPr/>
+        </p:nvSpPr>
+        <p:spPr>
+          <a:xfrm>
+            <a:off x="9719579" y="1780872"/>
+            <a:ext cx="2125009" cy="568270"/>
+          </a:xfrm>
+          <a:prstGeom prst="homePlate">
+            <a:avLst/>
+          </a:prstGeom>
+        </p:spPr>
+        <p:style>
+          <a:lnRef idx="2">
+            <a:schemeClr val="accent1">
+              <a:shade val="15000"/>
+            </a:schemeClr>
+          </a:lnRef>
+          <a:fillRef idx="1">
+            <a:schemeClr val="accent1"/>
+          </a:fillRef>
+          <a:effectRef idx="0">
+            <a:schemeClr val="accent1"/>
+          </a:effectRef>
+          <a:fontRef idx="minor">
+            <a:schemeClr val="lt1"/>
+          </a:fontRef>
+        </p:style>
+        <p:txBody>
+          <a:bodyPr rtlCol="0" anchor="ctr"/>
+          <a:lstStyle/>
+          <a:p>
+            <a:pPr algn="ctr"/>
+            <a:r>
+              <a:rPr lang="en-US" dirty="0"/>
+              <a:t>Output Formatting</a:t>
+            </a:r>
+          </a:p>
+        </p:txBody>
+      </p:sp>
+      <p:sp>
+        <p:nvSpPr>
+          <p:cNvPr id="12" name="Pentagon 11">
+            <a:extLst>
+              <a:ext uri="{FF2B5EF4-FFF2-40B4-BE49-F238E27FC236}">
+                <a16:creationId xmlns:a16="http://schemas.microsoft.com/office/drawing/2014/main" id="{19CB8522-1F0E-560A-41E1-5997B664E25D}"/>
+              </a:ext>
+            </a:extLst>
+          </p:cNvPr>
+          <p:cNvSpPr/>
+          <p:nvPr/>
+        </p:nvSpPr>
+        <p:spPr>
+          <a:xfrm>
+            <a:off x="9754591" y="1099498"/>
+            <a:ext cx="2125009" cy="568270"/>
+          </a:xfrm>
+          <a:prstGeom prst="homePlate">
+            <a:avLst/>
+          </a:prstGeom>
+        </p:spPr>
+        <p:style>
+          <a:lnRef idx="2">
+            <a:schemeClr val="accent1">
+              <a:shade val="15000"/>
+            </a:schemeClr>
+          </a:lnRef>
+          <a:fillRef idx="1">
+            <a:schemeClr val="accent1"/>
+          </a:fillRef>
+          <a:effectRef idx="0">
+            <a:schemeClr val="accent1"/>
+          </a:effectRef>
+          <a:fontRef idx="minor">
+            <a:schemeClr val="lt1"/>
+          </a:fontRef>
+        </p:style>
+        <p:txBody>
+          <a:bodyPr rtlCol="0" anchor="ctr"/>
+          <a:lstStyle/>
+          <a:p>
+            <a:pPr algn="ctr"/>
+            <a:r>
+              <a:rPr lang="en-US" dirty="0"/>
+              <a:t>Review</a:t>
+            </a:r>
+          </a:p>
+        </p:txBody>
+      </p:sp>
+      <p:sp>
+        <p:nvSpPr>
+          <p:cNvPr id="14" name="Rectangle 13">
+            <a:extLst>
+              <a:ext uri="{FF2B5EF4-FFF2-40B4-BE49-F238E27FC236}">
+                <a16:creationId xmlns:a16="http://schemas.microsoft.com/office/drawing/2014/main" id="{9153887B-5D58-0D85-CCB3-35237B1EA6D8}"/>
+              </a:ext>
+            </a:extLst>
+          </p:cNvPr>
+          <p:cNvSpPr/>
+          <p:nvPr/>
+        </p:nvSpPr>
+        <p:spPr>
+          <a:xfrm>
+            <a:off x="3150973" y="1285103"/>
+            <a:ext cx="5622324" cy="3583459"/>
+          </a:xfrm>
+          <a:prstGeom prst="rect">
+            <a:avLst/>
+          </a:prstGeom>
+          <a:noFill/>
+          <a:effectLst>
+            <a:outerShdw blurRad="50800" dist="38100" dir="2700000" algn="tl" rotWithShape="0">
+              <a:prstClr val="black">
+                <a:alpha val="40000"/>
+              </a:prstClr>
+            </a:outerShdw>
+          </a:effectLst>
+        </p:spPr>
+        <p:style>
+          <a:lnRef idx="2">
+            <a:schemeClr val="accent1">
+              <a:shade val="15000"/>
+            </a:schemeClr>
+          </a:lnRef>
+          <a:fillRef idx="1">
+            <a:schemeClr val="accent1"/>
+          </a:fillRef>
+          <a:effectRef idx="0">
+            <a:schemeClr val="accent1"/>
+          </a:effectRef>
+          <a:fontRef idx="minor">
+            <a:schemeClr val="lt1"/>
+          </a:fontRef>
+        </p:style>
+        <p:txBody>
+          <a:bodyPr rtlCol="0" anchor="ctr"/>
+          <a:lstStyle/>
+          <a:p>
+            <a:pPr algn="ctr"/>
+            <a:endParaRPr lang="en-US"/>
+          </a:p>
+        </p:txBody>
+      </p:sp>
+    </p:spTree>
+    <p:extLst>
+      <p:ext uri="{BB962C8B-B14F-4D97-AF65-F5344CB8AC3E}">
+        <p14:creationId xmlns:p14="http://schemas.microsoft.com/office/powerpoint/2010/main" val="1973588104"/>
+      </p:ext>
+    </p:extLst>
+  </p:cSld>
+  <p:clrMapOvr>
+    <a:masterClrMapping/>
+  </p:clrMapOvr>
+</p:sld>
+</file>
+
+<file path=ppt/slides/slide37.xml><?xml version="1.0" encoding="utf-8"?>
+<p:sld xmlns:a="http://schemas.openxmlformats.org/drawingml/2006/main" xmlns:r="http://schemas.openxmlformats.org/officeDocument/2006/relationships" xmlns:p="http://schemas.openxmlformats.org/presentationml/2006/main">
+  <p:cSld>
+    <p:spTree>
+      <p:nvGrpSpPr>
+        <p:cNvPr id="1" name=""/>
+        <p:cNvGrpSpPr/>
+        <p:nvPr/>
+      </p:nvGrpSpPr>
+      <p:grpSpPr>
+        <a:xfrm>
+          <a:off x="0" y="0"/>
+          <a:ext cx="0" cy="0"/>
+          <a:chOff x="0" y="0"/>
+          <a:chExt cx="0" cy="0"/>
+        </a:xfrm>
+      </p:grpSpPr>
+      <p:sp>
+        <p:nvSpPr>
+          <p:cNvPr id="5" name="Rectangle 4">
+            <a:extLst>
+              <a:ext uri="{FF2B5EF4-FFF2-40B4-BE49-F238E27FC236}">
+                <a16:creationId xmlns:a16="http://schemas.microsoft.com/office/drawing/2014/main" id="{BD20F0AA-80C7-D4D7-7685-27D1BDC11859}"/>
+              </a:ext>
+            </a:extLst>
+          </p:cNvPr>
+          <p:cNvSpPr/>
+          <p:nvPr/>
+        </p:nvSpPr>
+        <p:spPr>
+          <a:xfrm>
+            <a:off x="13387" y="0"/>
+            <a:ext cx="8142072" cy="6858000"/>
+          </a:xfrm>
+          <a:prstGeom prst="rect">
+            <a:avLst/>
+          </a:prstGeom>
+          <a:solidFill>
+            <a:schemeClr val="bg1">
+              <a:lumMod val="95000"/>
+            </a:schemeClr>
+          </a:solidFill>
+        </p:spPr>
+        <p:style>
+          <a:lnRef idx="2">
+            <a:schemeClr val="accent1">
+              <a:shade val="15000"/>
+            </a:schemeClr>
+          </a:lnRef>
+          <a:fillRef idx="1">
+            <a:schemeClr val="accent1"/>
+          </a:fillRef>
+          <a:effectRef idx="0">
+            <a:schemeClr val="accent1"/>
+          </a:effectRef>
+          <a:fontRef idx="minor">
+            <a:schemeClr val="lt1"/>
+          </a:fontRef>
+        </p:style>
+        <p:txBody>
+          <a:bodyPr rtlCol="0" anchor="ctr"/>
+          <a:lstStyle/>
+          <a:p>
+            <a:pPr algn="ctr"/>
+            <a:endParaRPr lang="en-US"/>
+          </a:p>
+        </p:txBody>
+      </p:sp>
+      <p:sp>
+        <p:nvSpPr>
+          <p:cNvPr id="3" name="TextBox 2">
+            <a:extLst>
+              <a:ext uri="{FF2B5EF4-FFF2-40B4-BE49-F238E27FC236}">
+                <a16:creationId xmlns:a16="http://schemas.microsoft.com/office/drawing/2014/main" id="{080CC359-EB39-14E0-542A-07B2589025DF}"/>
+              </a:ext>
+            </a:extLst>
+          </p:cNvPr>
+          <p:cNvSpPr txBox="1"/>
+          <p:nvPr/>
+        </p:nvSpPr>
+        <p:spPr>
+          <a:xfrm>
+            <a:off x="244045" y="308922"/>
+            <a:ext cx="8380970" cy="6740307"/>
+          </a:xfrm>
+          <a:prstGeom prst="rect">
+            <a:avLst/>
+          </a:prstGeom>
+          <a:noFill/>
+        </p:spPr>
+        <p:txBody>
+          <a:bodyPr wrap="square">
+            <a:spAutoFit/>
+          </a:bodyPr>
+          <a:lstStyle/>
+          <a:p>
+            <a:r>
+              <a:rPr lang="en-US" sz="1600" b="0" dirty="0" err="1">
+                <a:solidFill>
+                  <a:srgbClr val="000000"/>
+                </a:solidFill>
+                <a:effectLst/>
+                <a:latin typeface="Fira Code" panose="020B0809050000020004" pitchFamily="49" charset="0"/>
+                <a:ea typeface="Fira Code" panose="020B0809050000020004" pitchFamily="49" charset="0"/>
+              </a:rPr>
+              <a:t>sequenceDiagram</a:t>
+            </a:r>
+            <a:endParaRPr lang="en-US" sz="1600" b="0" dirty="0">
+              <a:solidFill>
+                <a:srgbClr val="000000"/>
+              </a:solidFill>
+              <a:effectLst/>
+              <a:latin typeface="Fira Code" panose="020B0809050000020004" pitchFamily="49" charset="0"/>
+              <a:ea typeface="Fira Code" panose="020B0809050000020004" pitchFamily="49" charset="0"/>
+            </a:endParaRPr>
+          </a:p>
+          <a:p>
+            <a:r>
+              <a:rPr lang="en-US" sz="1600" b="0" dirty="0">
+                <a:solidFill>
+                  <a:srgbClr val="000000"/>
+                </a:solidFill>
+                <a:effectLst/>
+                <a:latin typeface="Fira Code" panose="020B0809050000020004" pitchFamily="49" charset="0"/>
+                <a:ea typeface="Fira Code" panose="020B0809050000020004" pitchFamily="49" charset="0"/>
+              </a:rPr>
+              <a:t>  participant Clerk</a:t>
+            </a:r>
+          </a:p>
+          <a:p>
+            <a:r>
+              <a:rPr lang="en-US" sz="1600" b="0" dirty="0">
+                <a:solidFill>
+                  <a:srgbClr val="000000"/>
+                </a:solidFill>
+                <a:effectLst/>
+                <a:latin typeface="Fira Code" panose="020B0809050000020004" pitchFamily="49" charset="0"/>
+                <a:ea typeface="Fira Code" panose="020B0809050000020004" pitchFamily="49" charset="0"/>
+              </a:rPr>
+              <a:t>  participant System</a:t>
+            </a:r>
+          </a:p>
+          <a:p>
+            <a:r>
+              <a:rPr lang="en-US" sz="1600" b="0" dirty="0">
+                <a:solidFill>
+                  <a:srgbClr val="000000"/>
+                </a:solidFill>
+                <a:effectLst/>
+                <a:latin typeface="Fira Code" panose="020B0809050000020004" pitchFamily="49" charset="0"/>
+                <a:ea typeface="Fira Code" panose="020B0809050000020004" pitchFamily="49" charset="0"/>
+              </a:rPr>
+              <a:t>  participant Customer</a:t>
+            </a:r>
+          </a:p>
+          <a:p>
+            <a:br>
+              <a:rPr lang="en-US" sz="1600" b="0" dirty="0">
+                <a:solidFill>
+                  <a:srgbClr val="000000"/>
+                </a:solidFill>
+                <a:effectLst/>
+                <a:latin typeface="Fira Code" panose="020B0809050000020004" pitchFamily="49" charset="0"/>
+                <a:ea typeface="Fira Code" panose="020B0809050000020004" pitchFamily="49" charset="0"/>
+              </a:rPr>
+            </a:br>
+            <a:r>
+              <a:rPr lang="en-US" sz="1600" b="0" dirty="0">
+                <a:solidFill>
+                  <a:srgbClr val="000000"/>
+                </a:solidFill>
+                <a:effectLst/>
+                <a:latin typeface="Fira Code" panose="020B0809050000020004" pitchFamily="49" charset="0"/>
+                <a:ea typeface="Fira Code" panose="020B0809050000020004" pitchFamily="49" charset="0"/>
+              </a:rPr>
+              <a:t>  Note over </a:t>
+            </a:r>
+            <a:r>
+              <a:rPr lang="en-US" sz="1600" b="0" dirty="0" err="1">
+                <a:solidFill>
+                  <a:srgbClr val="000000"/>
+                </a:solidFill>
+                <a:effectLst/>
+                <a:latin typeface="Fira Code" panose="020B0809050000020004" pitchFamily="49" charset="0"/>
+                <a:ea typeface="Fira Code" panose="020B0809050000020004" pitchFamily="49" charset="0"/>
+              </a:rPr>
+              <a:t>Clerk,System</a:t>
+            </a:r>
+            <a:r>
+              <a:rPr lang="en-US" sz="1600" b="0" dirty="0">
+                <a:solidFill>
+                  <a:srgbClr val="000000"/>
+                </a:solidFill>
+                <a:effectLst/>
+                <a:latin typeface="Fira Code" panose="020B0809050000020004" pitchFamily="49" charset="0"/>
+                <a:ea typeface="Fira Code" panose="020B0809050000020004" pitchFamily="49" charset="0"/>
+              </a:rPr>
+              <a:t>: Main scenario</a:t>
+            </a:r>
+          </a:p>
+          <a:p>
+            <a:r>
+              <a:rPr lang="en-US" sz="1600" b="0" dirty="0">
+                <a:solidFill>
+                  <a:srgbClr val="000000"/>
+                </a:solidFill>
+                <a:effectLst/>
+                <a:latin typeface="Fira Code" panose="020B0809050000020004" pitchFamily="49" charset="0"/>
+                <a:ea typeface="Fira Code" panose="020B0809050000020004" pitchFamily="49" charset="0"/>
+              </a:rPr>
+              <a:t>  Clerk-&gt;&gt;Customer: Identifies customer, item,   and quantity</a:t>
+            </a:r>
+          </a:p>
+          <a:p>
+            <a:r>
+              <a:rPr lang="en-US" sz="1600" b="0" dirty="0">
+                <a:solidFill>
+                  <a:srgbClr val="000000"/>
+                </a:solidFill>
+                <a:effectLst/>
+                <a:latin typeface="Fira Code" panose="020B0809050000020004" pitchFamily="49" charset="0"/>
+                <a:ea typeface="Fira Code" panose="020B0809050000020004" pitchFamily="49" charset="0"/>
+              </a:rPr>
+              <a:t>  Clerk-&gt;&gt;System: Sends order details. </a:t>
+            </a:r>
+          </a:p>
+          <a:p>
+            <a:r>
+              <a:rPr lang="en-US" sz="1600" b="0" dirty="0">
+                <a:solidFill>
+                  <a:srgbClr val="000000"/>
+                </a:solidFill>
+                <a:effectLst/>
+                <a:latin typeface="Fira Code" panose="020B0809050000020004" pitchFamily="49" charset="0"/>
+                <a:ea typeface="Fira Code" panose="020B0809050000020004" pitchFamily="49" charset="0"/>
+              </a:rPr>
+              <a:t>  System-&gt;&gt;System: Validates order</a:t>
+            </a:r>
+          </a:p>
+          <a:p>
+            <a:r>
+              <a:rPr lang="en-US" sz="1600" b="0" dirty="0">
+                <a:solidFill>
+                  <a:srgbClr val="000000"/>
+                </a:solidFill>
+                <a:effectLst/>
+                <a:latin typeface="Fira Code" panose="020B0809050000020004" pitchFamily="49" charset="0"/>
+                <a:ea typeface="Fira Code" panose="020B0809050000020004" pitchFamily="49" charset="0"/>
+              </a:rPr>
+              <a:t>  System--&gt;&gt;Clerk: Accepts and queues the order</a:t>
+            </a:r>
+          </a:p>
+          <a:p>
+            <a:br>
+              <a:rPr lang="en-US" sz="1600" b="0" dirty="0">
+                <a:solidFill>
+                  <a:srgbClr val="000000"/>
+                </a:solidFill>
+                <a:effectLst/>
+                <a:latin typeface="Fira Code" panose="020B0809050000020004" pitchFamily="49" charset="0"/>
+                <a:ea typeface="Fira Code" panose="020B0809050000020004" pitchFamily="49" charset="0"/>
+              </a:rPr>
+            </a:br>
+            <a:r>
+              <a:rPr lang="en-US" sz="1600" b="0" dirty="0">
+                <a:solidFill>
+                  <a:srgbClr val="000000"/>
+                </a:solidFill>
+                <a:effectLst/>
+                <a:latin typeface="Fira Code" panose="020B0809050000020004" pitchFamily="49" charset="0"/>
+                <a:ea typeface="Fira Code" panose="020B0809050000020004" pitchFamily="49" charset="0"/>
+              </a:rPr>
+              <a:t>  alt Low credit &amp; Customer is 'Preferred’</a:t>
+            </a:r>
+          </a:p>
+          <a:p>
+            <a:r>
+              <a:rPr lang="en-US" sz="1600" b="0" dirty="0">
+                <a:solidFill>
+                  <a:srgbClr val="000000"/>
+                </a:solidFill>
+                <a:effectLst/>
+                <a:latin typeface="Fira Code" panose="020B0809050000020004" pitchFamily="49" charset="0"/>
+                <a:ea typeface="Fira Code" panose="020B0809050000020004" pitchFamily="49" charset="0"/>
+              </a:rPr>
+              <a:t>    Note over System: Extension 1a</a:t>
+            </a:r>
+          </a:p>
+          <a:p>
+            <a:r>
+              <a:rPr lang="en-US" sz="1600" b="0" dirty="0">
+                <a:solidFill>
+                  <a:srgbClr val="000000"/>
+                </a:solidFill>
+                <a:effectLst/>
+                <a:latin typeface="Fira Code" panose="020B0809050000020004" pitchFamily="49" charset="0"/>
+                <a:ea typeface="Fira Code" panose="020B0809050000020004" pitchFamily="49" charset="0"/>
+              </a:rPr>
+              <a:t>    System--&gt;&gt;Customer: Gives credit anyway</a:t>
+            </a:r>
+          </a:p>
+          <a:p>
+            <a:r>
+              <a:rPr lang="en-US" sz="1600" b="0" dirty="0">
+                <a:solidFill>
+                  <a:srgbClr val="000000"/>
+                </a:solidFill>
+                <a:effectLst/>
+                <a:latin typeface="Fira Code" panose="020B0809050000020004" pitchFamily="49" charset="0"/>
+                <a:ea typeface="Fira Code" panose="020B0809050000020004" pitchFamily="49" charset="0"/>
+              </a:rPr>
+              <a:t>  else Low credit &amp; not 'Preferred' customer</a:t>
+            </a:r>
+          </a:p>
+          <a:p>
+            <a:r>
+              <a:rPr lang="en-US" sz="1600" b="0" dirty="0">
+                <a:solidFill>
+                  <a:srgbClr val="000000"/>
+                </a:solidFill>
+                <a:effectLst/>
+                <a:latin typeface="Fira Code" panose="020B0809050000020004" pitchFamily="49" charset="0"/>
+                <a:ea typeface="Fira Code" panose="020B0809050000020004" pitchFamily="49" charset="0"/>
+              </a:rPr>
+              <a:t>    Note over System: Extension 1b</a:t>
+            </a:r>
+          </a:p>
+          <a:p>
+            <a:r>
+              <a:rPr lang="en-US" sz="1600" b="0" dirty="0">
+                <a:solidFill>
+                  <a:srgbClr val="000000"/>
+                </a:solidFill>
+                <a:effectLst/>
+                <a:latin typeface="Fira Code" panose="020B0809050000020004" pitchFamily="49" charset="0"/>
+                <a:ea typeface="Fira Code" panose="020B0809050000020004" pitchFamily="49" charset="0"/>
+              </a:rPr>
+              <a:t>    Clerk-&gt;&gt;Customer: Requests prepayment</a:t>
+            </a:r>
+          </a:p>
+          <a:p>
+            <a:r>
+              <a:rPr lang="en-US" sz="1600" b="0" dirty="0">
+                <a:solidFill>
+                  <a:srgbClr val="000000"/>
+                </a:solidFill>
+                <a:effectLst/>
+                <a:latin typeface="Fira Code" panose="020B0809050000020004" pitchFamily="49" charset="0"/>
+                <a:ea typeface="Fira Code" panose="020B0809050000020004" pitchFamily="49" charset="0"/>
+              </a:rPr>
+              <a:t>  end</a:t>
+            </a:r>
+          </a:p>
+          <a:p>
+            <a:br>
+              <a:rPr lang="en-US" sz="1600" b="0" dirty="0">
+                <a:solidFill>
+                  <a:srgbClr val="000000"/>
+                </a:solidFill>
+                <a:effectLst/>
+                <a:latin typeface="Fira Code" panose="020B0809050000020004" pitchFamily="49" charset="0"/>
+                <a:ea typeface="Fira Code" panose="020B0809050000020004" pitchFamily="49" charset="0"/>
+              </a:rPr>
+            </a:br>
+            <a:r>
+              <a:rPr lang="en-US" sz="1600" b="0" dirty="0">
+                <a:solidFill>
+                  <a:srgbClr val="000000"/>
+                </a:solidFill>
+                <a:effectLst/>
+                <a:latin typeface="Fira Code" panose="020B0809050000020004" pitchFamily="49" charset="0"/>
+                <a:ea typeface="Fira Code" panose="020B0809050000020004" pitchFamily="49" charset="0"/>
+              </a:rPr>
+              <a:t>  alt Low on stock</a:t>
+            </a:r>
+          </a:p>
+          <a:p>
+            <a:r>
+              <a:rPr lang="en-US" sz="1600" b="0" dirty="0">
+                <a:solidFill>
+                  <a:srgbClr val="000000"/>
+                </a:solidFill>
+                <a:effectLst/>
+                <a:latin typeface="Fira Code" panose="020B0809050000020004" pitchFamily="49" charset="0"/>
+                <a:ea typeface="Fira Code" panose="020B0809050000020004" pitchFamily="49" charset="0"/>
+              </a:rPr>
+              <a:t>    Note over System: Extension 2a</a:t>
+            </a:r>
+          </a:p>
+          <a:p>
+            <a:r>
+              <a:rPr lang="en-US" sz="1600" b="0" dirty="0">
+                <a:solidFill>
+                  <a:srgbClr val="000000"/>
+                </a:solidFill>
+                <a:effectLst/>
+                <a:latin typeface="Fira Code" panose="020B0809050000020004" pitchFamily="49" charset="0"/>
+                <a:ea typeface="Fira Code" panose="020B0809050000020004" pitchFamily="49" charset="0"/>
+              </a:rPr>
+              <a:t>    Customer--&gt;&gt;Clerk: Accepts rain-check</a:t>
+            </a:r>
+          </a:p>
+          <a:p>
+            <a:r>
+              <a:rPr lang="en-US" sz="1600" b="0" dirty="0">
+                <a:solidFill>
+                  <a:srgbClr val="000000"/>
+                </a:solidFill>
+                <a:effectLst/>
+                <a:latin typeface="Fira Code" panose="020B0809050000020004" pitchFamily="49" charset="0"/>
+                <a:ea typeface="Fira Code" panose="020B0809050000020004" pitchFamily="49" charset="0"/>
+              </a:rPr>
+              <a:t>  else Order can be fulfilled</a:t>
+            </a:r>
+          </a:p>
+          <a:p>
+            <a:r>
+              <a:rPr lang="en-US" sz="1600" b="0" dirty="0">
+                <a:solidFill>
+                  <a:srgbClr val="000000"/>
+                </a:solidFill>
+                <a:effectLst/>
+                <a:latin typeface="Fira Code" panose="020B0809050000020004" pitchFamily="49" charset="0"/>
+                <a:ea typeface="Fira Code" panose="020B0809050000020004" pitchFamily="49" charset="0"/>
+              </a:rPr>
+              <a:t>    Clerk-&gt;&gt;System: Reduces order to available stock level</a:t>
+            </a:r>
+          </a:p>
+          <a:p>
+            <a:r>
+              <a:rPr lang="en-US" sz="1600" b="0" dirty="0">
+                <a:solidFill>
+                  <a:srgbClr val="000000"/>
+                </a:solidFill>
+                <a:effectLst/>
+                <a:latin typeface="Fira Code" panose="020B0809050000020004" pitchFamily="49" charset="0"/>
+                <a:ea typeface="Fira Code" panose="020B0809050000020004" pitchFamily="49" charset="0"/>
+              </a:rPr>
+              <a:t>  end</a:t>
+            </a:r>
+          </a:p>
+          <a:p>
+            <a:br>
+              <a:rPr lang="en-US" sz="1600" b="0" dirty="0">
+                <a:solidFill>
+                  <a:srgbClr val="000000"/>
+                </a:solidFill>
+                <a:effectLst/>
+                <a:latin typeface="Fira Code" panose="020B0809050000020004" pitchFamily="49" charset="0"/>
+                <a:ea typeface="Fira Code" panose="020B0809050000020004" pitchFamily="49" charset="0"/>
+              </a:rPr>
+            </a:br>
+            <a:endParaRPr lang="en-US" sz="1600" b="0" dirty="0">
+              <a:solidFill>
+                <a:srgbClr val="000000"/>
+              </a:solidFill>
+              <a:effectLst/>
+              <a:latin typeface="Fira Code" panose="020B0809050000020004" pitchFamily="49" charset="0"/>
+              <a:ea typeface="Fira Code" panose="020B0809050000020004" pitchFamily="49" charset="0"/>
+            </a:endParaRPr>
+          </a:p>
+        </p:txBody>
+      </p:sp>
+      <p:pic>
+        <p:nvPicPr>
+          <p:cNvPr id="7" name="Picture 4" descr="arrow, fat, lines, up, duotone ">
+            <a:extLst>
+              <a:ext uri="{FF2B5EF4-FFF2-40B4-BE49-F238E27FC236}">
+                <a16:creationId xmlns:a16="http://schemas.microsoft.com/office/drawing/2014/main" id="{C1792B84-CB1E-061D-9E79-C9A69A12C7E8}"/>
+              </a:ext>
+            </a:extLst>
+          </p:cNvPr>
+          <p:cNvPicPr>
+            <a:picLocks noChangeAspect="1" noChangeArrowheads="1"/>
+          </p:cNvPicPr>
+          <p:nvPr/>
+        </p:nvPicPr>
+        <p:blipFill>
+          <a:blip r:embed="rId2">
+            <a:extLst>
+              <a:ext uri="{28A0092B-C50C-407E-A947-70E740481C1C}">
+                <a14:useLocalDpi xmlns:a14="http://schemas.microsoft.com/office/drawing/2010/main" val="0"/>
+              </a:ext>
+            </a:extLst>
+          </a:blip>
+          <a:srcRect/>
+          <a:stretch>
+            <a:fillRect/>
+          </a:stretch>
+        </p:blipFill>
+        <p:spPr bwMode="auto">
+          <a:xfrm rot="5400000">
+            <a:off x="8386117" y="2866275"/>
+            <a:ext cx="812800" cy="812800"/>
+          </a:xfrm>
+          <a:prstGeom prst="rect">
+            <a:avLst/>
+          </a:prstGeom>
+          <a:noFill/>
+          <a:extLst>
+            <a:ext uri="{909E8E84-426E-40DD-AFC4-6F175D3DCCD1}">
+              <a14:hiddenFill xmlns:a14="http://schemas.microsoft.com/office/drawing/2010/main">
+                <a:solidFill>
+                  <a:srgbClr val="FFFFFF"/>
+                </a:solidFill>
+              </a14:hiddenFill>
+            </a:ext>
+          </a:extLst>
+        </p:spPr>
+      </p:pic>
+      <p:sp>
+        <p:nvSpPr>
+          <p:cNvPr id="8" name="TextBox 7">
+            <a:extLst>
+              <a:ext uri="{FF2B5EF4-FFF2-40B4-BE49-F238E27FC236}">
+                <a16:creationId xmlns:a16="http://schemas.microsoft.com/office/drawing/2014/main" id="{B4212AEA-3A80-5544-ECC2-D190043B5CFC}"/>
+              </a:ext>
+            </a:extLst>
+          </p:cNvPr>
+          <p:cNvSpPr txBox="1"/>
+          <p:nvPr/>
+        </p:nvSpPr>
+        <p:spPr>
+          <a:xfrm>
+            <a:off x="9429575" y="2909634"/>
+            <a:ext cx="1228221" cy="769441"/>
+          </a:xfrm>
+          <a:prstGeom prst="rect">
+            <a:avLst/>
+          </a:prstGeom>
+          <a:noFill/>
+        </p:spPr>
+        <p:txBody>
+          <a:bodyPr wrap="none" rtlCol="0">
+            <a:spAutoFit/>
+          </a:bodyPr>
+          <a:lstStyle/>
+          <a:p>
+            <a:r>
+              <a:rPr lang="en-US" sz="4400" dirty="0">
+                <a:latin typeface="Fira Code" panose="020B0809050000020004" pitchFamily="49" charset="0"/>
+                <a:ea typeface="Fira Code" panose="020B0809050000020004" pitchFamily="49" charset="0"/>
+              </a:rPr>
+              <a:t>???</a:t>
+            </a:r>
+          </a:p>
+        </p:txBody>
+      </p:sp>
+    </p:spTree>
+    <p:extLst>
+      <p:ext uri="{BB962C8B-B14F-4D97-AF65-F5344CB8AC3E}">
+        <p14:creationId xmlns:p14="http://schemas.microsoft.com/office/powerpoint/2010/main" val="2282780816"/>
+      </p:ext>
+    </p:extLst>
+  </p:cSld>
+  <p:clrMapOvr>
+    <a:masterClrMapping/>
+  </p:clrMapOvr>
+</p:sld>
+</file>
+
+<file path=ppt/slides/slide38.xml><?xml version="1.0" encoding="utf-8"?>
+<p:sld xmlns:a="http://schemas.openxmlformats.org/drawingml/2006/main" xmlns:r="http://schemas.openxmlformats.org/officeDocument/2006/relationships" xmlns:p="http://schemas.openxmlformats.org/presentationml/2006/main">
+  <p:cSld>
+    <p:spTree>
+      <p:nvGrpSpPr>
+        <p:cNvPr id="1" name=""/>
+        <p:cNvGrpSpPr/>
+        <p:nvPr/>
+      </p:nvGrpSpPr>
+      <p:grpSpPr>
+        <a:xfrm>
+          <a:off x="0" y="0"/>
+          <a:ext cx="0" cy="0"/>
+          <a:chOff x="0" y="0"/>
+          <a:chExt cx="0" cy="0"/>
+        </a:xfrm>
+      </p:grpSpPr>
+      <p:pic>
+        <p:nvPicPr>
+          <p:cNvPr id="2" name="Picture 1">
+            <a:extLst>
+              <a:ext uri="{FF2B5EF4-FFF2-40B4-BE49-F238E27FC236}">
+                <a16:creationId xmlns:a16="http://schemas.microsoft.com/office/drawing/2014/main" id="{3BA60FB2-730D-CC50-5088-D7E7B6B15124}"/>
+              </a:ext>
+            </a:extLst>
+          </p:cNvPr>
+          <p:cNvPicPr>
+            <a:picLocks noChangeAspect="1"/>
+          </p:cNvPicPr>
+          <p:nvPr/>
+        </p:nvPicPr>
+        <p:blipFill>
+          <a:blip r:embed="rId2"/>
+          <a:stretch>
+            <a:fillRect/>
+          </a:stretch>
+        </p:blipFill>
+        <p:spPr>
+          <a:xfrm>
+            <a:off x="-2301" y="741407"/>
+            <a:ext cx="12196604" cy="6091882"/>
+          </a:xfrm>
+          <a:prstGeom prst="rect">
+            <a:avLst/>
+          </a:prstGeom>
+        </p:spPr>
+      </p:pic>
+      <p:sp>
+        <p:nvSpPr>
+          <p:cNvPr id="3" name="Title 3">
+            <a:extLst>
+              <a:ext uri="{FF2B5EF4-FFF2-40B4-BE49-F238E27FC236}">
+                <a16:creationId xmlns:a16="http://schemas.microsoft.com/office/drawing/2014/main" id="{9C48EB6E-5D43-E4C6-6825-0D43EBABB392}"/>
+              </a:ext>
+            </a:extLst>
+          </p:cNvPr>
+          <p:cNvSpPr txBox="1">
+            <a:spLocks/>
+          </p:cNvSpPr>
+          <p:nvPr/>
+        </p:nvSpPr>
+        <p:spPr>
+          <a:xfrm>
+            <a:off x="4670855" y="95892"/>
+            <a:ext cx="3188042" cy="593895"/>
+          </a:xfrm>
+          <a:prstGeom prst="rect">
+            <a:avLst/>
+          </a:prstGeom>
+        </p:spPr>
+        <p:txBody>
+          <a:bodyPr>
+            <a:normAutofit fontScale="92500" lnSpcReduction="20000"/>
+          </a:bodyPr>
+          <a:lstStyle>
+            <a:lvl1pPr algn="l" defTabSz="914400" rtl="0" eaLnBrk="1" latinLnBrk="0" hangingPunct="1">
+              <a:lnSpc>
+                <a:spcPct val="90000"/>
+              </a:lnSpc>
+              <a:spcBef>
+                <a:spcPct val="0"/>
+              </a:spcBef>
+              <a:buNone/>
+              <a:defRPr sz="4400" kern="1200">
+                <a:solidFill>
+                  <a:schemeClr val="tx1"/>
+                </a:solidFill>
+                <a:latin typeface="+mj-lt"/>
+                <a:ea typeface="+mj-ea"/>
+                <a:cs typeface="+mj-cs"/>
+              </a:defRPr>
+            </a:lvl1pPr>
+          </a:lstStyle>
+          <a:p>
+            <a:r>
+              <a:rPr lang="en-US" b="1" dirty="0" err="1"/>
+              <a:t>mermaid.live</a:t>
+            </a:r>
+            <a:endParaRPr lang="en-US" b="1" dirty="0">
+              <a:solidFill>
+                <a:schemeClr val="tx1">
+                  <a:lumMod val="50000"/>
+                  <a:lumOff val="50000"/>
+                </a:schemeClr>
+              </a:solidFill>
+            </a:endParaRPr>
+          </a:p>
+        </p:txBody>
+      </p:sp>
+    </p:spTree>
+    <p:extLst>
+      <p:ext uri="{BB962C8B-B14F-4D97-AF65-F5344CB8AC3E}">
+        <p14:creationId xmlns:p14="http://schemas.microsoft.com/office/powerpoint/2010/main" val="529895714"/>
+      </p:ext>
+    </p:extLst>
+  </p:cSld>
+  <p:clrMapOvr>
+    <a:masterClrMapping/>
+  </p:clrMapOvr>
+</p:sld>
+</file>
+
+<file path=ppt/slides/slide39.xml><?xml version="1.0" encoding="utf-8"?>
+<p:sld xmlns:a="http://schemas.openxmlformats.org/drawingml/2006/main" xmlns:r="http://schemas.openxmlformats.org/officeDocument/2006/relationships" xmlns:p="http://schemas.openxmlformats.org/presentationml/2006/main">
+  <p:cSld>
+    <p:spTree>
+      <p:nvGrpSpPr>
+        <p:cNvPr id="1" name=""/>
+        <p:cNvGrpSpPr/>
+        <p:nvPr/>
+      </p:nvGrpSpPr>
+      <p:grpSpPr>
+        <a:xfrm>
+          <a:off x="0" y="0"/>
+          <a:ext cx="0" cy="0"/>
+          <a:chOff x="0" y="0"/>
+          <a:chExt cx="0" cy="0"/>
+        </a:xfrm>
+      </p:grpSpPr>
+      <p:sp>
+        <p:nvSpPr>
+          <p:cNvPr id="3" name="Rectangle 2">
+            <a:extLst>
+              <a:ext uri="{FF2B5EF4-FFF2-40B4-BE49-F238E27FC236}">
+                <a16:creationId xmlns:a16="http://schemas.microsoft.com/office/drawing/2014/main" id="{FB09DB33-DFF0-7B91-3F4C-6B9A600D02F2}"/>
+              </a:ext>
+            </a:extLst>
+          </p:cNvPr>
+          <p:cNvSpPr/>
+          <p:nvPr/>
+        </p:nvSpPr>
+        <p:spPr>
+          <a:xfrm>
+            <a:off x="0" y="0"/>
+            <a:ext cx="12192000" cy="6858000"/>
+          </a:xfrm>
+          <a:prstGeom prst="rect">
+            <a:avLst/>
+          </a:prstGeom>
+          <a:solidFill>
+            <a:srgbClr val="6488AA"/>
+          </a:solidFill>
+        </p:spPr>
+        <p:style>
+          <a:lnRef idx="2">
+            <a:schemeClr val="accent1">
+              <a:shade val="15000"/>
+            </a:schemeClr>
+          </a:lnRef>
+          <a:fillRef idx="1">
+            <a:schemeClr val="accent1"/>
+          </a:fillRef>
+          <a:effectRef idx="0">
+            <a:schemeClr val="accent1"/>
+          </a:effectRef>
+          <a:fontRef idx="minor">
+            <a:schemeClr val="lt1"/>
+          </a:fontRef>
+        </p:style>
+        <p:txBody>
+          <a:bodyPr rtlCol="0" anchor="ctr"/>
+          <a:lstStyle/>
+          <a:p>
+            <a:pPr algn="ctr"/>
+            <a:endParaRPr lang="en-US"/>
+          </a:p>
+        </p:txBody>
+      </p:sp>
+      <p:pic>
+        <p:nvPicPr>
+          <p:cNvPr id="2" name="Picture 1">
+            <a:extLst>
+              <a:ext uri="{FF2B5EF4-FFF2-40B4-BE49-F238E27FC236}">
+                <a16:creationId xmlns:a16="http://schemas.microsoft.com/office/drawing/2014/main" id="{7A3A9E0F-B295-5582-D8DF-99B4BD1142E9}"/>
+              </a:ext>
+            </a:extLst>
+          </p:cNvPr>
+          <p:cNvPicPr>
+            <a:picLocks noChangeAspect="1"/>
+          </p:cNvPicPr>
+          <p:nvPr/>
+        </p:nvPicPr>
+        <p:blipFill>
+          <a:blip r:embed="rId2"/>
+          <a:stretch>
+            <a:fillRect/>
+          </a:stretch>
+        </p:blipFill>
+        <p:spPr>
+          <a:xfrm>
+            <a:off x="3376627" y="0"/>
+            <a:ext cx="5438746" cy="6858000"/>
+          </a:xfrm>
+          <a:prstGeom prst="rect">
+            <a:avLst/>
+          </a:prstGeom>
+        </p:spPr>
+      </p:pic>
+    </p:spTree>
+    <p:extLst>
+      <p:ext uri="{BB962C8B-B14F-4D97-AF65-F5344CB8AC3E}">
+        <p14:creationId xmlns:p14="http://schemas.microsoft.com/office/powerpoint/2010/main" val="755913517"/>
       </p:ext>
     </p:extLst>
   </p:cSld>
@@ -10774,6 +16557,491 @@
       <p:bldP spid="5" grpId="0"/>
     </p:bldLst>
   </p:timing>
+</p:sld>
+</file>
+
+<file path=ppt/slides/slide40.xml><?xml version="1.0" encoding="utf-8"?>
+<p:sld xmlns:a="http://schemas.openxmlformats.org/drawingml/2006/main" xmlns:r="http://schemas.openxmlformats.org/officeDocument/2006/relationships" xmlns:p="http://schemas.openxmlformats.org/presentationml/2006/main">
+  <p:cSld>
+    <p:spTree>
+      <p:nvGrpSpPr>
+        <p:cNvPr id="1" name=""/>
+        <p:cNvGrpSpPr/>
+        <p:nvPr/>
+      </p:nvGrpSpPr>
+      <p:grpSpPr>
+        <a:xfrm>
+          <a:off x="0" y="0"/>
+          <a:ext cx="0" cy="0"/>
+          <a:chOff x="0" y="0"/>
+          <a:chExt cx="0" cy="0"/>
+        </a:xfrm>
+      </p:grpSpPr>
+      <p:sp>
+        <p:nvSpPr>
+          <p:cNvPr id="5" name="TextBox 4">
+            <a:extLst>
+              <a:ext uri="{FF2B5EF4-FFF2-40B4-BE49-F238E27FC236}">
+                <a16:creationId xmlns:a16="http://schemas.microsoft.com/office/drawing/2014/main" id="{C7CB6B12-7AE8-88A9-8FE4-8CECA9576A39}"/>
+              </a:ext>
+            </a:extLst>
+          </p:cNvPr>
+          <p:cNvSpPr txBox="1"/>
+          <p:nvPr/>
+        </p:nvSpPr>
+        <p:spPr>
+          <a:xfrm>
+            <a:off x="556054" y="481770"/>
+            <a:ext cx="5161288" cy="1323439"/>
+          </a:xfrm>
+          <a:prstGeom prst="rect">
+            <a:avLst/>
+          </a:prstGeom>
+          <a:noFill/>
+        </p:spPr>
+        <p:txBody>
+          <a:bodyPr wrap="square">
+            <a:spAutoFit/>
+          </a:bodyPr>
+          <a:lstStyle/>
+          <a:p>
+            <a:r>
+              <a:rPr lang="en-US" sz="2000" i="0" dirty="0">
+                <a:solidFill>
+                  <a:srgbClr val="0D0D0D"/>
+                </a:solidFill>
+                <a:effectLst/>
+                <a:highlight>
+                  <a:srgbClr val="FFFFFF"/>
+                </a:highlight>
+                <a:latin typeface="Söhne"/>
+              </a:rPr>
+              <a:t>please analysis this </a:t>
+            </a:r>
+            <a:r>
+              <a:rPr lang="en-US" sz="2000" b="1" i="0" u="sng" dirty="0" err="1">
+                <a:solidFill>
+                  <a:srgbClr val="C00000"/>
+                </a:solidFill>
+                <a:effectLst/>
+                <a:highlight>
+                  <a:srgbClr val="FFFFFF"/>
+                </a:highlight>
+                <a:latin typeface="Söhne"/>
+              </a:rPr>
+              <a:t>kotlin</a:t>
+            </a:r>
+            <a:r>
+              <a:rPr lang="en-US" sz="2000" i="0" dirty="0">
+                <a:solidFill>
+                  <a:srgbClr val="0D0D0D"/>
+                </a:solidFill>
+                <a:effectLst/>
+                <a:highlight>
+                  <a:srgbClr val="FFFFFF"/>
+                </a:highlight>
+                <a:latin typeface="Söhne"/>
+              </a:rPr>
+              <a:t> code for  lean poker, and summarize their strategy. </a:t>
+            </a:r>
+          </a:p>
+          <a:p>
+            <a:r>
+              <a:rPr lang="en-US" sz="2000" i="0" dirty="0">
+                <a:solidFill>
+                  <a:srgbClr val="0D0D0D"/>
+                </a:solidFill>
+                <a:effectLst/>
+                <a:highlight>
+                  <a:srgbClr val="FFFFFF"/>
+                </a:highlight>
+                <a:latin typeface="Söhne"/>
+              </a:rPr>
+              <a:t>Also, can you make a </a:t>
+            </a:r>
+            <a:r>
+              <a:rPr lang="en-US" sz="2000" b="1" i="0" u="sng" dirty="0">
+                <a:solidFill>
+                  <a:srgbClr val="C00000"/>
+                </a:solidFill>
+                <a:effectLst/>
+                <a:highlight>
+                  <a:srgbClr val="FFFFFF"/>
+                </a:highlight>
+                <a:latin typeface="Söhne"/>
+              </a:rPr>
+              <a:t>mermaid</a:t>
+            </a:r>
+            <a:r>
+              <a:rPr lang="en-US" sz="2000" i="0" dirty="0">
+                <a:solidFill>
+                  <a:srgbClr val="0D0D0D"/>
+                </a:solidFill>
+                <a:effectLst/>
+                <a:highlight>
+                  <a:srgbClr val="FFFFFF"/>
+                </a:highlight>
+                <a:latin typeface="Söhne"/>
+              </a:rPr>
+              <a:t> diagram of the flowchart for the strategy</a:t>
+            </a:r>
+            <a:endParaRPr lang="en-US" dirty="0"/>
+          </a:p>
+        </p:txBody>
+      </p:sp>
+      <p:pic>
+        <p:nvPicPr>
+          <p:cNvPr id="6" name="Picture 5">
+            <a:extLst>
+              <a:ext uri="{FF2B5EF4-FFF2-40B4-BE49-F238E27FC236}">
+                <a16:creationId xmlns:a16="http://schemas.microsoft.com/office/drawing/2014/main" id="{0AB8938F-EB29-2259-6F2B-E7F8F3FF9163}"/>
+              </a:ext>
+            </a:extLst>
+          </p:cNvPr>
+          <p:cNvPicPr>
+            <a:picLocks noChangeAspect="1"/>
+          </p:cNvPicPr>
+          <p:nvPr/>
+        </p:nvPicPr>
+        <p:blipFill>
+          <a:blip r:embed="rId2"/>
+          <a:stretch>
+            <a:fillRect/>
+          </a:stretch>
+        </p:blipFill>
+        <p:spPr>
+          <a:xfrm>
+            <a:off x="531340" y="1831188"/>
+            <a:ext cx="3265634" cy="4917989"/>
+          </a:xfrm>
+          <a:prstGeom prst="rect">
+            <a:avLst/>
+          </a:prstGeom>
+        </p:spPr>
+      </p:pic>
+      <p:pic>
+        <p:nvPicPr>
+          <p:cNvPr id="7" name="Picture 6">
+            <a:extLst>
+              <a:ext uri="{FF2B5EF4-FFF2-40B4-BE49-F238E27FC236}">
+                <a16:creationId xmlns:a16="http://schemas.microsoft.com/office/drawing/2014/main" id="{7722B000-EA76-9F8E-DDC9-F90511CB9145}"/>
+              </a:ext>
+            </a:extLst>
+          </p:cNvPr>
+          <p:cNvPicPr>
+            <a:picLocks noChangeAspect="1"/>
+          </p:cNvPicPr>
+          <p:nvPr/>
+        </p:nvPicPr>
+        <p:blipFill>
+          <a:blip r:embed="rId3"/>
+          <a:stretch>
+            <a:fillRect/>
+          </a:stretch>
+        </p:blipFill>
+        <p:spPr>
+          <a:xfrm>
+            <a:off x="7484758" y="0"/>
+            <a:ext cx="4265839" cy="6858000"/>
+          </a:xfrm>
+          <a:prstGeom prst="rect">
+            <a:avLst/>
+          </a:prstGeom>
+        </p:spPr>
+      </p:pic>
+      <p:pic>
+        <p:nvPicPr>
+          <p:cNvPr id="8" name="Picture 4" descr="arrow, fat, lines, up, duotone ">
+            <a:extLst>
+              <a:ext uri="{FF2B5EF4-FFF2-40B4-BE49-F238E27FC236}">
+                <a16:creationId xmlns:a16="http://schemas.microsoft.com/office/drawing/2014/main" id="{21088356-1A13-EF71-2586-0646F534C3A3}"/>
+              </a:ext>
+            </a:extLst>
+          </p:cNvPr>
+          <p:cNvPicPr>
+            <a:picLocks noChangeAspect="1" noChangeArrowheads="1"/>
+          </p:cNvPicPr>
+          <p:nvPr/>
+        </p:nvPicPr>
+        <p:blipFill>
+          <a:blip r:embed="rId4">
+            <a:extLst>
+              <a:ext uri="{28A0092B-C50C-407E-A947-70E740481C1C}">
+                <a14:useLocalDpi xmlns:a14="http://schemas.microsoft.com/office/drawing/2010/main" val="0"/>
+              </a:ext>
+            </a:extLst>
+          </a:blip>
+          <a:srcRect/>
+          <a:stretch>
+            <a:fillRect/>
+          </a:stretch>
+        </p:blipFill>
+        <p:spPr bwMode="auto">
+          <a:xfrm rot="5400000">
+            <a:off x="6096000" y="2779777"/>
+            <a:ext cx="812800" cy="812800"/>
+          </a:xfrm>
+          <a:prstGeom prst="rect">
+            <a:avLst/>
+          </a:prstGeom>
+          <a:noFill/>
+          <a:extLst>
+            <a:ext uri="{909E8E84-426E-40DD-AFC4-6F175D3DCCD1}">
+              <a14:hiddenFill xmlns:a14="http://schemas.microsoft.com/office/drawing/2010/main">
+                <a:solidFill>
+                  <a:srgbClr val="FFFFFF"/>
+                </a:solidFill>
+              </a14:hiddenFill>
+            </a:ext>
+          </a:extLst>
+        </p:spPr>
+      </p:pic>
+    </p:spTree>
+    <p:extLst>
+      <p:ext uri="{BB962C8B-B14F-4D97-AF65-F5344CB8AC3E}">
+        <p14:creationId xmlns:p14="http://schemas.microsoft.com/office/powerpoint/2010/main" val="2293256325"/>
+      </p:ext>
+    </p:extLst>
+  </p:cSld>
+  <p:clrMapOvr>
+    <a:masterClrMapping/>
+  </p:clrMapOvr>
+  <p:timing>
+    <p:tnLst>
+      <p:par>
+        <p:cTn id="1" dur="indefinite" restart="never" nodeType="tmRoot">
+          <p:childTnLst>
+            <p:seq concurrent="1" nextAc="seek">
+              <p:cTn id="2" dur="indefinite" nodeType="mainSeq">
+                <p:childTnLst>
+                  <p:par>
+                    <p:cTn id="3" fill="hold">
+                      <p:stCondLst>
+                        <p:cond delay="indefinite"/>
+                      </p:stCondLst>
+                      <p:childTnLst>
+                        <p:par>
+                          <p:cTn id="4" fill="hold">
+                            <p:stCondLst>
+                              <p:cond delay="0"/>
+                            </p:stCondLst>
+                            <p:childTnLst>
+                              <p:par>
+                                <p:cTn id="5" presetID="22" presetClass="entr" presetSubtype="1" fill="hold" nodeType="clickEffect">
+                                  <p:stCondLst>
+                                    <p:cond delay="0"/>
+                                  </p:stCondLst>
+                                  <p:childTnLst>
+                                    <p:set>
+                                      <p:cBhvr>
+                                        <p:cTn id="6" dur="1" fill="hold">
+                                          <p:stCondLst>
+                                            <p:cond delay="0"/>
+                                          </p:stCondLst>
+                                        </p:cTn>
+                                        <p:tgtEl>
+                                          <p:spTgt spid="6"/>
+                                        </p:tgtEl>
+                                        <p:attrNameLst>
+                                          <p:attrName>style.visibility</p:attrName>
+                                        </p:attrNameLst>
+                                      </p:cBhvr>
+                                      <p:to>
+                                        <p:strVal val="visible"/>
+                                      </p:to>
+                                    </p:set>
+                                    <p:animEffect transition="in" filter="wipe(up)">
+                                      <p:cBhvr>
+                                        <p:cTn id="7" dur="500"/>
+                                        <p:tgtEl>
+                                          <p:spTgt spid="6"/>
+                                        </p:tgtEl>
+                                      </p:cBhvr>
+                                    </p:animEffect>
+                                  </p:childTnLst>
+                                </p:cTn>
+                              </p:par>
+                            </p:childTnLst>
+                          </p:cTn>
+                        </p:par>
+                      </p:childTnLst>
+                    </p:cTn>
+                  </p:par>
+                  <p:par>
+                    <p:cTn id="8" fill="hold">
+                      <p:stCondLst>
+                        <p:cond delay="indefinite"/>
+                      </p:stCondLst>
+                      <p:childTnLst>
+                        <p:par>
+                          <p:cTn id="9" fill="hold">
+                            <p:stCondLst>
+                              <p:cond delay="0"/>
+                            </p:stCondLst>
+                            <p:childTnLst>
+                              <p:par>
+                                <p:cTn id="10" presetID="22" presetClass="entr" presetSubtype="8" fill="hold" nodeType="clickEffect">
+                                  <p:stCondLst>
+                                    <p:cond delay="0"/>
+                                  </p:stCondLst>
+                                  <p:childTnLst>
+                                    <p:set>
+                                      <p:cBhvr>
+                                        <p:cTn id="11" dur="1" fill="hold">
+                                          <p:stCondLst>
+                                            <p:cond delay="0"/>
+                                          </p:stCondLst>
+                                        </p:cTn>
+                                        <p:tgtEl>
+                                          <p:spTgt spid="8"/>
+                                        </p:tgtEl>
+                                        <p:attrNameLst>
+                                          <p:attrName>style.visibility</p:attrName>
+                                        </p:attrNameLst>
+                                      </p:cBhvr>
+                                      <p:to>
+                                        <p:strVal val="visible"/>
+                                      </p:to>
+                                    </p:set>
+                                    <p:animEffect transition="in" filter="wipe(left)">
+                                      <p:cBhvr>
+                                        <p:cTn id="12" dur="500"/>
+                                        <p:tgtEl>
+                                          <p:spTgt spid="8"/>
+                                        </p:tgtEl>
+                                      </p:cBhvr>
+                                    </p:animEffect>
+                                  </p:childTnLst>
+                                </p:cTn>
+                              </p:par>
+                              <p:par>
+                                <p:cTn id="13" presetID="22" presetClass="entr" presetSubtype="8" fill="hold" nodeType="withEffect">
+                                  <p:stCondLst>
+                                    <p:cond delay="0"/>
+                                  </p:stCondLst>
+                                  <p:childTnLst>
+                                    <p:set>
+                                      <p:cBhvr>
+                                        <p:cTn id="14" dur="1" fill="hold">
+                                          <p:stCondLst>
+                                            <p:cond delay="0"/>
+                                          </p:stCondLst>
+                                        </p:cTn>
+                                        <p:tgtEl>
+                                          <p:spTgt spid="7"/>
+                                        </p:tgtEl>
+                                        <p:attrNameLst>
+                                          <p:attrName>style.visibility</p:attrName>
+                                        </p:attrNameLst>
+                                      </p:cBhvr>
+                                      <p:to>
+                                        <p:strVal val="visible"/>
+                                      </p:to>
+                                    </p:set>
+                                    <p:animEffect transition="in" filter="wipe(left)">
+                                      <p:cBhvr>
+                                        <p:cTn id="15" dur="500"/>
+                                        <p:tgtEl>
+                                          <p:spTgt spid="7"/>
+                                        </p:tgtEl>
+                                      </p:cBhvr>
+                                    </p:animEffect>
+                                  </p:childTnLst>
+                                </p:cTn>
+                              </p:par>
+                            </p:childTnLst>
+                          </p:cTn>
+                        </p:par>
+                      </p:childTnLst>
+                    </p:cTn>
+                  </p:par>
+                </p:childTnLst>
+              </p:cTn>
+              <p:prevCondLst>
+                <p:cond evt="onPrev" delay="0">
+                  <p:tgtEl>
+                    <p:sldTgt/>
+                  </p:tgtEl>
+                </p:cond>
+              </p:prevCondLst>
+              <p:nextCondLst>
+                <p:cond evt="onNext" delay="0">
+                  <p:tgtEl>
+                    <p:sldTgt/>
+                  </p:tgtEl>
+                </p:cond>
+              </p:nextCondLst>
+            </p:seq>
+          </p:childTnLst>
+        </p:cTn>
+      </p:par>
+    </p:tnLst>
+  </p:timing>
+</p:sld>
+</file>
+
+<file path=ppt/slides/slide41.xml><?xml version="1.0" encoding="utf-8"?>
+<p:sld xmlns:a="http://schemas.openxmlformats.org/drawingml/2006/main" xmlns:r="http://schemas.openxmlformats.org/officeDocument/2006/relationships" xmlns:p="http://schemas.openxmlformats.org/presentationml/2006/main">
+  <p:cSld>
+    <p:spTree>
+      <p:nvGrpSpPr>
+        <p:cNvPr id="1" name=""/>
+        <p:cNvGrpSpPr/>
+        <p:nvPr/>
+      </p:nvGrpSpPr>
+      <p:grpSpPr>
+        <a:xfrm>
+          <a:off x="0" y="0"/>
+          <a:ext cx="0" cy="0"/>
+          <a:chOff x="0" y="0"/>
+          <a:chExt cx="0" cy="0"/>
+        </a:xfrm>
+      </p:grpSpPr>
+      <p:sp>
+        <p:nvSpPr>
+          <p:cNvPr id="2" name="TextBox 1">
+            <a:extLst>
+              <a:ext uri="{FF2B5EF4-FFF2-40B4-BE49-F238E27FC236}">
+                <a16:creationId xmlns:a16="http://schemas.microsoft.com/office/drawing/2014/main" id="{09967237-5B0A-0740-97AA-ADC92A519120}"/>
+              </a:ext>
+            </a:extLst>
+          </p:cNvPr>
+          <p:cNvSpPr txBox="1"/>
+          <p:nvPr/>
+        </p:nvSpPr>
+        <p:spPr>
+          <a:xfrm>
+            <a:off x="4028303" y="556054"/>
+            <a:ext cx="1815625" cy="369332"/>
+          </a:xfrm>
+          <a:prstGeom prst="rect">
+            <a:avLst/>
+          </a:prstGeom>
+          <a:noFill/>
+        </p:spPr>
+        <p:txBody>
+          <a:bodyPr wrap="none" rtlCol="0">
+            <a:spAutoFit/>
+          </a:bodyPr>
+          <a:lstStyle/>
+          <a:p>
+            <a:r>
+              <a:rPr lang="en-US" dirty="0"/>
+              <a:t>Stable Diffusion </a:t>
+            </a:r>
+          </a:p>
+        </p:txBody>
+      </p:sp>
+    </p:spTree>
+    <p:extLst>
+      <p:ext uri="{BB962C8B-B14F-4D97-AF65-F5344CB8AC3E}">
+        <p14:creationId xmlns:p14="http://schemas.microsoft.com/office/powerpoint/2010/main" val="1161386038"/>
+      </p:ext>
+    </p:extLst>
+  </p:cSld>
+  <p:clrMapOvr>
+    <a:masterClrMapping/>
+  </p:clrMapOvr>
 </p:sld>
 </file>
 
